--- a/ImageSlideshow/powerpoint.pptx
+++ b/ImageSlideshow/powerpoint.pptx
@@ -5,35 +5,34 @@
     <p:sldMasterId id="2147483648" r:id="rId1"/>
   </p:sldMasterIdLst>
   <p:notesMasterIdLst>
-    <p:notesMasterId r:id="rId25"/>
+    <p:notesMasterId r:id="rId24"/>
   </p:notesMasterIdLst>
   <p:handoutMasterIdLst>
-    <p:handoutMasterId r:id="rId26"/>
+    <p:handoutMasterId r:id="rId25"/>
   </p:handoutMasterIdLst>
   <p:sldIdLst>
     <p:sldId id="283" r:id="rId2"/>
     <p:sldId id="282" r:id="rId3"/>
-    <p:sldId id="293" r:id="rId4"/>
-    <p:sldId id="284" r:id="rId5"/>
-    <p:sldId id="285" r:id="rId6"/>
-    <p:sldId id="286" r:id="rId7"/>
-    <p:sldId id="287" r:id="rId8"/>
-    <p:sldId id="288" r:id="rId9"/>
-    <p:sldId id="289" r:id="rId10"/>
-    <p:sldId id="290" r:id="rId11"/>
-    <p:sldId id="291" r:id="rId12"/>
-    <p:sldId id="276" r:id="rId13"/>
-    <p:sldId id="264" r:id="rId14"/>
-    <p:sldId id="265" r:id="rId15"/>
-    <p:sldId id="262" r:id="rId16"/>
-    <p:sldId id="263" r:id="rId17"/>
-    <p:sldId id="266" r:id="rId18"/>
-    <p:sldId id="267" r:id="rId19"/>
-    <p:sldId id="268" r:id="rId20"/>
-    <p:sldId id="269" r:id="rId21"/>
-    <p:sldId id="271" r:id="rId22"/>
-    <p:sldId id="272" r:id="rId23"/>
-    <p:sldId id="273" r:id="rId24"/>
+    <p:sldId id="284" r:id="rId4"/>
+    <p:sldId id="285" r:id="rId5"/>
+    <p:sldId id="286" r:id="rId6"/>
+    <p:sldId id="287" r:id="rId7"/>
+    <p:sldId id="288" r:id="rId8"/>
+    <p:sldId id="289" r:id="rId9"/>
+    <p:sldId id="290" r:id="rId10"/>
+    <p:sldId id="291" r:id="rId11"/>
+    <p:sldId id="276" r:id="rId12"/>
+    <p:sldId id="264" r:id="rId13"/>
+    <p:sldId id="265" r:id="rId14"/>
+    <p:sldId id="262" r:id="rId15"/>
+    <p:sldId id="263" r:id="rId16"/>
+    <p:sldId id="266" r:id="rId17"/>
+    <p:sldId id="267" r:id="rId18"/>
+    <p:sldId id="268" r:id="rId19"/>
+    <p:sldId id="269" r:id="rId20"/>
+    <p:sldId id="271" r:id="rId21"/>
+    <p:sldId id="272" r:id="rId22"/>
+    <p:sldId id="273" r:id="rId23"/>
   </p:sldIdLst>
   <p:sldSz cx="12192000" cy="6858000"/>
   <p:notesSz cx="6858000" cy="9144000"/>
@@ -139,7 +138,6 @@
           <p14:sldIdLst>
             <p14:sldId id="283"/>
             <p14:sldId id="282"/>
-            <p14:sldId id="293"/>
             <p14:sldId id="284"/>
             <p14:sldId id="285"/>
             <p14:sldId id="286"/>
@@ -268,7 +266,7 @@
           <a:p>
             <a:fld id="{14DCA8E1-3C15-4764-9411-F86CA9D7CF62}" type="datetimeFigureOut">
               <a:rPr lang="en-US" smtClean="0"/>
-              <a:t>6/17/2020</a:t>
+              <a:t>6/30/2020</a:t>
             </a:fld>
             <a:endParaRPr lang="en-US"/>
           </a:p>
@@ -452,7 +450,7 @@
           <a:p>
             <a:fld id="{E72534A2-7F6D-4497-A747-3005E2688577}" type="datetimeFigureOut">
               <a:rPr lang="en-US" smtClean="0"/>
-              <a:t>6/17/2020</a:t>
+              <a:t>6/30/2020</a:t>
             </a:fld>
             <a:endParaRPr lang="en-US"/>
           </a:p>
@@ -877,7 +875,7 @@
           <a:p>
             <a:fld id="{48A87A34-81AB-432B-8DAE-1953F412C126}" type="datetimeFigureOut">
               <a:rPr lang="en-US" dirty="0"/>
-              <a:t>6/17/2020</a:t>
+              <a:t>6/30/2020</a:t>
             </a:fld>
             <a:endParaRPr lang="en-US" dirty="0"/>
           </a:p>
@@ -1167,7 +1165,7 @@
           <a:p>
             <a:fld id="{48A87A34-81AB-432B-8DAE-1953F412C126}" type="datetimeFigureOut">
               <a:rPr lang="en-US" dirty="0"/>
-              <a:t>6/17/2020</a:t>
+              <a:t>6/30/2020</a:t>
             </a:fld>
             <a:endParaRPr lang="en-US" dirty="0"/>
           </a:p>
@@ -1611,7 +1609,7 @@
             <a:fld id="{48A87A34-81AB-432B-8DAE-1953F412C126}" type="datetimeFigureOut">
               <a:rPr lang="en-US" dirty="0"/>
               <a:pPr/>
-              <a:t>6/17/2020</a:t>
+              <a:t>6/30/2020</a:t>
             </a:fld>
             <a:endParaRPr lang="en-US" dirty="0"/>
           </a:p>
@@ -1815,7 +1813,7 @@
           <a:p>
             <a:fld id="{48A87A34-81AB-432B-8DAE-1953F412C126}" type="datetimeFigureOut">
               <a:rPr lang="en-US" dirty="0"/>
-              <a:t>6/17/2020</a:t>
+              <a:t>6/30/2020</a:t>
             </a:fld>
             <a:endParaRPr lang="en-US" dirty="0"/>
           </a:p>
@@ -2028,7 +2026,7 @@
           <a:p>
             <a:fld id="{48A87A34-81AB-432B-8DAE-1953F412C126}" type="datetimeFigureOut">
               <a:rPr lang="en-US" dirty="0"/>
-              <a:t>6/17/2020</a:t>
+              <a:t>6/30/2020</a:t>
             </a:fld>
             <a:endParaRPr lang="en-US" dirty="0"/>
           </a:p>
@@ -2227,7 +2225,7 @@
           <a:p>
             <a:fld id="{48A87A34-81AB-432B-8DAE-1953F412C126}" type="datetimeFigureOut">
               <a:rPr lang="en-US" dirty="0"/>
-              <a:t>6/17/2020</a:t>
+              <a:t>6/30/2020</a:t>
             </a:fld>
             <a:endParaRPr lang="en-US" dirty="0"/>
           </a:p>
@@ -2504,7 +2502,7 @@
           <a:p>
             <a:fld id="{48A87A34-81AB-432B-8DAE-1953F412C126}" type="datetimeFigureOut">
               <a:rPr lang="en-US" dirty="0"/>
-              <a:t>6/17/2020</a:t>
+              <a:t>6/30/2020</a:t>
             </a:fld>
             <a:endParaRPr lang="en-US" dirty="0"/>
           </a:p>
@@ -2770,7 +2768,7 @@
           <a:p>
             <a:fld id="{48A87A34-81AB-432B-8DAE-1953F412C126}" type="datetimeFigureOut">
               <a:rPr lang="en-US" dirty="0"/>
-              <a:t>6/17/2020</a:t>
+              <a:t>6/30/2020</a:t>
             </a:fld>
             <a:endParaRPr lang="en-US" dirty="0"/>
           </a:p>
@@ -3184,7 +3182,7 @@
           <a:p>
             <a:fld id="{48A87A34-81AB-432B-8DAE-1953F412C126}" type="datetimeFigureOut">
               <a:rPr lang="en-US" dirty="0"/>
-              <a:t>6/17/2020</a:t>
+              <a:t>6/30/2020</a:t>
             </a:fld>
             <a:endParaRPr lang="en-US" dirty="0"/>
           </a:p>
@@ -3331,7 +3329,7 @@
           <a:p>
             <a:fld id="{48A87A34-81AB-432B-8DAE-1953F412C126}" type="datetimeFigureOut">
               <a:rPr lang="en-US" dirty="0"/>
-              <a:t>6/17/2020</a:t>
+              <a:t>6/30/2020</a:t>
             </a:fld>
             <a:endParaRPr lang="en-US" dirty="0"/>
           </a:p>
@@ -3455,7 +3453,7 @@
           <a:p>
             <a:fld id="{48A87A34-81AB-432B-8DAE-1953F412C126}" type="datetimeFigureOut">
               <a:rPr lang="en-US" dirty="0"/>
-              <a:t>6/17/2020</a:t>
+              <a:t>6/30/2020</a:t>
             </a:fld>
             <a:endParaRPr lang="en-US" dirty="0"/>
           </a:p>
@@ -4472,7 +4470,7 @@
             <a:fld id="{48A87A34-81AB-432B-8DAE-1953F412C126}" type="datetimeFigureOut">
               <a:rPr lang="en-US" dirty="0"/>
               <a:pPr/>
-              <a:t>6/17/2020</a:t>
+              <a:t>6/30/2020</a:t>
             </a:fld>
             <a:endParaRPr lang="en-US" dirty="0"/>
           </a:p>
@@ -5029,56 +5027,6 @@
       </p:sp>
       <p:sp>
         <p:nvSpPr>
-          <p:cNvPr id="4" name="CurrentTime">
-            <a:extLst>
-              <a:ext uri="{FF2B5EF4-FFF2-40B4-BE49-F238E27FC236}">
-                <a16:creationId xmlns:a16="http://schemas.microsoft.com/office/drawing/2014/main" id="{F800F00F-EB42-49B2-8BC4-4FE33BB100C4}"/>
-              </a:ext>
-            </a:extLst>
-          </p:cNvPr>
-          <p:cNvSpPr>
-            <a:spLocks noGrp="1"/>
-          </p:cNvSpPr>
-          <p:nvPr>
-            <p:ph type="body" sz="quarter" idx="12"/>
-          </p:nvPr>
-        </p:nvSpPr>
-        <p:spPr/>
-        <p:txBody>
-          <a:bodyPr/>
-          <a:lstStyle/>
-          <a:p>
-            <a:endParaRPr lang="en-US"/>
-          </a:p>
-        </p:txBody>
-      </p:sp>
-      <p:sp>
-        <p:nvSpPr>
-          <p:cNvPr id="5" name="CurrentDate">
-            <a:extLst>
-              <a:ext uri="{FF2B5EF4-FFF2-40B4-BE49-F238E27FC236}">
-                <a16:creationId xmlns:a16="http://schemas.microsoft.com/office/drawing/2014/main" id="{0E94BB63-F929-4561-AA8C-DD92DD521E28}"/>
-              </a:ext>
-            </a:extLst>
-          </p:cNvPr>
-          <p:cNvSpPr>
-            <a:spLocks noGrp="1"/>
-          </p:cNvSpPr>
-          <p:nvPr>
-            <p:ph type="body" sz="quarter" idx="13"/>
-          </p:nvPr>
-        </p:nvSpPr>
-        <p:spPr/>
-        <p:txBody>
-          <a:bodyPr/>
-          <a:lstStyle/>
-          <a:p>
-            <a:endParaRPr lang="en-US"/>
-          </a:p>
-        </p:txBody>
-      </p:sp>
-      <p:sp>
-        <p:nvSpPr>
           <p:cNvPr id="6" name="TutorName">
             <a:extLst>
               <a:ext uri="{FF2B5EF4-FFF2-40B4-BE49-F238E27FC236}">
@@ -5093,9 +5041,16 @@
             <p:ph type="body" sz="quarter" idx="14"/>
           </p:nvPr>
         </p:nvSpPr>
-        <p:spPr/>
-        <p:txBody>
-          <a:bodyPr/>
+        <p:spPr>
+          <a:xfrm>
+            <a:off x="2015853" y="2050938"/>
+            <a:ext cx="184731" cy="430502"/>
+          </a:xfrm>
+        </p:spPr>
+        <p:txBody>
+          <a:bodyPr wrap="none">
+            <a:spAutoFit/>
+          </a:bodyPr>
           <a:lstStyle/>
           <a:p>
             <a:endParaRPr lang="en-US" dirty="0"/>
@@ -5145,7 +5100,7 @@
             <a:spLocks noGrp="1"/>
           </p:cNvSpPr>
           <p:nvPr>
-            <p:ph type="ctrTitle"/>
+            <p:ph type="title"/>
           </p:nvPr>
         </p:nvSpPr>
         <p:spPr/>
@@ -5155,45 +5110,144 @@
           <a:p>
             <a:r>
               <a:rPr lang="en-US" dirty="0"/>
-              <a:t>WE want to help you today!!!</a:t>
-            </a:r>
-          </a:p>
-        </p:txBody>
-      </p:sp>
-      <p:sp>
-        <p:nvSpPr>
-          <p:cNvPr id="3" name="Subtitle 2"/>
-          <p:cNvSpPr>
-            <a:spLocks noGrp="1"/>
-          </p:cNvSpPr>
-          <p:nvPr>
-            <p:ph type="subTitle" idx="1"/>
-          </p:nvPr>
-        </p:nvSpPr>
-        <p:spPr/>
-        <p:txBody>
-          <a:bodyPr/>
-          <a:lstStyle/>
-          <a:p>
-            <a:endParaRPr lang="en-US"/>
-          </a:p>
-        </p:txBody>
-      </p:sp>
-      <p:sp>
-        <p:nvSpPr>
-          <p:cNvPr id="4" name="TextBox 3"/>
-          <p:cNvSpPr txBox="1"/>
+              <a:t>Study tips!!!</a:t>
+            </a:r>
+          </a:p>
+        </p:txBody>
+      </p:sp>
+      <p:sp>
+        <p:nvSpPr>
+          <p:cNvPr id="3" name="Content Placeholder 2"/>
+          <p:cNvSpPr>
+            <a:spLocks noGrp="1"/>
+          </p:cNvSpPr>
+          <p:nvPr>
+            <p:ph idx="1"/>
+          </p:nvPr>
+        </p:nvSpPr>
+        <p:spPr>
+          <a:xfrm>
+            <a:off x="1451579" y="1974457"/>
+            <a:ext cx="9603275" cy="3450613"/>
+          </a:xfrm>
+        </p:spPr>
+        <p:txBody>
+          <a:bodyPr>
+            <a:normAutofit fontScale="92500" lnSpcReduction="20000"/>
+          </a:bodyPr>
+          <a:lstStyle/>
+          <a:p>
+            <a:r>
+              <a:rPr lang="en-US" dirty="0"/>
+              <a:t>Pick a place and time. Everyone has their own idea about the best place and time to study. </a:t>
+            </a:r>
+          </a:p>
+          <a:p>
+            <a:r>
+              <a:rPr lang="en-US" dirty="0"/>
+              <a:t>Study every day.</a:t>
+            </a:r>
+          </a:p>
+          <a:p>
+            <a:r>
+              <a:rPr lang="en-US" dirty="0"/>
+              <a:t>Plan your time. </a:t>
+            </a:r>
+          </a:p>
+          <a:p>
+            <a:r>
+              <a:rPr lang="en-US" dirty="0"/>
+              <a:t>Discover your learning style. </a:t>
+            </a:r>
+          </a:p>
+          <a:p>
+            <a:r>
+              <a:rPr lang="en-US" dirty="0"/>
+              <a:t>Review and revise. </a:t>
+            </a:r>
+          </a:p>
+          <a:p>
+            <a:r>
+              <a:rPr lang="en-US" dirty="0"/>
+              <a:t>Take breaks. </a:t>
+            </a:r>
+          </a:p>
+          <a:p>
+            <a:r>
+              <a:rPr lang="en-US" dirty="0"/>
+              <a:t>Ask for help. </a:t>
+            </a:r>
+          </a:p>
+          <a:p>
+            <a:r>
+              <a:rPr lang="en-US" dirty="0"/>
+              <a:t>Stay motivated.</a:t>
+            </a:r>
+          </a:p>
+          <a:p>
+            <a:pPr marL="0" indent="0">
+              <a:buNone/>
+            </a:pPr>
+            <a:endParaRPr lang="en-US" dirty="0"/>
+          </a:p>
+        </p:txBody>
+      </p:sp>
+      <p:pic>
+        <p:nvPicPr>
+          <p:cNvPr id="14338" name="Picture 2" descr="Image result for pencil"/>
+          <p:cNvPicPr>
+            <a:picLocks noChangeAspect="1" noChangeArrowheads="1"/>
+          </p:cNvPicPr>
           <p:nvPr/>
-        </p:nvSpPr>
-        <p:spPr>
-          <a:xfrm>
-            <a:off x="0" y="6642556"/>
-            <a:ext cx="922711" cy="215444"/>
+        </p:nvPicPr>
+        <p:blipFill>
+          <a:blip r:embed="rId2">
+            <a:extLst>
+              <a:ext uri="{28A0092B-C50C-407E-A947-70E740481C1C}">
+                <a14:useLocalDpi xmlns:a14="http://schemas.microsoft.com/office/drawing/2010/main" val="0"/>
+              </a:ext>
+            </a:extLst>
+          </a:blip>
+          <a:srcRect/>
+          <a:stretch>
+            <a:fillRect/>
+          </a:stretch>
+        </p:blipFill>
+        <p:spPr bwMode="auto">
+          <a:xfrm rot="7571616">
+            <a:off x="5512881" y="2303922"/>
+            <a:ext cx="5081444" cy="3719619"/>
           </a:xfrm>
           <a:prstGeom prst="rect">
             <a:avLst/>
           </a:prstGeom>
           <a:noFill/>
+          <a:extLst>
+            <a:ext uri="{909E8E84-426E-40DD-AFC4-6F175D3DCCD1}">
+              <a14:hiddenFill xmlns:a14="http://schemas.microsoft.com/office/drawing/2010/main">
+                <a:solidFill>
+                  <a:srgbClr val="FFFFFF"/>
+                </a:solidFill>
+              </a14:hiddenFill>
+            </a:ext>
+          </a:extLst>
+        </p:spPr>
+      </p:pic>
+      <p:sp>
+        <p:nvSpPr>
+          <p:cNvPr id="5" name="TextBox 4"/>
+          <p:cNvSpPr txBox="1"/>
+          <p:nvPr/>
+        </p:nvSpPr>
+        <p:spPr>
+          <a:xfrm>
+            <a:off x="0" y="6642556"/>
+            <a:ext cx="922711" cy="215444"/>
+          </a:xfrm>
+          <a:prstGeom prst="rect">
+            <a:avLst/>
+          </a:prstGeom>
+          <a:noFill/>
         </p:spPr>
         <p:txBody>
           <a:bodyPr wrap="square" rtlCol="0">
@@ -5211,7 +5265,7 @@
     </p:spTree>
     <p:extLst>
       <p:ext uri="{BB962C8B-B14F-4D97-AF65-F5344CB8AC3E}">
-        <p14:creationId xmlns:p14="http://schemas.microsoft.com/office/powerpoint/2010/main" val="1606559736"/>
+        <p14:creationId xmlns:p14="http://schemas.microsoft.com/office/powerpoint/2010/main" val="1929952256"/>
       </p:ext>
     </p:extLst>
   </p:cSld>
@@ -5258,91 +5312,51 @@
           <a:p>
             <a:r>
               <a:rPr lang="en-US" dirty="0"/>
-              <a:t>Study tips!!!</a:t>
-            </a:r>
-          </a:p>
-        </p:txBody>
-      </p:sp>
-      <p:sp>
-        <p:nvSpPr>
-          <p:cNvPr id="3" name="Content Placeholder 2"/>
-          <p:cNvSpPr>
-            <a:spLocks noGrp="1"/>
-          </p:cNvSpPr>
-          <p:nvPr>
-            <p:ph idx="1"/>
-          </p:nvPr>
-        </p:nvSpPr>
-        <p:spPr>
-          <a:xfrm>
-            <a:off x="1451579" y="1974457"/>
-            <a:ext cx="9603275" cy="3450613"/>
-          </a:xfrm>
-        </p:spPr>
-        <p:txBody>
-          <a:bodyPr>
-            <a:normAutofit fontScale="92500" lnSpcReduction="20000"/>
+              <a:t>Meet our tutors</a:t>
+            </a:r>
+          </a:p>
+        </p:txBody>
+      </p:sp>
+      <p:sp>
+        <p:nvSpPr>
+          <p:cNvPr id="4" name="Rectangle 3"/>
+          <p:cNvSpPr/>
+          <p:nvPr/>
+        </p:nvSpPr>
+        <p:spPr>
+          <a:xfrm>
+            <a:off x="4656124" y="1853754"/>
+            <a:ext cx="5327823" cy="1754326"/>
+          </a:xfrm>
+          <a:prstGeom prst="rect">
+            <a:avLst/>
+          </a:prstGeom>
+        </p:spPr>
+        <p:txBody>
+          <a:bodyPr wrap="square">
+            <a:spAutoFit/>
           </a:bodyPr>
           <a:lstStyle/>
           <a:p>
             <a:r>
               <a:rPr lang="en-US" dirty="0"/>
-              <a:t>Pick a place and time. Everyone has their own idea about the best place and time to study. </a:t>
-            </a:r>
+              <a:t>Red Green</a:t>
+            </a:r>
+          </a:p>
+          <a:p>
+            <a:endParaRPr lang="en-US" dirty="0"/>
           </a:p>
           <a:p>
             <a:r>
               <a:rPr lang="en-US" dirty="0"/>
-              <a:t>Study every day.</a:t>
-            </a:r>
-          </a:p>
-          <a:p>
-            <a:r>
-              <a:rPr lang="en-US" dirty="0"/>
-              <a:t>Plan your time. </a:t>
-            </a:r>
-          </a:p>
-          <a:p>
-            <a:r>
-              <a:rPr lang="en-US" dirty="0"/>
-              <a:t>Discover your learning style. </a:t>
-            </a:r>
-          </a:p>
-          <a:p>
-            <a:r>
-              <a:rPr lang="en-US" dirty="0"/>
-              <a:t>Review and revise. </a:t>
-            </a:r>
-          </a:p>
-          <a:p>
-            <a:r>
-              <a:rPr lang="en-US" dirty="0"/>
-              <a:t>Take breaks. </a:t>
-            </a:r>
-          </a:p>
-          <a:p>
-            <a:r>
-              <a:rPr lang="en-US" dirty="0"/>
-              <a:t>Ask for help. </a:t>
-            </a:r>
-          </a:p>
-          <a:p>
-            <a:r>
-              <a:rPr lang="en-US" dirty="0"/>
-              <a:t>Stay motivated.</a:t>
-            </a:r>
-          </a:p>
-          <a:p>
-            <a:pPr marL="0" indent="0">
-              <a:buNone/>
-            </a:pPr>
-            <a:endParaRPr lang="en-US" dirty="0"/>
+              <a:t>I love Colorado and my dream is to work to conserve wildlife for future generations to enjoy. I enjoy alcoholic beverages mixed with melancholy and can be found on campus doing Ms. Z’s bidding. </a:t>
+            </a:r>
           </a:p>
         </p:txBody>
       </p:sp>
       <p:pic>
         <p:nvPicPr>
-          <p:cNvPr id="14338" name="Picture 2" descr="Image result for pencil"/>
+          <p:cNvPr id="15362" name="Picture 2" descr="Image preview"/>
           <p:cNvPicPr>
             <a:picLocks noChangeAspect="1" noChangeArrowheads="1"/>
           </p:cNvPicPr>
@@ -5362,9 +5376,9 @@
           </a:stretch>
         </p:blipFill>
         <p:spPr bwMode="auto">
-          <a:xfrm rot="7571616">
-            <a:off x="5512881" y="2303922"/>
-            <a:ext cx="5081444" cy="3719619"/>
+          <a:xfrm>
+            <a:off x="1451580" y="1853754"/>
+            <a:ext cx="3204544" cy="4272726"/>
           </a:xfrm>
           <a:prstGeom prst="rect">
             <a:avLst/>
@@ -5413,7 +5427,7 @@
     </p:spTree>
     <p:extLst>
       <p:ext uri="{BB962C8B-B14F-4D97-AF65-F5344CB8AC3E}">
-        <p14:creationId xmlns:p14="http://schemas.microsoft.com/office/powerpoint/2010/main" val="1929952256"/>
+        <p14:creationId xmlns:p14="http://schemas.microsoft.com/office/powerpoint/2010/main" val="3627445823"/>
       </p:ext>
     </p:extLst>
   </p:cSld>
@@ -5465,46 +5479,9 @@
           </a:p>
         </p:txBody>
       </p:sp>
-      <p:sp>
-        <p:nvSpPr>
-          <p:cNvPr id="4" name="Rectangle 3"/>
-          <p:cNvSpPr/>
-          <p:nvPr/>
-        </p:nvSpPr>
-        <p:spPr>
-          <a:xfrm>
-            <a:off x="4656124" y="1853754"/>
-            <a:ext cx="5327823" cy="1754326"/>
-          </a:xfrm>
-          <a:prstGeom prst="rect">
-            <a:avLst/>
-          </a:prstGeom>
-        </p:spPr>
-        <p:txBody>
-          <a:bodyPr wrap="square">
-            <a:spAutoFit/>
-          </a:bodyPr>
-          <a:lstStyle/>
-          <a:p>
-            <a:r>
-              <a:rPr lang="en-US" dirty="0"/>
-              <a:t>Red Green</a:t>
-            </a:r>
-          </a:p>
-          <a:p>
-            <a:endParaRPr lang="en-US" dirty="0"/>
-          </a:p>
-          <a:p>
-            <a:r>
-              <a:rPr lang="en-US" dirty="0"/>
-              <a:t>I love Colorado and my dream is to work to conserve wildlife for future generations to enjoy. I enjoy alcoholic beverages mixed with melancholy and can be found on campus doing Ms. Z’s bidding. </a:t>
-            </a:r>
-          </a:p>
-        </p:txBody>
-      </p:sp>
       <p:pic>
         <p:nvPicPr>
-          <p:cNvPr id="15362" name="Picture 2" descr="Image preview"/>
+          <p:cNvPr id="3074" name="Picture 2" descr="https://attachments.office.net/owa/cmcgill1%40butlercc.edu/service.svc/s/GetAttachmentThumbnail?id=AAMkAGUxMmM3YzVkLTFlYTMtNGRiMS1iNzJjLWM5NDUwY2E1NGNjZgBGAAAAAACfS%2F7hQdtDSYcbJjpSD%2FvgBwA%2FQB3Mk8jwTprctT6VzHEZAAAAAAEMAAA%2FQB3Mk8jwTprctT6VzHEZAAHRYiEiAAABEgAQAE8cvIObqx9NiDL4vPFHuFg%3D&amp;thumbnailType=2&amp;owa=outlook.office365.com&amp;scriptVer=2020030202.19&amp;X-OWA-CANARY=wU3XLFn110ap7rzI3CoURyCX6U46xdcYnk9Ip2CQssoyYqWCYshcUTtHpSex9Vg6WyybD9f0TCk.&amp;token=eyJhbGciOiJSUzI1NiIsImtpZCI6IjU2MzU4ODUyMzRCOTI1MkRERTAwNTc2NkQ5RDlGMjc2NTY1RjYzRTIiLCJ4NXQiOiJWaldJVWpTNUpTM2VBRmRtMmRueWRsWmZZLUkiLCJ0eXAiOiJKV1QifQ.eyJvcmlnaW4iOiJodHRwczovL291dGxvb2sub2ZmaWNlMzY1LmNvbSIsInZlciI6IkV4Y2hhbmdlLkNhbGxiYWNrLlYxIiwiYXBwY3R4c2VuZGVyIjoiT3dhRG93bmxvYWRAYjBjNmM2ODctYTc0MC00MzVlLTkzNjItMDk1YjAzN2QyNDQzIiwiaXNzcmluZyI6IldXIiwiYXBwY3R4Ijoie1wibXNleGNocHJvdFwiOlwib3dhXCIsXCJwcmltYXJ5c2lkXCI6XCJTLTEtNS0yMS0xNjgwNjYxMDktNDA1NjQ0NzE2LTI2MjI2MzQ1NjgtMjI4NTc0NjJcIixcInB1aWRcIjpcIjExNTM5MDY2NjEyNzczOTAzMDVcIixcIm9pZFwiOlwiYWQ2OGFkNGEtN2VkZi00NjNjLWJhMWEtOWEyNDc0MmU4MzBiXCIsXCJzY29wZVwiOlwiT3dhRG93bmxvYWRcIn0iLCJuYmYiOjE1ODM4NzU4MzAsImV4cCI6MTU4Mzg3NjQzMCwiaXNzIjoiMDAwMDAwMDItMDAwMC0wZmYxLWNlMDAtMDAwMDAwMDAwMDAwQGIwYzZjNjg3LWE3NDAtNDM1ZS05MzYyLTA5NWIwMzdkMjQ0MyIsImF1ZCI6IjAwMDAwMDAyLTAwMDAtMGZmMS1jZTAwLTAwMDAwMDAwMDAwMC9hdHRhY2htZW50cy5vZmZpY2UubmV0QGIwYzZjNjg3LWE3NDAtNDM1ZS05MzYyLTA5NWIwMzdkMjQ0MyJ9.k3qpRHrgiFsx3Pxyk9phACrMe7qUuQCtEpaTW6Zi64uO2kWkovaz-3zPd3z1d749lkQAP5oeLsByPEq7B6EH1xYidK6adAOuhDm0LdBYNyFSiO9YOhsDdKKxMryFU1cX6cbTFp5HkIBhNC101NC69XjtV6DEHwR9LBxbSfZSHhLaEWfVmVlgaAsjEvZIWWzgvruYf4l3Hldx2-GOFVpVeV7IeVZAtEdACArhzcSvdHAWE0tj3Ot03XwscKGT_Y56iOTh0z3HRHhQnxBQ8d2TBzxvoV_mGxJLVB8OxNM4CmWc-zG70VHW6Wsf5QAdQ7dd66CzeckF-ez0SzQd-HNYoQ&amp;animation=true"/>
           <p:cNvPicPr>
             <a:picLocks noChangeAspect="1" noChangeArrowheads="1"/>
           </p:cNvPicPr>
@@ -5525,8 +5502,8 @@
         </p:blipFill>
         <p:spPr bwMode="auto">
           <a:xfrm>
-            <a:off x="1451580" y="1853754"/>
-            <a:ext cx="3204544" cy="4272726"/>
+            <a:off x="1451578" y="1853754"/>
+            <a:ext cx="4455865" cy="4274330"/>
           </a:xfrm>
           <a:prstGeom prst="rect">
             <a:avLst/>
@@ -5545,14 +5522,14 @@
       </p:pic>
       <p:sp>
         <p:nvSpPr>
-          <p:cNvPr id="5" name="TextBox 4"/>
+          <p:cNvPr id="6" name="TextBox 5"/>
           <p:cNvSpPr txBox="1"/>
           <p:nvPr/>
         </p:nvSpPr>
         <p:spPr>
           <a:xfrm>
-            <a:off x="0" y="6642556"/>
-            <a:ext cx="922711" cy="215444"/>
+            <a:off x="5907443" y="1853754"/>
+            <a:ext cx="5147411" cy="2308324"/>
           </a:xfrm>
           <a:prstGeom prst="rect">
             <a:avLst/>
@@ -5566,8 +5543,55 @@
           <a:lstStyle/>
           <a:p>
             <a:r>
+              <a:rPr lang="en-US" dirty="0"/>
+              <a:t>Cade McGill</a:t>
+            </a:r>
+          </a:p>
+          <a:p>
+            <a:endParaRPr lang="en-US" dirty="0"/>
+          </a:p>
+          <a:p>
+            <a:r>
+              <a:rPr lang="en-US" dirty="0"/>
+              <a:t>My name is Cade McGill and I am a first year Industrial Engineering major. I enjoy eating guacamole and playing chess in my free time. </a:t>
+            </a:r>
+          </a:p>
+          <a:p>
+            <a:br>
+              <a:rPr lang="en-US" dirty="0"/>
+            </a:br>
+            <a:endParaRPr lang="en-US" dirty="0"/>
+          </a:p>
+          <a:p>
+            <a:endParaRPr lang="en-US" dirty="0"/>
+          </a:p>
+        </p:txBody>
+      </p:sp>
+      <p:sp>
+        <p:nvSpPr>
+          <p:cNvPr id="5" name="TextBox 4"/>
+          <p:cNvSpPr txBox="1"/>
+          <p:nvPr/>
+        </p:nvSpPr>
+        <p:spPr>
+          <a:xfrm>
+            <a:off x="0" y="6642556"/>
+            <a:ext cx="1318846" cy="215444"/>
+          </a:xfrm>
+          <a:prstGeom prst="rect">
+            <a:avLst/>
+          </a:prstGeom>
+          <a:noFill/>
+        </p:spPr>
+        <p:txBody>
+          <a:bodyPr wrap="square" rtlCol="0">
+            <a:spAutoFit/>
+          </a:bodyPr>
+          <a:lstStyle/>
+          <a:p>
+            <a:r>
               <a:rPr lang="en-US" sz="800" dirty="0"/>
-              <a:t>cade was here</a:t>
+              <a:t>cade was here, or was he?</a:t>
             </a:r>
           </a:p>
         </p:txBody>
@@ -5575,7 +5599,7 @@
     </p:spTree>
     <p:extLst>
       <p:ext uri="{BB962C8B-B14F-4D97-AF65-F5344CB8AC3E}">
-        <p14:creationId xmlns:p14="http://schemas.microsoft.com/office/powerpoint/2010/main" val="3627445823"/>
+        <p14:creationId xmlns:p14="http://schemas.microsoft.com/office/powerpoint/2010/main" val="3100309910"/>
       </p:ext>
     </p:extLst>
   </p:cSld>
@@ -5627,9 +5651,46 @@
           </a:p>
         </p:txBody>
       </p:sp>
+      <p:sp>
+        <p:nvSpPr>
+          <p:cNvPr id="4" name="Rectangle 3"/>
+          <p:cNvSpPr/>
+          <p:nvPr/>
+        </p:nvSpPr>
+        <p:spPr>
+          <a:xfrm>
+            <a:off x="6096000" y="1853754"/>
+            <a:ext cx="4958854" cy="3139321"/>
+          </a:xfrm>
+          <a:prstGeom prst="rect">
+            <a:avLst/>
+          </a:prstGeom>
+        </p:spPr>
+        <p:txBody>
+          <a:bodyPr wrap="square">
+            <a:spAutoFit/>
+          </a:bodyPr>
+          <a:lstStyle/>
+          <a:p>
+            <a:r>
+              <a:rPr lang="en-US" dirty="0"/>
+              <a:t>Kassidy Bratton</a:t>
+            </a:r>
+          </a:p>
+          <a:p>
+            <a:endParaRPr lang="en-US" dirty="0"/>
+          </a:p>
+          <a:p>
+            <a:r>
+              <a:rPr lang="en-US" dirty="0"/>
+              <a:t>Hi! I am Kassidy Bratton, a tutor ambassador in Andover currently studying Elementary Education. After Butler, I plan on finishing my degree at Wichita State in order to get my teaching license and become a kindergarten teacher. In my free time I love volunteering with kids, playing with my dog, baking, and hanging out with close friends and family. It has always been a passion of mine to help others and this position allows me to do it often!</a:t>
+            </a:r>
+          </a:p>
+        </p:txBody>
+      </p:sp>
       <p:pic>
         <p:nvPicPr>
-          <p:cNvPr id="3074" name="Picture 2" descr="https://attachments.office.net/owa/cmcgill1%40butlercc.edu/service.svc/s/GetAttachmentThumbnail?id=AAMkAGUxMmM3YzVkLTFlYTMtNGRiMS1iNzJjLWM5NDUwY2E1NGNjZgBGAAAAAACfS%2F7hQdtDSYcbJjpSD%2FvgBwA%2FQB3Mk8jwTprctT6VzHEZAAAAAAEMAAA%2FQB3Mk8jwTprctT6VzHEZAAHRYiEiAAABEgAQAE8cvIObqx9NiDL4vPFHuFg%3D&amp;thumbnailType=2&amp;owa=outlook.office365.com&amp;scriptVer=2020030202.19&amp;X-OWA-CANARY=wU3XLFn110ap7rzI3CoURyCX6U46xdcYnk9Ip2CQssoyYqWCYshcUTtHpSex9Vg6WyybD9f0TCk.&amp;token=eyJhbGciOiJSUzI1NiIsImtpZCI6IjU2MzU4ODUyMzRCOTI1MkRERTAwNTc2NkQ5RDlGMjc2NTY1RjYzRTIiLCJ4NXQiOiJWaldJVWpTNUpTM2VBRmRtMmRueWRsWmZZLUkiLCJ0eXAiOiJKV1QifQ.eyJvcmlnaW4iOiJodHRwczovL291dGxvb2sub2ZmaWNlMzY1LmNvbSIsInZlciI6IkV4Y2hhbmdlLkNhbGxiYWNrLlYxIiwiYXBwY3R4c2VuZGVyIjoiT3dhRG93bmxvYWRAYjBjNmM2ODctYTc0MC00MzVlLTkzNjItMDk1YjAzN2QyNDQzIiwiaXNzcmluZyI6IldXIiwiYXBwY3R4Ijoie1wibXNleGNocHJvdFwiOlwib3dhXCIsXCJwcmltYXJ5c2lkXCI6XCJTLTEtNS0yMS0xNjgwNjYxMDktNDA1NjQ0NzE2LTI2MjI2MzQ1NjgtMjI4NTc0NjJcIixcInB1aWRcIjpcIjExNTM5MDY2NjEyNzczOTAzMDVcIixcIm9pZFwiOlwiYWQ2OGFkNGEtN2VkZi00NjNjLWJhMWEtOWEyNDc0MmU4MzBiXCIsXCJzY29wZVwiOlwiT3dhRG93bmxvYWRcIn0iLCJuYmYiOjE1ODM4NzU4MzAsImV4cCI6MTU4Mzg3NjQzMCwiaXNzIjoiMDAwMDAwMDItMDAwMC0wZmYxLWNlMDAtMDAwMDAwMDAwMDAwQGIwYzZjNjg3LWE3NDAtNDM1ZS05MzYyLTA5NWIwMzdkMjQ0MyIsImF1ZCI6IjAwMDAwMDAyLTAwMDAtMGZmMS1jZTAwLTAwMDAwMDAwMDAwMC9hdHRhY2htZW50cy5vZmZpY2UubmV0QGIwYzZjNjg3LWE3NDAtNDM1ZS05MzYyLTA5NWIwMzdkMjQ0MyJ9.k3qpRHrgiFsx3Pxyk9phACrMe7qUuQCtEpaTW6Zi64uO2kWkovaz-3zPd3z1d749lkQAP5oeLsByPEq7B6EH1xYidK6adAOuhDm0LdBYNyFSiO9YOhsDdKKxMryFU1cX6cbTFp5HkIBhNC101NC69XjtV6DEHwR9LBxbSfZSHhLaEWfVmVlgaAsjEvZIWWzgvruYf4l3Hldx2-GOFVpVeV7IeVZAtEdACArhzcSvdHAWE0tj3Ot03XwscKGT_Y56iOTh0z3HRHhQnxBQ8d2TBzxvoV_mGxJLVB8OxNM4CmWc-zG70VHW6Wsf5QAdQ7dd66CzeckF-ez0SzQd-HNYoQ&amp;animation=true"/>
+          <p:cNvPr id="4098" name="Picture 2" descr="https://attachments.office.net/owa/cmcgill1%40butlercc.edu/service.svc/s/GetAttachmentThumbnail?id=AAMkAGUxMmM3YzVkLTFlYTMtNGRiMS1iNzJjLWM5NDUwY2E1NGNjZgBGAAAAAACfS%2F7hQdtDSYcbJjpSD%2FvgBwA%2FQB3Mk8jwTprctT6VzHEZAAAAAAEMAAA%2FQB3Mk8jwTprctT6VzHEZAAHRYiEiAAABEgAQAIR55UE8cmNOi5JpV%2FxV1Ds%3D&amp;thumbnailType=2&amp;owa=outlook.office365.com&amp;scriptVer=2020030202.19&amp;X-OWA-CANARY=wU3XLFn110ap7rzI3CoURyCX6U46xdcYnk9Ip2CQssoyYqWCYshcUTtHpSex9Vg6WyybD9f0TCk.&amp;token=eyJhbGciOiJSUzI1NiIsImtpZCI6IjU2MzU4ODUyMzRCOTI1MkRERTAwNTc2NkQ5RDlGMjc2NTY1RjYzRTIiLCJ4NXQiOiJWaldJVWpTNUpTM2VBRmRtMmRueWRsWmZZLUkiLCJ0eXAiOiJKV1QifQ.eyJvcmlnaW4iOiJodHRwczovL291dGxvb2sub2ZmaWNlMzY1LmNvbSIsInZlciI6IkV4Y2hhbmdlLkNhbGxiYWNrLlYxIiwiYXBwY3R4c2VuZGVyIjoiT3dhRG93bmxvYWRAYjBjNmM2ODctYTc0MC00MzVlLTkzNjItMDk1YjAzN2QyNDQzIiwiaXNzcmluZyI6IldXIiwiYXBwY3R4Ijoie1wibXNleGNocHJvdFwiOlwib3dhXCIsXCJwcmltYXJ5c2lkXCI6XCJTLTEtNS0yMS0xNjgwNjYxMDktNDA1NjQ0NzE2LTI2MjI2MzQ1NjgtMjI4NTc0NjJcIixcInB1aWRcIjpcIjExNTM5MDY2NjEyNzczOTAzMDVcIixcIm9pZFwiOlwiYWQ2OGFkNGEtN2VkZi00NjNjLWJhMWEtOWEyNDc0MmU4MzBiXCIsXCJzY29wZVwiOlwiT3dhRG93bmxvYWRcIn0iLCJuYmYiOjE1ODM4NzU4MzAsImV4cCI6MTU4Mzg3NjQzMCwiaXNzIjoiMDAwMDAwMDItMDAwMC0wZmYxLWNlMDAtMDAwMDAwMDAwMDAwQGIwYzZjNjg3LWE3NDAtNDM1ZS05MzYyLTA5NWIwMzdkMjQ0MyIsImF1ZCI6IjAwMDAwMDAyLTAwMDAtMGZmMS1jZTAwLTAwMDAwMDAwMDAwMC9hdHRhY2htZW50cy5vZmZpY2UubmV0QGIwYzZjNjg3LWE3NDAtNDM1ZS05MzYyLTA5NWIwMzdkMjQ0MyJ9.k3qpRHrgiFsx3Pxyk9phACrMe7qUuQCtEpaTW6Zi64uO2kWkovaz-3zPd3z1d749lkQAP5oeLsByPEq7B6EH1xYidK6adAOuhDm0LdBYNyFSiO9YOhsDdKKxMryFU1cX6cbTFp5HkIBhNC101NC69XjtV6DEHwR9LBxbSfZSHhLaEWfVmVlgaAsjEvZIWWzgvruYf4l3Hldx2-GOFVpVeV7IeVZAtEdACArhzcSvdHAWE0tj3Ot03XwscKGT_Y56iOTh0z3HRHhQnxBQ8d2TBzxvoV_mGxJLVB8OxNM4CmWc-zG70VHW6Wsf5QAdQ7dd66CzeckF-ez0SzQd-HNYoQ&amp;animation=true"/>
           <p:cNvPicPr>
             <a:picLocks noChangeAspect="1" noChangeArrowheads="1"/>
           </p:cNvPicPr>
@@ -5651,7 +5712,7 @@
         <p:spPr bwMode="auto">
           <a:xfrm>
             <a:off x="1451578" y="1853754"/>
-            <a:ext cx="4455865" cy="4274330"/>
+            <a:ext cx="4692547" cy="3519410"/>
           </a:xfrm>
           <a:prstGeom prst="rect">
             <a:avLst/>
@@ -5670,14 +5731,14 @@
       </p:pic>
       <p:sp>
         <p:nvSpPr>
-          <p:cNvPr id="6" name="TextBox 5"/>
+          <p:cNvPr id="5" name="TextBox 4"/>
           <p:cNvSpPr txBox="1"/>
           <p:nvPr/>
         </p:nvSpPr>
         <p:spPr>
           <a:xfrm>
-            <a:off x="5907443" y="1853754"/>
-            <a:ext cx="5147411" cy="2308324"/>
+            <a:off x="0" y="6642556"/>
+            <a:ext cx="922711" cy="215444"/>
           </a:xfrm>
           <a:prstGeom prst="rect">
             <a:avLst/>
@@ -5691,55 +5752,8 @@
           <a:lstStyle/>
           <a:p>
             <a:r>
-              <a:rPr lang="en-US" dirty="0"/>
-              <a:t>Cade McGill</a:t>
-            </a:r>
-          </a:p>
-          <a:p>
-            <a:endParaRPr lang="en-US" dirty="0"/>
-          </a:p>
-          <a:p>
-            <a:r>
-              <a:rPr lang="en-US" dirty="0"/>
-              <a:t>My name is Cade McGill and I am a first year Industrial Engineering major. I enjoy eating guacamole and playing chess in my free time. </a:t>
-            </a:r>
-          </a:p>
-          <a:p>
-            <a:br>
-              <a:rPr lang="en-US" dirty="0"/>
-            </a:br>
-            <a:endParaRPr lang="en-US" dirty="0"/>
-          </a:p>
-          <a:p>
-            <a:endParaRPr lang="en-US" dirty="0"/>
-          </a:p>
-        </p:txBody>
-      </p:sp>
-      <p:sp>
-        <p:nvSpPr>
-          <p:cNvPr id="5" name="TextBox 4"/>
-          <p:cNvSpPr txBox="1"/>
-          <p:nvPr/>
-        </p:nvSpPr>
-        <p:spPr>
-          <a:xfrm>
-            <a:off x="0" y="6642556"/>
-            <a:ext cx="1318846" cy="215444"/>
-          </a:xfrm>
-          <a:prstGeom prst="rect">
-            <a:avLst/>
-          </a:prstGeom>
-          <a:noFill/>
-        </p:spPr>
-        <p:txBody>
-          <a:bodyPr wrap="square" rtlCol="0">
-            <a:spAutoFit/>
-          </a:bodyPr>
-          <a:lstStyle/>
-          <a:p>
-            <a:r>
               <a:rPr lang="en-US" sz="800" dirty="0"/>
-              <a:t>cade was here, or was he?</a:t>
+              <a:t>cade was here</a:t>
             </a:r>
           </a:p>
         </p:txBody>
@@ -5747,7 +5761,7 @@
     </p:spTree>
     <p:extLst>
       <p:ext uri="{BB962C8B-B14F-4D97-AF65-F5344CB8AC3E}">
-        <p14:creationId xmlns:p14="http://schemas.microsoft.com/office/powerpoint/2010/main" val="3100309910"/>
+        <p14:creationId xmlns:p14="http://schemas.microsoft.com/office/powerpoint/2010/main" val="410939818"/>
       </p:ext>
     </p:extLst>
   </p:cSld>
@@ -5799,46 +5813,9 @@
           </a:p>
         </p:txBody>
       </p:sp>
-      <p:sp>
-        <p:nvSpPr>
-          <p:cNvPr id="4" name="Rectangle 3"/>
-          <p:cNvSpPr/>
-          <p:nvPr/>
-        </p:nvSpPr>
-        <p:spPr>
-          <a:xfrm>
-            <a:off x="6096000" y="1853754"/>
-            <a:ext cx="4958854" cy="3139321"/>
-          </a:xfrm>
-          <a:prstGeom prst="rect">
-            <a:avLst/>
-          </a:prstGeom>
-        </p:spPr>
-        <p:txBody>
-          <a:bodyPr wrap="square">
-            <a:spAutoFit/>
-          </a:bodyPr>
-          <a:lstStyle/>
-          <a:p>
-            <a:r>
-              <a:rPr lang="en-US" dirty="0"/>
-              <a:t>Kassidy Bratton</a:t>
-            </a:r>
-          </a:p>
-          <a:p>
-            <a:endParaRPr lang="en-US" dirty="0"/>
-          </a:p>
-          <a:p>
-            <a:r>
-              <a:rPr lang="en-US" dirty="0"/>
-              <a:t>Hi! I am Kassidy Bratton, a tutor ambassador in Andover currently studying Elementary Education. After Butler, I plan on finishing my degree at Wichita State in order to get my teaching license and become a kindergarten teacher. In my free time I love volunteering with kids, playing with my dog, baking, and hanging out with close friends and family. It has always been a passion of mine to help others and this position allows me to do it often!</a:t>
-            </a:r>
-          </a:p>
-        </p:txBody>
-      </p:sp>
       <p:pic>
         <p:nvPicPr>
-          <p:cNvPr id="4098" name="Picture 2" descr="https://attachments.office.net/owa/cmcgill1%40butlercc.edu/service.svc/s/GetAttachmentThumbnail?id=AAMkAGUxMmM3YzVkLTFlYTMtNGRiMS1iNzJjLWM5NDUwY2E1NGNjZgBGAAAAAACfS%2F7hQdtDSYcbJjpSD%2FvgBwA%2FQB3Mk8jwTprctT6VzHEZAAAAAAEMAAA%2FQB3Mk8jwTprctT6VzHEZAAHRYiEiAAABEgAQAIR55UE8cmNOi5JpV%2FxV1Ds%3D&amp;thumbnailType=2&amp;owa=outlook.office365.com&amp;scriptVer=2020030202.19&amp;X-OWA-CANARY=wU3XLFn110ap7rzI3CoURyCX6U46xdcYnk9Ip2CQssoyYqWCYshcUTtHpSex9Vg6WyybD9f0TCk.&amp;token=eyJhbGciOiJSUzI1NiIsImtpZCI6IjU2MzU4ODUyMzRCOTI1MkRERTAwNTc2NkQ5RDlGMjc2NTY1RjYzRTIiLCJ4NXQiOiJWaldJVWpTNUpTM2VBRmRtMmRueWRsWmZZLUkiLCJ0eXAiOiJKV1QifQ.eyJvcmlnaW4iOiJodHRwczovL291dGxvb2sub2ZmaWNlMzY1LmNvbSIsInZlciI6IkV4Y2hhbmdlLkNhbGxiYWNrLlYxIiwiYXBwY3R4c2VuZGVyIjoiT3dhRG93bmxvYWRAYjBjNmM2ODctYTc0MC00MzVlLTkzNjItMDk1YjAzN2QyNDQzIiwiaXNzcmluZyI6IldXIiwiYXBwY3R4Ijoie1wibXNleGNocHJvdFwiOlwib3dhXCIsXCJwcmltYXJ5c2lkXCI6XCJTLTEtNS0yMS0xNjgwNjYxMDktNDA1NjQ0NzE2LTI2MjI2MzQ1NjgtMjI4NTc0NjJcIixcInB1aWRcIjpcIjExNTM5MDY2NjEyNzczOTAzMDVcIixcIm9pZFwiOlwiYWQ2OGFkNGEtN2VkZi00NjNjLWJhMWEtOWEyNDc0MmU4MzBiXCIsXCJzY29wZVwiOlwiT3dhRG93bmxvYWRcIn0iLCJuYmYiOjE1ODM4NzU4MzAsImV4cCI6MTU4Mzg3NjQzMCwiaXNzIjoiMDAwMDAwMDItMDAwMC0wZmYxLWNlMDAtMDAwMDAwMDAwMDAwQGIwYzZjNjg3LWE3NDAtNDM1ZS05MzYyLTA5NWIwMzdkMjQ0MyIsImF1ZCI6IjAwMDAwMDAyLTAwMDAtMGZmMS1jZTAwLTAwMDAwMDAwMDAwMC9hdHRhY2htZW50cy5vZmZpY2UubmV0QGIwYzZjNjg3LWE3NDAtNDM1ZS05MzYyLTA5NWIwMzdkMjQ0MyJ9.k3qpRHrgiFsx3Pxyk9phACrMe7qUuQCtEpaTW6Zi64uO2kWkovaz-3zPd3z1d749lkQAP5oeLsByPEq7B6EH1xYidK6adAOuhDm0LdBYNyFSiO9YOhsDdKKxMryFU1cX6cbTFp5HkIBhNC101NC69XjtV6DEHwR9LBxbSfZSHhLaEWfVmVlgaAsjEvZIWWzgvruYf4l3Hldx2-GOFVpVeV7IeVZAtEdACArhzcSvdHAWE0tj3Ot03XwscKGT_Y56iOTh0z3HRHhQnxBQ8d2TBzxvoV_mGxJLVB8OxNM4CmWc-zG70VHW6Wsf5QAdQ7dd66CzeckF-ez0SzQd-HNYoQ&amp;animation=true"/>
+          <p:cNvPr id="1026" name="Picture 2" descr="https://attachments.office.net/owa/cmcgill1%40butlercc.edu/service.svc/s/GetAttachmentThumbnail?id=AAMkAGUxMmM3YzVkLTFlYTMtNGRiMS1iNzJjLWM5NDUwY2E1NGNjZgBGAAAAAACfS%2F7hQdtDSYcbJjpSD%2FvgBwA%2FQB3Mk8jwTprctT6VzHEZAAAAAAEMAAA%2FQB3Mk8jwTprctT6VzHEZAAHRYiEiAAABEgAQAKnCA8R8UzpDunkCfFPQdP0%3D&amp;thumbnailType=2&amp;owa=outlook.office365.com&amp;scriptVer=2020030202.19&amp;X-OWA-CANARY=wU3XLFn110ap7rzI3CoURyCX6U46xdcYnk9Ip2CQssoyYqWCYshcUTtHpSex9Vg6WyybD9f0TCk.&amp;token=eyJhbGciOiJSUzI1NiIsImtpZCI6IjU2MzU4ODUyMzRCOTI1MkRERTAwNTc2NkQ5RDlGMjc2NTY1RjYzRTIiLCJ4NXQiOiJWaldJVWpTNUpTM2VBRmRtMmRueWRsWmZZLUkiLCJ0eXAiOiJKV1QifQ.eyJvcmlnaW4iOiJodHRwczovL291dGxvb2sub2ZmaWNlMzY1LmNvbSIsInZlciI6IkV4Y2hhbmdlLkNhbGxiYWNrLlYxIiwiYXBwY3R4c2VuZGVyIjoiT3dhRG93bmxvYWRAYjBjNmM2ODctYTc0MC00MzVlLTkzNjItMDk1YjAzN2QyNDQzIiwiaXNzcmluZyI6IldXIiwiYXBwY3R4Ijoie1wibXNleGNocHJvdFwiOlwib3dhXCIsXCJwcmltYXJ5c2lkXCI6XCJTLTEtNS0yMS0xNjgwNjYxMDktNDA1NjQ0NzE2LTI2MjI2MzQ1NjgtMjI4NTc0NjJcIixcInB1aWRcIjpcIjExNTM5MDY2NjEyNzczOTAzMDVcIixcIm9pZFwiOlwiYWQ2OGFkNGEtN2VkZi00NjNjLWJhMWEtOWEyNDc0MmU4MzBiXCIsXCJzY29wZVwiOlwiT3dhRG93bmxvYWRcIn0iLCJuYmYiOjE1ODM4NzU4MzAsImV4cCI6MTU4Mzg3NjQzMCwiaXNzIjoiMDAwMDAwMDItMDAwMC0wZmYxLWNlMDAtMDAwMDAwMDAwMDAwQGIwYzZjNjg3LWE3NDAtNDM1ZS05MzYyLTA5NWIwMzdkMjQ0MyIsImF1ZCI6IjAwMDAwMDAyLTAwMDAtMGZmMS1jZTAwLTAwMDAwMDAwMDAwMC9hdHRhY2htZW50cy5vZmZpY2UubmV0QGIwYzZjNjg3LWE3NDAtNDM1ZS05MzYyLTA5NWIwMzdkMjQ0MyJ9.k3qpRHrgiFsx3Pxyk9phACrMe7qUuQCtEpaTW6Zi64uO2kWkovaz-3zPd3z1d749lkQAP5oeLsByPEq7B6EH1xYidK6adAOuhDm0LdBYNyFSiO9YOhsDdKKxMryFU1cX6cbTFp5HkIBhNC101NC69XjtV6DEHwR9LBxbSfZSHhLaEWfVmVlgaAsjEvZIWWzgvruYf4l3Hldx2-GOFVpVeV7IeVZAtEdACArhzcSvdHAWE0tj3Ot03XwscKGT_Y56iOTh0z3HRHhQnxBQ8d2TBzxvoV_mGxJLVB8OxNM4CmWc-zG70VHW6Wsf5QAdQ7dd66CzeckF-ez0SzQd-HNYoQ&amp;animation=true"/>
           <p:cNvPicPr>
             <a:picLocks noChangeAspect="1" noChangeArrowheads="1"/>
           </p:cNvPicPr>
@@ -5860,7 +5837,7 @@
         <p:spPr bwMode="auto">
           <a:xfrm>
             <a:off x="1451578" y="1853754"/>
-            <a:ext cx="4692547" cy="3519410"/>
+            <a:ext cx="3200633" cy="4267511"/>
           </a:xfrm>
           <a:prstGeom prst="rect">
             <a:avLst/>
@@ -5885,8 +5862,8 @@
         </p:nvSpPr>
         <p:spPr>
           <a:xfrm>
-            <a:off x="0" y="6642556"/>
-            <a:ext cx="922711" cy="215444"/>
+            <a:off x="4652211" y="1853753"/>
+            <a:ext cx="6402643" cy="2862322"/>
           </a:xfrm>
           <a:prstGeom prst="rect">
             <a:avLst/>
@@ -5900,6 +5877,59 @@
           <a:lstStyle/>
           <a:p>
             <a:r>
+              <a:rPr lang="en-US" dirty="0"/>
+              <a:t>William Parsons</a:t>
+            </a:r>
+          </a:p>
+          <a:p>
+            <a:endParaRPr lang="en-US" dirty="0"/>
+          </a:p>
+          <a:p>
+            <a:r>
+              <a:rPr lang="en-US" dirty="0"/>
+              <a:t>Hello everybody,</a:t>
+            </a:r>
+          </a:p>
+          <a:p>
+            <a:r>
+              <a:rPr lang="en-US" dirty="0"/>
+              <a:t>My name is William Parsons.  I am currently Sophomore status here at BCC pursuing my Associates in Elementary Education.  When I am not studying for my classes or working in the tutoring lab, I enjoy golfing, spending time with my family, and going on weekend getaways to new places.</a:t>
+            </a:r>
+          </a:p>
+          <a:p>
+            <a:r>
+              <a:rPr lang="en-US" dirty="0"/>
+              <a:t>I look forward to making it a great day here in the tutoring lab.</a:t>
+            </a:r>
+          </a:p>
+          <a:p>
+            <a:endParaRPr lang="en-US" dirty="0"/>
+          </a:p>
+        </p:txBody>
+      </p:sp>
+      <p:sp>
+        <p:nvSpPr>
+          <p:cNvPr id="6" name="TextBox 5"/>
+          <p:cNvSpPr txBox="1"/>
+          <p:nvPr/>
+        </p:nvSpPr>
+        <p:spPr>
+          <a:xfrm>
+            <a:off x="0" y="6642556"/>
+            <a:ext cx="922711" cy="215444"/>
+          </a:xfrm>
+          <a:prstGeom prst="rect">
+            <a:avLst/>
+          </a:prstGeom>
+          <a:noFill/>
+        </p:spPr>
+        <p:txBody>
+          <a:bodyPr wrap="square" rtlCol="0">
+            <a:spAutoFit/>
+          </a:bodyPr>
+          <a:lstStyle/>
+          <a:p>
+            <a:r>
               <a:rPr lang="en-US" sz="800" dirty="0"/>
               <a:t>cade was here</a:t>
             </a:r>
@@ -5909,7 +5939,7 @@
     </p:spTree>
     <p:extLst>
       <p:ext uri="{BB962C8B-B14F-4D97-AF65-F5344CB8AC3E}">
-        <p14:creationId xmlns:p14="http://schemas.microsoft.com/office/powerpoint/2010/main" val="410939818"/>
+        <p14:creationId xmlns:p14="http://schemas.microsoft.com/office/powerpoint/2010/main" val="1310294562"/>
       </p:ext>
     </p:extLst>
   </p:cSld>
@@ -5963,7 +5993,7 @@
       </p:sp>
       <p:pic>
         <p:nvPicPr>
-          <p:cNvPr id="1026" name="Picture 2" descr="https://attachments.office.net/owa/cmcgill1%40butlercc.edu/service.svc/s/GetAttachmentThumbnail?id=AAMkAGUxMmM3YzVkLTFlYTMtNGRiMS1iNzJjLWM5NDUwY2E1NGNjZgBGAAAAAACfS%2F7hQdtDSYcbJjpSD%2FvgBwA%2FQB3Mk8jwTprctT6VzHEZAAAAAAEMAAA%2FQB3Mk8jwTprctT6VzHEZAAHRYiEiAAABEgAQAKnCA8R8UzpDunkCfFPQdP0%3D&amp;thumbnailType=2&amp;owa=outlook.office365.com&amp;scriptVer=2020030202.19&amp;X-OWA-CANARY=wU3XLFn110ap7rzI3CoURyCX6U46xdcYnk9Ip2CQssoyYqWCYshcUTtHpSex9Vg6WyybD9f0TCk.&amp;token=eyJhbGciOiJSUzI1NiIsImtpZCI6IjU2MzU4ODUyMzRCOTI1MkRERTAwNTc2NkQ5RDlGMjc2NTY1RjYzRTIiLCJ4NXQiOiJWaldJVWpTNUpTM2VBRmRtMmRueWRsWmZZLUkiLCJ0eXAiOiJKV1QifQ.eyJvcmlnaW4iOiJodHRwczovL291dGxvb2sub2ZmaWNlMzY1LmNvbSIsInZlciI6IkV4Y2hhbmdlLkNhbGxiYWNrLlYxIiwiYXBwY3R4c2VuZGVyIjoiT3dhRG93bmxvYWRAYjBjNmM2ODctYTc0MC00MzVlLTkzNjItMDk1YjAzN2QyNDQzIiwiaXNzcmluZyI6IldXIiwiYXBwY3R4Ijoie1wibXNleGNocHJvdFwiOlwib3dhXCIsXCJwcmltYXJ5c2lkXCI6XCJTLTEtNS0yMS0xNjgwNjYxMDktNDA1NjQ0NzE2LTI2MjI2MzQ1NjgtMjI4NTc0NjJcIixcInB1aWRcIjpcIjExNTM5MDY2NjEyNzczOTAzMDVcIixcIm9pZFwiOlwiYWQ2OGFkNGEtN2VkZi00NjNjLWJhMWEtOWEyNDc0MmU4MzBiXCIsXCJzY29wZVwiOlwiT3dhRG93bmxvYWRcIn0iLCJuYmYiOjE1ODM4NzU4MzAsImV4cCI6MTU4Mzg3NjQzMCwiaXNzIjoiMDAwMDAwMDItMDAwMC0wZmYxLWNlMDAtMDAwMDAwMDAwMDAwQGIwYzZjNjg3LWE3NDAtNDM1ZS05MzYyLTA5NWIwMzdkMjQ0MyIsImF1ZCI6IjAwMDAwMDAyLTAwMDAtMGZmMS1jZTAwLTAwMDAwMDAwMDAwMC9hdHRhY2htZW50cy5vZmZpY2UubmV0QGIwYzZjNjg3LWE3NDAtNDM1ZS05MzYyLTA5NWIwMzdkMjQ0MyJ9.k3qpRHrgiFsx3Pxyk9phACrMe7qUuQCtEpaTW6Zi64uO2kWkovaz-3zPd3z1d749lkQAP5oeLsByPEq7B6EH1xYidK6adAOuhDm0LdBYNyFSiO9YOhsDdKKxMryFU1cX6cbTFp5HkIBhNC101NC69XjtV6DEHwR9LBxbSfZSHhLaEWfVmVlgaAsjEvZIWWzgvruYf4l3Hldx2-GOFVpVeV7IeVZAtEdACArhzcSvdHAWE0tj3Ot03XwscKGT_Y56iOTh0z3HRHhQnxBQ8d2TBzxvoV_mGxJLVB8OxNM4CmWc-zG70VHW6Wsf5QAdQ7dd66CzeckF-ez0SzQd-HNYoQ&amp;animation=true"/>
+          <p:cNvPr id="2050" name="Picture 2" descr="https://attachments.office.net/owa/cmcgill1%40butlercc.edu/service.svc/s/GetAttachmentThumbnail?id=AAMkAGUxMmM3YzVkLTFlYTMtNGRiMS1iNzJjLWM5NDUwY2E1NGNjZgBGAAAAAACfS%2F7hQdtDSYcbJjpSD%2FvgBwA%2FQB3Mk8jwTprctT6VzHEZAAAAAAEMAAA%2FQB3Mk8jwTprctT6VzHEZAAHRYiEiAAABEgAQAEk%2Fr8qUbCJHianWau%2BreyY%3D&amp;thumbnailType=2&amp;owa=outlook.office365.com&amp;scriptVer=2020030202.19&amp;X-OWA-CANARY=wU3XLFn110ap7rzI3CoURyCX6U46xdcYnk9Ip2CQssoyYqWCYshcUTtHpSex9Vg6WyybD9f0TCk.&amp;token=eyJhbGciOiJSUzI1NiIsImtpZCI6IjU2MzU4ODUyMzRCOTI1MkRERTAwNTc2NkQ5RDlGMjc2NTY1RjYzRTIiLCJ4NXQiOiJWaldJVWpTNUpTM2VBRmRtMmRueWRsWmZZLUkiLCJ0eXAiOiJKV1QifQ.eyJvcmlnaW4iOiJodHRwczovL291dGxvb2sub2ZmaWNlMzY1LmNvbSIsInZlciI6IkV4Y2hhbmdlLkNhbGxiYWNrLlYxIiwiYXBwY3R4c2VuZGVyIjoiT3dhRG93bmxvYWRAYjBjNmM2ODctYTc0MC00MzVlLTkzNjItMDk1YjAzN2QyNDQzIiwiaXNzcmluZyI6IldXIiwiYXBwY3R4Ijoie1wibXNleGNocHJvdFwiOlwib3dhXCIsXCJwcmltYXJ5c2lkXCI6XCJTLTEtNS0yMS0xNjgwNjYxMDktNDA1NjQ0NzE2LTI2MjI2MzQ1NjgtMjI4NTc0NjJcIixcInB1aWRcIjpcIjExNTM5MDY2NjEyNzczOTAzMDVcIixcIm9pZFwiOlwiYWQ2OGFkNGEtN2VkZi00NjNjLWJhMWEtOWEyNDc0MmU4MzBiXCIsXCJzY29wZVwiOlwiT3dhRG93bmxvYWRcIn0iLCJuYmYiOjE1ODM4NzU4MzAsImV4cCI6MTU4Mzg3NjQzMCwiaXNzIjoiMDAwMDAwMDItMDAwMC0wZmYxLWNlMDAtMDAwMDAwMDAwMDAwQGIwYzZjNjg3LWE3NDAtNDM1ZS05MzYyLTA5NWIwMzdkMjQ0MyIsImF1ZCI6IjAwMDAwMDAyLTAwMDAtMGZmMS1jZTAwLTAwMDAwMDAwMDAwMC9hdHRhY2htZW50cy5vZmZpY2UubmV0QGIwYzZjNjg3LWE3NDAtNDM1ZS05MzYyLTA5NWIwMzdkMjQ0MyJ9.k3qpRHrgiFsx3Pxyk9phACrMe7qUuQCtEpaTW6Zi64uO2kWkovaz-3zPd3z1d749lkQAP5oeLsByPEq7B6EH1xYidK6adAOuhDm0LdBYNyFSiO9YOhsDdKKxMryFU1cX6cbTFp5HkIBhNC101NC69XjtV6DEHwR9LBxbSfZSHhLaEWfVmVlgaAsjEvZIWWzgvruYf4l3Hldx2-GOFVpVeV7IeVZAtEdACArhzcSvdHAWE0tj3Ot03XwscKGT_Y56iOTh0z3HRHhQnxBQ8d2TBzxvoV_mGxJLVB8OxNM4CmWc-zG70VHW6Wsf5QAdQ7dd66CzeckF-ez0SzQd-HNYoQ&amp;animation=true"/>
           <p:cNvPicPr>
             <a:picLocks noChangeAspect="1" noChangeArrowheads="1"/>
           </p:cNvPicPr>
@@ -5984,8 +6014,8 @@
         </p:blipFill>
         <p:spPr bwMode="auto">
           <a:xfrm>
-            <a:off x="1451578" y="1853754"/>
-            <a:ext cx="3200633" cy="4267511"/>
+            <a:off x="1451579" y="1853754"/>
+            <a:ext cx="2494779" cy="4269140"/>
           </a:xfrm>
           <a:prstGeom prst="rect">
             <a:avLst/>
@@ -6010,8 +6040,8 @@
         </p:nvSpPr>
         <p:spPr>
           <a:xfrm>
-            <a:off x="4652211" y="1853753"/>
-            <a:ext cx="6402643" cy="2862322"/>
+            <a:off x="3946358" y="1853754"/>
+            <a:ext cx="6402643" cy="2308324"/>
           </a:xfrm>
           <a:prstGeom prst="rect">
             <a:avLst/>
@@ -6026,7 +6056,7 @@
           <a:p>
             <a:r>
               <a:rPr lang="en-US" dirty="0"/>
-              <a:t>William Parsons</a:t>
+              <a:t>Braden Barr</a:t>
             </a:r>
           </a:p>
           <a:p>
@@ -6035,20 +6065,12 @@
           <a:p>
             <a:r>
               <a:rPr lang="en-US" dirty="0"/>
-              <a:t>Hello everybody,</a:t>
-            </a:r>
-          </a:p>
-          <a:p>
-            <a:r>
+              <a:t>Hello, my name is Braden Barr. I am currently majoring in Secondary Education for Math. Baseball and Star Wars are my two true loves in life. I am more than excited to help anybody with various levels of math!</a:t>
+            </a:r>
+            <a:br>
               <a:rPr lang="en-US" dirty="0"/>
-              <a:t>My name is William Parsons.  I am currently Sophomore status here at BCC pursuing my Associates in Elementary Education.  When I am not studying for my classes or working in the tutoring lab, I enjoy golfing, spending time with my family, and going on weekend getaways to new places.</a:t>
-            </a:r>
-          </a:p>
-          <a:p>
-            <a:r>
-              <a:rPr lang="en-US" dirty="0"/>
-              <a:t>I look forward to making it a great day here in the tutoring lab.</a:t>
-            </a:r>
+            </a:br>
+            <a:endParaRPr lang="en-US" dirty="0"/>
           </a:p>
           <a:p>
             <a:endParaRPr lang="en-US" dirty="0"/>
@@ -6087,7 +6109,7 @@
     </p:spTree>
     <p:extLst>
       <p:ext uri="{BB962C8B-B14F-4D97-AF65-F5344CB8AC3E}">
-        <p14:creationId xmlns:p14="http://schemas.microsoft.com/office/powerpoint/2010/main" val="1310294562"/>
+        <p14:creationId xmlns:p14="http://schemas.microsoft.com/office/powerpoint/2010/main" val="8113215"/>
       </p:ext>
     </p:extLst>
   </p:cSld>
@@ -6141,7 +6163,7 @@
       </p:sp>
       <p:pic>
         <p:nvPicPr>
-          <p:cNvPr id="2050" name="Picture 2" descr="https://attachments.office.net/owa/cmcgill1%40butlercc.edu/service.svc/s/GetAttachmentThumbnail?id=AAMkAGUxMmM3YzVkLTFlYTMtNGRiMS1iNzJjLWM5NDUwY2E1NGNjZgBGAAAAAACfS%2F7hQdtDSYcbJjpSD%2FvgBwA%2FQB3Mk8jwTprctT6VzHEZAAAAAAEMAAA%2FQB3Mk8jwTprctT6VzHEZAAHRYiEiAAABEgAQAEk%2Fr8qUbCJHianWau%2BreyY%3D&amp;thumbnailType=2&amp;owa=outlook.office365.com&amp;scriptVer=2020030202.19&amp;X-OWA-CANARY=wU3XLFn110ap7rzI3CoURyCX6U46xdcYnk9Ip2CQssoyYqWCYshcUTtHpSex9Vg6WyybD9f0TCk.&amp;token=eyJhbGciOiJSUzI1NiIsImtpZCI6IjU2MzU4ODUyMzRCOTI1MkRERTAwNTc2NkQ5RDlGMjc2NTY1RjYzRTIiLCJ4NXQiOiJWaldJVWpTNUpTM2VBRmRtMmRueWRsWmZZLUkiLCJ0eXAiOiJKV1QifQ.eyJvcmlnaW4iOiJodHRwczovL291dGxvb2sub2ZmaWNlMzY1LmNvbSIsInZlciI6IkV4Y2hhbmdlLkNhbGxiYWNrLlYxIiwiYXBwY3R4c2VuZGVyIjoiT3dhRG93bmxvYWRAYjBjNmM2ODctYTc0MC00MzVlLTkzNjItMDk1YjAzN2QyNDQzIiwiaXNzcmluZyI6IldXIiwiYXBwY3R4Ijoie1wibXNleGNocHJvdFwiOlwib3dhXCIsXCJwcmltYXJ5c2lkXCI6XCJTLTEtNS0yMS0xNjgwNjYxMDktNDA1NjQ0NzE2LTI2MjI2MzQ1NjgtMjI4NTc0NjJcIixcInB1aWRcIjpcIjExNTM5MDY2NjEyNzczOTAzMDVcIixcIm9pZFwiOlwiYWQ2OGFkNGEtN2VkZi00NjNjLWJhMWEtOWEyNDc0MmU4MzBiXCIsXCJzY29wZVwiOlwiT3dhRG93bmxvYWRcIn0iLCJuYmYiOjE1ODM4NzU4MzAsImV4cCI6MTU4Mzg3NjQzMCwiaXNzIjoiMDAwMDAwMDItMDAwMC0wZmYxLWNlMDAtMDAwMDAwMDAwMDAwQGIwYzZjNjg3LWE3NDAtNDM1ZS05MzYyLTA5NWIwMzdkMjQ0MyIsImF1ZCI6IjAwMDAwMDAyLTAwMDAtMGZmMS1jZTAwLTAwMDAwMDAwMDAwMC9hdHRhY2htZW50cy5vZmZpY2UubmV0QGIwYzZjNjg3LWE3NDAtNDM1ZS05MzYyLTA5NWIwMzdkMjQ0MyJ9.k3qpRHrgiFsx3Pxyk9phACrMe7qUuQCtEpaTW6Zi64uO2kWkovaz-3zPd3z1d749lkQAP5oeLsByPEq7B6EH1xYidK6adAOuhDm0LdBYNyFSiO9YOhsDdKKxMryFU1cX6cbTFp5HkIBhNC101NC69XjtV6DEHwR9LBxbSfZSHhLaEWfVmVlgaAsjEvZIWWzgvruYf4l3Hldx2-GOFVpVeV7IeVZAtEdACArhzcSvdHAWE0tj3Ot03XwscKGT_Y56iOTh0z3HRHhQnxBQ8d2TBzxvoV_mGxJLVB8OxNM4CmWc-zG70VHW6Wsf5QAdQ7dd66CzeckF-ez0SzQd-HNYoQ&amp;animation=true"/>
+          <p:cNvPr id="5122" name="Picture 2" descr="https://attachments.office.net/owa/cmcgill1%40butlercc.edu/service.svc/s/GetAttachmentThumbnail?id=AAMkAGUxMmM3YzVkLTFlYTMtNGRiMS1iNzJjLWM5NDUwY2E1NGNjZgBGAAAAAACfS%2F7hQdtDSYcbJjpSD%2FvgBwA%2FQB3Mk8jwTprctT6VzHEZAAAAAAEMAAA%2FQB3Mk8jwTprctT6VzHEZAAHRYiEiAAABEgAQABv3lSwAhm9IpKO27NUxK1c%3D&amp;thumbnailType=2&amp;owa=outlook.office365.com&amp;scriptVer=2020030202.19&amp;X-OWA-CANARY=wU3XLFn110ap7rzI3CoURyCX6U46xdcYnk9Ip2CQssoyYqWCYshcUTtHpSex9Vg6WyybD9f0TCk.&amp;token=eyJhbGciOiJSUzI1NiIsImtpZCI6IjU2MzU4ODUyMzRCOTI1MkRERTAwNTc2NkQ5RDlGMjc2NTY1RjYzRTIiLCJ4NXQiOiJWaldJVWpTNUpTM2VBRmRtMmRueWRsWmZZLUkiLCJ0eXAiOiJKV1QifQ.eyJvcmlnaW4iOiJodHRwczovL291dGxvb2sub2ZmaWNlMzY1LmNvbSIsInZlciI6IkV4Y2hhbmdlLkNhbGxiYWNrLlYxIiwiYXBwY3R4c2VuZGVyIjoiT3dhRG93bmxvYWRAYjBjNmM2ODctYTc0MC00MzVlLTkzNjItMDk1YjAzN2QyNDQzIiwiaXNzcmluZyI6IldXIiwiYXBwY3R4Ijoie1wibXNleGNocHJvdFwiOlwib3dhXCIsXCJwcmltYXJ5c2lkXCI6XCJTLTEtNS0yMS0xNjgwNjYxMDktNDA1NjQ0NzE2LTI2MjI2MzQ1NjgtMjI4NTc0NjJcIixcInB1aWRcIjpcIjExNTM5MDY2NjEyNzczOTAzMDVcIixcIm9pZFwiOlwiYWQ2OGFkNGEtN2VkZi00NjNjLWJhMWEtOWEyNDc0MmU4MzBiXCIsXCJzY29wZVwiOlwiT3dhRG93bmxvYWRcIn0iLCJuYmYiOjE1ODM4NzU4MzAsImV4cCI6MTU4Mzg3NjQzMCwiaXNzIjoiMDAwMDAwMDItMDAwMC0wZmYxLWNlMDAtMDAwMDAwMDAwMDAwQGIwYzZjNjg3LWE3NDAtNDM1ZS05MzYyLTA5NWIwMzdkMjQ0MyIsImF1ZCI6IjAwMDAwMDAyLTAwMDAtMGZmMS1jZTAwLTAwMDAwMDAwMDAwMC9hdHRhY2htZW50cy5vZmZpY2UubmV0QGIwYzZjNjg3LWE3NDAtNDM1ZS05MzYyLTA5NWIwMzdkMjQ0MyJ9.k3qpRHrgiFsx3Pxyk9phACrMe7qUuQCtEpaTW6Zi64uO2kWkovaz-3zPd3z1d749lkQAP5oeLsByPEq7B6EH1xYidK6adAOuhDm0LdBYNyFSiO9YOhsDdKKxMryFU1cX6cbTFp5HkIBhNC101NC69XjtV6DEHwR9LBxbSfZSHhLaEWfVmVlgaAsjEvZIWWzgvruYf4l3Hldx2-GOFVpVeV7IeVZAtEdACArhzcSvdHAWE0tj3Ot03XwscKGT_Y56iOTh0z3HRHhQnxBQ8d2TBzxvoV_mGxJLVB8OxNM4CmWc-zG70VHW6Wsf5QAdQ7dd66CzeckF-ez0SzQd-HNYoQ&amp;animation=true"/>
           <p:cNvPicPr>
             <a:picLocks noChangeAspect="1" noChangeArrowheads="1"/>
           </p:cNvPicPr>
@@ -6162,8 +6184,8 @@
         </p:blipFill>
         <p:spPr bwMode="auto">
           <a:xfrm>
-            <a:off x="1451579" y="1853754"/>
-            <a:ext cx="2494779" cy="4269140"/>
+            <a:off x="1451579" y="1853753"/>
+            <a:ext cx="3216674" cy="4288899"/>
           </a:xfrm>
           <a:prstGeom prst="rect">
             <a:avLst/>
@@ -6182,14 +6204,51 @@
       </p:pic>
       <p:sp>
         <p:nvSpPr>
+          <p:cNvPr id="6" name="Rectangle 5"/>
+          <p:cNvSpPr/>
+          <p:nvPr/>
+        </p:nvSpPr>
+        <p:spPr>
+          <a:xfrm>
+            <a:off x="4668253" y="1853752"/>
+            <a:ext cx="4958854" cy="1477328"/>
+          </a:xfrm>
+          <a:prstGeom prst="rect">
+            <a:avLst/>
+          </a:prstGeom>
+        </p:spPr>
+        <p:txBody>
+          <a:bodyPr wrap="square">
+            <a:spAutoFit/>
+          </a:bodyPr>
+          <a:lstStyle/>
+          <a:p>
+            <a:r>
+              <a:rPr lang="en-US" dirty="0"/>
+              <a:t>California Meadows</a:t>
+            </a:r>
+          </a:p>
+          <a:p>
+            <a:endParaRPr lang="en-US" dirty="0"/>
+          </a:p>
+          <a:p>
+            <a:r>
+              <a:rPr lang="en-US" dirty="0"/>
+              <a:t>My name is California Meadows and I enjoy helping people succeed. In my spare time I like to read, write, and spend time with my daughter.</a:t>
+            </a:r>
+          </a:p>
+        </p:txBody>
+      </p:sp>
+      <p:sp>
+        <p:nvSpPr>
           <p:cNvPr id="5" name="TextBox 4"/>
           <p:cNvSpPr txBox="1"/>
           <p:nvPr/>
         </p:nvSpPr>
         <p:spPr>
           <a:xfrm>
-            <a:off x="3946358" y="1853754"/>
-            <a:ext cx="6402643" cy="2308324"/>
+            <a:off x="0" y="6642556"/>
+            <a:ext cx="922711" cy="215444"/>
           </a:xfrm>
           <a:prstGeom prst="rect">
             <a:avLst/>
@@ -6203,51 +6262,6 @@
           <a:lstStyle/>
           <a:p>
             <a:r>
-              <a:rPr lang="en-US" dirty="0"/>
-              <a:t>Braden Barr</a:t>
-            </a:r>
-          </a:p>
-          <a:p>
-            <a:endParaRPr lang="en-US" dirty="0"/>
-          </a:p>
-          <a:p>
-            <a:r>
-              <a:rPr lang="en-US" dirty="0"/>
-              <a:t>Hello, my name is Braden Barr. I am currently majoring in Secondary Education for Math. Baseball and Star Wars are my two true loves in life. I am more than excited to help anybody with various levels of math!</a:t>
-            </a:r>
-            <a:br>
-              <a:rPr lang="en-US" dirty="0"/>
-            </a:br>
-            <a:endParaRPr lang="en-US" dirty="0"/>
-          </a:p>
-          <a:p>
-            <a:endParaRPr lang="en-US" dirty="0"/>
-          </a:p>
-        </p:txBody>
-      </p:sp>
-      <p:sp>
-        <p:nvSpPr>
-          <p:cNvPr id="6" name="TextBox 5"/>
-          <p:cNvSpPr txBox="1"/>
-          <p:nvPr/>
-        </p:nvSpPr>
-        <p:spPr>
-          <a:xfrm>
-            <a:off x="0" y="6642556"/>
-            <a:ext cx="922711" cy="215444"/>
-          </a:xfrm>
-          <a:prstGeom prst="rect">
-            <a:avLst/>
-          </a:prstGeom>
-          <a:noFill/>
-        </p:spPr>
-        <p:txBody>
-          <a:bodyPr wrap="square" rtlCol="0">
-            <a:spAutoFit/>
-          </a:bodyPr>
-          <a:lstStyle/>
-          <a:p>
-            <a:r>
               <a:rPr lang="en-US" sz="800" dirty="0"/>
               <a:t>cade was here</a:t>
             </a:r>
@@ -6257,7 +6271,7 @@
     </p:spTree>
     <p:extLst>
       <p:ext uri="{BB962C8B-B14F-4D97-AF65-F5344CB8AC3E}">
-        <p14:creationId xmlns:p14="http://schemas.microsoft.com/office/powerpoint/2010/main" val="8113215"/>
+        <p14:creationId xmlns:p14="http://schemas.microsoft.com/office/powerpoint/2010/main" val="4201758817"/>
       </p:ext>
     </p:extLst>
   </p:cSld>
@@ -6309,9 +6323,46 @@
           </a:p>
         </p:txBody>
       </p:sp>
+      <p:sp>
+        <p:nvSpPr>
+          <p:cNvPr id="4" name="Rectangle 3"/>
+          <p:cNvSpPr/>
+          <p:nvPr/>
+        </p:nvSpPr>
+        <p:spPr>
+          <a:xfrm>
+            <a:off x="3854688" y="1853754"/>
+            <a:ext cx="6096000" cy="1477328"/>
+          </a:xfrm>
+          <a:prstGeom prst="rect">
+            <a:avLst/>
+          </a:prstGeom>
+        </p:spPr>
+        <p:txBody>
+          <a:bodyPr>
+            <a:spAutoFit/>
+          </a:bodyPr>
+          <a:lstStyle/>
+          <a:p>
+            <a:r>
+              <a:rPr lang="en-US" dirty="0"/>
+              <a:t>Jenny Pham</a:t>
+            </a:r>
+          </a:p>
+          <a:p>
+            <a:endParaRPr lang="en-US" dirty="0"/>
+          </a:p>
+          <a:p>
+            <a:r>
+              <a:rPr lang="en-US" dirty="0"/>
+              <a:t>Hi, my name is Trinh Pham, but I would like to go by Jenny. I am majoring in Pre-Nursing at Butler. I love to watch movies as my hobby and sometimes, drive around when the weather is nice!</a:t>
+            </a:r>
+          </a:p>
+        </p:txBody>
+      </p:sp>
       <p:pic>
         <p:nvPicPr>
-          <p:cNvPr id="5122" name="Picture 2" descr="https://attachments.office.net/owa/cmcgill1%40butlercc.edu/service.svc/s/GetAttachmentThumbnail?id=AAMkAGUxMmM3YzVkLTFlYTMtNGRiMS1iNzJjLWM5NDUwY2E1NGNjZgBGAAAAAACfS%2F7hQdtDSYcbJjpSD%2FvgBwA%2FQB3Mk8jwTprctT6VzHEZAAAAAAEMAAA%2FQB3Mk8jwTprctT6VzHEZAAHRYiEiAAABEgAQABv3lSwAhm9IpKO27NUxK1c%3D&amp;thumbnailType=2&amp;owa=outlook.office365.com&amp;scriptVer=2020030202.19&amp;X-OWA-CANARY=wU3XLFn110ap7rzI3CoURyCX6U46xdcYnk9Ip2CQssoyYqWCYshcUTtHpSex9Vg6WyybD9f0TCk.&amp;token=eyJhbGciOiJSUzI1NiIsImtpZCI6IjU2MzU4ODUyMzRCOTI1MkRERTAwNTc2NkQ5RDlGMjc2NTY1RjYzRTIiLCJ4NXQiOiJWaldJVWpTNUpTM2VBRmRtMmRueWRsWmZZLUkiLCJ0eXAiOiJKV1QifQ.eyJvcmlnaW4iOiJodHRwczovL291dGxvb2sub2ZmaWNlMzY1LmNvbSIsInZlciI6IkV4Y2hhbmdlLkNhbGxiYWNrLlYxIiwiYXBwY3R4c2VuZGVyIjoiT3dhRG93bmxvYWRAYjBjNmM2ODctYTc0MC00MzVlLTkzNjItMDk1YjAzN2QyNDQzIiwiaXNzcmluZyI6IldXIiwiYXBwY3R4Ijoie1wibXNleGNocHJvdFwiOlwib3dhXCIsXCJwcmltYXJ5c2lkXCI6XCJTLTEtNS0yMS0xNjgwNjYxMDktNDA1NjQ0NzE2LTI2MjI2MzQ1NjgtMjI4NTc0NjJcIixcInB1aWRcIjpcIjExNTM5MDY2NjEyNzczOTAzMDVcIixcIm9pZFwiOlwiYWQ2OGFkNGEtN2VkZi00NjNjLWJhMWEtOWEyNDc0MmU4MzBiXCIsXCJzY29wZVwiOlwiT3dhRG93bmxvYWRcIn0iLCJuYmYiOjE1ODM4NzU4MzAsImV4cCI6MTU4Mzg3NjQzMCwiaXNzIjoiMDAwMDAwMDItMDAwMC0wZmYxLWNlMDAtMDAwMDAwMDAwMDAwQGIwYzZjNjg3LWE3NDAtNDM1ZS05MzYyLTA5NWIwMzdkMjQ0MyIsImF1ZCI6IjAwMDAwMDAyLTAwMDAtMGZmMS1jZTAwLTAwMDAwMDAwMDAwMC9hdHRhY2htZW50cy5vZmZpY2UubmV0QGIwYzZjNjg3LWE3NDAtNDM1ZS05MzYyLTA5NWIwMzdkMjQ0MyJ9.k3qpRHrgiFsx3Pxyk9phACrMe7qUuQCtEpaTW6Zi64uO2kWkovaz-3zPd3z1d749lkQAP5oeLsByPEq7B6EH1xYidK6adAOuhDm0LdBYNyFSiO9YOhsDdKKxMryFU1cX6cbTFp5HkIBhNC101NC69XjtV6DEHwR9LBxbSfZSHhLaEWfVmVlgaAsjEvZIWWzgvruYf4l3Hldx2-GOFVpVeV7IeVZAtEdACArhzcSvdHAWE0tj3Ot03XwscKGT_Y56iOTh0z3HRHhQnxBQ8d2TBzxvoV_mGxJLVB8OxNM4CmWc-zG70VHW6Wsf5QAdQ7dd66CzeckF-ez0SzQd-HNYoQ&amp;animation=true"/>
+          <p:cNvPr id="6146" name="Picture 2" descr="https://attachments.office.net/owa/cmcgill1%40butlercc.edu/service.svc/s/GetAttachmentThumbnail?id=AAMkAGUxMmM3YzVkLTFlYTMtNGRiMS1iNzJjLWM5NDUwY2E1NGNjZgBGAAAAAACfS%2F7hQdtDSYcbJjpSD%2FvgBwA%2FQB3Mk8jwTprctT6VzHEZAAAAAAEMAAA%2FQB3Mk8jwTprctT6VzHEZAAHRYiEiAAABEgAQAJarTe8mKPxHp2bQl7h8oNc%3D&amp;thumbnailType=2&amp;owa=outlook.office365.com&amp;scriptVer=2020030202.19&amp;X-OWA-CANARY=wU3XLFn110ap7rzI3CoURyCX6U46xdcYnk9Ip2CQssoyYqWCYshcUTtHpSex9Vg6WyybD9f0TCk.&amp;token=eyJhbGciOiJSUzI1NiIsImtpZCI6IjU2MzU4ODUyMzRCOTI1MkRERTAwNTc2NkQ5RDlGMjc2NTY1RjYzRTIiLCJ4NXQiOiJWaldJVWpTNUpTM2VBRmRtMmRueWRsWmZZLUkiLCJ0eXAiOiJKV1QifQ.eyJvcmlnaW4iOiJodHRwczovL291dGxvb2sub2ZmaWNlMzY1LmNvbSIsInZlciI6IkV4Y2hhbmdlLkNhbGxiYWNrLlYxIiwiYXBwY3R4c2VuZGVyIjoiT3dhRG93bmxvYWRAYjBjNmM2ODctYTc0MC00MzVlLTkzNjItMDk1YjAzN2QyNDQzIiwiaXNzcmluZyI6IldXIiwiYXBwY3R4Ijoie1wibXNleGNocHJvdFwiOlwib3dhXCIsXCJwcmltYXJ5c2lkXCI6XCJTLTEtNS0yMS0xNjgwNjYxMDktNDA1NjQ0NzE2LTI2MjI2MzQ1NjgtMjI4NTc0NjJcIixcInB1aWRcIjpcIjExNTM5MDY2NjEyNzczOTAzMDVcIixcIm9pZFwiOlwiYWQ2OGFkNGEtN2VkZi00NjNjLWJhMWEtOWEyNDc0MmU4MzBiXCIsXCJzY29wZVwiOlwiT3dhRG93bmxvYWRcIn0iLCJuYmYiOjE1ODM4NzU4MzAsImV4cCI6MTU4Mzg3NjQzMCwiaXNzIjoiMDAwMDAwMDItMDAwMC0wZmYxLWNlMDAtMDAwMDAwMDAwMDAwQGIwYzZjNjg3LWE3NDAtNDM1ZS05MzYyLTA5NWIwMzdkMjQ0MyIsImF1ZCI6IjAwMDAwMDAyLTAwMDAtMGZmMS1jZTAwLTAwMDAwMDAwMDAwMC9hdHRhY2htZW50cy5vZmZpY2UubmV0QGIwYzZjNjg3LWE3NDAtNDM1ZS05MzYyLTA5NWIwMzdkMjQ0MyJ9.k3qpRHrgiFsx3Pxyk9phACrMe7qUuQCtEpaTW6Zi64uO2kWkovaz-3zPd3z1d749lkQAP5oeLsByPEq7B6EH1xYidK6adAOuhDm0LdBYNyFSiO9YOhsDdKKxMryFU1cX6cbTFp5HkIBhNC101NC69XjtV6DEHwR9LBxbSfZSHhLaEWfVmVlgaAsjEvZIWWzgvruYf4l3Hldx2-GOFVpVeV7IeVZAtEdACArhzcSvdHAWE0tj3Ot03XwscKGT_Y56iOTh0z3HRHhQnxBQ8d2TBzxvoV_mGxJLVB8OxNM4CmWc-zG70VHW6Wsf5QAdQ7dd66CzeckF-ez0SzQd-HNYoQ&amp;animation=true"/>
           <p:cNvPicPr>
             <a:picLocks noChangeAspect="1" noChangeArrowheads="1"/>
           </p:cNvPicPr>
@@ -6332,8 +6383,8 @@
         </p:blipFill>
         <p:spPr bwMode="auto">
           <a:xfrm>
-            <a:off x="1451579" y="1853753"/>
-            <a:ext cx="3216674" cy="4288899"/>
+            <a:off x="1451579" y="1853755"/>
+            <a:ext cx="2403109" cy="4274330"/>
           </a:xfrm>
           <a:prstGeom prst="rect">
             <a:avLst/>
@@ -6352,43 +6403,6 @@
       </p:pic>
       <p:sp>
         <p:nvSpPr>
-          <p:cNvPr id="6" name="Rectangle 5"/>
-          <p:cNvSpPr/>
-          <p:nvPr/>
-        </p:nvSpPr>
-        <p:spPr>
-          <a:xfrm>
-            <a:off x="4668253" y="1853752"/>
-            <a:ext cx="4958854" cy="1477328"/>
-          </a:xfrm>
-          <a:prstGeom prst="rect">
-            <a:avLst/>
-          </a:prstGeom>
-        </p:spPr>
-        <p:txBody>
-          <a:bodyPr wrap="square">
-            <a:spAutoFit/>
-          </a:bodyPr>
-          <a:lstStyle/>
-          <a:p>
-            <a:r>
-              <a:rPr lang="en-US" dirty="0"/>
-              <a:t>California Meadows</a:t>
-            </a:r>
-          </a:p>
-          <a:p>
-            <a:endParaRPr lang="en-US" dirty="0"/>
-          </a:p>
-          <a:p>
-            <a:r>
-              <a:rPr lang="en-US" dirty="0"/>
-              <a:t>My name is California Meadows and I enjoy helping people succeed. In my spare time I like to read, write, and spend time with my daughter.</a:t>
-            </a:r>
-          </a:p>
-        </p:txBody>
-      </p:sp>
-      <p:sp>
-        <p:nvSpPr>
           <p:cNvPr id="5" name="TextBox 4"/>
           <p:cNvSpPr txBox="1"/>
           <p:nvPr/>
@@ -6419,7 +6433,7 @@
     </p:spTree>
     <p:extLst>
       <p:ext uri="{BB962C8B-B14F-4D97-AF65-F5344CB8AC3E}">
-        <p14:creationId xmlns:p14="http://schemas.microsoft.com/office/powerpoint/2010/main" val="4201758817"/>
+        <p14:creationId xmlns:p14="http://schemas.microsoft.com/office/powerpoint/2010/main" val="2293564407"/>
       </p:ext>
     </p:extLst>
   </p:cSld>
@@ -6471,46 +6485,9 @@
           </a:p>
         </p:txBody>
       </p:sp>
-      <p:sp>
-        <p:nvSpPr>
-          <p:cNvPr id="4" name="Rectangle 3"/>
-          <p:cNvSpPr/>
-          <p:nvPr/>
-        </p:nvSpPr>
-        <p:spPr>
-          <a:xfrm>
-            <a:off x="3854688" y="1853754"/>
-            <a:ext cx="6096000" cy="1477328"/>
-          </a:xfrm>
-          <a:prstGeom prst="rect">
-            <a:avLst/>
-          </a:prstGeom>
-        </p:spPr>
-        <p:txBody>
-          <a:bodyPr>
-            <a:spAutoFit/>
-          </a:bodyPr>
-          <a:lstStyle/>
-          <a:p>
-            <a:r>
-              <a:rPr lang="en-US" dirty="0"/>
-              <a:t>Jenny Pham</a:t>
-            </a:r>
-          </a:p>
-          <a:p>
-            <a:endParaRPr lang="en-US" dirty="0"/>
-          </a:p>
-          <a:p>
-            <a:r>
-              <a:rPr lang="en-US" dirty="0"/>
-              <a:t>Hi, my name is Trinh Pham, but I would like to go by Jenny. I am majoring in Pre-Nursing at Butler. I love to watch movies as my hobby and sometimes, drive around when the weather is nice!</a:t>
-            </a:r>
-          </a:p>
-        </p:txBody>
-      </p:sp>
       <p:pic>
         <p:nvPicPr>
-          <p:cNvPr id="6146" name="Picture 2" descr="https://attachments.office.net/owa/cmcgill1%40butlercc.edu/service.svc/s/GetAttachmentThumbnail?id=AAMkAGUxMmM3YzVkLTFlYTMtNGRiMS1iNzJjLWM5NDUwY2E1NGNjZgBGAAAAAACfS%2F7hQdtDSYcbJjpSD%2FvgBwA%2FQB3Mk8jwTprctT6VzHEZAAAAAAEMAAA%2FQB3Mk8jwTprctT6VzHEZAAHRYiEiAAABEgAQAJarTe8mKPxHp2bQl7h8oNc%3D&amp;thumbnailType=2&amp;owa=outlook.office365.com&amp;scriptVer=2020030202.19&amp;X-OWA-CANARY=wU3XLFn110ap7rzI3CoURyCX6U46xdcYnk9Ip2CQssoyYqWCYshcUTtHpSex9Vg6WyybD9f0TCk.&amp;token=eyJhbGciOiJSUzI1NiIsImtpZCI6IjU2MzU4ODUyMzRCOTI1MkRERTAwNTc2NkQ5RDlGMjc2NTY1RjYzRTIiLCJ4NXQiOiJWaldJVWpTNUpTM2VBRmRtMmRueWRsWmZZLUkiLCJ0eXAiOiJKV1QifQ.eyJvcmlnaW4iOiJodHRwczovL291dGxvb2sub2ZmaWNlMzY1LmNvbSIsInZlciI6IkV4Y2hhbmdlLkNhbGxiYWNrLlYxIiwiYXBwY3R4c2VuZGVyIjoiT3dhRG93bmxvYWRAYjBjNmM2ODctYTc0MC00MzVlLTkzNjItMDk1YjAzN2QyNDQzIiwiaXNzcmluZyI6IldXIiwiYXBwY3R4Ijoie1wibXNleGNocHJvdFwiOlwib3dhXCIsXCJwcmltYXJ5c2lkXCI6XCJTLTEtNS0yMS0xNjgwNjYxMDktNDA1NjQ0NzE2LTI2MjI2MzQ1NjgtMjI4NTc0NjJcIixcInB1aWRcIjpcIjExNTM5MDY2NjEyNzczOTAzMDVcIixcIm9pZFwiOlwiYWQ2OGFkNGEtN2VkZi00NjNjLWJhMWEtOWEyNDc0MmU4MzBiXCIsXCJzY29wZVwiOlwiT3dhRG93bmxvYWRcIn0iLCJuYmYiOjE1ODM4NzU4MzAsImV4cCI6MTU4Mzg3NjQzMCwiaXNzIjoiMDAwMDAwMDItMDAwMC0wZmYxLWNlMDAtMDAwMDAwMDAwMDAwQGIwYzZjNjg3LWE3NDAtNDM1ZS05MzYyLTA5NWIwMzdkMjQ0MyIsImF1ZCI6IjAwMDAwMDAyLTAwMDAtMGZmMS1jZTAwLTAwMDAwMDAwMDAwMC9hdHRhY2htZW50cy5vZmZpY2UubmV0QGIwYzZjNjg3LWE3NDAtNDM1ZS05MzYyLTA5NWIwMzdkMjQ0MyJ9.k3qpRHrgiFsx3Pxyk9phACrMe7qUuQCtEpaTW6Zi64uO2kWkovaz-3zPd3z1d749lkQAP5oeLsByPEq7B6EH1xYidK6adAOuhDm0LdBYNyFSiO9YOhsDdKKxMryFU1cX6cbTFp5HkIBhNC101NC69XjtV6DEHwR9LBxbSfZSHhLaEWfVmVlgaAsjEvZIWWzgvruYf4l3Hldx2-GOFVpVeV7IeVZAtEdACArhzcSvdHAWE0tj3Ot03XwscKGT_Y56iOTh0z3HRHhQnxBQ8d2TBzxvoV_mGxJLVB8OxNM4CmWc-zG70VHW6Wsf5QAdQ7dd66CzeckF-ez0SzQd-HNYoQ&amp;animation=true"/>
+          <p:cNvPr id="7170" name="Picture 2" descr="https://attachments.office.net/owa/cmcgill1%40butlercc.edu/service.svc/s/GetAttachmentThumbnail?id=AAMkAGUxMmM3YzVkLTFlYTMtNGRiMS1iNzJjLWM5NDUwY2E1NGNjZgBGAAAAAACfS%2F7hQdtDSYcbJjpSD%2FvgBwA%2FQB3Mk8jwTprctT6VzHEZAAAAAAEMAAA%2FQB3Mk8jwTprctT6VzHEZAAHRYiEiAAABEgAQAPfIMA3J7QlEk7bB4M27xEs%3D&amp;thumbnailType=2&amp;owa=outlook.office365.com&amp;scriptVer=2020030202.19&amp;X-OWA-CANARY=wU3XLFn110ap7rzI3CoURyCX6U46xdcYnk9Ip2CQssoyYqWCYshcUTtHpSex9Vg6WyybD9f0TCk.&amp;token=eyJhbGciOiJSUzI1NiIsImtpZCI6IjU2MzU4ODUyMzRCOTI1MkRERTAwNTc2NkQ5RDlGMjc2NTY1RjYzRTIiLCJ4NXQiOiJWaldJVWpTNUpTM2VBRmRtMmRueWRsWmZZLUkiLCJ0eXAiOiJKV1QifQ.eyJvcmlnaW4iOiJodHRwczovL291dGxvb2sub2ZmaWNlMzY1LmNvbSIsInZlciI6IkV4Y2hhbmdlLkNhbGxiYWNrLlYxIiwiYXBwY3R4c2VuZGVyIjoiT3dhRG93bmxvYWRAYjBjNmM2ODctYTc0MC00MzVlLTkzNjItMDk1YjAzN2QyNDQzIiwiaXNzcmluZyI6IldXIiwiYXBwY3R4Ijoie1wibXNleGNocHJvdFwiOlwib3dhXCIsXCJwcmltYXJ5c2lkXCI6XCJTLTEtNS0yMS0xNjgwNjYxMDktNDA1NjQ0NzE2LTI2MjI2MzQ1NjgtMjI4NTc0NjJcIixcInB1aWRcIjpcIjExNTM5MDY2NjEyNzczOTAzMDVcIixcIm9pZFwiOlwiYWQ2OGFkNGEtN2VkZi00NjNjLWJhMWEtOWEyNDc0MmU4MzBiXCIsXCJzY29wZVwiOlwiT3dhRG93bmxvYWRcIn0iLCJuYmYiOjE1ODM4NzU4MzAsImV4cCI6MTU4Mzg3NjQzMCwiaXNzIjoiMDAwMDAwMDItMDAwMC0wZmYxLWNlMDAtMDAwMDAwMDAwMDAwQGIwYzZjNjg3LWE3NDAtNDM1ZS05MzYyLTA5NWIwMzdkMjQ0MyIsImF1ZCI6IjAwMDAwMDAyLTAwMDAtMGZmMS1jZTAwLTAwMDAwMDAwMDAwMC9hdHRhY2htZW50cy5vZmZpY2UubmV0QGIwYzZjNjg3LWE3NDAtNDM1ZS05MzYyLTA5NWIwMzdkMjQ0MyJ9.k3qpRHrgiFsx3Pxyk9phACrMe7qUuQCtEpaTW6Zi64uO2kWkovaz-3zPd3z1d749lkQAP5oeLsByPEq7B6EH1xYidK6adAOuhDm0LdBYNyFSiO9YOhsDdKKxMryFU1cX6cbTFp5HkIBhNC101NC69XjtV6DEHwR9LBxbSfZSHhLaEWfVmVlgaAsjEvZIWWzgvruYf4l3Hldx2-GOFVpVeV7IeVZAtEdACArhzcSvdHAWE0tj3Ot03XwscKGT_Y56iOTh0z3HRHhQnxBQ8d2TBzxvoV_mGxJLVB8OxNM4CmWc-zG70VHW6Wsf5QAdQ7dd66CzeckF-ez0SzQd-HNYoQ&amp;animation=true"/>
           <p:cNvPicPr>
             <a:picLocks noChangeAspect="1" noChangeArrowheads="1"/>
           </p:cNvPicPr>
@@ -6531,8 +6508,8 @@
         </p:blipFill>
         <p:spPr bwMode="auto">
           <a:xfrm>
-            <a:off x="1451579" y="1853755"/>
-            <a:ext cx="2403109" cy="4274330"/>
+            <a:off x="1451579" y="1853753"/>
+            <a:ext cx="3200632" cy="4267509"/>
           </a:xfrm>
           <a:prstGeom prst="rect">
             <a:avLst/>
@@ -6551,7 +6528,49 @@
       </p:pic>
       <p:sp>
         <p:nvSpPr>
-          <p:cNvPr id="5" name="TextBox 4"/>
+          <p:cNvPr id="5" name="Rectangle 4"/>
+          <p:cNvSpPr/>
+          <p:nvPr/>
+        </p:nvSpPr>
+        <p:spPr>
+          <a:xfrm>
+            <a:off x="4652211" y="1853752"/>
+            <a:ext cx="6096000" cy="1200329"/>
+          </a:xfrm>
+          <a:prstGeom prst="rect">
+            <a:avLst/>
+          </a:prstGeom>
+        </p:spPr>
+        <p:txBody>
+          <a:bodyPr>
+            <a:spAutoFit/>
+          </a:bodyPr>
+          <a:lstStyle/>
+          <a:p>
+            <a:r>
+              <a:rPr lang="en-US" dirty="0"/>
+              <a:t>Raphael </a:t>
+            </a:r>
+            <a:r>
+              <a:rPr lang="en-US" dirty="0" err="1"/>
+              <a:t>Mfuko</a:t>
+            </a:r>
+            <a:endParaRPr lang="en-US" dirty="0"/>
+          </a:p>
+          <a:p>
+            <a:endParaRPr lang="en-US" dirty="0"/>
+          </a:p>
+          <a:p>
+            <a:r>
+              <a:rPr lang="en-US" dirty="0"/>
+              <a:t>I am Raphael and I’m Doing pre-med here at BCC and I enjoy watching movies in my free time.</a:t>
+            </a:r>
+          </a:p>
+        </p:txBody>
+      </p:sp>
+      <p:sp>
+        <p:nvSpPr>
+          <p:cNvPr id="6" name="TextBox 5"/>
           <p:cNvSpPr txBox="1"/>
           <p:nvPr/>
         </p:nvSpPr>
@@ -6581,7 +6600,7 @@
     </p:spTree>
     <p:extLst>
       <p:ext uri="{BB962C8B-B14F-4D97-AF65-F5344CB8AC3E}">
-        <p14:creationId xmlns:p14="http://schemas.microsoft.com/office/powerpoint/2010/main" val="2293564407"/>
+        <p14:creationId xmlns:p14="http://schemas.microsoft.com/office/powerpoint/2010/main" val="983572159"/>
       </p:ext>
     </p:extLst>
   </p:cSld>
@@ -6633,9 +6652,46 @@
           </a:p>
         </p:txBody>
       </p:sp>
+      <p:sp>
+        <p:nvSpPr>
+          <p:cNvPr id="4" name="Rectangle 3"/>
+          <p:cNvSpPr/>
+          <p:nvPr/>
+        </p:nvSpPr>
+        <p:spPr>
+          <a:xfrm>
+            <a:off x="4668253" y="1853754"/>
+            <a:ext cx="6096000" cy="1200329"/>
+          </a:xfrm>
+          <a:prstGeom prst="rect">
+            <a:avLst/>
+          </a:prstGeom>
+        </p:spPr>
+        <p:txBody>
+          <a:bodyPr>
+            <a:spAutoFit/>
+          </a:bodyPr>
+          <a:lstStyle/>
+          <a:p>
+            <a:r>
+              <a:rPr lang="en-US" dirty="0"/>
+              <a:t>Octavio Pacheco</a:t>
+            </a:r>
+          </a:p>
+          <a:p>
+            <a:endParaRPr lang="en-US" dirty="0"/>
+          </a:p>
+          <a:p>
+            <a:r>
+              <a:rPr lang="en-US" dirty="0"/>
+              <a:t>I am Octavio Pacheco. I am physics major. I enjoy studying and exercising. My biggest dream is working for NASA one day.</a:t>
+            </a:r>
+          </a:p>
+        </p:txBody>
+      </p:sp>
       <p:pic>
         <p:nvPicPr>
-          <p:cNvPr id="7170" name="Picture 2" descr="https://attachments.office.net/owa/cmcgill1%40butlercc.edu/service.svc/s/GetAttachmentThumbnail?id=AAMkAGUxMmM3YzVkLTFlYTMtNGRiMS1iNzJjLWM5NDUwY2E1NGNjZgBGAAAAAACfS%2F7hQdtDSYcbJjpSD%2FvgBwA%2FQB3Mk8jwTprctT6VzHEZAAAAAAEMAAA%2FQB3Mk8jwTprctT6VzHEZAAHRYiEiAAABEgAQAPfIMA3J7QlEk7bB4M27xEs%3D&amp;thumbnailType=2&amp;owa=outlook.office365.com&amp;scriptVer=2020030202.19&amp;X-OWA-CANARY=wU3XLFn110ap7rzI3CoURyCX6U46xdcYnk9Ip2CQssoyYqWCYshcUTtHpSex9Vg6WyybD9f0TCk.&amp;token=eyJhbGciOiJSUzI1NiIsImtpZCI6IjU2MzU4ODUyMzRCOTI1MkRERTAwNTc2NkQ5RDlGMjc2NTY1RjYzRTIiLCJ4NXQiOiJWaldJVWpTNUpTM2VBRmRtMmRueWRsWmZZLUkiLCJ0eXAiOiJKV1QifQ.eyJvcmlnaW4iOiJodHRwczovL291dGxvb2sub2ZmaWNlMzY1LmNvbSIsInZlciI6IkV4Y2hhbmdlLkNhbGxiYWNrLlYxIiwiYXBwY3R4c2VuZGVyIjoiT3dhRG93bmxvYWRAYjBjNmM2ODctYTc0MC00MzVlLTkzNjItMDk1YjAzN2QyNDQzIiwiaXNzcmluZyI6IldXIiwiYXBwY3R4Ijoie1wibXNleGNocHJvdFwiOlwib3dhXCIsXCJwcmltYXJ5c2lkXCI6XCJTLTEtNS0yMS0xNjgwNjYxMDktNDA1NjQ0NzE2LTI2MjI2MzQ1NjgtMjI4NTc0NjJcIixcInB1aWRcIjpcIjExNTM5MDY2NjEyNzczOTAzMDVcIixcIm9pZFwiOlwiYWQ2OGFkNGEtN2VkZi00NjNjLWJhMWEtOWEyNDc0MmU4MzBiXCIsXCJzY29wZVwiOlwiT3dhRG93bmxvYWRcIn0iLCJuYmYiOjE1ODM4NzU4MzAsImV4cCI6MTU4Mzg3NjQzMCwiaXNzIjoiMDAwMDAwMDItMDAwMC0wZmYxLWNlMDAtMDAwMDAwMDAwMDAwQGIwYzZjNjg3LWE3NDAtNDM1ZS05MzYyLTA5NWIwMzdkMjQ0MyIsImF1ZCI6IjAwMDAwMDAyLTAwMDAtMGZmMS1jZTAwLTAwMDAwMDAwMDAwMC9hdHRhY2htZW50cy5vZmZpY2UubmV0QGIwYzZjNjg3LWE3NDAtNDM1ZS05MzYyLTA5NWIwMzdkMjQ0MyJ9.k3qpRHrgiFsx3Pxyk9phACrMe7qUuQCtEpaTW6Zi64uO2kWkovaz-3zPd3z1d749lkQAP5oeLsByPEq7B6EH1xYidK6adAOuhDm0LdBYNyFSiO9YOhsDdKKxMryFU1cX6cbTFp5HkIBhNC101NC69XjtV6DEHwR9LBxbSfZSHhLaEWfVmVlgaAsjEvZIWWzgvruYf4l3Hldx2-GOFVpVeV7IeVZAtEdACArhzcSvdHAWE0tj3Ot03XwscKGT_Y56iOTh0z3HRHhQnxBQ8d2TBzxvoV_mGxJLVB8OxNM4CmWc-zG70VHW6Wsf5QAdQ7dd66CzeckF-ez0SzQd-HNYoQ&amp;animation=true"/>
+          <p:cNvPr id="8194" name="Picture 2" descr="https://attachments.office.net/owa/cmcgill1%40butlercc.edu/service.svc/s/GetAttachmentThumbnail?id=AAMkAGUxMmM3YzVkLTFlYTMtNGRiMS1iNzJjLWM5NDUwY2E1NGNjZgBGAAAAAACfS%2F7hQdtDSYcbJjpSD%2FvgBwA%2FQB3Mk8jwTprctT6VzHEZAAAAAAEMAAA%2FQB3Mk8jwTprctT6VzHEZAAHRYiEiAAABEgAQAENV26jlHqpKrI2XtjpvqHQ%3D&amp;thumbnailType=2&amp;owa=outlook.office365.com&amp;scriptVer=2020030202.19&amp;X-OWA-CANARY=wU3XLFn110ap7rzI3CoURyCX6U46xdcYnk9Ip2CQssoyYqWCYshcUTtHpSex9Vg6WyybD9f0TCk.&amp;token=eyJhbGciOiJSUzI1NiIsImtpZCI6IjU2MzU4ODUyMzRCOTI1MkRERTAwNTc2NkQ5RDlGMjc2NTY1RjYzRTIiLCJ4NXQiOiJWaldJVWpTNUpTM2VBRmRtMmRueWRsWmZZLUkiLCJ0eXAiOiJKV1QifQ.eyJvcmlnaW4iOiJodHRwczovL291dGxvb2sub2ZmaWNlMzY1LmNvbSIsInZlciI6IkV4Y2hhbmdlLkNhbGxiYWNrLlYxIiwiYXBwY3R4c2VuZGVyIjoiT3dhRG93bmxvYWRAYjBjNmM2ODctYTc0MC00MzVlLTkzNjItMDk1YjAzN2QyNDQzIiwiaXNzcmluZyI6IldXIiwiYXBwY3R4Ijoie1wibXNleGNocHJvdFwiOlwib3dhXCIsXCJwcmltYXJ5c2lkXCI6XCJTLTEtNS0yMS0xNjgwNjYxMDktNDA1NjQ0NzE2LTI2MjI2MzQ1NjgtMjI4NTc0NjJcIixcInB1aWRcIjpcIjExNTM5MDY2NjEyNzczOTAzMDVcIixcIm9pZFwiOlwiYWQ2OGFkNGEtN2VkZi00NjNjLWJhMWEtOWEyNDc0MmU4MzBiXCIsXCJzY29wZVwiOlwiT3dhRG93bmxvYWRcIn0iLCJuYmYiOjE1ODM4NzU4MzAsImV4cCI6MTU4Mzg3NjQzMCwiaXNzIjoiMDAwMDAwMDItMDAwMC0wZmYxLWNlMDAtMDAwMDAwMDAwMDAwQGIwYzZjNjg3LWE3NDAtNDM1ZS05MzYyLTA5NWIwMzdkMjQ0MyIsImF1ZCI6IjAwMDAwMDAyLTAwMDAtMGZmMS1jZTAwLTAwMDAwMDAwMDAwMC9hdHRhY2htZW50cy5vZmZpY2UubmV0QGIwYzZjNjg3LWE3NDAtNDM1ZS05MzYyLTA5NWIwMzdkMjQ0MyJ9.k3qpRHrgiFsx3Pxyk9phACrMe7qUuQCtEpaTW6Zi64uO2kWkovaz-3zPd3z1d749lkQAP5oeLsByPEq7B6EH1xYidK6adAOuhDm0LdBYNyFSiO9YOhsDdKKxMryFU1cX6cbTFp5HkIBhNC101NC69XjtV6DEHwR9LBxbSfZSHhLaEWfVmVlgaAsjEvZIWWzgvruYf4l3Hldx2-GOFVpVeV7IeVZAtEdACArhzcSvdHAWE0tj3Ot03XwscKGT_Y56iOTh0z3HRHhQnxBQ8d2TBzxvoV_mGxJLVB8OxNM4CmWc-zG70VHW6Wsf5QAdQ7dd66CzeckF-ez0SzQd-HNYoQ&amp;animation=true"/>
           <p:cNvPicPr>
             <a:picLocks noChangeAspect="1" noChangeArrowheads="1"/>
           </p:cNvPicPr>
@@ -6656,8 +6712,8 @@
         </p:blipFill>
         <p:spPr bwMode="auto">
           <a:xfrm>
-            <a:off x="1451579" y="1853753"/>
-            <a:ext cx="3200632" cy="4267509"/>
+            <a:off x="1451579" y="1853754"/>
+            <a:ext cx="3216674" cy="4284436"/>
           </a:xfrm>
           <a:prstGeom prst="rect">
             <a:avLst/>
@@ -6676,49 +6732,7 @@
       </p:pic>
       <p:sp>
         <p:nvSpPr>
-          <p:cNvPr id="5" name="Rectangle 4"/>
-          <p:cNvSpPr/>
-          <p:nvPr/>
-        </p:nvSpPr>
-        <p:spPr>
-          <a:xfrm>
-            <a:off x="4652211" y="1853752"/>
-            <a:ext cx="6096000" cy="1200329"/>
-          </a:xfrm>
-          <a:prstGeom prst="rect">
-            <a:avLst/>
-          </a:prstGeom>
-        </p:spPr>
-        <p:txBody>
-          <a:bodyPr>
-            <a:spAutoFit/>
-          </a:bodyPr>
-          <a:lstStyle/>
-          <a:p>
-            <a:r>
-              <a:rPr lang="en-US" dirty="0"/>
-              <a:t>Raphael </a:t>
-            </a:r>
-            <a:r>
-              <a:rPr lang="en-US" dirty="0" err="1"/>
-              <a:t>Mfuko</a:t>
-            </a:r>
-            <a:endParaRPr lang="en-US" dirty="0"/>
-          </a:p>
-          <a:p>
-            <a:endParaRPr lang="en-US" dirty="0"/>
-          </a:p>
-          <a:p>
-            <a:r>
-              <a:rPr lang="en-US" dirty="0"/>
-              <a:t>I am Raphael and I’m Doing pre-med here at BCC and I enjoy watching movies in my free time.</a:t>
-            </a:r>
-          </a:p>
-        </p:txBody>
-      </p:sp>
-      <p:sp>
-        <p:nvSpPr>
-          <p:cNvPr id="6" name="TextBox 5"/>
+          <p:cNvPr id="5" name="TextBox 4"/>
           <p:cNvSpPr txBox="1"/>
           <p:nvPr/>
         </p:nvSpPr>
@@ -6748,7 +6762,7 @@
     </p:spTree>
     <p:extLst>
       <p:ext uri="{BB962C8B-B14F-4D97-AF65-F5344CB8AC3E}">
-        <p14:creationId xmlns:p14="http://schemas.microsoft.com/office/powerpoint/2010/main" val="983572159"/>
+        <p14:creationId xmlns:p14="http://schemas.microsoft.com/office/powerpoint/2010/main" val="2220926240"/>
       </p:ext>
     </p:extLst>
   </p:cSld>
@@ -6778,176 +6792,6 @@
           <a:chExt cx="0" cy="0"/>
         </a:xfrm>
       </p:grpSpPr>
-      <p:sp>
-        <p:nvSpPr>
-          <p:cNvPr id="2" name="Text Placeholder 1">
-            <a:extLst>
-              <a:ext uri="{FF2B5EF4-FFF2-40B4-BE49-F238E27FC236}">
-                <a16:creationId xmlns:a16="http://schemas.microsoft.com/office/drawing/2014/main" id="{B0652BE8-B35B-4988-AD12-0BE3C3DD4541}"/>
-              </a:ext>
-            </a:extLst>
-          </p:cNvPr>
-          <p:cNvSpPr>
-            <a:spLocks noGrp="1"/>
-          </p:cNvSpPr>
-          <p:nvPr>
-            <p:ph type="body" sz="quarter" idx="10"/>
-          </p:nvPr>
-        </p:nvSpPr>
-        <p:spPr>
-          <a:xfrm>
-            <a:off x="1815769" y="2364591"/>
-            <a:ext cx="473206" cy="369332"/>
-          </a:xfrm>
-        </p:spPr>
-        <p:txBody>
-          <a:bodyPr/>
-          <a:lstStyle/>
-          <a:p>
-            <a:pPr marL="285750" indent="-285750">
-              <a:buFont typeface="Arial" panose="020B0604020202020204" pitchFamily="34" charset="0"/>
-              <a:buChar char="•"/>
-            </a:pPr>
-            <a:endParaRPr lang="en-US" dirty="0"/>
-          </a:p>
-        </p:txBody>
-      </p:sp>
-      <p:sp>
-        <p:nvSpPr>
-          <p:cNvPr id="3" name="Text Placeholder 2">
-            <a:extLst>
-              <a:ext uri="{FF2B5EF4-FFF2-40B4-BE49-F238E27FC236}">
-                <a16:creationId xmlns:a16="http://schemas.microsoft.com/office/drawing/2014/main" id="{2851F8A6-692A-424D-8374-1B2F2C783A6A}"/>
-              </a:ext>
-            </a:extLst>
-          </p:cNvPr>
-          <p:cNvSpPr>
-            <a:spLocks noGrp="1"/>
-          </p:cNvSpPr>
-          <p:nvPr>
-            <p:ph type="body" sz="quarter" idx="11"/>
-          </p:nvPr>
-        </p:nvSpPr>
-        <p:spPr>
-          <a:xfrm>
-            <a:off x="8439152" y="2351742"/>
-            <a:ext cx="473206" cy="369332"/>
-          </a:xfrm>
-        </p:spPr>
-        <p:txBody>
-          <a:bodyPr/>
-          <a:lstStyle/>
-          <a:p>
-            <a:pPr marL="285750" indent="-285750">
-              <a:buFont typeface="Arial" panose="020B0604020202020204" pitchFamily="34" charset="0"/>
-              <a:buChar char="•"/>
-            </a:pPr>
-            <a:endParaRPr lang="en-US" dirty="0"/>
-          </a:p>
-        </p:txBody>
-      </p:sp>
-      <p:sp>
-        <p:nvSpPr>
-          <p:cNvPr id="4" name="Text Placeholder 3">
-            <a:extLst>
-              <a:ext uri="{FF2B5EF4-FFF2-40B4-BE49-F238E27FC236}">
-                <a16:creationId xmlns:a16="http://schemas.microsoft.com/office/drawing/2014/main" id="{D7444EB1-4ECB-449A-A140-6BA7D35484BE}"/>
-              </a:ext>
-            </a:extLst>
-          </p:cNvPr>
-          <p:cNvSpPr>
-            <a:spLocks noGrp="1"/>
-          </p:cNvSpPr>
-          <p:nvPr>
-            <p:ph type="body" sz="quarter" idx="12"/>
-          </p:nvPr>
-        </p:nvSpPr>
-        <p:spPr/>
-        <p:txBody>
-          <a:bodyPr/>
-          <a:lstStyle/>
-          <a:p>
-            <a:endParaRPr lang="en-US"/>
-          </a:p>
-        </p:txBody>
-      </p:sp>
-      <p:sp>
-        <p:nvSpPr>
-          <p:cNvPr id="5" name="Text Placeholder 4">
-            <a:extLst>
-              <a:ext uri="{FF2B5EF4-FFF2-40B4-BE49-F238E27FC236}">
-                <a16:creationId xmlns:a16="http://schemas.microsoft.com/office/drawing/2014/main" id="{AD688984-B16B-49E4-A66E-62D655342CCA}"/>
-              </a:ext>
-            </a:extLst>
-          </p:cNvPr>
-          <p:cNvSpPr>
-            <a:spLocks noGrp="1"/>
-          </p:cNvSpPr>
-          <p:nvPr>
-            <p:ph type="body" sz="quarter" idx="13"/>
-          </p:nvPr>
-        </p:nvSpPr>
-        <p:spPr/>
-        <p:txBody>
-          <a:bodyPr/>
-          <a:lstStyle/>
-          <a:p>
-            <a:endParaRPr lang="en-US" dirty="0"/>
-          </a:p>
-        </p:txBody>
-      </p:sp>
-      <p:sp>
-        <p:nvSpPr>
-          <p:cNvPr id="6" name="Text Placeholder 5">
-            <a:extLst>
-              <a:ext uri="{FF2B5EF4-FFF2-40B4-BE49-F238E27FC236}">
-                <a16:creationId xmlns:a16="http://schemas.microsoft.com/office/drawing/2014/main" id="{A5BFD929-A54A-4731-B69E-572E677ED294}"/>
-              </a:ext>
-            </a:extLst>
-          </p:cNvPr>
-          <p:cNvSpPr>
-            <a:spLocks noGrp="1"/>
-          </p:cNvSpPr>
-          <p:nvPr>
-            <p:ph type="body" sz="quarter" idx="14"/>
-          </p:nvPr>
-        </p:nvSpPr>
-        <p:spPr/>
-        <p:txBody>
-          <a:bodyPr>
-            <a:normAutofit fontScale="85000" lnSpcReduction="10000"/>
-          </a:bodyPr>
-          <a:lstStyle/>
-          <a:p>
-            <a:endParaRPr lang="en-US"/>
-          </a:p>
-        </p:txBody>
-      </p:sp>
-      <p:sp>
-        <p:nvSpPr>
-          <p:cNvPr id="7" name="Text Placeholder 6">
-            <a:extLst>
-              <a:ext uri="{FF2B5EF4-FFF2-40B4-BE49-F238E27FC236}">
-                <a16:creationId xmlns:a16="http://schemas.microsoft.com/office/drawing/2014/main" id="{A97D39BC-C36B-4D59-A744-A1E41B895E15}"/>
-              </a:ext>
-            </a:extLst>
-          </p:cNvPr>
-          <p:cNvSpPr>
-            <a:spLocks noGrp="1"/>
-          </p:cNvSpPr>
-          <p:nvPr>
-            <p:ph type="body" sz="quarter" idx="15"/>
-          </p:nvPr>
-        </p:nvSpPr>
-        <p:spPr/>
-        <p:txBody>
-          <a:bodyPr/>
-          <a:lstStyle/>
-          <a:p>
-            <a:endParaRPr lang="en-US"/>
-          </a:p>
-        </p:txBody>
-      </p:sp>
     </p:spTree>
     <p:extLst>
       <p:ext uri="{BB962C8B-B14F-4D97-AF65-F5344CB8AC3E}">
@@ -7003,46 +6847,9 @@
           </a:p>
         </p:txBody>
       </p:sp>
-      <p:sp>
-        <p:nvSpPr>
-          <p:cNvPr id="4" name="Rectangle 3"/>
-          <p:cNvSpPr/>
-          <p:nvPr/>
-        </p:nvSpPr>
-        <p:spPr>
-          <a:xfrm>
-            <a:off x="4668253" y="1853754"/>
-            <a:ext cx="6096000" cy="1200329"/>
-          </a:xfrm>
-          <a:prstGeom prst="rect">
-            <a:avLst/>
-          </a:prstGeom>
-        </p:spPr>
-        <p:txBody>
-          <a:bodyPr>
-            <a:spAutoFit/>
-          </a:bodyPr>
-          <a:lstStyle/>
-          <a:p>
-            <a:r>
-              <a:rPr lang="en-US" dirty="0"/>
-              <a:t>Octavio Pacheco</a:t>
-            </a:r>
-          </a:p>
-          <a:p>
-            <a:endParaRPr lang="en-US" dirty="0"/>
-          </a:p>
-          <a:p>
-            <a:r>
-              <a:rPr lang="en-US" dirty="0"/>
-              <a:t>I am Octavio Pacheco. I am physics major. I enjoy studying and exercising. My biggest dream is working for NASA one day.</a:t>
-            </a:r>
-          </a:p>
-        </p:txBody>
-      </p:sp>
       <p:pic>
         <p:nvPicPr>
-          <p:cNvPr id="8194" name="Picture 2" descr="https://attachments.office.net/owa/cmcgill1%40butlercc.edu/service.svc/s/GetAttachmentThumbnail?id=AAMkAGUxMmM3YzVkLTFlYTMtNGRiMS1iNzJjLWM5NDUwY2E1NGNjZgBGAAAAAACfS%2F7hQdtDSYcbJjpSD%2FvgBwA%2FQB3Mk8jwTprctT6VzHEZAAAAAAEMAAA%2FQB3Mk8jwTprctT6VzHEZAAHRYiEiAAABEgAQAENV26jlHqpKrI2XtjpvqHQ%3D&amp;thumbnailType=2&amp;owa=outlook.office365.com&amp;scriptVer=2020030202.19&amp;X-OWA-CANARY=wU3XLFn110ap7rzI3CoURyCX6U46xdcYnk9Ip2CQssoyYqWCYshcUTtHpSex9Vg6WyybD9f0TCk.&amp;token=eyJhbGciOiJSUzI1NiIsImtpZCI6IjU2MzU4ODUyMzRCOTI1MkRERTAwNTc2NkQ5RDlGMjc2NTY1RjYzRTIiLCJ4NXQiOiJWaldJVWpTNUpTM2VBRmRtMmRueWRsWmZZLUkiLCJ0eXAiOiJKV1QifQ.eyJvcmlnaW4iOiJodHRwczovL291dGxvb2sub2ZmaWNlMzY1LmNvbSIsInZlciI6IkV4Y2hhbmdlLkNhbGxiYWNrLlYxIiwiYXBwY3R4c2VuZGVyIjoiT3dhRG93bmxvYWRAYjBjNmM2ODctYTc0MC00MzVlLTkzNjItMDk1YjAzN2QyNDQzIiwiaXNzcmluZyI6IldXIiwiYXBwY3R4Ijoie1wibXNleGNocHJvdFwiOlwib3dhXCIsXCJwcmltYXJ5c2lkXCI6XCJTLTEtNS0yMS0xNjgwNjYxMDktNDA1NjQ0NzE2LTI2MjI2MzQ1NjgtMjI4NTc0NjJcIixcInB1aWRcIjpcIjExNTM5MDY2NjEyNzczOTAzMDVcIixcIm9pZFwiOlwiYWQ2OGFkNGEtN2VkZi00NjNjLWJhMWEtOWEyNDc0MmU4MzBiXCIsXCJzY29wZVwiOlwiT3dhRG93bmxvYWRcIn0iLCJuYmYiOjE1ODM4NzU4MzAsImV4cCI6MTU4Mzg3NjQzMCwiaXNzIjoiMDAwMDAwMDItMDAwMC0wZmYxLWNlMDAtMDAwMDAwMDAwMDAwQGIwYzZjNjg3LWE3NDAtNDM1ZS05MzYyLTA5NWIwMzdkMjQ0MyIsImF1ZCI6IjAwMDAwMDAyLTAwMDAtMGZmMS1jZTAwLTAwMDAwMDAwMDAwMC9hdHRhY2htZW50cy5vZmZpY2UubmV0QGIwYzZjNjg3LWE3NDAtNDM1ZS05MzYyLTA5NWIwMzdkMjQ0MyJ9.k3qpRHrgiFsx3Pxyk9phACrMe7qUuQCtEpaTW6Zi64uO2kWkovaz-3zPd3z1d749lkQAP5oeLsByPEq7B6EH1xYidK6adAOuhDm0LdBYNyFSiO9YOhsDdKKxMryFU1cX6cbTFp5HkIBhNC101NC69XjtV6DEHwR9LBxbSfZSHhLaEWfVmVlgaAsjEvZIWWzgvruYf4l3Hldx2-GOFVpVeV7IeVZAtEdACArhzcSvdHAWE0tj3Ot03XwscKGT_Y56iOTh0z3HRHhQnxBQ8d2TBzxvoV_mGxJLVB8OxNM4CmWc-zG70VHW6Wsf5QAdQ7dd66CzeckF-ez0SzQd-HNYoQ&amp;animation=true"/>
+          <p:cNvPr id="10242" name="Picture 2" descr="https://attachments.office.net/owa/cmcgill1%40butlercc.edu/service.svc/s/GetAttachmentThumbnail?id=AAMkAGUxMmM3YzVkLTFlYTMtNGRiMS1iNzJjLWM5NDUwY2E1NGNjZgBGAAAAAACfS%2F7hQdtDSYcbJjpSD%2FvgBwA%2FQB3Mk8jwTprctT6VzHEZAAAAAAEMAAA%2FQB3Mk8jwTprctT6VzHEZAAHRYiEiAAABEgAQAG9vR%2FXRDNpBowCMI0LsFXQ%3D&amp;thumbnailType=2&amp;owa=outlook.office365.com&amp;scriptVer=2020030202.19&amp;X-OWA-CANARY=Vv2zwxP91UWndlzKUmNzclCnj208xdcY7pihr5-OhyxJWdLh12CjXo4ENw_zwHsPscx5LgpCZog.&amp;token=eyJhbGciOiJSUzI1NiIsImtpZCI6IjU2MzU4ODUyMzRCOTI1MkRERTAwNTc2NkQ5RDlGMjc2NTY1RjYzRTIiLCJ4NXQiOiJWaldJVWpTNUpTM2VBRmRtMmRueWRsWmZZLUkiLCJ0eXAiOiJKV1QifQ.eyJvcmlnaW4iOiJodHRwczovL291dGxvb2sub2ZmaWNlMzY1LmNvbSIsInZlciI6IkV4Y2hhbmdlLkNhbGxiYWNrLlYxIiwiYXBwY3R4c2VuZGVyIjoiT3dhRG93bmxvYWRAYjBjNmM2ODctYTc0MC00MzVlLTkzNjItMDk1YjAzN2QyNDQzIiwiaXNzcmluZyI6IldXIiwiYXBwY3R4Ijoie1wibXNleGNocHJvdFwiOlwib3dhXCIsXCJwcmltYXJ5c2lkXCI6XCJTLTEtNS0yMS0xNjgwNjYxMDktNDA1NjQ0NzE2LTI2MjI2MzQ1NjgtMjI4NTc0NjJcIixcInB1aWRcIjpcIjExNTM5MDY2NjEyNzczOTAzMDVcIixcIm9pZFwiOlwiYWQ2OGFkNGEtN2VkZi00NjNjLWJhMWEtOWEyNDc0MmU4MzBiXCIsXCJzY29wZVwiOlwiT3dhRG93bmxvYWRcIn0iLCJuYmYiOjE1ODM4NzY3NDcsImV4cCI6MTU4Mzg3NzM0NywiaXNzIjoiMDAwMDAwMDItMDAwMC0wZmYxLWNlMDAtMDAwMDAwMDAwMDAwQGIwYzZjNjg3LWE3NDAtNDM1ZS05MzYyLTA5NWIwMzdkMjQ0MyIsImF1ZCI6IjAwMDAwMDAyLTAwMDAtMGZmMS1jZTAwLTAwMDAwMDAwMDAwMC9hdHRhY2htZW50cy5vZmZpY2UubmV0QGIwYzZjNjg3LWE3NDAtNDM1ZS05MzYyLTA5NWIwMzdkMjQ0MyJ9.QhTDx0eS4NLSiQR2_C_CuBjTAaUxU2YWtGueF_u3XGkLh1qxgBvZw8gej-XAnD4yuyCVOYac3v8ZNL-uBPQ4kRLvHfLi-RI3aLg_xnYFnKTeWjIJQi95kV8zFnjZMpaJ7AXI01UIXcq9Cyp7-qeqbfCUmMDq-J6-qPrqlYct9HtiFzFHcvIB5fVgRkSJl1cMy_Dpqe5JpPDLoYbjwdHaa70Ev9qYNwutpv9eq47x20gY_NK_xqhHek52IzSrxaTnMPEeBuwEokZA3lpqdqaWf6ck8A0-_S7qszNOQlY_ZQEH_rzi32KcbfxPYmWyfSfTA7gVon5nnSowAVFFY941qw&amp;animation=true"/>
           <p:cNvPicPr>
             <a:picLocks noChangeAspect="1" noChangeArrowheads="1"/>
           </p:cNvPicPr>
@@ -7063,8 +6870,8 @@
         </p:blipFill>
         <p:spPr bwMode="auto">
           <a:xfrm>
-            <a:off x="1451579" y="1853754"/>
-            <a:ext cx="3216674" cy="4284436"/>
+            <a:off x="1451578" y="1853753"/>
+            <a:ext cx="4275453" cy="4275453"/>
           </a:xfrm>
           <a:prstGeom prst="rect">
             <a:avLst/>
@@ -7083,7 +6890,57 @@
       </p:pic>
       <p:sp>
         <p:nvSpPr>
-          <p:cNvPr id="5" name="TextBox 4"/>
+          <p:cNvPr id="5" name="Rectangle 4"/>
+          <p:cNvSpPr/>
+          <p:nvPr/>
+        </p:nvSpPr>
+        <p:spPr>
+          <a:xfrm>
+            <a:off x="5727031" y="1853752"/>
+            <a:ext cx="5327823" cy="2308324"/>
+          </a:xfrm>
+          <a:prstGeom prst="rect">
+            <a:avLst/>
+          </a:prstGeom>
+        </p:spPr>
+        <p:txBody>
+          <a:bodyPr wrap="square">
+            <a:spAutoFit/>
+          </a:bodyPr>
+          <a:lstStyle/>
+          <a:p>
+            <a:r>
+              <a:rPr lang="en-US" dirty="0"/>
+              <a:t>Jason </a:t>
+            </a:r>
+            <a:r>
+              <a:rPr lang="en-US" dirty="0" err="1"/>
+              <a:t>Wibowo</a:t>
+            </a:r>
+            <a:endParaRPr lang="en-US" dirty="0"/>
+          </a:p>
+          <a:p>
+            <a:endParaRPr lang="en-US" dirty="0"/>
+          </a:p>
+          <a:p>
+            <a:r>
+              <a:rPr lang="en-US" dirty="0"/>
+              <a:t>My name is Jason </a:t>
+            </a:r>
+            <a:r>
+              <a:rPr lang="en-US" dirty="0" err="1"/>
+              <a:t>Wibowo</a:t>
+            </a:r>
+            <a:r>
+              <a:rPr lang="en-US" dirty="0"/>
+              <a:t> and I am studying to be an Electrical engineer. I am currently taking public speaking, trigonometry, engineering graphics 2, 3D modeling and CAD and electrical circuits. I tutor College algebra and AutoCAD and am available in the math lab from 12:30 - 3:30 on Tuesday and Thursdays.</a:t>
+            </a:r>
+          </a:p>
+        </p:txBody>
+      </p:sp>
+      <p:sp>
+        <p:nvSpPr>
+          <p:cNvPr id="6" name="TextBox 5"/>
           <p:cNvSpPr txBox="1"/>
           <p:nvPr/>
         </p:nvSpPr>
@@ -7113,7 +6970,7 @@
     </p:spTree>
     <p:extLst>
       <p:ext uri="{BB962C8B-B14F-4D97-AF65-F5344CB8AC3E}">
-        <p14:creationId xmlns:p14="http://schemas.microsoft.com/office/powerpoint/2010/main" val="2220926240"/>
+        <p14:creationId xmlns:p14="http://schemas.microsoft.com/office/powerpoint/2010/main" val="3104452723"/>
       </p:ext>
     </p:extLst>
   </p:cSld>
@@ -7167,181 +7024,6 @@
       </p:sp>
       <p:pic>
         <p:nvPicPr>
-          <p:cNvPr id="10242" name="Picture 2" descr="https://attachments.office.net/owa/cmcgill1%40butlercc.edu/service.svc/s/GetAttachmentThumbnail?id=AAMkAGUxMmM3YzVkLTFlYTMtNGRiMS1iNzJjLWM5NDUwY2E1NGNjZgBGAAAAAACfS%2F7hQdtDSYcbJjpSD%2FvgBwA%2FQB3Mk8jwTprctT6VzHEZAAAAAAEMAAA%2FQB3Mk8jwTprctT6VzHEZAAHRYiEiAAABEgAQAG9vR%2FXRDNpBowCMI0LsFXQ%3D&amp;thumbnailType=2&amp;owa=outlook.office365.com&amp;scriptVer=2020030202.19&amp;X-OWA-CANARY=Vv2zwxP91UWndlzKUmNzclCnj208xdcY7pihr5-OhyxJWdLh12CjXo4ENw_zwHsPscx5LgpCZog.&amp;token=eyJhbGciOiJSUzI1NiIsImtpZCI6IjU2MzU4ODUyMzRCOTI1MkRERTAwNTc2NkQ5RDlGMjc2NTY1RjYzRTIiLCJ4NXQiOiJWaldJVWpTNUpTM2VBRmRtMmRueWRsWmZZLUkiLCJ0eXAiOiJKV1QifQ.eyJvcmlnaW4iOiJodHRwczovL291dGxvb2sub2ZmaWNlMzY1LmNvbSIsInZlciI6IkV4Y2hhbmdlLkNhbGxiYWNrLlYxIiwiYXBwY3R4c2VuZGVyIjoiT3dhRG93bmxvYWRAYjBjNmM2ODctYTc0MC00MzVlLTkzNjItMDk1YjAzN2QyNDQzIiwiaXNzcmluZyI6IldXIiwiYXBwY3R4Ijoie1wibXNleGNocHJvdFwiOlwib3dhXCIsXCJwcmltYXJ5c2lkXCI6XCJTLTEtNS0yMS0xNjgwNjYxMDktNDA1NjQ0NzE2LTI2MjI2MzQ1NjgtMjI4NTc0NjJcIixcInB1aWRcIjpcIjExNTM5MDY2NjEyNzczOTAzMDVcIixcIm9pZFwiOlwiYWQ2OGFkNGEtN2VkZi00NjNjLWJhMWEtOWEyNDc0MmU4MzBiXCIsXCJzY29wZVwiOlwiT3dhRG93bmxvYWRcIn0iLCJuYmYiOjE1ODM4NzY3NDcsImV4cCI6MTU4Mzg3NzM0NywiaXNzIjoiMDAwMDAwMDItMDAwMC0wZmYxLWNlMDAtMDAwMDAwMDAwMDAwQGIwYzZjNjg3LWE3NDAtNDM1ZS05MzYyLTA5NWIwMzdkMjQ0MyIsImF1ZCI6IjAwMDAwMDAyLTAwMDAtMGZmMS1jZTAwLTAwMDAwMDAwMDAwMC9hdHRhY2htZW50cy5vZmZpY2UubmV0QGIwYzZjNjg3LWE3NDAtNDM1ZS05MzYyLTA5NWIwMzdkMjQ0MyJ9.QhTDx0eS4NLSiQR2_C_CuBjTAaUxU2YWtGueF_u3XGkLh1qxgBvZw8gej-XAnD4yuyCVOYac3v8ZNL-uBPQ4kRLvHfLi-RI3aLg_xnYFnKTeWjIJQi95kV8zFnjZMpaJ7AXI01UIXcq9Cyp7-qeqbfCUmMDq-J6-qPrqlYct9HtiFzFHcvIB5fVgRkSJl1cMy_Dpqe5JpPDLoYbjwdHaa70Ev9qYNwutpv9eq47x20gY_NK_xqhHek52IzSrxaTnMPEeBuwEokZA3lpqdqaWf6ck8A0-_S7qszNOQlY_ZQEH_rzi32KcbfxPYmWyfSfTA7gVon5nnSowAVFFY941qw&amp;animation=true"/>
-          <p:cNvPicPr>
-            <a:picLocks noChangeAspect="1" noChangeArrowheads="1"/>
-          </p:cNvPicPr>
-          <p:nvPr/>
-        </p:nvPicPr>
-        <p:blipFill>
-          <a:blip r:embed="rId2">
-            <a:extLst>
-              <a:ext uri="{28A0092B-C50C-407E-A947-70E740481C1C}">
-                <a14:useLocalDpi xmlns:a14="http://schemas.microsoft.com/office/drawing/2010/main" val="0"/>
-              </a:ext>
-            </a:extLst>
-          </a:blip>
-          <a:srcRect/>
-          <a:stretch>
-            <a:fillRect/>
-          </a:stretch>
-        </p:blipFill>
-        <p:spPr bwMode="auto">
-          <a:xfrm>
-            <a:off x="1451578" y="1853753"/>
-            <a:ext cx="4275453" cy="4275453"/>
-          </a:xfrm>
-          <a:prstGeom prst="rect">
-            <a:avLst/>
-          </a:prstGeom>
-          <a:noFill/>
-          <a:extLst>
-            <a:ext uri="{909E8E84-426E-40DD-AFC4-6F175D3DCCD1}">
-              <a14:hiddenFill xmlns:a14="http://schemas.microsoft.com/office/drawing/2010/main">
-                <a:solidFill>
-                  <a:srgbClr val="FFFFFF"/>
-                </a:solidFill>
-              </a14:hiddenFill>
-            </a:ext>
-          </a:extLst>
-        </p:spPr>
-      </p:pic>
-      <p:sp>
-        <p:nvSpPr>
-          <p:cNvPr id="5" name="Rectangle 4"/>
-          <p:cNvSpPr/>
-          <p:nvPr/>
-        </p:nvSpPr>
-        <p:spPr>
-          <a:xfrm>
-            <a:off x="5727031" y="1853752"/>
-            <a:ext cx="5327823" cy="2308324"/>
-          </a:xfrm>
-          <a:prstGeom prst="rect">
-            <a:avLst/>
-          </a:prstGeom>
-        </p:spPr>
-        <p:txBody>
-          <a:bodyPr wrap="square">
-            <a:spAutoFit/>
-          </a:bodyPr>
-          <a:lstStyle/>
-          <a:p>
-            <a:r>
-              <a:rPr lang="en-US" dirty="0"/>
-              <a:t>Jason </a:t>
-            </a:r>
-            <a:r>
-              <a:rPr lang="en-US" dirty="0" err="1"/>
-              <a:t>Wibowo</a:t>
-            </a:r>
-            <a:endParaRPr lang="en-US" dirty="0"/>
-          </a:p>
-          <a:p>
-            <a:endParaRPr lang="en-US" dirty="0"/>
-          </a:p>
-          <a:p>
-            <a:r>
-              <a:rPr lang="en-US" dirty="0"/>
-              <a:t>My name is Jason </a:t>
-            </a:r>
-            <a:r>
-              <a:rPr lang="en-US" dirty="0" err="1"/>
-              <a:t>Wibowo</a:t>
-            </a:r>
-            <a:r>
-              <a:rPr lang="en-US" dirty="0"/>
-              <a:t> and I am studying to be an Electrical engineer. I am currently taking public speaking, trigonometry, engineering graphics 2, 3D modeling and CAD and electrical circuits. I tutor College algebra and AutoCAD and am available in the math lab from 12:30 - 3:30 on Tuesday and Thursdays.</a:t>
-            </a:r>
-          </a:p>
-        </p:txBody>
-      </p:sp>
-      <p:sp>
-        <p:nvSpPr>
-          <p:cNvPr id="6" name="TextBox 5"/>
-          <p:cNvSpPr txBox="1"/>
-          <p:nvPr/>
-        </p:nvSpPr>
-        <p:spPr>
-          <a:xfrm>
-            <a:off x="0" y="6642556"/>
-            <a:ext cx="922711" cy="215444"/>
-          </a:xfrm>
-          <a:prstGeom prst="rect">
-            <a:avLst/>
-          </a:prstGeom>
-          <a:noFill/>
-        </p:spPr>
-        <p:txBody>
-          <a:bodyPr wrap="square" rtlCol="0">
-            <a:spAutoFit/>
-          </a:bodyPr>
-          <a:lstStyle/>
-          <a:p>
-            <a:r>
-              <a:rPr lang="en-US" sz="800" dirty="0"/>
-              <a:t>cade was here</a:t>
-            </a:r>
-          </a:p>
-        </p:txBody>
-      </p:sp>
-    </p:spTree>
-    <p:extLst>
-      <p:ext uri="{BB962C8B-B14F-4D97-AF65-F5344CB8AC3E}">
-        <p14:creationId xmlns:p14="http://schemas.microsoft.com/office/powerpoint/2010/main" val="3104452723"/>
-      </p:ext>
-    </p:extLst>
-  </p:cSld>
-  <p:clrMapOvr>
-    <a:masterClrMapping/>
-  </p:clrMapOvr>
-  <p:transition spd="slow" advClick="0" advTm="1000">
-    <p:randomBar dir="vert"/>
-  </p:transition>
-</p:sld>
-</file>
-
-<file path=ppt/slides/slide22.xml><?xml version="1.0" encoding="utf-8"?>
-<p:sld xmlns:a="http://schemas.openxmlformats.org/drawingml/2006/main" xmlns:r="http://schemas.openxmlformats.org/officeDocument/2006/relationships" xmlns:p="http://schemas.openxmlformats.org/presentationml/2006/main" show="0">
-  <p:cSld>
-    <p:spTree>
-      <p:nvGrpSpPr>
-        <p:cNvPr id="1" name=""/>
-        <p:cNvGrpSpPr/>
-        <p:nvPr/>
-      </p:nvGrpSpPr>
-      <p:grpSpPr>
-        <a:xfrm>
-          <a:off x="0" y="0"/>
-          <a:ext cx="0" cy="0"/>
-          <a:chOff x="0" y="0"/>
-          <a:chExt cx="0" cy="0"/>
-        </a:xfrm>
-      </p:grpSpPr>
-      <p:sp>
-        <p:nvSpPr>
-          <p:cNvPr id="2" name="Title 1"/>
-          <p:cNvSpPr>
-            <a:spLocks noGrp="1"/>
-          </p:cNvSpPr>
-          <p:nvPr>
-            <p:ph type="title"/>
-          </p:nvPr>
-        </p:nvSpPr>
-        <p:spPr/>
-        <p:txBody>
-          <a:bodyPr/>
-          <a:lstStyle/>
-          <a:p>
-            <a:r>
-              <a:rPr lang="en-US" dirty="0"/>
-              <a:t>Meet our tutors</a:t>
-            </a:r>
-          </a:p>
-        </p:txBody>
-      </p:sp>
-      <p:pic>
-        <p:nvPicPr>
           <p:cNvPr id="11266" name="Picture 2" descr="https://attachments.office.net/owa/cmcgill1%40butlercc.edu/service.svc/s/GetAttachmentThumbnail?id=AAMkAGUxMmM3YzVkLTFlYTMtNGRiMS1iNzJjLWM5NDUwY2E1NGNjZgBGAAAAAACfS%2F7hQdtDSYcbJjpSD%2FvgBwA%2FQB3Mk8jwTprctT6VzHEZAAAAAAEMAAA%2FQB3Mk8jwTprctT6VzHEZAAHRYiEiAAABEgAQAE7AhYrMgdFFngVMpmUU6eI%3D&amp;thumbnailType=2&amp;owa=outlook.office365.com&amp;scriptVer=2020030202.19&amp;X-OWA-CANARY=Vv2zwxP91UWndlzKUmNzclCnj208xdcY7pihr5-OhyxJWdLh12CjXo4ENw_zwHsPscx5LgpCZog.&amp;token=eyJhbGciOiJSUzI1NiIsImtpZCI6IjU2MzU4ODUyMzRCOTI1MkRERTAwNTc2NkQ5RDlGMjc2NTY1RjYzRTIiLCJ4NXQiOiJWaldJVWpTNUpTM2VBRmRtMmRueWRsWmZZLUkiLCJ0eXAiOiJKV1QifQ.eyJvcmlnaW4iOiJodHRwczovL291dGxvb2sub2ZmaWNlMzY1LmNvbSIsInZlciI6IkV4Y2hhbmdlLkNhbGxiYWNrLlYxIiwiYXBwY3R4c2VuZGVyIjoiT3dhRG93bmxvYWRAYjBjNmM2ODctYTc0MC00MzVlLTkzNjItMDk1YjAzN2QyNDQzIiwiaXNzcmluZyI6IldXIiwiYXBwY3R4Ijoie1wibXNleGNocHJvdFwiOlwib3dhXCIsXCJwcmltYXJ5c2lkXCI6XCJTLTEtNS0yMS0xNjgwNjYxMDktNDA1NjQ0NzE2LTI2MjI2MzQ1NjgtMjI4NTc0NjJcIixcInB1aWRcIjpcIjExNTM5MDY2NjEyNzczOTAzMDVcIixcIm9pZFwiOlwiYWQ2OGFkNGEtN2VkZi00NjNjLWJhMWEtOWEyNDc0MmU4MzBiXCIsXCJzY29wZVwiOlwiT3dhRG93bmxvYWRcIn0iLCJuYmYiOjE1ODM4NzY3NDcsImV4cCI6MTU4Mzg3NzM0NywiaXNzIjoiMDAwMDAwMDItMDAwMC0wZmYxLWNlMDAtMDAwMDAwMDAwMDAwQGIwYzZjNjg3LWE3NDAtNDM1ZS05MzYyLTA5NWIwMzdkMjQ0MyIsImF1ZCI6IjAwMDAwMDAyLTAwMDAtMGZmMS1jZTAwLTAwMDAwMDAwMDAwMC9hdHRhY2htZW50cy5vZmZpY2UubmV0QGIwYzZjNjg3LWE3NDAtNDM1ZS05MzYyLTA5NWIwMzdkMjQ0MyJ9.QhTDx0eS4NLSiQR2_C_CuBjTAaUxU2YWtGueF_u3XGkLh1qxgBvZw8gej-XAnD4yuyCVOYac3v8ZNL-uBPQ4kRLvHfLi-RI3aLg_xnYFnKTeWjIJQi95kV8zFnjZMpaJ7AXI01UIXcq9Cyp7-qeqbfCUmMDq-J6-qPrqlYct9HtiFzFHcvIB5fVgRkSJl1cMy_Dpqe5JpPDLoYbjwdHaa70Ev9qYNwutpv9eq47x20gY_NK_xqhHek52IzSrxaTnMPEeBuwEokZA3lpqdqaWf6ck8A0-_S7qszNOQlY_ZQEH_rzi32KcbfxPYmWyfSfTA7gVon5nnSowAVFFY941qw&amp;animation=true"/>
           <p:cNvPicPr>
             <a:picLocks noChangeAspect="1" noChangeArrowheads="1"/>
@@ -7468,7 +7150,7 @@
 </p:sld>
 </file>
 
-<file path=ppt/slides/slide23.xml><?xml version="1.0" encoding="utf-8"?>
+<file path=ppt/slides/slide22.xml><?xml version="1.0" encoding="utf-8"?>
 <p:sld xmlns:a="http://schemas.openxmlformats.org/drawingml/2006/main" xmlns:r="http://schemas.openxmlformats.org/officeDocument/2006/relationships" xmlns:p="http://schemas.openxmlformats.org/presentationml/2006/main">
   <p:cSld>
     <p:spTree>
@@ -7631,7 +7313,7 @@
 </file>
 
 <file path=ppt/slides/slide3.xml><?xml version="1.0" encoding="utf-8"?>
-<p:sld xmlns:a="http://schemas.openxmlformats.org/drawingml/2006/main" xmlns:r="http://schemas.openxmlformats.org/officeDocument/2006/relationships" xmlns:p="http://schemas.openxmlformats.org/presentationml/2006/main" show="0">
+<p:sld xmlns:a="http://schemas.openxmlformats.org/drawingml/2006/main" xmlns:r="http://schemas.openxmlformats.org/officeDocument/2006/relationships" xmlns:p="http://schemas.openxmlformats.org/presentationml/2006/main">
   <p:cSld>
     <p:spTree>
       <p:nvGrpSpPr>
@@ -7647,20 +7329,96 @@
           <a:chExt cx="0" cy="0"/>
         </a:xfrm>
       </p:grpSpPr>
+      <p:sp>
+        <p:nvSpPr>
+          <p:cNvPr id="2" name="Title 1"/>
+          <p:cNvSpPr>
+            <a:spLocks noGrp="1"/>
+          </p:cNvSpPr>
+          <p:nvPr>
+            <p:ph type="ctrTitle"/>
+          </p:nvPr>
+        </p:nvSpPr>
+        <p:spPr/>
+        <p:txBody>
+          <a:bodyPr>
+            <a:normAutofit/>
+          </a:bodyPr>
+          <a:lstStyle/>
+          <a:p>
+            <a:r>
+              <a:rPr lang="en-US" dirty="0"/>
+              <a:t>Butler</a:t>
+            </a:r>
+            <a:br>
+              <a:rPr lang="en-US" dirty="0"/>
+            </a:br>
+            <a:r>
+              <a:rPr lang="en-US" dirty="0"/>
+              <a:t>Tutoring Lab</a:t>
+            </a:r>
+          </a:p>
+        </p:txBody>
+      </p:sp>
+      <p:sp>
+        <p:nvSpPr>
+          <p:cNvPr id="3" name="Subtitle 2"/>
+          <p:cNvSpPr>
+            <a:spLocks noGrp="1"/>
+          </p:cNvSpPr>
+          <p:nvPr>
+            <p:ph type="subTitle" idx="1"/>
+          </p:nvPr>
+        </p:nvSpPr>
+        <p:spPr/>
+        <p:txBody>
+          <a:bodyPr/>
+          <a:lstStyle/>
+          <a:p>
+            <a:endParaRPr lang="en-US" dirty="0"/>
+          </a:p>
+        </p:txBody>
+      </p:sp>
+      <p:sp>
+        <p:nvSpPr>
+          <p:cNvPr id="4" name="TextBox 3"/>
+          <p:cNvSpPr txBox="1"/>
+          <p:nvPr/>
+        </p:nvSpPr>
+        <p:spPr>
+          <a:xfrm>
+            <a:off x="0" y="6642556"/>
+            <a:ext cx="922711" cy="215444"/>
+          </a:xfrm>
+          <a:prstGeom prst="rect">
+            <a:avLst/>
+          </a:prstGeom>
+          <a:noFill/>
+        </p:spPr>
+        <p:txBody>
+          <a:bodyPr wrap="square" rtlCol="0">
+            <a:spAutoFit/>
+          </a:bodyPr>
+          <a:lstStyle/>
+          <a:p>
+            <a:r>
+              <a:rPr lang="en-US" sz="800" dirty="0"/>
+              <a:t>cade was here</a:t>
+            </a:r>
+          </a:p>
+        </p:txBody>
+      </p:sp>
     </p:spTree>
-    <p:custDataLst>
-      <p:tags r:id="rId1"/>
-    </p:custDataLst>
     <p:extLst>
       <p:ext uri="{BB962C8B-B14F-4D97-AF65-F5344CB8AC3E}">
-        <p14:creationId xmlns:p14="http://schemas.microsoft.com/office/powerpoint/2010/main" val="1394557503"/>
+        <p14:creationId xmlns:p14="http://schemas.microsoft.com/office/powerpoint/2010/main" val="969995535"/>
       </p:ext>
     </p:extLst>
   </p:cSld>
   <p:clrMapOvr>
     <a:masterClrMapping/>
   </p:clrMapOvr>
-  <p:transition spd="slow" advClick="0" advTm="10000">
+  <p:transition spd="slow" advClick="0" advTm="1000">
     <p:randomBar dir="vert"/>
   </p:transition>
 </p:sld>
@@ -7696,20 +7454,13 @@
         <p:spPr/>
         <p:txBody>
           <a:bodyPr>
-            <a:normAutofit/>
+            <a:normAutofit fontScale="90000"/>
           </a:bodyPr>
           <a:lstStyle/>
           <a:p>
             <a:r>
               <a:rPr lang="en-US" dirty="0"/>
-              <a:t>Butler</a:t>
-            </a:r>
-            <a:br>
-              <a:rPr lang="en-US" dirty="0"/>
-            </a:br>
-            <a:r>
-              <a:rPr lang="en-US" dirty="0"/>
-              <a:t>Tutoring Lab</a:t>
+              <a:t>Sharpen your skills at the tutoring lab today!</a:t>
             </a:r>
           </a:p>
         </p:txBody>
@@ -7765,7 +7516,7 @@
     </p:spTree>
     <p:extLst>
       <p:ext uri="{BB962C8B-B14F-4D97-AF65-F5344CB8AC3E}">
-        <p14:creationId xmlns:p14="http://schemas.microsoft.com/office/powerpoint/2010/main" val="969995535"/>
+        <p14:creationId xmlns:p14="http://schemas.microsoft.com/office/powerpoint/2010/main" val="2834400673"/>
       </p:ext>
     </p:extLst>
   </p:cSld>
@@ -7802,111 +7553,6 @@
             <a:spLocks noGrp="1"/>
           </p:cNvSpPr>
           <p:nvPr>
-            <p:ph type="ctrTitle"/>
-          </p:nvPr>
-        </p:nvSpPr>
-        <p:spPr/>
-        <p:txBody>
-          <a:bodyPr>
-            <a:normAutofit fontScale="90000"/>
-          </a:bodyPr>
-          <a:lstStyle/>
-          <a:p>
-            <a:r>
-              <a:rPr lang="en-US" dirty="0"/>
-              <a:t>Sharpen your skills at the tutoring lab today!</a:t>
-            </a:r>
-          </a:p>
-        </p:txBody>
-      </p:sp>
-      <p:sp>
-        <p:nvSpPr>
-          <p:cNvPr id="3" name="Subtitle 2"/>
-          <p:cNvSpPr>
-            <a:spLocks noGrp="1"/>
-          </p:cNvSpPr>
-          <p:nvPr>
-            <p:ph type="subTitle" idx="1"/>
-          </p:nvPr>
-        </p:nvSpPr>
-        <p:spPr/>
-        <p:txBody>
-          <a:bodyPr/>
-          <a:lstStyle/>
-          <a:p>
-            <a:endParaRPr lang="en-US" dirty="0"/>
-          </a:p>
-        </p:txBody>
-      </p:sp>
-      <p:sp>
-        <p:nvSpPr>
-          <p:cNvPr id="4" name="TextBox 3"/>
-          <p:cNvSpPr txBox="1"/>
-          <p:nvPr/>
-        </p:nvSpPr>
-        <p:spPr>
-          <a:xfrm>
-            <a:off x="0" y="6642556"/>
-            <a:ext cx="922711" cy="215444"/>
-          </a:xfrm>
-          <a:prstGeom prst="rect">
-            <a:avLst/>
-          </a:prstGeom>
-          <a:noFill/>
-        </p:spPr>
-        <p:txBody>
-          <a:bodyPr wrap="square" rtlCol="0">
-            <a:spAutoFit/>
-          </a:bodyPr>
-          <a:lstStyle/>
-          <a:p>
-            <a:r>
-              <a:rPr lang="en-US" sz="800" dirty="0"/>
-              <a:t>cade was here</a:t>
-            </a:r>
-          </a:p>
-        </p:txBody>
-      </p:sp>
-    </p:spTree>
-    <p:extLst>
-      <p:ext uri="{BB962C8B-B14F-4D97-AF65-F5344CB8AC3E}">
-        <p14:creationId xmlns:p14="http://schemas.microsoft.com/office/powerpoint/2010/main" val="2834400673"/>
-      </p:ext>
-    </p:extLst>
-  </p:cSld>
-  <p:clrMapOvr>
-    <a:masterClrMapping/>
-  </p:clrMapOvr>
-  <p:transition spd="slow" advClick="0" advTm="1000">
-    <p:randomBar dir="vert"/>
-  </p:transition>
-</p:sld>
-</file>
-
-<file path=ppt/slides/slide6.xml><?xml version="1.0" encoding="utf-8"?>
-<p:sld xmlns:a="http://schemas.openxmlformats.org/drawingml/2006/main" xmlns:r="http://schemas.openxmlformats.org/officeDocument/2006/relationships" xmlns:p="http://schemas.openxmlformats.org/presentationml/2006/main">
-  <p:cSld>
-    <p:spTree>
-      <p:nvGrpSpPr>
-        <p:cNvPr id="1" name=""/>
-        <p:cNvGrpSpPr/>
-        <p:nvPr/>
-      </p:nvGrpSpPr>
-      <p:grpSpPr>
-        <a:xfrm>
-          <a:off x="0" y="0"/>
-          <a:ext cx="0" cy="0"/>
-          <a:chOff x="0" y="0"/>
-          <a:chExt cx="0" cy="0"/>
-        </a:xfrm>
-      </p:grpSpPr>
-      <p:sp>
-        <p:nvSpPr>
-          <p:cNvPr id="2" name="Title 1"/>
-          <p:cNvSpPr>
-            <a:spLocks noGrp="1"/>
-          </p:cNvSpPr>
-          <p:nvPr>
             <p:ph type="ctrTitle" idx="4294967295"/>
           </p:nvPr>
         </p:nvSpPr>
@@ -7992,6 +7638,200 @@
     <p:extLst>
       <p:ext uri="{BB962C8B-B14F-4D97-AF65-F5344CB8AC3E}">
         <p14:creationId xmlns:p14="http://schemas.microsoft.com/office/powerpoint/2010/main" val="1564666214"/>
+      </p:ext>
+    </p:extLst>
+  </p:cSld>
+  <p:clrMapOvr>
+    <a:masterClrMapping/>
+  </p:clrMapOvr>
+  <p:transition spd="slow" advClick="0" advTm="1000">
+    <p:randomBar dir="vert"/>
+  </p:transition>
+</p:sld>
+</file>
+
+<file path=ppt/slides/slide6.xml><?xml version="1.0" encoding="utf-8"?>
+<p:sld xmlns:a="http://schemas.openxmlformats.org/drawingml/2006/main" xmlns:r="http://schemas.openxmlformats.org/officeDocument/2006/relationships" xmlns:p="http://schemas.openxmlformats.org/presentationml/2006/main" show="0">
+  <p:cSld>
+    <p:spTree>
+      <p:nvGrpSpPr>
+        <p:cNvPr id="1" name=""/>
+        <p:cNvGrpSpPr/>
+        <p:nvPr/>
+      </p:nvGrpSpPr>
+      <p:grpSpPr>
+        <a:xfrm>
+          <a:off x="0" y="0"/>
+          <a:ext cx="0" cy="0"/>
+          <a:chOff x="0" y="0"/>
+          <a:chExt cx="0" cy="0"/>
+        </a:xfrm>
+      </p:grpSpPr>
+      <p:sp>
+        <p:nvSpPr>
+          <p:cNvPr id="2" name="Title 1"/>
+          <p:cNvSpPr>
+            <a:spLocks noGrp="1"/>
+          </p:cNvSpPr>
+          <p:nvPr>
+            <p:ph type="title"/>
+          </p:nvPr>
+        </p:nvSpPr>
+        <p:spPr>
+          <a:xfrm>
+            <a:off x="1335199" y="181065"/>
+            <a:ext cx="9603275" cy="1049235"/>
+          </a:xfrm>
+        </p:spPr>
+        <p:txBody>
+          <a:bodyPr/>
+          <a:lstStyle/>
+          <a:p>
+            <a:r>
+              <a:rPr lang="en-US" dirty="0"/>
+              <a:t>Follow us on Twitter, Instagram and Facebook!!!</a:t>
+            </a:r>
+          </a:p>
+        </p:txBody>
+      </p:sp>
+      <p:pic>
+        <p:nvPicPr>
+          <p:cNvPr id="7" name="Content Placeholder 6"/>
+          <p:cNvPicPr>
+            <a:picLocks noGrp="1" noChangeAspect="1"/>
+          </p:cNvPicPr>
+          <p:nvPr>
+            <p:ph idx="1"/>
+          </p:nvPr>
+        </p:nvPicPr>
+        <p:blipFill>
+          <a:blip r:embed="rId2"/>
+          <a:srcRect/>
+          <a:stretch/>
+        </p:blipFill>
+        <p:spPr>
+          <a:xfrm>
+            <a:off x="4435918" y="1970732"/>
+            <a:ext cx="3449638" cy="3449638"/>
+          </a:xfrm>
+          <a:prstGeom prst="rect">
+            <a:avLst/>
+          </a:prstGeom>
+        </p:spPr>
+      </p:pic>
+      <p:pic>
+        <p:nvPicPr>
+          <p:cNvPr id="6" name="Picture 5"/>
+          <p:cNvPicPr>
+            <a:picLocks noChangeAspect="1"/>
+          </p:cNvPicPr>
+          <p:nvPr/>
+        </p:nvPicPr>
+        <p:blipFill>
+          <a:blip r:embed="rId3"/>
+          <a:srcRect/>
+          <a:stretch/>
+        </p:blipFill>
+        <p:spPr>
+          <a:xfrm>
+            <a:off x="504719" y="2004127"/>
+            <a:ext cx="3459660" cy="3461243"/>
+          </a:xfrm>
+          <a:prstGeom prst="rect">
+            <a:avLst/>
+          </a:prstGeom>
+        </p:spPr>
+      </p:pic>
+      <p:pic>
+        <p:nvPicPr>
+          <p:cNvPr id="8" name="Picture 7"/>
+          <p:cNvPicPr>
+            <a:picLocks noChangeAspect="1"/>
+          </p:cNvPicPr>
+          <p:nvPr/>
+        </p:nvPicPr>
+        <p:blipFill>
+          <a:blip r:embed="rId4"/>
+          <a:srcRect/>
+          <a:stretch/>
+        </p:blipFill>
+        <p:spPr>
+          <a:xfrm>
+            <a:off x="8226831" y="1970732"/>
+            <a:ext cx="3483033" cy="3483033"/>
+          </a:xfrm>
+          <a:prstGeom prst="rect">
+            <a:avLst/>
+          </a:prstGeom>
+        </p:spPr>
+      </p:pic>
+      <p:sp>
+        <p:nvSpPr>
+          <p:cNvPr id="9" name="TextBox 8"/>
+          <p:cNvSpPr txBox="1"/>
+          <p:nvPr/>
+        </p:nvSpPr>
+        <p:spPr>
+          <a:xfrm>
+            <a:off x="1335199" y="947650"/>
+            <a:ext cx="9651076" cy="830997"/>
+          </a:xfrm>
+          <a:prstGeom prst="rect">
+            <a:avLst/>
+          </a:prstGeom>
+          <a:noFill/>
+        </p:spPr>
+        <p:txBody>
+          <a:bodyPr wrap="square" rtlCol="0">
+            <a:spAutoFit/>
+          </a:bodyPr>
+          <a:lstStyle/>
+          <a:p>
+            <a:r>
+              <a:rPr lang="en-US" sz="4800" dirty="0"/>
+              <a:t>@</a:t>
+            </a:r>
+            <a:r>
+              <a:rPr lang="en-US" sz="4800" dirty="0" err="1"/>
+              <a:t>butler_tutoring</a:t>
+            </a:r>
+            <a:endParaRPr lang="en-US" sz="4800" dirty="0"/>
+          </a:p>
+        </p:txBody>
+      </p:sp>
+      <p:sp>
+        <p:nvSpPr>
+          <p:cNvPr id="10" name="TextBox 9"/>
+          <p:cNvSpPr txBox="1"/>
+          <p:nvPr/>
+        </p:nvSpPr>
+        <p:spPr>
+          <a:xfrm>
+            <a:off x="0" y="6642556"/>
+            <a:ext cx="922711" cy="215444"/>
+          </a:xfrm>
+          <a:prstGeom prst="rect">
+            <a:avLst/>
+          </a:prstGeom>
+          <a:noFill/>
+        </p:spPr>
+        <p:txBody>
+          <a:bodyPr wrap="square" rtlCol="0">
+            <a:spAutoFit/>
+          </a:bodyPr>
+          <a:lstStyle/>
+          <a:p>
+            <a:r>
+              <a:rPr lang="en-US" sz="800" dirty="0"/>
+              <a:t>cade was here</a:t>
+            </a:r>
+          </a:p>
+        </p:txBody>
+      </p:sp>
+    </p:spTree>
+    <p:extLst>
+      <p:ext uri="{BB962C8B-B14F-4D97-AF65-F5344CB8AC3E}">
+        <p14:creationId xmlns:p14="http://schemas.microsoft.com/office/powerpoint/2010/main" val="3169418081"/>
       </p:ext>
     </p:extLst>
   </p:cSld>
@@ -8028,200 +7868,6 @@
             <a:spLocks noGrp="1"/>
           </p:cNvSpPr>
           <p:nvPr>
-            <p:ph type="title"/>
-          </p:nvPr>
-        </p:nvSpPr>
-        <p:spPr>
-          <a:xfrm>
-            <a:off x="1335199" y="181065"/>
-            <a:ext cx="9603275" cy="1049235"/>
-          </a:xfrm>
-        </p:spPr>
-        <p:txBody>
-          <a:bodyPr/>
-          <a:lstStyle/>
-          <a:p>
-            <a:r>
-              <a:rPr lang="en-US" dirty="0"/>
-              <a:t>Follow us on Twitter, Instagram and Facebook!!!</a:t>
-            </a:r>
-          </a:p>
-        </p:txBody>
-      </p:sp>
-      <p:pic>
-        <p:nvPicPr>
-          <p:cNvPr id="7" name="Content Placeholder 6"/>
-          <p:cNvPicPr>
-            <a:picLocks noGrp="1" noChangeAspect="1"/>
-          </p:cNvPicPr>
-          <p:nvPr>
-            <p:ph idx="1"/>
-          </p:nvPr>
-        </p:nvPicPr>
-        <p:blipFill>
-          <a:blip r:embed="rId2"/>
-          <a:srcRect/>
-          <a:stretch/>
-        </p:blipFill>
-        <p:spPr>
-          <a:xfrm>
-            <a:off x="4435918" y="1970732"/>
-            <a:ext cx="3449638" cy="3449638"/>
-          </a:xfrm>
-          <a:prstGeom prst="rect">
-            <a:avLst/>
-          </a:prstGeom>
-        </p:spPr>
-      </p:pic>
-      <p:pic>
-        <p:nvPicPr>
-          <p:cNvPr id="6" name="Picture 5"/>
-          <p:cNvPicPr>
-            <a:picLocks noChangeAspect="1"/>
-          </p:cNvPicPr>
-          <p:nvPr/>
-        </p:nvPicPr>
-        <p:blipFill>
-          <a:blip r:embed="rId3"/>
-          <a:srcRect/>
-          <a:stretch/>
-        </p:blipFill>
-        <p:spPr>
-          <a:xfrm>
-            <a:off x="504719" y="2004127"/>
-            <a:ext cx="3459660" cy="3461243"/>
-          </a:xfrm>
-          <a:prstGeom prst="rect">
-            <a:avLst/>
-          </a:prstGeom>
-        </p:spPr>
-      </p:pic>
-      <p:pic>
-        <p:nvPicPr>
-          <p:cNvPr id="8" name="Picture 7"/>
-          <p:cNvPicPr>
-            <a:picLocks noChangeAspect="1"/>
-          </p:cNvPicPr>
-          <p:nvPr/>
-        </p:nvPicPr>
-        <p:blipFill>
-          <a:blip r:embed="rId4"/>
-          <a:srcRect/>
-          <a:stretch/>
-        </p:blipFill>
-        <p:spPr>
-          <a:xfrm>
-            <a:off x="8226831" y="1970732"/>
-            <a:ext cx="3483033" cy="3483033"/>
-          </a:xfrm>
-          <a:prstGeom prst="rect">
-            <a:avLst/>
-          </a:prstGeom>
-        </p:spPr>
-      </p:pic>
-      <p:sp>
-        <p:nvSpPr>
-          <p:cNvPr id="9" name="TextBox 8"/>
-          <p:cNvSpPr txBox="1"/>
-          <p:nvPr/>
-        </p:nvSpPr>
-        <p:spPr>
-          <a:xfrm>
-            <a:off x="1335199" y="947650"/>
-            <a:ext cx="9651076" cy="830997"/>
-          </a:xfrm>
-          <a:prstGeom prst="rect">
-            <a:avLst/>
-          </a:prstGeom>
-          <a:noFill/>
-        </p:spPr>
-        <p:txBody>
-          <a:bodyPr wrap="square" rtlCol="0">
-            <a:spAutoFit/>
-          </a:bodyPr>
-          <a:lstStyle/>
-          <a:p>
-            <a:r>
-              <a:rPr lang="en-US" sz="4800" dirty="0"/>
-              <a:t>@</a:t>
-            </a:r>
-            <a:r>
-              <a:rPr lang="en-US" sz="4800" dirty="0" err="1"/>
-              <a:t>butler_tutoring</a:t>
-            </a:r>
-            <a:endParaRPr lang="en-US" sz="4800" dirty="0"/>
-          </a:p>
-        </p:txBody>
-      </p:sp>
-      <p:sp>
-        <p:nvSpPr>
-          <p:cNvPr id="10" name="TextBox 9"/>
-          <p:cNvSpPr txBox="1"/>
-          <p:nvPr/>
-        </p:nvSpPr>
-        <p:spPr>
-          <a:xfrm>
-            <a:off x="0" y="6642556"/>
-            <a:ext cx="922711" cy="215444"/>
-          </a:xfrm>
-          <a:prstGeom prst="rect">
-            <a:avLst/>
-          </a:prstGeom>
-          <a:noFill/>
-        </p:spPr>
-        <p:txBody>
-          <a:bodyPr wrap="square" rtlCol="0">
-            <a:spAutoFit/>
-          </a:bodyPr>
-          <a:lstStyle/>
-          <a:p>
-            <a:r>
-              <a:rPr lang="en-US" sz="800" dirty="0"/>
-              <a:t>cade was here</a:t>
-            </a:r>
-          </a:p>
-        </p:txBody>
-      </p:sp>
-    </p:spTree>
-    <p:extLst>
-      <p:ext uri="{BB962C8B-B14F-4D97-AF65-F5344CB8AC3E}">
-        <p14:creationId xmlns:p14="http://schemas.microsoft.com/office/powerpoint/2010/main" val="3169418081"/>
-      </p:ext>
-    </p:extLst>
-  </p:cSld>
-  <p:clrMapOvr>
-    <a:masterClrMapping/>
-  </p:clrMapOvr>
-  <p:transition spd="slow" advClick="0" advTm="1000">
-    <p:randomBar dir="vert"/>
-  </p:transition>
-</p:sld>
-</file>
-
-<file path=ppt/slides/slide8.xml><?xml version="1.0" encoding="utf-8"?>
-<p:sld xmlns:a="http://schemas.openxmlformats.org/drawingml/2006/main" xmlns:r="http://schemas.openxmlformats.org/officeDocument/2006/relationships" xmlns:p="http://schemas.openxmlformats.org/presentationml/2006/main" show="0">
-  <p:cSld>
-    <p:spTree>
-      <p:nvGrpSpPr>
-        <p:cNvPr id="1" name=""/>
-        <p:cNvGrpSpPr/>
-        <p:nvPr/>
-      </p:nvGrpSpPr>
-      <p:grpSpPr>
-        <a:xfrm>
-          <a:off x="0" y="0"/>
-          <a:ext cx="0" cy="0"/>
-          <a:chOff x="0" y="0"/>
-          <a:chExt cx="0" cy="0"/>
-        </a:xfrm>
-      </p:grpSpPr>
-      <p:sp>
-        <p:nvSpPr>
-          <p:cNvPr id="2" name="Title 1"/>
-          <p:cNvSpPr>
-            <a:spLocks noGrp="1"/>
-          </p:cNvSpPr>
-          <p:nvPr>
             <p:ph type="ctrTitle"/>
           </p:nvPr>
         </p:nvSpPr>
@@ -8301,7 +7947,7 @@
 </p:sld>
 </file>
 
-<file path=ppt/slides/slide9.xml><?xml version="1.0" encoding="utf-8"?>
+<file path=ppt/slides/slide8.xml><?xml version="1.0" encoding="utf-8"?>
 <p:sld xmlns:a="http://schemas.openxmlformats.org/drawingml/2006/main" xmlns:r="http://schemas.openxmlformats.org/officeDocument/2006/relationships" xmlns:p="http://schemas.openxmlformats.org/presentationml/2006/main" show="0">
   <p:cSld>
     <p:spTree>
@@ -8370,13 +8016,110 @@
 </p:sld>
 </file>
 
-<file path=ppt/tags/tag1.xml><?xml version="1.0" encoding="utf-8"?>
-<p:tagLst xmlns:a="http://schemas.openxmlformats.org/drawingml/2006/main" xmlns:r="http://schemas.openxmlformats.org/officeDocument/2006/relationships" xmlns:p="http://schemas.openxmlformats.org/presentationml/2006/main">
-  <p:tag name="ISCREATED" val="true"/>
-</p:tagLst>
+<file path=ppt/slides/slide9.xml><?xml version="1.0" encoding="utf-8"?>
+<p:sld xmlns:a="http://schemas.openxmlformats.org/drawingml/2006/main" xmlns:r="http://schemas.openxmlformats.org/officeDocument/2006/relationships" xmlns:p="http://schemas.openxmlformats.org/presentationml/2006/main" show="0">
+  <p:cSld>
+    <p:spTree>
+      <p:nvGrpSpPr>
+        <p:cNvPr id="1" name=""/>
+        <p:cNvGrpSpPr/>
+        <p:nvPr/>
+      </p:nvGrpSpPr>
+      <p:grpSpPr>
+        <a:xfrm>
+          <a:off x="0" y="0"/>
+          <a:ext cx="0" cy="0"/>
+          <a:chOff x="0" y="0"/>
+          <a:chExt cx="0" cy="0"/>
+        </a:xfrm>
+      </p:grpSpPr>
+      <p:sp>
+        <p:nvSpPr>
+          <p:cNvPr id="2" name="Title 1"/>
+          <p:cNvSpPr>
+            <a:spLocks noGrp="1"/>
+          </p:cNvSpPr>
+          <p:nvPr>
+            <p:ph type="ctrTitle"/>
+          </p:nvPr>
+        </p:nvSpPr>
+        <p:spPr/>
+        <p:txBody>
+          <a:bodyPr/>
+          <a:lstStyle/>
+          <a:p>
+            <a:r>
+              <a:rPr lang="en-US" dirty="0"/>
+              <a:t>WE want to help you today!!!</a:t>
+            </a:r>
+          </a:p>
+        </p:txBody>
+      </p:sp>
+      <p:sp>
+        <p:nvSpPr>
+          <p:cNvPr id="3" name="Subtitle 2"/>
+          <p:cNvSpPr>
+            <a:spLocks noGrp="1"/>
+          </p:cNvSpPr>
+          <p:nvPr>
+            <p:ph type="subTitle" idx="1"/>
+          </p:nvPr>
+        </p:nvSpPr>
+        <p:spPr/>
+        <p:txBody>
+          <a:bodyPr/>
+          <a:lstStyle/>
+          <a:p>
+            <a:endParaRPr lang="en-US"/>
+          </a:p>
+        </p:txBody>
+      </p:sp>
+      <p:sp>
+        <p:nvSpPr>
+          <p:cNvPr id="4" name="TextBox 3"/>
+          <p:cNvSpPr txBox="1"/>
+          <p:nvPr/>
+        </p:nvSpPr>
+        <p:spPr>
+          <a:xfrm>
+            <a:off x="0" y="6642556"/>
+            <a:ext cx="922711" cy="215444"/>
+          </a:xfrm>
+          <a:prstGeom prst="rect">
+            <a:avLst/>
+          </a:prstGeom>
+          <a:noFill/>
+        </p:spPr>
+        <p:txBody>
+          <a:bodyPr wrap="square" rtlCol="0">
+            <a:spAutoFit/>
+          </a:bodyPr>
+          <a:lstStyle/>
+          <a:p>
+            <a:r>
+              <a:rPr lang="en-US" sz="800" dirty="0"/>
+              <a:t>cade was here</a:t>
+            </a:r>
+          </a:p>
+        </p:txBody>
+      </p:sp>
+    </p:spTree>
+    <p:extLst>
+      <p:ext uri="{BB962C8B-B14F-4D97-AF65-F5344CB8AC3E}">
+        <p14:creationId xmlns:p14="http://schemas.microsoft.com/office/powerpoint/2010/main" val="1606559736"/>
+      </p:ext>
+    </p:extLst>
+  </p:cSld>
+  <p:clrMapOvr>
+    <a:masterClrMapping/>
+  </p:clrMapOvr>
+  <p:transition spd="slow" advClick="0" advTm="1000">
+    <p:randomBar dir="vert"/>
+  </p:transition>
+</p:sld>
 </file>
 
-<file path=ppt/tags/tag2.xml><?xml version="1.0" encoding="utf-8"?>
+<file path=ppt/tags/tag1.xml><?xml version="1.0" encoding="utf-8"?>
 <p:tagLst xmlns:a="http://schemas.openxmlformats.org/drawingml/2006/main" xmlns:r="http://schemas.openxmlformats.org/officeDocument/2006/relationships" xmlns:p="http://schemas.openxmlformats.org/presentationml/2006/main">
   <p:tag name="ISCREATED" val="true"/>
 </p:tagLst>

--- a/ImageSlideshow/powerpoint.pptx
+++ b/ImageSlideshow/powerpoint.pptx
@@ -2,37 +2,48 @@
 <file path=ppt/presentation.xml><?xml version="1.0" encoding="utf-8"?>
 <p:presentation xmlns:a="http://schemas.openxmlformats.org/drawingml/2006/main" xmlns:r="http://schemas.openxmlformats.org/officeDocument/2006/relationships" xmlns:p="http://schemas.openxmlformats.org/presentationml/2006/main" autoCompressPictures="0">
   <p:sldMasterIdLst>
-    <p:sldMasterId id="2147483648" r:id="rId1"/>
+    <p:sldMasterId id="2147483648" r:id="rId4"/>
   </p:sldMasterIdLst>
   <p:notesMasterIdLst>
-    <p:notesMasterId r:id="rId24"/>
+    <p:notesMasterId r:id="rId38"/>
   </p:notesMasterIdLst>
   <p:handoutMasterIdLst>
-    <p:handoutMasterId r:id="rId25"/>
+    <p:handoutMasterId r:id="rId39"/>
   </p:handoutMasterIdLst>
   <p:sldIdLst>
-    <p:sldId id="283" r:id="rId2"/>
-    <p:sldId id="282" r:id="rId3"/>
-    <p:sldId id="284" r:id="rId4"/>
-    <p:sldId id="285" r:id="rId5"/>
-    <p:sldId id="286" r:id="rId6"/>
-    <p:sldId id="287" r:id="rId7"/>
-    <p:sldId id="288" r:id="rId8"/>
-    <p:sldId id="289" r:id="rId9"/>
-    <p:sldId id="290" r:id="rId10"/>
-    <p:sldId id="291" r:id="rId11"/>
-    <p:sldId id="276" r:id="rId12"/>
-    <p:sldId id="264" r:id="rId13"/>
-    <p:sldId id="265" r:id="rId14"/>
-    <p:sldId id="262" r:id="rId15"/>
-    <p:sldId id="263" r:id="rId16"/>
-    <p:sldId id="266" r:id="rId17"/>
-    <p:sldId id="267" r:id="rId18"/>
-    <p:sldId id="268" r:id="rId19"/>
-    <p:sldId id="269" r:id="rId20"/>
-    <p:sldId id="271" r:id="rId21"/>
-    <p:sldId id="272" r:id="rId22"/>
-    <p:sldId id="273" r:id="rId23"/>
+    <p:sldId id="283" r:id="rId5"/>
+    <p:sldId id="282" r:id="rId6"/>
+    <p:sldId id="284" r:id="rId7"/>
+    <p:sldId id="285" r:id="rId8"/>
+    <p:sldId id="287" r:id="rId9"/>
+    <p:sldId id="288" r:id="rId10"/>
+    <p:sldId id="290" r:id="rId11"/>
+    <p:sldId id="291" r:id="rId12"/>
+    <p:sldId id="303" r:id="rId13"/>
+    <p:sldId id="292" r:id="rId14"/>
+    <p:sldId id="293" r:id="rId15"/>
+    <p:sldId id="294" r:id="rId16"/>
+    <p:sldId id="317" r:id="rId17"/>
+    <p:sldId id="295" r:id="rId18"/>
+    <p:sldId id="296" r:id="rId19"/>
+    <p:sldId id="297" r:id="rId20"/>
+    <p:sldId id="298" r:id="rId21"/>
+    <p:sldId id="299" r:id="rId22"/>
+    <p:sldId id="301" r:id="rId23"/>
+    <p:sldId id="302" r:id="rId24"/>
+    <p:sldId id="304" r:id="rId25"/>
+    <p:sldId id="305" r:id="rId26"/>
+    <p:sldId id="306" r:id="rId27"/>
+    <p:sldId id="307" r:id="rId28"/>
+    <p:sldId id="308" r:id="rId29"/>
+    <p:sldId id="309" r:id="rId30"/>
+    <p:sldId id="313" r:id="rId31"/>
+    <p:sldId id="310" r:id="rId32"/>
+    <p:sldId id="314" r:id="rId33"/>
+    <p:sldId id="311" r:id="rId34"/>
+    <p:sldId id="315" r:id="rId35"/>
+    <p:sldId id="312" r:id="rId36"/>
+    <p:sldId id="316" r:id="rId37"/>
   </p:sldIdLst>
   <p:sldSz cx="12192000" cy="6858000"/>
   <p:notesSz cx="6858000" cy="9144000"/>
@@ -140,24 +151,35 @@
             <p14:sldId id="282"/>
             <p14:sldId id="284"/>
             <p14:sldId id="285"/>
-            <p14:sldId id="286"/>
             <p14:sldId id="287"/>
             <p14:sldId id="288"/>
-            <p14:sldId id="289"/>
             <p14:sldId id="290"/>
             <p14:sldId id="291"/>
-            <p14:sldId id="276"/>
-            <p14:sldId id="264"/>
-            <p14:sldId id="265"/>
-            <p14:sldId id="262"/>
-            <p14:sldId id="263"/>
-            <p14:sldId id="266"/>
-            <p14:sldId id="267"/>
-            <p14:sldId id="268"/>
-            <p14:sldId id="269"/>
-            <p14:sldId id="271"/>
-            <p14:sldId id="272"/>
-            <p14:sldId id="273"/>
+            <p14:sldId id="303"/>
+            <p14:sldId id="292"/>
+            <p14:sldId id="293"/>
+            <p14:sldId id="294"/>
+            <p14:sldId id="317"/>
+            <p14:sldId id="295"/>
+            <p14:sldId id="296"/>
+            <p14:sldId id="297"/>
+            <p14:sldId id="298"/>
+            <p14:sldId id="299"/>
+            <p14:sldId id="301"/>
+            <p14:sldId id="302"/>
+            <p14:sldId id="304"/>
+            <p14:sldId id="305"/>
+            <p14:sldId id="306"/>
+            <p14:sldId id="307"/>
+            <p14:sldId id="308"/>
+            <p14:sldId id="309"/>
+            <p14:sldId id="313"/>
+            <p14:sldId id="310"/>
+            <p14:sldId id="314"/>
+            <p14:sldId id="311"/>
+            <p14:sldId id="315"/>
+            <p14:sldId id="312"/>
+            <p14:sldId id="316"/>
           </p14:sldIdLst>
         </p14:section>
       </p14:sectionLst>
@@ -170,6 +192,14 @@
     </p:ext>
   </p:extLst>
 </p:presentation>
+</file>
+
+<file path=ppt/revisionInfo.xml><?xml version="1.0" encoding="utf-8"?>
+<p1510:revInfo xmlns:a="http://schemas.openxmlformats.org/drawingml/2006/main" xmlns:r="http://schemas.openxmlformats.org/officeDocument/2006/relationships" xmlns:p1510="http://schemas.microsoft.com/office/powerpoint/2015/10/main">
+  <p1510:revLst>
+    <p1510:client id="{82C1D60C-5397-462B-A70A-D1E37EA7E465}" v="25" dt="2020-08-29T01:17:22.927"/>
+  </p1510:revLst>
+</p1510:revInfo>
 </file>
 
 <file path=ppt/handoutMasters/handoutMaster1.xml><?xml version="1.0" encoding="utf-8"?>
@@ -266,7 +296,7 @@
           <a:p>
             <a:fld id="{14DCA8E1-3C15-4764-9411-F86CA9D7CF62}" type="datetimeFigureOut">
               <a:rPr lang="en-US" smtClean="0"/>
-              <a:t>6/30/2020</a:t>
+              <a:t>8/29/2020</a:t>
             </a:fld>
             <a:endParaRPr lang="en-US"/>
           </a:p>
@@ -351,6 +381,11 @@
         </p:txBody>
       </p:sp>
     </p:spTree>
+    <p:extLst>
+      <p:ext uri="{BB962C8B-B14F-4D97-AF65-F5344CB8AC3E}">
+        <p14:creationId xmlns:p14="http://schemas.microsoft.com/office/powerpoint/2010/main" val="1"/>
+      </p:ext>
+    </p:extLst>
   </p:cSld>
   <p:clrMap bg1="lt1" tx1="dk1" bg2="lt2" tx2="dk2" accent1="accent1" accent2="accent2" accent3="accent3" accent4="accent4" accent5="accent5" accent6="accent6" hlink="hlink" folHlink="folHlink"/>
 </p:handoutMaster>
@@ -450,7 +485,7 @@
           <a:p>
             <a:fld id="{E72534A2-7F6D-4497-A747-3005E2688577}" type="datetimeFigureOut">
               <a:rPr lang="en-US" smtClean="0"/>
-              <a:t>6/30/2020</a:t>
+              <a:t>8/29/2020</a:t>
             </a:fld>
             <a:endParaRPr lang="en-US"/>
           </a:p>
@@ -875,7 +910,7 @@
           <a:p>
             <a:fld id="{48A87A34-81AB-432B-8DAE-1953F412C126}" type="datetimeFigureOut">
               <a:rPr lang="en-US" dirty="0"/>
-              <a:t>6/30/2020</a:t>
+              <a:t>8/29/2020</a:t>
             </a:fld>
             <a:endParaRPr lang="en-US" dirty="0"/>
           </a:p>
@@ -976,6 +1011,282 @@
 </file>
 
 <file path=ppt/slideLayouts/slideLayout10.xml><?xml version="1.0" encoding="utf-8"?>
+<p:sldLayout xmlns:a="http://schemas.openxmlformats.org/drawingml/2006/main" xmlns:r="http://schemas.openxmlformats.org/officeDocument/2006/relationships" xmlns:p="http://schemas.openxmlformats.org/presentationml/2006/main" preserve="1" userDrawn="1">
+  <p:cSld name="NoAvailableTutorsSlide">
+    <p:spTree>
+      <p:nvGrpSpPr>
+        <p:cNvPr id="1" name=""/>
+        <p:cNvGrpSpPr/>
+        <p:nvPr/>
+      </p:nvGrpSpPr>
+      <p:grpSpPr>
+        <a:xfrm>
+          <a:off x="0" y="0"/>
+          <a:ext cx="0" cy="0"/>
+          <a:chOff x="0" y="0"/>
+          <a:chExt cx="0" cy="0"/>
+        </a:xfrm>
+      </p:grpSpPr>
+      <p:sp>
+        <p:nvSpPr>
+          <p:cNvPr id="12" name="SubjectsTutored">
+            <a:extLst>
+              <a:ext uri="{FF2B5EF4-FFF2-40B4-BE49-F238E27FC236}">
+                <a16:creationId xmlns:a16="http://schemas.microsoft.com/office/drawing/2014/main" id="{AFEAB3E5-597F-482B-8A43-877940864F6E}"/>
+              </a:ext>
+            </a:extLst>
+          </p:cNvPr>
+          <p:cNvSpPr>
+            <a:spLocks noGrp="1"/>
+          </p:cNvSpPr>
+          <p:nvPr>
+            <p:ph type="body" sz="quarter" idx="10" hasCustomPrompt="1"/>
+          </p:nvPr>
+        </p:nvSpPr>
+        <p:spPr>
+          <a:xfrm>
+            <a:off x="1815769" y="2364591"/>
+            <a:ext cx="1689822" cy="369332"/>
+          </a:xfrm>
+        </p:spPr>
+        <p:txBody>
+          <a:bodyPr wrap="none">
+            <a:spAutoFit/>
+          </a:bodyPr>
+          <a:lstStyle>
+            <a:lvl1pPr marL="0" indent="0">
+              <a:lnSpc>
+                <a:spcPct val="100000"/>
+              </a:lnSpc>
+              <a:buFont typeface="Arial" panose="020B0604020202020204" pitchFamily="34" charset="0"/>
+              <a:buNone/>
+              <a:defRPr sz="1800"/>
+            </a:lvl1pPr>
+          </a:lstStyle>
+          <a:p>
+            <a:pPr lvl="0"/>
+            <a:r>
+              <a:rPr lang="en-US" dirty="0" err="1"/>
+              <a:t>SubjectsTutored</a:t>
+            </a:r>
+            <a:endParaRPr lang="en-US" dirty="0"/>
+          </a:p>
+        </p:txBody>
+      </p:sp>
+      <p:sp>
+        <p:nvSpPr>
+          <p:cNvPr id="13" name="TImesAvailable">
+            <a:extLst>
+              <a:ext uri="{FF2B5EF4-FFF2-40B4-BE49-F238E27FC236}">
+                <a16:creationId xmlns:a16="http://schemas.microsoft.com/office/drawing/2014/main" id="{795E646E-A390-46FD-A1B5-EC40FF122928}"/>
+              </a:ext>
+            </a:extLst>
+          </p:cNvPr>
+          <p:cNvSpPr>
+            <a:spLocks noGrp="1"/>
+          </p:cNvSpPr>
+          <p:nvPr>
+            <p:ph type="body" sz="quarter" idx="11" hasCustomPrompt="1"/>
+          </p:nvPr>
+        </p:nvSpPr>
+        <p:spPr>
+          <a:xfrm>
+            <a:off x="8439152" y="2351742"/>
+            <a:ext cx="1576714" cy="369332"/>
+          </a:xfrm>
+        </p:spPr>
+        <p:txBody>
+          <a:bodyPr wrap="none">
+            <a:spAutoFit/>
+          </a:bodyPr>
+          <a:lstStyle>
+            <a:lvl1pPr marL="0" indent="0">
+              <a:lnSpc>
+                <a:spcPct val="100000"/>
+              </a:lnSpc>
+              <a:buFont typeface="Arial" panose="020B0604020202020204" pitchFamily="34" charset="0"/>
+              <a:buNone/>
+              <a:defRPr sz="1800"/>
+            </a:lvl1pPr>
+          </a:lstStyle>
+          <a:p>
+            <a:pPr lvl="0"/>
+            <a:r>
+              <a:rPr lang="en-US" dirty="0" err="1"/>
+              <a:t>TimesAvailable</a:t>
+            </a:r>
+            <a:endParaRPr lang="en-US" dirty="0"/>
+          </a:p>
+        </p:txBody>
+      </p:sp>
+      <p:sp>
+        <p:nvSpPr>
+          <p:cNvPr id="24" name="TextBox 23">
+            <a:extLst>
+              <a:ext uri="{FF2B5EF4-FFF2-40B4-BE49-F238E27FC236}">
+                <a16:creationId xmlns:a16="http://schemas.microsoft.com/office/drawing/2014/main" id="{BE309147-6DE5-4B91-85D0-24737EAC2E6C}"/>
+              </a:ext>
+            </a:extLst>
+          </p:cNvPr>
+          <p:cNvSpPr txBox="1"/>
+          <p:nvPr userDrawn="1"/>
+        </p:nvSpPr>
+        <p:spPr>
+          <a:xfrm>
+            <a:off x="3999945" y="491455"/>
+            <a:ext cx="4192110" cy="553998"/>
+          </a:xfrm>
+          <a:prstGeom prst="rect">
+            <a:avLst/>
+          </a:prstGeom>
+          <a:noFill/>
+        </p:spPr>
+        <p:txBody>
+          <a:bodyPr wrap="none" rtlCol="0">
+            <a:spAutoFit/>
+          </a:bodyPr>
+          <a:lstStyle/>
+          <a:p>
+            <a:r>
+              <a:rPr lang="en-US" sz="3000" dirty="0">
+                <a:latin typeface="+mj-lt"/>
+              </a:rPr>
+              <a:t>NO AVAILABLE TUTORS</a:t>
+            </a:r>
+          </a:p>
+        </p:txBody>
+      </p:sp>
+      <p:sp>
+        <p:nvSpPr>
+          <p:cNvPr id="3" name="Text Placeholder 2">
+            <a:extLst>
+              <a:ext uri="{FF2B5EF4-FFF2-40B4-BE49-F238E27FC236}">
+                <a16:creationId xmlns:a16="http://schemas.microsoft.com/office/drawing/2014/main" id="{12D8DD5C-90E5-4A6A-AE3A-20A13A1D1C02}"/>
+              </a:ext>
+            </a:extLst>
+          </p:cNvPr>
+          <p:cNvSpPr>
+            <a:spLocks noGrp="1"/>
+          </p:cNvSpPr>
+          <p:nvPr>
+            <p:ph type="body" sz="quarter" idx="14" hasCustomPrompt="1"/>
+          </p:nvPr>
+        </p:nvSpPr>
+        <p:spPr>
+          <a:xfrm>
+            <a:off x="1815769" y="1276445"/>
+            <a:ext cx="2451431" cy="369332"/>
+          </a:xfrm>
+        </p:spPr>
+        <p:txBody>
+          <a:bodyPr/>
+          <a:lstStyle>
+            <a:lvl1pPr marL="0" indent="0">
+              <a:buNone/>
+              <a:defRPr/>
+            </a:lvl1pPr>
+          </a:lstStyle>
+          <a:p>
+            <a:pPr lvl="0"/>
+            <a:r>
+              <a:rPr lang="en-US" dirty="0"/>
+              <a:t>Next Available Tutors</a:t>
+            </a:r>
+          </a:p>
+        </p:txBody>
+      </p:sp>
+      <p:sp>
+        <p:nvSpPr>
+          <p:cNvPr id="4" name="TextBox 3">
+            <a:extLst>
+              <a:ext uri="{FF2B5EF4-FFF2-40B4-BE49-F238E27FC236}">
+                <a16:creationId xmlns:a16="http://schemas.microsoft.com/office/drawing/2014/main" id="{EDCC4D21-1482-4664-B6E6-7D1B64A12C5A}"/>
+              </a:ext>
+            </a:extLst>
+          </p:cNvPr>
+          <p:cNvSpPr txBox="1"/>
+          <p:nvPr userDrawn="1"/>
+        </p:nvSpPr>
+        <p:spPr>
+          <a:xfrm>
+            <a:off x="1700244" y="4058985"/>
+            <a:ext cx="3048000" cy="923330"/>
+          </a:xfrm>
+          <a:prstGeom prst="rect">
+            <a:avLst/>
+          </a:prstGeom>
+          <a:noFill/>
+        </p:spPr>
+        <p:txBody>
+          <a:bodyPr wrap="square" rtlCol="0">
+            <a:spAutoFit/>
+          </a:bodyPr>
+          <a:lstStyle/>
+          <a:p>
+            <a:r>
+              <a:rPr lang="en-US" dirty="0"/>
+              <a:t>Visit butlercc.edu/tutoring for tutor schedules and online tutoring</a:t>
+            </a:r>
+          </a:p>
+        </p:txBody>
+      </p:sp>
+      <p:sp>
+        <p:nvSpPr>
+          <p:cNvPr id="6" name="TutorName">
+            <a:extLst>
+              <a:ext uri="{FF2B5EF4-FFF2-40B4-BE49-F238E27FC236}">
+                <a16:creationId xmlns:a16="http://schemas.microsoft.com/office/drawing/2014/main" id="{8F75C083-BD34-4FF2-8338-BF27885AC258}"/>
+              </a:ext>
+            </a:extLst>
+          </p:cNvPr>
+          <p:cNvSpPr>
+            <a:spLocks noGrp="1"/>
+          </p:cNvSpPr>
+          <p:nvPr>
+            <p:ph type="body" sz="quarter" idx="15" hasCustomPrompt="1"/>
+          </p:nvPr>
+        </p:nvSpPr>
+        <p:spPr>
+          <a:xfrm>
+            <a:off x="1816100" y="1768475"/>
+            <a:ext cx="2536825" cy="487363"/>
+          </a:xfrm>
+        </p:spPr>
+        <p:txBody>
+          <a:bodyPr/>
+          <a:lstStyle>
+            <a:lvl1pPr marL="0" indent="0">
+              <a:buNone/>
+              <a:defRPr/>
+            </a:lvl1pPr>
+          </a:lstStyle>
+          <a:p>
+            <a:pPr lvl="0"/>
+            <a:r>
+              <a:rPr lang="en-US" dirty="0" err="1"/>
+              <a:t>TutorName</a:t>
+            </a:r>
+            <a:endParaRPr lang="en-US" dirty="0"/>
+          </a:p>
+        </p:txBody>
+      </p:sp>
+    </p:spTree>
+    <p:extLst>
+      <p:ext uri="{BB962C8B-B14F-4D97-AF65-F5344CB8AC3E}">
+        <p14:creationId xmlns:p14="http://schemas.microsoft.com/office/powerpoint/2010/main" val="2930913874"/>
+      </p:ext>
+    </p:extLst>
+  </p:cSld>
+  <p:clrMapOvr>
+    <a:masterClrMapping/>
+  </p:clrMapOvr>
+  <p:transition spd="slow" advClick="0" advTm="10000">
+    <p:randomBar dir="vert"/>
+  </p:transition>
+</p:sldLayout>
+</file>
+
+<file path=ppt/slideLayouts/slideLayout11.xml><?xml version="1.0" encoding="utf-8"?>
 <p:sldLayout xmlns:a="http://schemas.openxmlformats.org/drawingml/2006/main" xmlns:r="http://schemas.openxmlformats.org/officeDocument/2006/relationships" xmlns:p="http://schemas.openxmlformats.org/presentationml/2006/main" type="objTx" preserve="1">
   <p:cSld name="Content with Caption">
     <p:spTree>
@@ -1165,7 +1476,7 @@
           <a:p>
             <a:fld id="{48A87A34-81AB-432B-8DAE-1953F412C126}" type="datetimeFigureOut">
               <a:rPr lang="en-US" dirty="0"/>
-              <a:t>6/30/2020</a:t>
+              <a:t>8/29/2020</a:t>
             </a:fld>
             <a:endParaRPr lang="en-US" dirty="0"/>
           </a:p>
@@ -1255,7 +1566,7 @@
 </p:sldLayout>
 </file>
 
-<file path=ppt/slideLayouts/slideLayout11.xml><?xml version="1.0" encoding="utf-8"?>
+<file path=ppt/slideLayouts/slideLayout12.xml><?xml version="1.0" encoding="utf-8"?>
 <p:sldLayout xmlns:a="http://schemas.openxmlformats.org/drawingml/2006/main" xmlns:r="http://schemas.openxmlformats.org/officeDocument/2006/relationships" xmlns:p="http://schemas.openxmlformats.org/presentationml/2006/main" type="picTx" preserve="1">
   <p:cSld name="Picture with Caption">
     <p:spTree>
@@ -1609,7 +1920,7 @@
             <a:fld id="{48A87A34-81AB-432B-8DAE-1953F412C126}" type="datetimeFigureOut">
               <a:rPr lang="en-US" dirty="0"/>
               <a:pPr/>
-              <a:t>6/30/2020</a:t>
+              <a:t>8/29/2020</a:t>
             </a:fld>
             <a:endParaRPr lang="en-US" dirty="0"/>
           </a:p>
@@ -1704,7 +2015,7 @@
 </p:sldLayout>
 </file>
 
-<file path=ppt/slideLayouts/slideLayout12.xml><?xml version="1.0" encoding="utf-8"?>
+<file path=ppt/slideLayouts/slideLayout13.xml><?xml version="1.0" encoding="utf-8"?>
 <p:sldLayout xmlns:a="http://schemas.openxmlformats.org/drawingml/2006/main" xmlns:r="http://schemas.openxmlformats.org/officeDocument/2006/relationships" xmlns:p="http://schemas.openxmlformats.org/presentationml/2006/main" type="vertTx" preserve="1">
   <p:cSld name="Title and Vertical Text">
     <p:spTree>
@@ -1813,7 +2124,7 @@
           <a:p>
             <a:fld id="{48A87A34-81AB-432B-8DAE-1953F412C126}" type="datetimeFigureOut">
               <a:rPr lang="en-US" dirty="0"/>
-              <a:t>6/30/2020</a:t>
+              <a:t>8/29/2020</a:t>
             </a:fld>
             <a:endParaRPr lang="en-US" dirty="0"/>
           </a:p>
@@ -1903,7 +2214,7 @@
 </p:sldLayout>
 </file>
 
-<file path=ppt/slideLayouts/slideLayout13.xml><?xml version="1.0" encoding="utf-8"?>
+<file path=ppt/slideLayouts/slideLayout14.xml><?xml version="1.0" encoding="utf-8"?>
 <p:sldLayout xmlns:a="http://schemas.openxmlformats.org/drawingml/2006/main" xmlns:r="http://schemas.openxmlformats.org/officeDocument/2006/relationships" xmlns:p="http://schemas.openxmlformats.org/presentationml/2006/main" type="vertTitleAndTx" preserve="1">
   <p:cSld name="Vertical Title and Text">
     <p:spTree>
@@ -2026,7 +2337,7 @@
           <a:p>
             <a:fld id="{48A87A34-81AB-432B-8DAE-1953F412C126}" type="datetimeFigureOut">
               <a:rPr lang="en-US" dirty="0"/>
-              <a:t>6/30/2020</a:t>
+              <a:t>8/29/2020</a:t>
             </a:fld>
             <a:endParaRPr lang="en-US" dirty="0"/>
           </a:p>
@@ -2225,7 +2536,7 @@
           <a:p>
             <a:fld id="{48A87A34-81AB-432B-8DAE-1953F412C126}" type="datetimeFigureOut">
               <a:rPr lang="en-US" dirty="0"/>
-              <a:t>6/30/2020</a:t>
+              <a:t>8/29/2020</a:t>
             </a:fld>
             <a:endParaRPr lang="en-US" dirty="0"/>
           </a:p>
@@ -2502,7 +2813,7 @@
           <a:p>
             <a:fld id="{48A87A34-81AB-432B-8DAE-1953F412C126}" type="datetimeFigureOut">
               <a:rPr lang="en-US" dirty="0"/>
-              <a:t>6/30/2020</a:t>
+              <a:t>8/29/2020</a:t>
             </a:fld>
             <a:endParaRPr lang="en-US" dirty="0"/>
           </a:p>
@@ -2768,7 +3079,7 @@
           <a:p>
             <a:fld id="{48A87A34-81AB-432B-8DAE-1953F412C126}" type="datetimeFigureOut">
               <a:rPr lang="en-US" dirty="0"/>
-              <a:t>6/30/2020</a:t>
+              <a:t>8/29/2020</a:t>
             </a:fld>
             <a:endParaRPr lang="en-US" dirty="0"/>
           </a:p>
@@ -3182,7 +3493,7 @@
           <a:p>
             <a:fld id="{48A87A34-81AB-432B-8DAE-1953F412C126}" type="datetimeFigureOut">
               <a:rPr lang="en-US" dirty="0"/>
-              <a:t>6/30/2020</a:t>
+              <a:t>8/29/2020</a:t>
             </a:fld>
             <a:endParaRPr lang="en-US" dirty="0"/>
           </a:p>
@@ -3329,7 +3640,7 @@
           <a:p>
             <a:fld id="{48A87A34-81AB-432B-8DAE-1953F412C126}" type="datetimeFigureOut">
               <a:rPr lang="en-US" dirty="0"/>
-              <a:t>6/30/2020</a:t>
+              <a:t>8/29/2020</a:t>
             </a:fld>
             <a:endParaRPr lang="en-US" dirty="0"/>
           </a:p>
@@ -3453,7 +3764,7 @@
           <a:p>
             <a:fld id="{48A87A34-81AB-432B-8DAE-1953F412C126}" type="datetimeFigureOut">
               <a:rPr lang="en-US" dirty="0"/>
-              <a:t>6/30/2020</a:t>
+              <a:t>8/29/2020</a:t>
             </a:fld>
             <a:endParaRPr lang="en-US" dirty="0"/>
           </a:p>
@@ -3513,6 +3824,309 @@
 </file>
 
 <file path=ppt/slideLayouts/slideLayout8.xml><?xml version="1.0" encoding="utf-8"?>
+<p:sldLayout xmlns:a="http://schemas.openxmlformats.org/drawingml/2006/main" xmlns:r="http://schemas.openxmlformats.org/officeDocument/2006/relationships" xmlns:p="http://schemas.openxmlformats.org/presentationml/2006/main" preserve="1" userDrawn="1">
+  <p:cSld name="Tutor Bio">
+    <p:spTree>
+      <p:nvGrpSpPr>
+        <p:cNvPr id="1" name=""/>
+        <p:cNvGrpSpPr/>
+        <p:nvPr/>
+      </p:nvGrpSpPr>
+      <p:grpSpPr>
+        <a:xfrm>
+          <a:off x="0" y="0"/>
+          <a:ext cx="0" cy="0"/>
+          <a:chOff x="0" y="0"/>
+          <a:chExt cx="0" cy="0"/>
+        </a:xfrm>
+      </p:grpSpPr>
+      <p:sp>
+        <p:nvSpPr>
+          <p:cNvPr id="3" name="Date Placeholder 2">
+            <a:extLst>
+              <a:ext uri="{FF2B5EF4-FFF2-40B4-BE49-F238E27FC236}">
+                <a16:creationId xmlns:a16="http://schemas.microsoft.com/office/drawing/2014/main" id="{9127ABE0-B387-4476-B859-F3C315573501}"/>
+              </a:ext>
+            </a:extLst>
+          </p:cNvPr>
+          <p:cNvSpPr>
+            <a:spLocks noGrp="1"/>
+          </p:cNvSpPr>
+          <p:nvPr>
+            <p:ph type="dt" sz="half" idx="10"/>
+          </p:nvPr>
+        </p:nvSpPr>
+        <p:spPr/>
+        <p:txBody>
+          <a:bodyPr/>
+          <a:lstStyle/>
+          <a:p>
+            <a:fld id="{48A87A34-81AB-432B-8DAE-1953F412C126}" type="datetimeFigureOut">
+              <a:rPr lang="en-US" smtClean="0"/>
+              <a:pPr/>
+              <a:t>8/29/2020</a:t>
+            </a:fld>
+            <a:endParaRPr lang="en-US" dirty="0"/>
+          </a:p>
+        </p:txBody>
+      </p:sp>
+      <p:sp>
+        <p:nvSpPr>
+          <p:cNvPr id="4" name="Footer Placeholder 3">
+            <a:extLst>
+              <a:ext uri="{FF2B5EF4-FFF2-40B4-BE49-F238E27FC236}">
+                <a16:creationId xmlns:a16="http://schemas.microsoft.com/office/drawing/2014/main" id="{2877A0F7-79E7-457E-A43E-4156DDE3C0D4}"/>
+              </a:ext>
+            </a:extLst>
+          </p:cNvPr>
+          <p:cNvSpPr>
+            <a:spLocks noGrp="1"/>
+          </p:cNvSpPr>
+          <p:nvPr>
+            <p:ph type="ftr" sz="quarter" idx="11"/>
+          </p:nvPr>
+        </p:nvSpPr>
+        <p:spPr/>
+        <p:txBody>
+          <a:bodyPr/>
+          <a:lstStyle/>
+          <a:p>
+            <a:endParaRPr lang="en-US" dirty="0"/>
+          </a:p>
+        </p:txBody>
+      </p:sp>
+      <p:sp>
+        <p:nvSpPr>
+          <p:cNvPr id="5" name="Slide Number Placeholder 4">
+            <a:extLst>
+              <a:ext uri="{FF2B5EF4-FFF2-40B4-BE49-F238E27FC236}">
+                <a16:creationId xmlns:a16="http://schemas.microsoft.com/office/drawing/2014/main" id="{9F178FCF-18A9-4ED2-871A-428F83C2AD9E}"/>
+              </a:ext>
+            </a:extLst>
+          </p:cNvPr>
+          <p:cNvSpPr>
+            <a:spLocks noGrp="1"/>
+          </p:cNvSpPr>
+          <p:nvPr>
+            <p:ph type="sldNum" sz="quarter" idx="12"/>
+          </p:nvPr>
+        </p:nvSpPr>
+        <p:spPr/>
+        <p:txBody>
+          <a:bodyPr/>
+          <a:lstStyle/>
+          <a:p>
+            <a:fld id="{6D22F896-40B5-4ADD-8801-0D06FADFA095}" type="slidenum">
+              <a:rPr lang="en-US" smtClean="0"/>
+              <a:pPr/>
+              <a:t>‹#›</a:t>
+            </a:fld>
+            <a:endParaRPr lang="en-US" dirty="0"/>
+          </a:p>
+        </p:txBody>
+      </p:sp>
+      <p:sp>
+        <p:nvSpPr>
+          <p:cNvPr id="7" name="Picture Placeholder 6">
+            <a:extLst>
+              <a:ext uri="{FF2B5EF4-FFF2-40B4-BE49-F238E27FC236}">
+                <a16:creationId xmlns:a16="http://schemas.microsoft.com/office/drawing/2014/main" id="{BA297F11-80F8-4399-B4B6-AC2832E5053D}"/>
+              </a:ext>
+            </a:extLst>
+          </p:cNvPr>
+          <p:cNvSpPr>
+            <a:spLocks noGrp="1"/>
+          </p:cNvSpPr>
+          <p:nvPr>
+            <p:ph type="pic" sz="quarter" idx="13" hasCustomPrompt="1"/>
+          </p:nvPr>
+        </p:nvSpPr>
+        <p:spPr>
+          <a:xfrm>
+            <a:off x="1451579" y="2517651"/>
+            <a:ext cx="3592861" cy="3066395"/>
+          </a:xfrm>
+        </p:spPr>
+        <p:txBody>
+          <a:bodyPr/>
+          <a:lstStyle>
+            <a:lvl1pPr>
+              <a:defRPr/>
+            </a:lvl1pPr>
+          </a:lstStyle>
+          <a:p>
+            <a:r>
+              <a:rPr lang="en-US" dirty="0"/>
+              <a:t>Tutor Picture</a:t>
+            </a:r>
+          </a:p>
+        </p:txBody>
+      </p:sp>
+      <p:sp>
+        <p:nvSpPr>
+          <p:cNvPr id="9" name="Text Placeholder 8">
+            <a:extLst>
+              <a:ext uri="{FF2B5EF4-FFF2-40B4-BE49-F238E27FC236}">
+                <a16:creationId xmlns:a16="http://schemas.microsoft.com/office/drawing/2014/main" id="{909F25F5-A4D3-454D-BFD0-CEE01378C1B5}"/>
+              </a:ext>
+            </a:extLst>
+          </p:cNvPr>
+          <p:cNvSpPr>
+            <a:spLocks noGrp="1"/>
+          </p:cNvSpPr>
+          <p:nvPr>
+            <p:ph type="body" sz="quarter" idx="14" hasCustomPrompt="1"/>
+          </p:nvPr>
+        </p:nvSpPr>
+        <p:spPr>
+          <a:xfrm>
+            <a:off x="6095503" y="2517651"/>
+            <a:ext cx="4959350" cy="3066394"/>
+          </a:xfrm>
+        </p:spPr>
+        <p:txBody>
+          <a:bodyPr/>
+          <a:lstStyle>
+            <a:lvl1pPr>
+              <a:buNone/>
+              <a:defRPr/>
+            </a:lvl1pPr>
+          </a:lstStyle>
+          <a:p>
+            <a:pPr lvl="0"/>
+            <a:r>
+              <a:rPr lang="en-US" dirty="0"/>
+              <a:t>Tutor Bio</a:t>
+            </a:r>
+          </a:p>
+        </p:txBody>
+      </p:sp>
+      <p:sp>
+        <p:nvSpPr>
+          <p:cNvPr id="11" name="Text Placeholder 10">
+            <a:extLst>
+              <a:ext uri="{FF2B5EF4-FFF2-40B4-BE49-F238E27FC236}">
+                <a16:creationId xmlns:a16="http://schemas.microsoft.com/office/drawing/2014/main" id="{823356E8-9372-48EB-97F6-8DEEE80F4F0E}"/>
+              </a:ext>
+            </a:extLst>
+          </p:cNvPr>
+          <p:cNvSpPr>
+            <a:spLocks noGrp="1"/>
+          </p:cNvSpPr>
+          <p:nvPr>
+            <p:ph type="body" sz="quarter" idx="15" hasCustomPrompt="1"/>
+          </p:nvPr>
+        </p:nvSpPr>
+        <p:spPr>
+          <a:xfrm>
+            <a:off x="1450975" y="1944202"/>
+            <a:ext cx="9604375" cy="498475"/>
+          </a:xfrm>
+        </p:spPr>
+        <p:txBody>
+          <a:bodyPr/>
+          <a:lstStyle>
+            <a:lvl1pPr>
+              <a:buNone/>
+              <a:defRPr sz="2800"/>
+            </a:lvl1pPr>
+          </a:lstStyle>
+          <a:p>
+            <a:pPr lvl="0"/>
+            <a:r>
+              <a:rPr lang="en-US" sz="2800" dirty="0"/>
+              <a:t>Tutor Name</a:t>
+            </a:r>
+            <a:endParaRPr lang="en-US" dirty="0"/>
+          </a:p>
+        </p:txBody>
+      </p:sp>
+      <p:sp>
+        <p:nvSpPr>
+          <p:cNvPr id="6" name="TextBox 5">
+            <a:extLst>
+              <a:ext uri="{FF2B5EF4-FFF2-40B4-BE49-F238E27FC236}">
+                <a16:creationId xmlns:a16="http://schemas.microsoft.com/office/drawing/2014/main" id="{C7A7BFA8-BD81-4649-A26F-9CDECBB36CF8}"/>
+              </a:ext>
+            </a:extLst>
+          </p:cNvPr>
+          <p:cNvSpPr txBox="1"/>
+          <p:nvPr userDrawn="1"/>
+        </p:nvSpPr>
+        <p:spPr>
+          <a:xfrm>
+            <a:off x="1555423" y="798973"/>
+            <a:ext cx="3629319" cy="577340"/>
+          </a:xfrm>
+          <a:prstGeom prst="rect">
+            <a:avLst/>
+          </a:prstGeom>
+          <a:noFill/>
+        </p:spPr>
+        <p:txBody>
+          <a:bodyPr wrap="square" rtlCol="0">
+            <a:spAutoFit/>
+          </a:bodyPr>
+          <a:lstStyle/>
+          <a:p>
+            <a:endParaRPr lang="en-US" dirty="0"/>
+          </a:p>
+        </p:txBody>
+      </p:sp>
+      <p:sp>
+        <p:nvSpPr>
+          <p:cNvPr id="8" name="TextBox 7">
+            <a:extLst>
+              <a:ext uri="{FF2B5EF4-FFF2-40B4-BE49-F238E27FC236}">
+                <a16:creationId xmlns:a16="http://schemas.microsoft.com/office/drawing/2014/main" id="{51A7E80D-5AF5-4100-AA0C-D49AA715A7B8}"/>
+              </a:ext>
+            </a:extLst>
+          </p:cNvPr>
+          <p:cNvSpPr txBox="1"/>
+          <p:nvPr userDrawn="1"/>
+        </p:nvSpPr>
+        <p:spPr>
+          <a:xfrm>
+            <a:off x="1450478" y="798973"/>
+            <a:ext cx="9604375" cy="584775"/>
+          </a:xfrm>
+          <a:prstGeom prst="rect">
+            <a:avLst/>
+          </a:prstGeom>
+          <a:noFill/>
+        </p:spPr>
+        <p:txBody>
+          <a:bodyPr wrap="square" rtlCol="0">
+            <a:spAutoFit/>
+          </a:bodyPr>
+          <a:lstStyle/>
+          <a:p>
+            <a:r>
+              <a:rPr lang="en-US" sz="3200" dirty="0">
+                <a:latin typeface="+mj-lt"/>
+              </a:rPr>
+              <a:t>MEET OUR TUTORS</a:t>
+            </a:r>
+          </a:p>
+        </p:txBody>
+      </p:sp>
+    </p:spTree>
+    <p:extLst>
+      <p:ext uri="{BB962C8B-B14F-4D97-AF65-F5344CB8AC3E}">
+        <p14:creationId xmlns:p14="http://schemas.microsoft.com/office/powerpoint/2010/main" val="2067553210"/>
+      </p:ext>
+    </p:extLst>
+  </p:cSld>
+  <p:clrMapOvr>
+    <a:masterClrMapping/>
+  </p:clrMapOvr>
+  <p:transition spd="slow" advClick="0" advTm="10000">
+    <p:randomBar dir="vert"/>
+  </p:transition>
+</p:sldLayout>
+</file>
+
+<file path=ppt/slideLayouts/slideLayout9.xml><?xml version="1.0" encoding="utf-8"?>
 <p:sldLayout xmlns:a="http://schemas.openxmlformats.org/drawingml/2006/main" xmlns:r="http://schemas.openxmlformats.org/officeDocument/2006/relationships" xmlns:p="http://schemas.openxmlformats.org/presentationml/2006/main" preserve="1" userDrawn="1">
   <p:cSld name="CurrentTutorTemplateSlide">
     <p:spTree>
@@ -3860,374 +4474,6 @@
     <p:extLst>
       <p:ext uri="{BB962C8B-B14F-4D97-AF65-F5344CB8AC3E}">
         <p14:creationId xmlns:p14="http://schemas.microsoft.com/office/powerpoint/2010/main" val="533735047"/>
-      </p:ext>
-    </p:extLst>
-  </p:cSld>
-  <p:clrMapOvr>
-    <a:masterClrMapping/>
-  </p:clrMapOvr>
-  <p:transition spd="slow" advClick="0" advTm="10000">
-    <p:randomBar dir="vert"/>
-  </p:transition>
-</p:sldLayout>
-</file>
-
-<file path=ppt/slideLayouts/slideLayout9.xml><?xml version="1.0" encoding="utf-8"?>
-<p:sldLayout xmlns:a="http://schemas.openxmlformats.org/drawingml/2006/main" xmlns:r="http://schemas.openxmlformats.org/officeDocument/2006/relationships" xmlns:p="http://schemas.openxmlformats.org/presentationml/2006/main" preserve="1" userDrawn="1">
-  <p:cSld name="NoAvailableTutorsSlide">
-    <p:spTree>
-      <p:nvGrpSpPr>
-        <p:cNvPr id="1" name=""/>
-        <p:cNvGrpSpPr/>
-        <p:nvPr/>
-      </p:nvGrpSpPr>
-      <p:grpSpPr>
-        <a:xfrm>
-          <a:off x="0" y="0"/>
-          <a:ext cx="0" cy="0"/>
-          <a:chOff x="0" y="0"/>
-          <a:chExt cx="0" cy="0"/>
-        </a:xfrm>
-      </p:grpSpPr>
-      <p:sp>
-        <p:nvSpPr>
-          <p:cNvPr id="12" name="SubjectsTutored">
-            <a:extLst>
-              <a:ext uri="{FF2B5EF4-FFF2-40B4-BE49-F238E27FC236}">
-                <a16:creationId xmlns:a16="http://schemas.microsoft.com/office/drawing/2014/main" id="{AFEAB3E5-597F-482B-8A43-877940864F6E}"/>
-              </a:ext>
-            </a:extLst>
-          </p:cNvPr>
-          <p:cNvSpPr>
-            <a:spLocks noGrp="1"/>
-          </p:cNvSpPr>
-          <p:nvPr>
-            <p:ph type="body" sz="quarter" idx="10" hasCustomPrompt="1"/>
-          </p:nvPr>
-        </p:nvSpPr>
-        <p:spPr>
-          <a:xfrm>
-            <a:off x="1815769" y="2364591"/>
-            <a:ext cx="1689822" cy="369332"/>
-          </a:xfrm>
-        </p:spPr>
-        <p:txBody>
-          <a:bodyPr wrap="none">
-            <a:spAutoFit/>
-          </a:bodyPr>
-          <a:lstStyle>
-            <a:lvl1pPr marL="0" indent="0">
-              <a:lnSpc>
-                <a:spcPct val="100000"/>
-              </a:lnSpc>
-              <a:buFont typeface="Arial" panose="020B0604020202020204" pitchFamily="34" charset="0"/>
-              <a:buNone/>
-              <a:defRPr sz="1800"/>
-            </a:lvl1pPr>
-          </a:lstStyle>
-          <a:p>
-            <a:pPr lvl="0"/>
-            <a:r>
-              <a:rPr lang="en-US" dirty="0" err="1"/>
-              <a:t>SubjectsTutored</a:t>
-            </a:r>
-            <a:endParaRPr lang="en-US" dirty="0"/>
-          </a:p>
-        </p:txBody>
-      </p:sp>
-      <p:sp>
-        <p:nvSpPr>
-          <p:cNvPr id="13" name="TImesAvailable">
-            <a:extLst>
-              <a:ext uri="{FF2B5EF4-FFF2-40B4-BE49-F238E27FC236}">
-                <a16:creationId xmlns:a16="http://schemas.microsoft.com/office/drawing/2014/main" id="{795E646E-A390-46FD-A1B5-EC40FF122928}"/>
-              </a:ext>
-            </a:extLst>
-          </p:cNvPr>
-          <p:cNvSpPr>
-            <a:spLocks noGrp="1"/>
-          </p:cNvSpPr>
-          <p:nvPr>
-            <p:ph type="body" sz="quarter" idx="11" hasCustomPrompt="1"/>
-          </p:nvPr>
-        </p:nvSpPr>
-        <p:spPr>
-          <a:xfrm>
-            <a:off x="8439152" y="2351742"/>
-            <a:ext cx="1576714" cy="369332"/>
-          </a:xfrm>
-        </p:spPr>
-        <p:txBody>
-          <a:bodyPr wrap="none">
-            <a:spAutoFit/>
-          </a:bodyPr>
-          <a:lstStyle>
-            <a:lvl1pPr marL="0" indent="0">
-              <a:lnSpc>
-                <a:spcPct val="100000"/>
-              </a:lnSpc>
-              <a:buFont typeface="Arial" panose="020B0604020202020204" pitchFamily="34" charset="0"/>
-              <a:buNone/>
-              <a:defRPr sz="1800"/>
-            </a:lvl1pPr>
-          </a:lstStyle>
-          <a:p>
-            <a:pPr lvl="0"/>
-            <a:r>
-              <a:rPr lang="en-US" dirty="0" err="1"/>
-              <a:t>TimesAvailable</a:t>
-            </a:r>
-            <a:endParaRPr lang="en-US" dirty="0"/>
-          </a:p>
-        </p:txBody>
-      </p:sp>
-      <p:sp>
-        <p:nvSpPr>
-          <p:cNvPr id="15" name="CurrentTime">
-            <a:extLst>
-              <a:ext uri="{FF2B5EF4-FFF2-40B4-BE49-F238E27FC236}">
-                <a16:creationId xmlns:a16="http://schemas.microsoft.com/office/drawing/2014/main" id="{2F847739-005D-49A5-B7A7-2E536F144CC6}"/>
-              </a:ext>
-            </a:extLst>
-          </p:cNvPr>
-          <p:cNvSpPr>
-            <a:spLocks noGrp="1"/>
-          </p:cNvSpPr>
-          <p:nvPr>
-            <p:ph type="body" sz="quarter" idx="12" hasCustomPrompt="1"/>
-          </p:nvPr>
-        </p:nvSpPr>
-        <p:spPr>
-          <a:xfrm>
-            <a:off x="8439152" y="4982315"/>
-            <a:ext cx="1595693" cy="430502"/>
-          </a:xfrm>
-        </p:spPr>
-        <p:txBody>
-          <a:bodyPr wrap="none">
-            <a:spAutoFit/>
-          </a:bodyPr>
-          <a:lstStyle>
-            <a:lvl1pPr marL="0" indent="0">
-              <a:buNone/>
-              <a:defRPr/>
-            </a:lvl1pPr>
-          </a:lstStyle>
-          <a:p>
-            <a:pPr lvl="0"/>
-            <a:r>
-              <a:rPr lang="en-US" dirty="0" err="1"/>
-              <a:t>CurrentTime</a:t>
-            </a:r>
-            <a:endParaRPr lang="en-US" dirty="0"/>
-          </a:p>
-        </p:txBody>
-      </p:sp>
-      <p:sp>
-        <p:nvSpPr>
-          <p:cNvPr id="24" name="TextBox 23">
-            <a:extLst>
-              <a:ext uri="{FF2B5EF4-FFF2-40B4-BE49-F238E27FC236}">
-                <a16:creationId xmlns:a16="http://schemas.microsoft.com/office/drawing/2014/main" id="{BE309147-6DE5-4B91-85D0-24737EAC2E6C}"/>
-              </a:ext>
-            </a:extLst>
-          </p:cNvPr>
-          <p:cNvSpPr txBox="1"/>
-          <p:nvPr userDrawn="1"/>
-        </p:nvSpPr>
-        <p:spPr>
-          <a:xfrm>
-            <a:off x="3999945" y="491455"/>
-            <a:ext cx="4192110" cy="553998"/>
-          </a:xfrm>
-          <a:prstGeom prst="rect">
-            <a:avLst/>
-          </a:prstGeom>
-          <a:noFill/>
-        </p:spPr>
-        <p:txBody>
-          <a:bodyPr wrap="none" rtlCol="0">
-            <a:spAutoFit/>
-          </a:bodyPr>
-          <a:lstStyle/>
-          <a:p>
-            <a:r>
-              <a:rPr lang="en-US" sz="3000" dirty="0">
-                <a:latin typeface="+mj-lt"/>
-              </a:rPr>
-              <a:t>NO AVAILABLE TUTORS</a:t>
-            </a:r>
-          </a:p>
-        </p:txBody>
-      </p:sp>
-      <p:sp>
-        <p:nvSpPr>
-          <p:cNvPr id="28" name="CurrentDate">
-            <a:extLst>
-              <a:ext uri="{FF2B5EF4-FFF2-40B4-BE49-F238E27FC236}">
-                <a16:creationId xmlns:a16="http://schemas.microsoft.com/office/drawing/2014/main" id="{FEA4706F-D016-4C2F-A750-EBF0490D7BD3}"/>
-              </a:ext>
-            </a:extLst>
-          </p:cNvPr>
-          <p:cNvSpPr>
-            <a:spLocks noGrp="1"/>
-          </p:cNvSpPr>
-          <p:nvPr>
-            <p:ph type="body" sz="quarter" idx="13" hasCustomPrompt="1"/>
-          </p:nvPr>
-        </p:nvSpPr>
-        <p:spPr>
-          <a:xfrm>
-            <a:off x="8439152" y="4551813"/>
-            <a:ext cx="1534779" cy="430502"/>
-          </a:xfrm>
-        </p:spPr>
-        <p:txBody>
-          <a:bodyPr wrap="none">
-            <a:spAutoFit/>
-          </a:bodyPr>
-          <a:lstStyle>
-            <a:lvl1pPr marL="0" indent="0">
-              <a:buNone/>
-              <a:defRPr/>
-            </a:lvl1pPr>
-          </a:lstStyle>
-          <a:p>
-            <a:pPr lvl="0"/>
-            <a:r>
-              <a:rPr lang="en-US" dirty="0" err="1"/>
-              <a:t>CurrentDate</a:t>
-            </a:r>
-            <a:endParaRPr lang="en-US" dirty="0"/>
-          </a:p>
-        </p:txBody>
-      </p:sp>
-      <p:sp>
-        <p:nvSpPr>
-          <p:cNvPr id="3" name="Text Placeholder 2">
-            <a:extLst>
-              <a:ext uri="{FF2B5EF4-FFF2-40B4-BE49-F238E27FC236}">
-                <a16:creationId xmlns:a16="http://schemas.microsoft.com/office/drawing/2014/main" id="{12D8DD5C-90E5-4A6A-AE3A-20A13A1D1C02}"/>
-              </a:ext>
-            </a:extLst>
-          </p:cNvPr>
-          <p:cNvSpPr>
-            <a:spLocks noGrp="1"/>
-          </p:cNvSpPr>
-          <p:nvPr>
-            <p:ph type="body" sz="quarter" idx="14" hasCustomPrompt="1"/>
-          </p:nvPr>
-        </p:nvSpPr>
-        <p:spPr>
-          <a:xfrm>
-            <a:off x="1815769" y="1276445"/>
-            <a:ext cx="2451431" cy="369332"/>
-          </a:xfrm>
-        </p:spPr>
-        <p:txBody>
-          <a:bodyPr/>
-          <a:lstStyle>
-            <a:lvl1pPr marL="0" indent="0">
-              <a:buNone/>
-              <a:defRPr/>
-            </a:lvl1pPr>
-          </a:lstStyle>
-          <a:p>
-            <a:pPr lvl="0"/>
-            <a:r>
-              <a:rPr lang="en-US" dirty="0"/>
-              <a:t>Next Available Tutors</a:t>
-            </a:r>
-          </a:p>
-        </p:txBody>
-      </p:sp>
-      <p:sp>
-        <p:nvSpPr>
-          <p:cNvPr id="4" name="TextBox 3">
-            <a:extLst>
-              <a:ext uri="{FF2B5EF4-FFF2-40B4-BE49-F238E27FC236}">
-                <a16:creationId xmlns:a16="http://schemas.microsoft.com/office/drawing/2014/main" id="{EDCC4D21-1482-4664-B6E6-7D1B64A12C5A}"/>
-              </a:ext>
-            </a:extLst>
-          </p:cNvPr>
-          <p:cNvSpPr txBox="1"/>
-          <p:nvPr userDrawn="1"/>
-        </p:nvSpPr>
-        <p:spPr>
-          <a:xfrm>
-            <a:off x="1700244" y="4058985"/>
-            <a:ext cx="3048000" cy="923330"/>
-          </a:xfrm>
-          <a:prstGeom prst="rect">
-            <a:avLst/>
-          </a:prstGeom>
-          <a:noFill/>
-        </p:spPr>
-        <p:txBody>
-          <a:bodyPr wrap="square" rtlCol="0">
-            <a:spAutoFit/>
-          </a:bodyPr>
-          <a:lstStyle/>
-          <a:p>
-            <a:r>
-              <a:rPr lang="en-US" dirty="0"/>
-              <a:t>Visit </a:t>
-            </a:r>
-            <a:r>
-              <a:rPr lang="en-US" dirty="0" err="1"/>
-              <a:t>NetTutor</a:t>
-            </a:r>
-            <a:r>
-              <a:rPr lang="en-US" dirty="0"/>
-              <a:t> and Butler’s Online Writing Lab for 24/7 Assistance</a:t>
-            </a:r>
-          </a:p>
-        </p:txBody>
-      </p:sp>
-      <p:sp>
-        <p:nvSpPr>
-          <p:cNvPr id="6" name="TutorName">
-            <a:extLst>
-              <a:ext uri="{FF2B5EF4-FFF2-40B4-BE49-F238E27FC236}">
-                <a16:creationId xmlns:a16="http://schemas.microsoft.com/office/drawing/2014/main" id="{8F75C083-BD34-4FF2-8338-BF27885AC258}"/>
-              </a:ext>
-            </a:extLst>
-          </p:cNvPr>
-          <p:cNvSpPr>
-            <a:spLocks noGrp="1"/>
-          </p:cNvSpPr>
-          <p:nvPr>
-            <p:ph type="body" sz="quarter" idx="15" hasCustomPrompt="1"/>
-          </p:nvPr>
-        </p:nvSpPr>
-        <p:spPr>
-          <a:xfrm>
-            <a:off x="1816100" y="1768475"/>
-            <a:ext cx="2536825" cy="487363"/>
-          </a:xfrm>
-        </p:spPr>
-        <p:txBody>
-          <a:bodyPr/>
-          <a:lstStyle>
-            <a:lvl1pPr marL="0" indent="0">
-              <a:buNone/>
-              <a:defRPr/>
-            </a:lvl1pPr>
-          </a:lstStyle>
-          <a:p>
-            <a:pPr lvl="0"/>
-            <a:r>
-              <a:rPr lang="en-US" dirty="0" err="1"/>
-              <a:t>TutorName</a:t>
-            </a:r>
-            <a:endParaRPr lang="en-US" dirty="0"/>
-          </a:p>
-        </p:txBody>
-      </p:sp>
-    </p:spTree>
-    <p:extLst>
-      <p:ext uri="{BB962C8B-B14F-4D97-AF65-F5344CB8AC3E}">
-        <p14:creationId xmlns:p14="http://schemas.microsoft.com/office/powerpoint/2010/main" val="2930913874"/>
       </p:ext>
     </p:extLst>
   </p:cSld>
@@ -4320,7 +4566,7 @@
           <p:nvPr/>
         </p:nvPicPr>
         <p:blipFill rotWithShape="1">
-          <a:blip r:embed="rId15">
+          <a:blip r:embed="rId16">
             <a:extLst>
               <a:ext uri="{28A0092B-C50C-407E-A947-70E740481C1C}">
                 <a14:useLocalDpi xmlns:a14="http://schemas.microsoft.com/office/drawing/2010/main" val="0"/>
@@ -4470,7 +4716,7 @@
             <a:fld id="{48A87A34-81AB-432B-8DAE-1953F412C126}" type="datetimeFigureOut">
               <a:rPr lang="en-US" dirty="0"/>
               <a:pPr/>
-              <a:t>6/30/2020</a:t>
+              <a:t>8/29/2020</a:t>
             </a:fld>
             <a:endParaRPr lang="en-US" dirty="0"/>
           </a:p>
@@ -4601,12 +4847,13 @@
     <p:sldLayoutId id="2147483653" r:id="rId5"/>
     <p:sldLayoutId id="2147483654" r:id="rId6"/>
     <p:sldLayoutId id="2147483655" r:id="rId7"/>
-    <p:sldLayoutId id="2147483660" r:id="rId8"/>
-    <p:sldLayoutId id="2147483661" r:id="rId9"/>
-    <p:sldLayoutId id="2147483656" r:id="rId10"/>
-    <p:sldLayoutId id="2147483657" r:id="rId11"/>
-    <p:sldLayoutId id="2147483658" r:id="rId12"/>
-    <p:sldLayoutId id="2147483659" r:id="rId13"/>
+    <p:sldLayoutId id="2147483662" r:id="rId8"/>
+    <p:sldLayoutId id="2147483660" r:id="rId9"/>
+    <p:sldLayoutId id="2147483661" r:id="rId10"/>
+    <p:sldLayoutId id="2147483656" r:id="rId11"/>
+    <p:sldLayoutId id="2147483657" r:id="rId12"/>
+    <p:sldLayoutId id="2147483658" r:id="rId13"/>
+    <p:sldLayoutId id="2147483659" r:id="rId14"/>
   </p:sldLayoutIdLst>
   <p:transition spd="slow" advClick="0" advTm="10000">
     <p:randomBar dir="vert"/>
@@ -5077,7 +5324,7 @@
 </file>
 
 <file path=ppt/slides/slide10.xml><?xml version="1.0" encoding="utf-8"?>
-<p:sld xmlns:a="http://schemas.openxmlformats.org/drawingml/2006/main" xmlns:r="http://schemas.openxmlformats.org/officeDocument/2006/relationships" xmlns:p="http://schemas.openxmlformats.org/presentationml/2006/main" show="0">
+<p:sld xmlns:a="http://schemas.openxmlformats.org/drawingml/2006/main" xmlns:r="http://schemas.openxmlformats.org/officeDocument/2006/relationships" xmlns:p="http://schemas.openxmlformats.org/presentationml/2006/main">
   <p:cSld>
     <p:spTree>
       <p:nvGrpSpPr>
@@ -5095,42 +5342,106 @@
       </p:grpSpPr>
       <p:sp>
         <p:nvSpPr>
-          <p:cNvPr id="2" name="Title 1"/>
-          <p:cNvSpPr>
-            <a:spLocks noGrp="1"/>
-          </p:cNvSpPr>
-          <p:nvPr>
-            <p:ph type="title"/>
-          </p:nvPr>
-        </p:nvSpPr>
-        <p:spPr/>
-        <p:txBody>
-          <a:bodyPr/>
-          <a:lstStyle/>
-          <a:p>
-            <a:r>
-              <a:rPr lang="en-US" dirty="0"/>
-              <a:t>Study tips!!!</a:t>
-            </a:r>
-          </a:p>
-        </p:txBody>
-      </p:sp>
-      <p:sp>
-        <p:nvSpPr>
-          <p:cNvPr id="3" name="Content Placeholder 2"/>
-          <p:cNvSpPr>
-            <a:spLocks noGrp="1"/>
-          </p:cNvSpPr>
-          <p:nvPr>
-            <p:ph idx="1"/>
-          </p:nvPr>
-        </p:nvSpPr>
-        <p:spPr>
-          <a:xfrm>
-            <a:off x="1451579" y="1974457"/>
-            <a:ext cx="9603275" cy="3450613"/>
-          </a:xfrm>
-        </p:spPr>
+          <p:cNvPr id="2" name="Picture Placeholder 1">
+            <a:extLst>
+              <a:ext uri="{FF2B5EF4-FFF2-40B4-BE49-F238E27FC236}">
+                <a16:creationId xmlns:a16="http://schemas.microsoft.com/office/drawing/2014/main" id="{33CF1ADF-325E-482A-B74A-85176DE6F225}"/>
+              </a:ext>
+            </a:extLst>
+          </p:cNvPr>
+          <p:cNvSpPr>
+            <a:spLocks noGrp="1"/>
+          </p:cNvSpPr>
+          <p:nvPr>
+            <p:ph type="pic" sz="quarter" idx="13"/>
+          </p:nvPr>
+        </p:nvSpPr>
+        <p:spPr/>
+      </p:sp>
+      <p:sp>
+        <p:nvSpPr>
+          <p:cNvPr id="3" name="Text Placeholder 2">
+            <a:extLst>
+              <a:ext uri="{FF2B5EF4-FFF2-40B4-BE49-F238E27FC236}">
+                <a16:creationId xmlns:a16="http://schemas.microsoft.com/office/drawing/2014/main" id="{20D25CCB-BE7A-4367-AB01-E025D22BDD71}"/>
+              </a:ext>
+            </a:extLst>
+          </p:cNvPr>
+          <p:cNvSpPr>
+            <a:spLocks noGrp="1"/>
+          </p:cNvSpPr>
+          <p:nvPr>
+            <p:ph type="body" sz="quarter" idx="14"/>
+          </p:nvPr>
+        </p:nvSpPr>
+        <p:spPr/>
+        <p:txBody>
+          <a:bodyPr>
+            <a:normAutofit fontScale="70000" lnSpcReduction="20000"/>
+          </a:bodyPr>
+          <a:lstStyle/>
+          <a:p>
+            <a:pPr indent="0"/>
+            <a:r>
+              <a:rPr lang="en-US" dirty="0"/>
+              <a:t>Hello! I'm Fabiola </a:t>
+            </a:r>
+            <a:r>
+              <a:rPr lang="en-US" dirty="0" err="1"/>
+              <a:t>Ayarza</a:t>
+            </a:r>
+            <a:r>
+              <a:rPr lang="en-US" dirty="0"/>
+              <a:t>. All my friends call me </a:t>
+            </a:r>
+            <a:r>
+              <a:rPr lang="en-US" dirty="0" err="1"/>
+              <a:t>Fabi</a:t>
+            </a:r>
+            <a:r>
+              <a:rPr lang="en-US" dirty="0"/>
+              <a:t>. I'm 29 years old and from Lima City - Peru (South America). My major is in Human Resources Management. I studied English as a second language at WSU -Intensive English Language Center . </a:t>
+            </a:r>
+            <a:br>
+              <a:rPr lang="en-US" dirty="0"/>
+            </a:br>
+            <a:br>
+              <a:rPr lang="en-US" dirty="0"/>
+            </a:br>
+            <a:r>
+              <a:rPr lang="en-US" dirty="0"/>
+              <a:t>Actually, I'm a tutor in Spanish at Butler in Andover 6000 building. My hobbies are run every morning , dance, listening music , I love to travel!, and have good time with my family and friends. If you need any help with any another class like Public Speaking, Art Appreciation , Info processing system, Fundamental of Management. </a:t>
+            </a:r>
+            <a:br>
+              <a:rPr lang="en-US" dirty="0"/>
+            </a:br>
+            <a:br>
+              <a:rPr lang="en-US" dirty="0"/>
+            </a:br>
+            <a:r>
+              <a:rPr lang="en-US" dirty="0"/>
+              <a:t>I'll be glad to help you! </a:t>
+            </a:r>
+          </a:p>
+        </p:txBody>
+      </p:sp>
+      <p:sp>
+        <p:nvSpPr>
+          <p:cNvPr id="4" name="Text Placeholder 3">
+            <a:extLst>
+              <a:ext uri="{FF2B5EF4-FFF2-40B4-BE49-F238E27FC236}">
+                <a16:creationId xmlns:a16="http://schemas.microsoft.com/office/drawing/2014/main" id="{1A5B1714-42C0-433A-9119-F674E0E5A6B2}"/>
+              </a:ext>
+            </a:extLst>
+          </p:cNvPr>
+          <p:cNvSpPr>
+            <a:spLocks noGrp="1"/>
+          </p:cNvSpPr>
+          <p:nvPr>
+            <p:ph type="body" sz="quarter" idx="15"/>
+          </p:nvPr>
+        </p:nvSpPr>
+        <p:spPr/>
         <p:txBody>
           <a:bodyPr>
             <a:normAutofit fontScale="92500" lnSpcReduction="20000"/>
@@ -5139,147 +5450,48 @@
           <a:p>
             <a:r>
               <a:rPr lang="en-US" dirty="0"/>
-              <a:t>Pick a place and time. Everyone has their own idea about the best place and time to study. </a:t>
-            </a:r>
-          </a:p>
-          <a:p>
-            <a:r>
-              <a:rPr lang="en-US" dirty="0"/>
-              <a:t>Study every day.</a:t>
-            </a:r>
-          </a:p>
-          <a:p>
-            <a:r>
-              <a:rPr lang="en-US" dirty="0"/>
-              <a:t>Plan your time. </a:t>
-            </a:r>
-          </a:p>
-          <a:p>
-            <a:r>
-              <a:rPr lang="en-US" dirty="0"/>
-              <a:t>Discover your learning style. </a:t>
-            </a:r>
-          </a:p>
-          <a:p>
-            <a:r>
-              <a:rPr lang="en-US" dirty="0"/>
-              <a:t>Review and revise. </a:t>
-            </a:r>
-          </a:p>
-          <a:p>
-            <a:r>
-              <a:rPr lang="en-US" dirty="0"/>
-              <a:t>Take breaks. </a:t>
-            </a:r>
-          </a:p>
-          <a:p>
-            <a:r>
-              <a:rPr lang="en-US" dirty="0"/>
-              <a:t>Ask for help. </a:t>
-            </a:r>
-          </a:p>
-          <a:p>
-            <a:r>
-              <a:rPr lang="en-US" dirty="0"/>
-              <a:t>Stay motivated.</a:t>
-            </a:r>
-          </a:p>
-          <a:p>
-            <a:pPr marL="0" indent="0">
-              <a:buNone/>
-            </a:pPr>
+              <a:t>Fabiola </a:t>
+            </a:r>
+            <a:r>
+              <a:rPr lang="en-US" dirty="0" err="1"/>
+              <a:t>Ayarza</a:t>
+            </a:r>
+            <a:r>
+              <a:rPr lang="en-US" dirty="0"/>
+              <a:t> </a:t>
+            </a:r>
+            <a:r>
+              <a:rPr lang="en-US" dirty="0" err="1"/>
+              <a:t>Anorga</a:t>
+            </a:r>
+            <a:r>
+              <a:rPr lang="en-US" dirty="0"/>
+              <a:t> </a:t>
+            </a:r>
+          </a:p>
+          <a:p>
             <a:endParaRPr lang="en-US" dirty="0"/>
-          </a:p>
-        </p:txBody>
-      </p:sp>
-      <p:pic>
-        <p:nvPicPr>
-          <p:cNvPr id="14338" name="Picture 2" descr="Image result for pencil"/>
-          <p:cNvPicPr>
-            <a:picLocks noChangeAspect="1" noChangeArrowheads="1"/>
-          </p:cNvPicPr>
-          <p:nvPr/>
-        </p:nvPicPr>
-        <p:blipFill>
-          <a:blip r:embed="rId2">
-            <a:extLst>
-              <a:ext uri="{28A0092B-C50C-407E-A947-70E740481C1C}">
-                <a14:useLocalDpi xmlns:a14="http://schemas.microsoft.com/office/drawing/2010/main" val="0"/>
-              </a:ext>
-            </a:extLst>
-          </a:blip>
-          <a:srcRect/>
-          <a:stretch>
-            <a:fillRect/>
-          </a:stretch>
-        </p:blipFill>
-        <p:spPr bwMode="auto">
-          <a:xfrm rot="7571616">
-            <a:off x="5512881" y="2303922"/>
-            <a:ext cx="5081444" cy="3719619"/>
-          </a:xfrm>
-          <a:prstGeom prst="rect">
-            <a:avLst/>
-          </a:prstGeom>
-          <a:noFill/>
-          <a:extLst>
-            <a:ext uri="{909E8E84-426E-40DD-AFC4-6F175D3DCCD1}">
-              <a14:hiddenFill xmlns:a14="http://schemas.microsoft.com/office/drawing/2010/main">
-                <a:solidFill>
-                  <a:srgbClr val="FFFFFF"/>
-                </a:solidFill>
-              </a14:hiddenFill>
-            </a:ext>
-          </a:extLst>
-        </p:spPr>
-      </p:pic>
-      <p:sp>
-        <p:nvSpPr>
-          <p:cNvPr id="5" name="TextBox 4"/>
-          <p:cNvSpPr txBox="1"/>
-          <p:nvPr/>
-        </p:nvSpPr>
-        <p:spPr>
-          <a:xfrm>
-            <a:off x="0" y="6642556"/>
-            <a:ext cx="922711" cy="215444"/>
-          </a:xfrm>
-          <a:prstGeom prst="rect">
-            <a:avLst/>
-          </a:prstGeom>
-          <a:noFill/>
-        </p:spPr>
-        <p:txBody>
-          <a:bodyPr wrap="square" rtlCol="0">
-            <a:spAutoFit/>
-          </a:bodyPr>
-          <a:lstStyle/>
-          <a:p>
-            <a:r>
-              <a:rPr lang="en-US" sz="800" dirty="0"/>
-              <a:t>cade was here</a:t>
-            </a:r>
           </a:p>
         </p:txBody>
       </p:sp>
     </p:spTree>
     <p:extLst>
       <p:ext uri="{BB962C8B-B14F-4D97-AF65-F5344CB8AC3E}">
-        <p14:creationId xmlns:p14="http://schemas.microsoft.com/office/powerpoint/2010/main" val="1929952256"/>
+        <p14:creationId xmlns:p14="http://schemas.microsoft.com/office/powerpoint/2010/main" val="1409922597"/>
       </p:ext>
     </p:extLst>
   </p:cSld>
   <p:clrMapOvr>
     <a:masterClrMapping/>
   </p:clrMapOvr>
-  <p:transition spd="slow" advClick="0" advTm="1000">
+  <p:transition spd="slow" advClick="0" advTm="10000">
     <p:randomBar dir="vert"/>
   </p:transition>
 </p:sld>
 </file>
 
 <file path=ppt/slides/slide11.xml><?xml version="1.0" encoding="utf-8"?>
-<p:sld xmlns:a="http://schemas.openxmlformats.org/drawingml/2006/main" xmlns:r="http://schemas.openxmlformats.org/officeDocument/2006/relationships" xmlns:p="http://schemas.openxmlformats.org/presentationml/2006/main" show="0">
+<p:sld xmlns:a="http://schemas.openxmlformats.org/drawingml/2006/main" xmlns:r="http://schemas.openxmlformats.org/officeDocument/2006/relationships" xmlns:p="http://schemas.openxmlformats.org/presentationml/2006/main">
   <p:cSld>
     <p:spTree>
       <p:nvGrpSpPr>
@@ -5297,12 +5509,36 @@
       </p:grpSpPr>
       <p:sp>
         <p:nvSpPr>
-          <p:cNvPr id="2" name="Title 1"/>
-          <p:cNvSpPr>
-            <a:spLocks noGrp="1"/>
-          </p:cNvSpPr>
-          <p:nvPr>
-            <p:ph type="title"/>
+          <p:cNvPr id="2" name="Picture Placeholder 1">
+            <a:extLst>
+              <a:ext uri="{FF2B5EF4-FFF2-40B4-BE49-F238E27FC236}">
+                <a16:creationId xmlns:a16="http://schemas.microsoft.com/office/drawing/2014/main" id="{6A6A0787-7E7B-42C4-BEBA-3965BACB2446}"/>
+              </a:ext>
+            </a:extLst>
+          </p:cNvPr>
+          <p:cNvSpPr>
+            <a:spLocks noGrp="1"/>
+          </p:cNvSpPr>
+          <p:nvPr>
+            <p:ph type="pic" sz="quarter" idx="13"/>
+          </p:nvPr>
+        </p:nvSpPr>
+        <p:spPr/>
+      </p:sp>
+      <p:sp>
+        <p:nvSpPr>
+          <p:cNvPr id="3" name="Text Placeholder 2">
+            <a:extLst>
+              <a:ext uri="{FF2B5EF4-FFF2-40B4-BE49-F238E27FC236}">
+                <a16:creationId xmlns:a16="http://schemas.microsoft.com/office/drawing/2014/main" id="{19128DC5-A90D-441E-A7C8-F00B52ACE41C}"/>
+              </a:ext>
+            </a:extLst>
+          </p:cNvPr>
+          <p:cNvSpPr>
+            <a:spLocks noGrp="1"/>
+          </p:cNvSpPr>
+          <p:nvPr>
+            <p:ph type="body" sz="quarter" idx="14"/>
           </p:nvPr>
         </p:nvSpPr>
         <p:spPr/>
@@ -5312,136 +5548,70 @@
           <a:p>
             <a:r>
               <a:rPr lang="en-US" dirty="0"/>
-              <a:t>Meet our tutors</a:t>
-            </a:r>
-          </a:p>
-        </p:txBody>
-      </p:sp>
-      <p:sp>
-        <p:nvSpPr>
-          <p:cNvPr id="4" name="Rectangle 3"/>
-          <p:cNvSpPr/>
-          <p:nvPr/>
-        </p:nvSpPr>
-        <p:spPr>
-          <a:xfrm>
-            <a:off x="4656124" y="1853754"/>
-            <a:ext cx="5327823" cy="1754326"/>
-          </a:xfrm>
-          <a:prstGeom prst="rect">
-            <a:avLst/>
-          </a:prstGeom>
-        </p:spPr>
-        <p:txBody>
-          <a:bodyPr wrap="square">
-            <a:spAutoFit/>
+              <a:t>I am originally from Wichita, Ks. I have recently moved back to Kansas to be closer to family after my husband finished his </a:t>
+            </a:r>
+            <a:r>
+              <a:rPr lang="en-US" dirty="0" err="1"/>
+              <a:t>Chiropratic</a:t>
+            </a:r>
+            <a:r>
+              <a:rPr lang="en-US" dirty="0"/>
+              <a:t> program in Texas. We have 2 Labrador Retrievers , 1 Great Dane puppy, and two cats. I am the second to last child out of seven children. Most of my family lives in Wichita, Ks.</a:t>
+            </a:r>
+          </a:p>
+        </p:txBody>
+      </p:sp>
+      <p:sp>
+        <p:nvSpPr>
+          <p:cNvPr id="4" name="Text Placeholder 3">
+            <a:extLst>
+              <a:ext uri="{FF2B5EF4-FFF2-40B4-BE49-F238E27FC236}">
+                <a16:creationId xmlns:a16="http://schemas.microsoft.com/office/drawing/2014/main" id="{E9445415-6F4B-4C78-ACE7-B86F3E98EF66}"/>
+              </a:ext>
+            </a:extLst>
+          </p:cNvPr>
+          <p:cNvSpPr>
+            <a:spLocks noGrp="1"/>
+          </p:cNvSpPr>
+          <p:nvPr>
+            <p:ph type="body" sz="quarter" idx="15"/>
+          </p:nvPr>
+        </p:nvSpPr>
+        <p:spPr/>
+        <p:txBody>
+          <a:bodyPr>
+            <a:normAutofit fontScale="92500" lnSpcReduction="20000"/>
           </a:bodyPr>
           <a:lstStyle/>
           <a:p>
             <a:r>
               <a:rPr lang="en-US" dirty="0"/>
-              <a:t>Red Green</a:t>
+              <a:t>Kelly Brown</a:t>
             </a:r>
           </a:p>
           <a:p>
             <a:endParaRPr lang="en-US" dirty="0"/>
-          </a:p>
-          <a:p>
-            <a:r>
-              <a:rPr lang="en-US" dirty="0"/>
-              <a:t>I love Colorado and my dream is to work to conserve wildlife for future generations to enjoy. I enjoy alcoholic beverages mixed with melancholy and can be found on campus doing Ms. Z’s bidding. </a:t>
-            </a:r>
-          </a:p>
-        </p:txBody>
-      </p:sp>
-      <p:pic>
-        <p:nvPicPr>
-          <p:cNvPr id="15362" name="Picture 2" descr="Image preview"/>
-          <p:cNvPicPr>
-            <a:picLocks noChangeAspect="1" noChangeArrowheads="1"/>
-          </p:cNvPicPr>
-          <p:nvPr/>
-        </p:nvPicPr>
-        <p:blipFill>
-          <a:blip r:embed="rId2">
-            <a:extLst>
-              <a:ext uri="{28A0092B-C50C-407E-A947-70E740481C1C}">
-                <a14:useLocalDpi xmlns:a14="http://schemas.microsoft.com/office/drawing/2010/main" val="0"/>
-              </a:ext>
-            </a:extLst>
-          </a:blip>
-          <a:srcRect/>
-          <a:stretch>
-            <a:fillRect/>
-          </a:stretch>
-        </p:blipFill>
-        <p:spPr bwMode="auto">
-          <a:xfrm>
-            <a:off x="1451580" y="1853754"/>
-            <a:ext cx="3204544" cy="4272726"/>
-          </a:xfrm>
-          <a:prstGeom prst="rect">
-            <a:avLst/>
-          </a:prstGeom>
-          <a:noFill/>
-          <a:extLst>
-            <a:ext uri="{909E8E84-426E-40DD-AFC4-6F175D3DCCD1}">
-              <a14:hiddenFill xmlns:a14="http://schemas.microsoft.com/office/drawing/2010/main">
-                <a:solidFill>
-                  <a:srgbClr val="FFFFFF"/>
-                </a:solidFill>
-              </a14:hiddenFill>
-            </a:ext>
-          </a:extLst>
-        </p:spPr>
-      </p:pic>
-      <p:sp>
-        <p:nvSpPr>
-          <p:cNvPr id="5" name="TextBox 4"/>
-          <p:cNvSpPr txBox="1"/>
-          <p:nvPr/>
-        </p:nvSpPr>
-        <p:spPr>
-          <a:xfrm>
-            <a:off x="0" y="6642556"/>
-            <a:ext cx="922711" cy="215444"/>
-          </a:xfrm>
-          <a:prstGeom prst="rect">
-            <a:avLst/>
-          </a:prstGeom>
-          <a:noFill/>
-        </p:spPr>
-        <p:txBody>
-          <a:bodyPr wrap="square" rtlCol="0">
-            <a:spAutoFit/>
-          </a:bodyPr>
-          <a:lstStyle/>
-          <a:p>
-            <a:r>
-              <a:rPr lang="en-US" sz="800" dirty="0"/>
-              <a:t>cade was here</a:t>
-            </a:r>
           </a:p>
         </p:txBody>
       </p:sp>
     </p:spTree>
     <p:extLst>
       <p:ext uri="{BB962C8B-B14F-4D97-AF65-F5344CB8AC3E}">
-        <p14:creationId xmlns:p14="http://schemas.microsoft.com/office/powerpoint/2010/main" val="3627445823"/>
+        <p14:creationId xmlns:p14="http://schemas.microsoft.com/office/powerpoint/2010/main" val="1242185628"/>
       </p:ext>
     </p:extLst>
   </p:cSld>
   <p:clrMapOvr>
     <a:masterClrMapping/>
   </p:clrMapOvr>
-  <p:transition spd="slow" advClick="0" advTm="1000">
+  <p:transition spd="slow" advClick="0" advTm="10000">
     <p:randomBar dir="vert"/>
   </p:transition>
 </p:sld>
 </file>
 
 <file path=ppt/slides/slide12.xml><?xml version="1.0" encoding="utf-8"?>
-<p:sld xmlns:a="http://schemas.openxmlformats.org/drawingml/2006/main" xmlns:r="http://schemas.openxmlformats.org/officeDocument/2006/relationships" xmlns:p="http://schemas.openxmlformats.org/presentationml/2006/main" show="0">
+<p:sld xmlns:a="http://schemas.openxmlformats.org/drawingml/2006/main" xmlns:r="http://schemas.openxmlformats.org/officeDocument/2006/relationships" xmlns:p="http://schemas.openxmlformats.org/presentationml/2006/main">
   <p:cSld>
     <p:spTree>
       <p:nvGrpSpPr>
@@ -5459,12 +5629,36 @@
       </p:grpSpPr>
       <p:sp>
         <p:nvSpPr>
-          <p:cNvPr id="2" name="Title 1"/>
-          <p:cNvSpPr>
-            <a:spLocks noGrp="1"/>
-          </p:cNvSpPr>
-          <p:nvPr>
-            <p:ph type="title"/>
+          <p:cNvPr id="2" name="Picture Placeholder 1">
+            <a:extLst>
+              <a:ext uri="{FF2B5EF4-FFF2-40B4-BE49-F238E27FC236}">
+                <a16:creationId xmlns:a16="http://schemas.microsoft.com/office/drawing/2014/main" id="{04AC9B43-EDC0-4ED7-85B0-863FABDE2227}"/>
+              </a:ext>
+            </a:extLst>
+          </p:cNvPr>
+          <p:cNvSpPr>
+            <a:spLocks noGrp="1"/>
+          </p:cNvSpPr>
+          <p:nvPr>
+            <p:ph type="pic" sz="quarter" idx="13"/>
+          </p:nvPr>
+        </p:nvSpPr>
+        <p:spPr/>
+      </p:sp>
+      <p:sp>
+        <p:nvSpPr>
+          <p:cNvPr id="3" name="Text Placeholder 2">
+            <a:extLst>
+              <a:ext uri="{FF2B5EF4-FFF2-40B4-BE49-F238E27FC236}">
+                <a16:creationId xmlns:a16="http://schemas.microsoft.com/office/drawing/2014/main" id="{31FF4BC2-F24A-4693-935E-555A001D3644}"/>
+              </a:ext>
+            </a:extLst>
+          </p:cNvPr>
+          <p:cNvSpPr>
+            <a:spLocks noGrp="1"/>
+          </p:cNvSpPr>
+          <p:nvPr>
+            <p:ph type="body" sz="quarter" idx="14"/>
           </p:nvPr>
         </p:nvSpPr>
         <p:spPr/>
@@ -5474,124 +5668,37 @@
           <a:p>
             <a:r>
               <a:rPr lang="en-US" dirty="0"/>
-              <a:t>Meet our tutors</a:t>
-            </a:r>
-          </a:p>
-        </p:txBody>
-      </p:sp>
-      <p:pic>
-        <p:nvPicPr>
-          <p:cNvPr id="3074" name="Picture 2" descr="https://attachments.office.net/owa/cmcgill1%40butlercc.edu/service.svc/s/GetAttachmentThumbnail?id=AAMkAGUxMmM3YzVkLTFlYTMtNGRiMS1iNzJjLWM5NDUwY2E1NGNjZgBGAAAAAACfS%2F7hQdtDSYcbJjpSD%2FvgBwA%2FQB3Mk8jwTprctT6VzHEZAAAAAAEMAAA%2FQB3Mk8jwTprctT6VzHEZAAHRYiEiAAABEgAQAE8cvIObqx9NiDL4vPFHuFg%3D&amp;thumbnailType=2&amp;owa=outlook.office365.com&amp;scriptVer=2020030202.19&amp;X-OWA-CANARY=wU3XLFn110ap7rzI3CoURyCX6U46xdcYnk9Ip2CQssoyYqWCYshcUTtHpSex9Vg6WyybD9f0TCk.&amp;token=eyJhbGciOiJSUzI1NiIsImtpZCI6IjU2MzU4ODUyMzRCOTI1MkRERTAwNTc2NkQ5RDlGMjc2NTY1RjYzRTIiLCJ4NXQiOiJWaldJVWpTNUpTM2VBRmRtMmRueWRsWmZZLUkiLCJ0eXAiOiJKV1QifQ.eyJvcmlnaW4iOiJodHRwczovL291dGxvb2sub2ZmaWNlMzY1LmNvbSIsInZlciI6IkV4Y2hhbmdlLkNhbGxiYWNrLlYxIiwiYXBwY3R4c2VuZGVyIjoiT3dhRG93bmxvYWRAYjBjNmM2ODctYTc0MC00MzVlLTkzNjItMDk1YjAzN2QyNDQzIiwiaXNzcmluZyI6IldXIiwiYXBwY3R4Ijoie1wibXNleGNocHJvdFwiOlwib3dhXCIsXCJwcmltYXJ5c2lkXCI6XCJTLTEtNS0yMS0xNjgwNjYxMDktNDA1NjQ0NzE2LTI2MjI2MzQ1NjgtMjI4NTc0NjJcIixcInB1aWRcIjpcIjExNTM5MDY2NjEyNzczOTAzMDVcIixcIm9pZFwiOlwiYWQ2OGFkNGEtN2VkZi00NjNjLWJhMWEtOWEyNDc0MmU4MzBiXCIsXCJzY29wZVwiOlwiT3dhRG93bmxvYWRcIn0iLCJuYmYiOjE1ODM4NzU4MzAsImV4cCI6MTU4Mzg3NjQzMCwiaXNzIjoiMDAwMDAwMDItMDAwMC0wZmYxLWNlMDAtMDAwMDAwMDAwMDAwQGIwYzZjNjg3LWE3NDAtNDM1ZS05MzYyLTA5NWIwMzdkMjQ0MyIsImF1ZCI6IjAwMDAwMDAyLTAwMDAtMGZmMS1jZTAwLTAwMDAwMDAwMDAwMC9hdHRhY2htZW50cy5vZmZpY2UubmV0QGIwYzZjNjg3LWE3NDAtNDM1ZS05MzYyLTA5NWIwMzdkMjQ0MyJ9.k3qpRHrgiFsx3Pxyk9phACrMe7qUuQCtEpaTW6Zi64uO2kWkovaz-3zPd3z1d749lkQAP5oeLsByPEq7B6EH1xYidK6adAOuhDm0LdBYNyFSiO9YOhsDdKKxMryFU1cX6cbTFp5HkIBhNC101NC69XjtV6DEHwR9LBxbSfZSHhLaEWfVmVlgaAsjEvZIWWzgvruYf4l3Hldx2-GOFVpVeV7IeVZAtEdACArhzcSvdHAWE0tj3Ot03XwscKGT_Y56iOTh0z3HRHhQnxBQ8d2TBzxvoV_mGxJLVB8OxNM4CmWc-zG70VHW6Wsf5QAdQ7dd66CzeckF-ez0SzQd-HNYoQ&amp;animation=true"/>
-          <p:cNvPicPr>
-            <a:picLocks noChangeAspect="1" noChangeArrowheads="1"/>
-          </p:cNvPicPr>
-          <p:nvPr/>
-        </p:nvPicPr>
-        <p:blipFill>
-          <a:blip r:embed="rId2">
-            <a:extLst>
-              <a:ext uri="{28A0092B-C50C-407E-A947-70E740481C1C}">
-                <a14:useLocalDpi xmlns:a14="http://schemas.microsoft.com/office/drawing/2010/main" val="0"/>
-              </a:ext>
-            </a:extLst>
-          </a:blip>
-          <a:srcRect/>
-          <a:stretch>
-            <a:fillRect/>
-          </a:stretch>
-        </p:blipFill>
-        <p:spPr bwMode="auto">
-          <a:xfrm>
-            <a:off x="1451578" y="1853754"/>
-            <a:ext cx="4455865" cy="4274330"/>
-          </a:xfrm>
-          <a:prstGeom prst="rect">
-            <a:avLst/>
-          </a:prstGeom>
-          <a:noFill/>
-          <a:extLst>
-            <a:ext uri="{909E8E84-426E-40DD-AFC4-6F175D3DCCD1}">
-              <a14:hiddenFill xmlns:a14="http://schemas.microsoft.com/office/drawing/2010/main">
-                <a:solidFill>
-                  <a:srgbClr val="FFFFFF"/>
-                </a:solidFill>
-              </a14:hiddenFill>
-            </a:ext>
-          </a:extLst>
-        </p:spPr>
-      </p:pic>
-      <p:sp>
-        <p:nvSpPr>
-          <p:cNvPr id="6" name="TextBox 5"/>
-          <p:cNvSpPr txBox="1"/>
-          <p:nvPr/>
-        </p:nvSpPr>
-        <p:spPr>
-          <a:xfrm>
-            <a:off x="5907443" y="1853754"/>
-            <a:ext cx="5147411" cy="2308324"/>
-          </a:xfrm>
-          <a:prstGeom prst="rect">
-            <a:avLst/>
-          </a:prstGeom>
-          <a:noFill/>
-        </p:spPr>
-        <p:txBody>
-          <a:bodyPr wrap="square" rtlCol="0">
-            <a:spAutoFit/>
+              <a:t>Hey, I'm Asher. I'm 18 and pursuing a degree in Pre-Engineering. I hope to then go on and receive a Mechanical Engineering degree from K-State. While I'm not in class, I can be found outdoors or at Butler In the tutor lab.</a:t>
+            </a:r>
+          </a:p>
+        </p:txBody>
+      </p:sp>
+      <p:sp>
+        <p:nvSpPr>
+          <p:cNvPr id="4" name="Text Placeholder 3">
+            <a:extLst>
+              <a:ext uri="{FF2B5EF4-FFF2-40B4-BE49-F238E27FC236}">
+                <a16:creationId xmlns:a16="http://schemas.microsoft.com/office/drawing/2014/main" id="{50D27C50-69EA-43E1-9288-A7608B790C7C}"/>
+              </a:ext>
+            </a:extLst>
+          </p:cNvPr>
+          <p:cNvSpPr>
+            <a:spLocks noGrp="1"/>
+          </p:cNvSpPr>
+          <p:nvPr>
+            <p:ph type="body" sz="quarter" idx="15"/>
+          </p:nvPr>
+        </p:nvSpPr>
+        <p:spPr/>
+        <p:txBody>
+          <a:bodyPr>
+            <a:normAutofit fontScale="92500" lnSpcReduction="10000"/>
           </a:bodyPr>
           <a:lstStyle/>
           <a:p>
             <a:r>
               <a:rPr lang="en-US" dirty="0"/>
-              <a:t>Cade McGill</a:t>
-            </a:r>
-          </a:p>
-          <a:p>
-            <a:endParaRPr lang="en-US" dirty="0"/>
-          </a:p>
-          <a:p>
-            <a:r>
-              <a:rPr lang="en-US" dirty="0"/>
-              <a:t>My name is Cade McGill and I am a first year Industrial Engineering major. I enjoy eating guacamole and playing chess in my free time. </a:t>
-            </a:r>
-          </a:p>
-          <a:p>
-            <a:br>
-              <a:rPr lang="en-US" dirty="0"/>
-            </a:br>
-            <a:endParaRPr lang="en-US" dirty="0"/>
-          </a:p>
-          <a:p>
-            <a:endParaRPr lang="en-US" dirty="0"/>
-          </a:p>
-        </p:txBody>
-      </p:sp>
-      <p:sp>
-        <p:nvSpPr>
-          <p:cNvPr id="5" name="TextBox 4"/>
-          <p:cNvSpPr txBox="1"/>
-          <p:nvPr/>
-        </p:nvSpPr>
-        <p:spPr>
-          <a:xfrm>
-            <a:off x="0" y="6642556"/>
-            <a:ext cx="1318846" cy="215444"/>
-          </a:xfrm>
-          <a:prstGeom prst="rect">
-            <a:avLst/>
-          </a:prstGeom>
-          <a:noFill/>
-        </p:spPr>
-        <p:txBody>
-          <a:bodyPr wrap="square" rtlCol="0">
-            <a:spAutoFit/>
-          </a:bodyPr>
-          <a:lstStyle/>
-          <a:p>
-            <a:r>
-              <a:rPr lang="en-US" sz="800" dirty="0"/>
-              <a:t>cade was here, or was he?</a:t>
+              <a:t>Asher Cole</a:t>
             </a:r>
           </a:p>
         </p:txBody>
@@ -5599,21 +5706,21 @@
     </p:spTree>
     <p:extLst>
       <p:ext uri="{BB962C8B-B14F-4D97-AF65-F5344CB8AC3E}">
-        <p14:creationId xmlns:p14="http://schemas.microsoft.com/office/powerpoint/2010/main" val="3100309910"/>
+        <p14:creationId xmlns:p14="http://schemas.microsoft.com/office/powerpoint/2010/main" val="277781151"/>
       </p:ext>
     </p:extLst>
   </p:cSld>
   <p:clrMapOvr>
     <a:masterClrMapping/>
   </p:clrMapOvr>
-  <p:transition spd="slow" advClick="0" advTm="1000">
+  <p:transition spd="slow" advClick="0" advTm="10000">
     <p:randomBar dir="vert"/>
   </p:transition>
 </p:sld>
 </file>
 
 <file path=ppt/slides/slide13.xml><?xml version="1.0" encoding="utf-8"?>
-<p:sld xmlns:a="http://schemas.openxmlformats.org/drawingml/2006/main" xmlns:r="http://schemas.openxmlformats.org/officeDocument/2006/relationships" xmlns:p="http://schemas.openxmlformats.org/presentationml/2006/main" show="0">
+<p:sld xmlns:a="http://schemas.openxmlformats.org/drawingml/2006/main" xmlns:r="http://schemas.openxmlformats.org/officeDocument/2006/relationships" xmlns:p="http://schemas.openxmlformats.org/presentationml/2006/main">
   <p:cSld>
     <p:spTree>
       <p:nvGrpSpPr>
@@ -5631,129 +5738,93 @@
       </p:grpSpPr>
       <p:sp>
         <p:nvSpPr>
-          <p:cNvPr id="2" name="Title 1"/>
-          <p:cNvSpPr>
-            <a:spLocks noGrp="1"/>
-          </p:cNvSpPr>
-          <p:nvPr>
-            <p:ph type="title"/>
-          </p:nvPr>
-        </p:nvSpPr>
-        <p:spPr/>
-        <p:txBody>
-          <a:bodyPr/>
-          <a:lstStyle/>
-          <a:p>
-            <a:r>
-              <a:rPr lang="en-US" dirty="0"/>
-              <a:t>Meet our tutors</a:t>
-            </a:r>
-          </a:p>
-        </p:txBody>
-      </p:sp>
-      <p:sp>
-        <p:nvSpPr>
-          <p:cNvPr id="4" name="Rectangle 3"/>
-          <p:cNvSpPr/>
-          <p:nvPr/>
-        </p:nvSpPr>
-        <p:spPr>
-          <a:xfrm>
-            <a:off x="6096000" y="1853754"/>
-            <a:ext cx="4958854" cy="3139321"/>
-          </a:xfrm>
-          <a:prstGeom prst="rect">
-            <a:avLst/>
-          </a:prstGeom>
-        </p:spPr>
-        <p:txBody>
-          <a:bodyPr wrap="square">
-            <a:spAutoFit/>
+          <p:cNvPr id="2" name="Picture Placeholder 1">
+            <a:extLst>
+              <a:ext uri="{FF2B5EF4-FFF2-40B4-BE49-F238E27FC236}">
+                <a16:creationId xmlns:a16="http://schemas.microsoft.com/office/drawing/2014/main" id="{6E17B6B2-92DF-40FA-94CF-5BBE06BF8CD8}"/>
+              </a:ext>
+            </a:extLst>
+          </p:cNvPr>
+          <p:cNvSpPr>
+            <a:spLocks noGrp="1"/>
+          </p:cNvSpPr>
+          <p:nvPr>
+            <p:ph type="pic" sz="quarter" idx="13"/>
+          </p:nvPr>
+        </p:nvSpPr>
+        <p:spPr/>
+      </p:sp>
+      <p:sp>
+        <p:nvSpPr>
+          <p:cNvPr id="3" name="Text Placeholder 2">
+            <a:extLst>
+              <a:ext uri="{FF2B5EF4-FFF2-40B4-BE49-F238E27FC236}">
+                <a16:creationId xmlns:a16="http://schemas.microsoft.com/office/drawing/2014/main" id="{DF5B69C9-7CDE-45C5-B31E-687516F70073}"/>
+              </a:ext>
+            </a:extLst>
+          </p:cNvPr>
+          <p:cNvSpPr>
+            <a:spLocks noGrp="1"/>
+          </p:cNvSpPr>
+          <p:nvPr>
+            <p:ph type="body" sz="quarter" idx="14"/>
+          </p:nvPr>
+        </p:nvSpPr>
+        <p:spPr/>
+        <p:txBody>
+          <a:bodyPr>
+            <a:normAutofit fontScale="85000" lnSpcReduction="20000"/>
           </a:bodyPr>
           <a:lstStyle/>
           <a:p>
             <a:r>
               <a:rPr lang="en-US" dirty="0"/>
-              <a:t>Kassidy Bratton</a:t>
-            </a:r>
-          </a:p>
-          <a:p>
-            <a:endParaRPr lang="en-US" dirty="0"/>
-          </a:p>
-          <a:p>
-            <a:r>
-              <a:rPr lang="en-US" dirty="0"/>
-              <a:t>Hi! I am Kassidy Bratton, a tutor ambassador in Andover currently studying Elementary Education. After Butler, I plan on finishing my degree at Wichita State in order to get my teaching license and become a kindergarten teacher. In my free time I love volunteering with kids, playing with my dog, baking, and hanging out with close friends and family. It has always been a passion of mine to help others and this position allows me to do it often!</a:t>
-            </a:r>
-          </a:p>
-        </p:txBody>
-      </p:sp>
-      <p:pic>
-        <p:nvPicPr>
-          <p:cNvPr id="4098" name="Picture 2" descr="https://attachments.office.net/owa/cmcgill1%40butlercc.edu/service.svc/s/GetAttachmentThumbnail?id=AAMkAGUxMmM3YzVkLTFlYTMtNGRiMS1iNzJjLWM5NDUwY2E1NGNjZgBGAAAAAACfS%2F7hQdtDSYcbJjpSD%2FvgBwA%2FQB3Mk8jwTprctT6VzHEZAAAAAAEMAAA%2FQB3Mk8jwTprctT6VzHEZAAHRYiEiAAABEgAQAIR55UE8cmNOi5JpV%2FxV1Ds%3D&amp;thumbnailType=2&amp;owa=outlook.office365.com&amp;scriptVer=2020030202.19&amp;X-OWA-CANARY=wU3XLFn110ap7rzI3CoURyCX6U46xdcYnk9Ip2CQssoyYqWCYshcUTtHpSex9Vg6WyybD9f0TCk.&amp;token=eyJhbGciOiJSUzI1NiIsImtpZCI6IjU2MzU4ODUyMzRCOTI1MkRERTAwNTc2NkQ5RDlGMjc2NTY1RjYzRTIiLCJ4NXQiOiJWaldJVWpTNUpTM2VBRmRtMmRueWRsWmZZLUkiLCJ0eXAiOiJKV1QifQ.eyJvcmlnaW4iOiJodHRwczovL291dGxvb2sub2ZmaWNlMzY1LmNvbSIsInZlciI6IkV4Y2hhbmdlLkNhbGxiYWNrLlYxIiwiYXBwY3R4c2VuZGVyIjoiT3dhRG93bmxvYWRAYjBjNmM2ODctYTc0MC00MzVlLTkzNjItMDk1YjAzN2QyNDQzIiwiaXNzcmluZyI6IldXIiwiYXBwY3R4Ijoie1wibXNleGNocHJvdFwiOlwib3dhXCIsXCJwcmltYXJ5c2lkXCI6XCJTLTEtNS0yMS0xNjgwNjYxMDktNDA1NjQ0NzE2LTI2MjI2MzQ1NjgtMjI4NTc0NjJcIixcInB1aWRcIjpcIjExNTM5MDY2NjEyNzczOTAzMDVcIixcIm9pZFwiOlwiYWQ2OGFkNGEtN2VkZi00NjNjLWJhMWEtOWEyNDc0MmU4MzBiXCIsXCJzY29wZVwiOlwiT3dhRG93bmxvYWRcIn0iLCJuYmYiOjE1ODM4NzU4MzAsImV4cCI6MTU4Mzg3NjQzMCwiaXNzIjoiMDAwMDAwMDItMDAwMC0wZmYxLWNlMDAtMDAwMDAwMDAwMDAwQGIwYzZjNjg3LWE3NDAtNDM1ZS05MzYyLTA5NWIwMzdkMjQ0MyIsImF1ZCI6IjAwMDAwMDAyLTAwMDAtMGZmMS1jZTAwLTAwMDAwMDAwMDAwMC9hdHRhY2htZW50cy5vZmZpY2UubmV0QGIwYzZjNjg3LWE3NDAtNDM1ZS05MzYyLTA5NWIwMzdkMjQ0MyJ9.k3qpRHrgiFsx3Pxyk9phACrMe7qUuQCtEpaTW6Zi64uO2kWkovaz-3zPd3z1d749lkQAP5oeLsByPEq7B6EH1xYidK6adAOuhDm0LdBYNyFSiO9YOhsDdKKxMryFU1cX6cbTFp5HkIBhNC101NC69XjtV6DEHwR9LBxbSfZSHhLaEWfVmVlgaAsjEvZIWWzgvruYf4l3Hldx2-GOFVpVeV7IeVZAtEdACArhzcSvdHAWE0tj3Ot03XwscKGT_Y56iOTh0z3HRHhQnxBQ8d2TBzxvoV_mGxJLVB8OxNM4CmWc-zG70VHW6Wsf5QAdQ7dd66CzeckF-ez0SzQd-HNYoQ&amp;animation=true"/>
-          <p:cNvPicPr>
-            <a:picLocks noChangeAspect="1" noChangeArrowheads="1"/>
-          </p:cNvPicPr>
-          <p:nvPr/>
-        </p:nvPicPr>
-        <p:blipFill>
-          <a:blip r:embed="rId2">
-            <a:extLst>
-              <a:ext uri="{28A0092B-C50C-407E-A947-70E740481C1C}">
-                <a14:useLocalDpi xmlns:a14="http://schemas.microsoft.com/office/drawing/2010/main" val="0"/>
-              </a:ext>
-            </a:extLst>
-          </a:blip>
-          <a:srcRect/>
-          <a:stretch>
-            <a:fillRect/>
-          </a:stretch>
-        </p:blipFill>
-        <p:spPr bwMode="auto">
-          <a:xfrm>
-            <a:off x="1451578" y="1853754"/>
-            <a:ext cx="4692547" cy="3519410"/>
-          </a:xfrm>
-          <a:prstGeom prst="rect">
-            <a:avLst/>
-          </a:prstGeom>
-          <a:noFill/>
-          <a:extLst>
-            <a:ext uri="{909E8E84-426E-40DD-AFC4-6F175D3DCCD1}">
-              <a14:hiddenFill xmlns:a14="http://schemas.microsoft.com/office/drawing/2010/main">
-                <a:solidFill>
-                  <a:srgbClr val="FFFFFF"/>
-                </a:solidFill>
-              </a14:hiddenFill>
-            </a:ext>
-          </a:extLst>
-        </p:spPr>
-      </p:pic>
-      <p:sp>
-        <p:nvSpPr>
-          <p:cNvPr id="5" name="TextBox 4"/>
-          <p:cNvSpPr txBox="1"/>
-          <p:nvPr/>
-        </p:nvSpPr>
-        <p:spPr>
-          <a:xfrm>
-            <a:off x="0" y="6642556"/>
-            <a:ext cx="922711" cy="215444"/>
-          </a:xfrm>
-          <a:prstGeom prst="rect">
-            <a:avLst/>
-          </a:prstGeom>
-          <a:noFill/>
-        </p:spPr>
-        <p:txBody>
-          <a:bodyPr wrap="square" rtlCol="0">
-            <a:spAutoFit/>
+              <a:t>I had taught high school mathematics along with coaching basketball and football for 19 years before joining the Butler Family. I truly enjoy the excitement in a student's eyes and voice when they are able to understand Algebra and see that there wasn't as much to fear as they thought.</a:t>
+            </a:r>
+            <a:br>
+              <a:rPr lang="en-US" dirty="0"/>
+            </a:br>
+            <a:r>
+              <a:rPr lang="en-US" dirty="0"/>
+              <a:t>When I am not teaching math, I enjoy watching any sports team that resides in Missouri, especially the MU Tigers. Although, if you can't find me on campus (or the virtual lab) and there isn't a game on tv, then you will find me on the golf course.</a:t>
+            </a:r>
+          </a:p>
+        </p:txBody>
+      </p:sp>
+      <p:sp>
+        <p:nvSpPr>
+          <p:cNvPr id="4" name="Text Placeholder 3">
+            <a:extLst>
+              <a:ext uri="{FF2B5EF4-FFF2-40B4-BE49-F238E27FC236}">
+                <a16:creationId xmlns:a16="http://schemas.microsoft.com/office/drawing/2014/main" id="{6E3D2BDE-E3D9-4E79-B6CD-24DD5F05A820}"/>
+              </a:ext>
+            </a:extLst>
+          </p:cNvPr>
+          <p:cNvSpPr>
+            <a:spLocks noGrp="1"/>
+          </p:cNvSpPr>
+          <p:nvPr>
+            <p:ph type="body" sz="quarter" idx="15"/>
+          </p:nvPr>
+        </p:nvSpPr>
+        <p:spPr/>
+        <p:txBody>
+          <a:bodyPr>
+            <a:normAutofit fontScale="92500" lnSpcReduction="10000"/>
           </a:bodyPr>
           <a:lstStyle/>
           <a:p>
             <a:r>
-              <a:rPr lang="en-US" sz="800" dirty="0"/>
-              <a:t>cade was here</a:t>
+              <a:rPr lang="en-US" dirty="0"/>
+              <a:t>Mark </a:t>
+            </a:r>
+            <a:r>
+              <a:rPr lang="en-US" dirty="0" err="1"/>
+              <a:t>McNemee</a:t>
+            </a:r>
+            <a:r>
+              <a:rPr lang="en-US" dirty="0"/>
+              <a:t> </a:t>
             </a:r>
           </a:p>
         </p:txBody>
@@ -5761,21 +5832,21 @@
     </p:spTree>
     <p:extLst>
       <p:ext uri="{BB962C8B-B14F-4D97-AF65-F5344CB8AC3E}">
-        <p14:creationId xmlns:p14="http://schemas.microsoft.com/office/powerpoint/2010/main" val="410939818"/>
+        <p14:creationId xmlns:p14="http://schemas.microsoft.com/office/powerpoint/2010/main" val="3588907127"/>
       </p:ext>
     </p:extLst>
   </p:cSld>
   <p:clrMapOvr>
     <a:masterClrMapping/>
   </p:clrMapOvr>
-  <p:transition spd="slow" advClick="0" advTm="1000">
+  <p:transition spd="slow" advClick="0" advTm="10000">
     <p:randomBar dir="vert"/>
   </p:transition>
 </p:sld>
 </file>
 
 <file path=ppt/slides/slide14.xml><?xml version="1.0" encoding="utf-8"?>
-<p:sld xmlns:a="http://schemas.openxmlformats.org/drawingml/2006/main" xmlns:r="http://schemas.openxmlformats.org/officeDocument/2006/relationships" xmlns:p="http://schemas.openxmlformats.org/presentationml/2006/main" show="0">
+<p:sld xmlns:a="http://schemas.openxmlformats.org/drawingml/2006/main" xmlns:r="http://schemas.openxmlformats.org/officeDocument/2006/relationships" xmlns:p="http://schemas.openxmlformats.org/presentationml/2006/main">
   <p:cSld>
     <p:spTree>
       <p:nvGrpSpPr>
@@ -5793,12 +5864,36 @@
       </p:grpSpPr>
       <p:sp>
         <p:nvSpPr>
-          <p:cNvPr id="2" name="Title 1"/>
-          <p:cNvSpPr>
-            <a:spLocks noGrp="1"/>
-          </p:cNvSpPr>
-          <p:nvPr>
-            <p:ph type="title"/>
+          <p:cNvPr id="2" name="Picture Placeholder 1">
+            <a:extLst>
+              <a:ext uri="{FF2B5EF4-FFF2-40B4-BE49-F238E27FC236}">
+                <a16:creationId xmlns:a16="http://schemas.microsoft.com/office/drawing/2014/main" id="{00F1C0B6-8A8B-4D43-9A9A-991217F64504}"/>
+              </a:ext>
+            </a:extLst>
+          </p:cNvPr>
+          <p:cNvSpPr>
+            <a:spLocks noGrp="1"/>
+          </p:cNvSpPr>
+          <p:nvPr>
+            <p:ph type="pic" sz="quarter" idx="13"/>
+          </p:nvPr>
+        </p:nvSpPr>
+        <p:spPr/>
+      </p:sp>
+      <p:sp>
+        <p:nvSpPr>
+          <p:cNvPr id="3" name="Text Placeholder 2">
+            <a:extLst>
+              <a:ext uri="{FF2B5EF4-FFF2-40B4-BE49-F238E27FC236}">
+                <a16:creationId xmlns:a16="http://schemas.microsoft.com/office/drawing/2014/main" id="{C8C4828D-5EEB-4126-AE86-C0D4E77B91C4}"/>
+              </a:ext>
+            </a:extLst>
+          </p:cNvPr>
+          <p:cNvSpPr>
+            <a:spLocks noGrp="1"/>
+          </p:cNvSpPr>
+          <p:nvPr>
+            <p:ph type="body" sz="quarter" idx="14"/>
           </p:nvPr>
         </p:nvSpPr>
         <p:spPr/>
@@ -5808,152 +5903,62 @@
           <a:p>
             <a:r>
               <a:rPr lang="en-US" dirty="0"/>
-              <a:t>Meet our tutors</a:t>
-            </a:r>
-          </a:p>
-        </p:txBody>
-      </p:sp>
-      <p:pic>
-        <p:nvPicPr>
-          <p:cNvPr id="1026" name="Picture 2" descr="https://attachments.office.net/owa/cmcgill1%40butlercc.edu/service.svc/s/GetAttachmentThumbnail?id=AAMkAGUxMmM3YzVkLTFlYTMtNGRiMS1iNzJjLWM5NDUwY2E1NGNjZgBGAAAAAACfS%2F7hQdtDSYcbJjpSD%2FvgBwA%2FQB3Mk8jwTprctT6VzHEZAAAAAAEMAAA%2FQB3Mk8jwTprctT6VzHEZAAHRYiEiAAABEgAQAKnCA8R8UzpDunkCfFPQdP0%3D&amp;thumbnailType=2&amp;owa=outlook.office365.com&amp;scriptVer=2020030202.19&amp;X-OWA-CANARY=wU3XLFn110ap7rzI3CoURyCX6U46xdcYnk9Ip2CQssoyYqWCYshcUTtHpSex9Vg6WyybD9f0TCk.&amp;token=eyJhbGciOiJSUzI1NiIsImtpZCI6IjU2MzU4ODUyMzRCOTI1MkRERTAwNTc2NkQ5RDlGMjc2NTY1RjYzRTIiLCJ4NXQiOiJWaldJVWpTNUpTM2VBRmRtMmRueWRsWmZZLUkiLCJ0eXAiOiJKV1QifQ.eyJvcmlnaW4iOiJodHRwczovL291dGxvb2sub2ZmaWNlMzY1LmNvbSIsInZlciI6IkV4Y2hhbmdlLkNhbGxiYWNrLlYxIiwiYXBwY3R4c2VuZGVyIjoiT3dhRG93bmxvYWRAYjBjNmM2ODctYTc0MC00MzVlLTkzNjItMDk1YjAzN2QyNDQzIiwiaXNzcmluZyI6IldXIiwiYXBwY3R4Ijoie1wibXNleGNocHJvdFwiOlwib3dhXCIsXCJwcmltYXJ5c2lkXCI6XCJTLTEtNS0yMS0xNjgwNjYxMDktNDA1NjQ0NzE2LTI2MjI2MzQ1NjgtMjI4NTc0NjJcIixcInB1aWRcIjpcIjExNTM5MDY2NjEyNzczOTAzMDVcIixcIm9pZFwiOlwiYWQ2OGFkNGEtN2VkZi00NjNjLWJhMWEtOWEyNDc0MmU4MzBiXCIsXCJzY29wZVwiOlwiT3dhRG93bmxvYWRcIn0iLCJuYmYiOjE1ODM4NzU4MzAsImV4cCI6MTU4Mzg3NjQzMCwiaXNzIjoiMDAwMDAwMDItMDAwMC0wZmYxLWNlMDAtMDAwMDAwMDAwMDAwQGIwYzZjNjg3LWE3NDAtNDM1ZS05MzYyLTA5NWIwMzdkMjQ0MyIsImF1ZCI6IjAwMDAwMDAyLTAwMDAtMGZmMS1jZTAwLTAwMDAwMDAwMDAwMC9hdHRhY2htZW50cy5vZmZpY2UubmV0QGIwYzZjNjg3LWE3NDAtNDM1ZS05MzYyLTA5NWIwMzdkMjQ0MyJ9.k3qpRHrgiFsx3Pxyk9phACrMe7qUuQCtEpaTW6Zi64uO2kWkovaz-3zPd3z1d749lkQAP5oeLsByPEq7B6EH1xYidK6adAOuhDm0LdBYNyFSiO9YOhsDdKKxMryFU1cX6cbTFp5HkIBhNC101NC69XjtV6DEHwR9LBxbSfZSHhLaEWfVmVlgaAsjEvZIWWzgvruYf4l3Hldx2-GOFVpVeV7IeVZAtEdACArhzcSvdHAWE0tj3Ot03XwscKGT_Y56iOTh0z3HRHhQnxBQ8d2TBzxvoV_mGxJLVB8OxNM4CmWc-zG70VHW6Wsf5QAdQ7dd66CzeckF-ez0SzQd-HNYoQ&amp;animation=true"/>
-          <p:cNvPicPr>
-            <a:picLocks noChangeAspect="1" noChangeArrowheads="1"/>
-          </p:cNvPicPr>
-          <p:nvPr/>
-        </p:nvPicPr>
-        <p:blipFill>
-          <a:blip r:embed="rId2">
-            <a:extLst>
-              <a:ext uri="{28A0092B-C50C-407E-A947-70E740481C1C}">
-                <a14:useLocalDpi xmlns:a14="http://schemas.microsoft.com/office/drawing/2010/main" val="0"/>
-              </a:ext>
-            </a:extLst>
-          </a:blip>
-          <a:srcRect/>
-          <a:stretch>
-            <a:fillRect/>
-          </a:stretch>
-        </p:blipFill>
-        <p:spPr bwMode="auto">
-          <a:xfrm>
-            <a:off x="1451578" y="1853754"/>
-            <a:ext cx="3200633" cy="4267511"/>
-          </a:xfrm>
-          <a:prstGeom prst="rect">
-            <a:avLst/>
-          </a:prstGeom>
-          <a:noFill/>
-          <a:extLst>
-            <a:ext uri="{909E8E84-426E-40DD-AFC4-6F175D3DCCD1}">
-              <a14:hiddenFill xmlns:a14="http://schemas.microsoft.com/office/drawing/2010/main">
-                <a:solidFill>
-                  <a:srgbClr val="FFFFFF"/>
-                </a:solidFill>
-              </a14:hiddenFill>
-            </a:ext>
-          </a:extLst>
-        </p:spPr>
-      </p:pic>
-      <p:sp>
-        <p:nvSpPr>
-          <p:cNvPr id="5" name="TextBox 4"/>
-          <p:cNvSpPr txBox="1"/>
-          <p:nvPr/>
-        </p:nvSpPr>
-        <p:spPr>
-          <a:xfrm>
-            <a:off x="4652211" y="1853753"/>
-            <a:ext cx="6402643" cy="2862322"/>
-          </a:xfrm>
-          <a:prstGeom prst="rect">
-            <a:avLst/>
-          </a:prstGeom>
-          <a:noFill/>
-        </p:spPr>
-        <p:txBody>
-          <a:bodyPr wrap="square" rtlCol="0">
-            <a:spAutoFit/>
+              <a:t>Hi! I'm Kaylie. I'm 19, and I'm majoring in pre-health because I've wanted to be a doctor since I was little. I'm really passionate about science and math, because they make a lot of logical sense to me. I have two pet rabbits, and when not studying, I'm usually trying to get them to not chew on every cord in my house. Nice to meet you!</a:t>
+            </a:r>
+          </a:p>
+        </p:txBody>
+      </p:sp>
+      <p:sp>
+        <p:nvSpPr>
+          <p:cNvPr id="4" name="Text Placeholder 3">
+            <a:extLst>
+              <a:ext uri="{FF2B5EF4-FFF2-40B4-BE49-F238E27FC236}">
+                <a16:creationId xmlns:a16="http://schemas.microsoft.com/office/drawing/2014/main" id="{91AF3AAC-1A73-4BD6-977E-E51010675DFE}"/>
+              </a:ext>
+            </a:extLst>
+          </p:cNvPr>
+          <p:cNvSpPr>
+            <a:spLocks noGrp="1"/>
+          </p:cNvSpPr>
+          <p:nvPr>
+            <p:ph type="body" sz="quarter" idx="15"/>
+          </p:nvPr>
+        </p:nvSpPr>
+        <p:spPr/>
+        <p:txBody>
+          <a:bodyPr>
+            <a:normAutofit fontScale="92500" lnSpcReduction="20000"/>
           </a:bodyPr>
           <a:lstStyle/>
           <a:p>
             <a:r>
               <a:rPr lang="en-US" dirty="0"/>
-              <a:t>William Parsons</a:t>
+              <a:t>Kaylie Hansen </a:t>
             </a:r>
           </a:p>
           <a:p>
             <a:endParaRPr lang="en-US" dirty="0"/>
-          </a:p>
-          <a:p>
-            <a:r>
-              <a:rPr lang="en-US" dirty="0"/>
-              <a:t>Hello everybody,</a:t>
-            </a:r>
-          </a:p>
-          <a:p>
-            <a:r>
-              <a:rPr lang="en-US" dirty="0"/>
-              <a:t>My name is William Parsons.  I am currently Sophomore status here at BCC pursuing my Associates in Elementary Education.  When I am not studying for my classes or working in the tutoring lab, I enjoy golfing, spending time with my family, and going on weekend getaways to new places.</a:t>
-            </a:r>
-          </a:p>
-          <a:p>
-            <a:r>
-              <a:rPr lang="en-US" dirty="0"/>
-              <a:t>I look forward to making it a great day here in the tutoring lab.</a:t>
-            </a:r>
-          </a:p>
-          <a:p>
-            <a:endParaRPr lang="en-US" dirty="0"/>
-          </a:p>
-        </p:txBody>
-      </p:sp>
-      <p:sp>
-        <p:nvSpPr>
-          <p:cNvPr id="6" name="TextBox 5"/>
-          <p:cNvSpPr txBox="1"/>
-          <p:nvPr/>
-        </p:nvSpPr>
-        <p:spPr>
-          <a:xfrm>
-            <a:off x="0" y="6642556"/>
-            <a:ext cx="922711" cy="215444"/>
-          </a:xfrm>
-          <a:prstGeom prst="rect">
-            <a:avLst/>
-          </a:prstGeom>
-          <a:noFill/>
-        </p:spPr>
-        <p:txBody>
-          <a:bodyPr wrap="square" rtlCol="0">
-            <a:spAutoFit/>
-          </a:bodyPr>
-          <a:lstStyle/>
-          <a:p>
-            <a:r>
-              <a:rPr lang="en-US" sz="800" dirty="0"/>
-              <a:t>cade was here</a:t>
-            </a:r>
           </a:p>
         </p:txBody>
       </p:sp>
     </p:spTree>
     <p:extLst>
       <p:ext uri="{BB962C8B-B14F-4D97-AF65-F5344CB8AC3E}">
-        <p14:creationId xmlns:p14="http://schemas.microsoft.com/office/powerpoint/2010/main" val="1310294562"/>
+        <p14:creationId xmlns:p14="http://schemas.microsoft.com/office/powerpoint/2010/main" val="3881007046"/>
       </p:ext>
     </p:extLst>
   </p:cSld>
   <p:clrMapOvr>
     <a:masterClrMapping/>
   </p:clrMapOvr>
-  <p:transition spd="slow" advClick="0" advTm="1000">
+  <p:transition spd="slow" advClick="0" advTm="10000">
     <p:randomBar dir="vert"/>
   </p:transition>
 </p:sld>
 </file>
 
 <file path=ppt/slides/slide15.xml><?xml version="1.0" encoding="utf-8"?>
-<p:sld xmlns:a="http://schemas.openxmlformats.org/drawingml/2006/main" xmlns:r="http://schemas.openxmlformats.org/officeDocument/2006/relationships" xmlns:p="http://schemas.openxmlformats.org/presentationml/2006/main" show="0">
+<p:sld xmlns:a="http://schemas.openxmlformats.org/drawingml/2006/main" xmlns:r="http://schemas.openxmlformats.org/officeDocument/2006/relationships" xmlns:p="http://schemas.openxmlformats.org/presentationml/2006/main">
   <p:cSld>
     <p:spTree>
       <p:nvGrpSpPr>
@@ -5971,12 +5976,36 @@
       </p:grpSpPr>
       <p:sp>
         <p:nvSpPr>
-          <p:cNvPr id="2" name="Title 1"/>
-          <p:cNvSpPr>
-            <a:spLocks noGrp="1"/>
-          </p:cNvSpPr>
-          <p:nvPr>
-            <p:ph type="title"/>
+          <p:cNvPr id="2" name="Picture Placeholder 1">
+            <a:extLst>
+              <a:ext uri="{FF2B5EF4-FFF2-40B4-BE49-F238E27FC236}">
+                <a16:creationId xmlns:a16="http://schemas.microsoft.com/office/drawing/2014/main" id="{844600DE-38A0-4850-9B12-2AB7CA6AF6F2}"/>
+              </a:ext>
+            </a:extLst>
+          </p:cNvPr>
+          <p:cNvSpPr>
+            <a:spLocks noGrp="1"/>
+          </p:cNvSpPr>
+          <p:nvPr>
+            <p:ph type="pic" sz="quarter" idx="13"/>
+          </p:nvPr>
+        </p:nvSpPr>
+        <p:spPr/>
+      </p:sp>
+      <p:sp>
+        <p:nvSpPr>
+          <p:cNvPr id="3" name="Text Placeholder 2">
+            <a:extLst>
+              <a:ext uri="{FF2B5EF4-FFF2-40B4-BE49-F238E27FC236}">
+                <a16:creationId xmlns:a16="http://schemas.microsoft.com/office/drawing/2014/main" id="{DF1C98DF-F645-4EBC-8C07-3EC6974EF7EA}"/>
+              </a:ext>
+            </a:extLst>
+          </p:cNvPr>
+          <p:cNvSpPr>
+            <a:spLocks noGrp="1"/>
+          </p:cNvSpPr>
+          <p:nvPr>
+            <p:ph type="body" sz="quarter" idx="14"/>
           </p:nvPr>
         </p:nvSpPr>
         <p:spPr/>
@@ -5986,144 +6015,63 @@
           <a:p>
             <a:r>
               <a:rPr lang="en-US" dirty="0"/>
-              <a:t>Meet our tutors</a:t>
-            </a:r>
-          </a:p>
-        </p:txBody>
-      </p:sp>
-      <p:pic>
-        <p:nvPicPr>
-          <p:cNvPr id="2050" name="Picture 2" descr="https://attachments.office.net/owa/cmcgill1%40butlercc.edu/service.svc/s/GetAttachmentThumbnail?id=AAMkAGUxMmM3YzVkLTFlYTMtNGRiMS1iNzJjLWM5NDUwY2E1NGNjZgBGAAAAAACfS%2F7hQdtDSYcbJjpSD%2FvgBwA%2FQB3Mk8jwTprctT6VzHEZAAAAAAEMAAA%2FQB3Mk8jwTprctT6VzHEZAAHRYiEiAAABEgAQAEk%2Fr8qUbCJHianWau%2BreyY%3D&amp;thumbnailType=2&amp;owa=outlook.office365.com&amp;scriptVer=2020030202.19&amp;X-OWA-CANARY=wU3XLFn110ap7rzI3CoURyCX6U46xdcYnk9Ip2CQssoyYqWCYshcUTtHpSex9Vg6WyybD9f0TCk.&amp;token=eyJhbGciOiJSUzI1NiIsImtpZCI6IjU2MzU4ODUyMzRCOTI1MkRERTAwNTc2NkQ5RDlGMjc2NTY1RjYzRTIiLCJ4NXQiOiJWaldJVWpTNUpTM2VBRmRtMmRueWRsWmZZLUkiLCJ0eXAiOiJKV1QifQ.eyJvcmlnaW4iOiJodHRwczovL291dGxvb2sub2ZmaWNlMzY1LmNvbSIsInZlciI6IkV4Y2hhbmdlLkNhbGxiYWNrLlYxIiwiYXBwY3R4c2VuZGVyIjoiT3dhRG93bmxvYWRAYjBjNmM2ODctYTc0MC00MzVlLTkzNjItMDk1YjAzN2QyNDQzIiwiaXNzcmluZyI6IldXIiwiYXBwY3R4Ijoie1wibXNleGNocHJvdFwiOlwib3dhXCIsXCJwcmltYXJ5c2lkXCI6XCJTLTEtNS0yMS0xNjgwNjYxMDktNDA1NjQ0NzE2LTI2MjI2MzQ1NjgtMjI4NTc0NjJcIixcInB1aWRcIjpcIjExNTM5MDY2NjEyNzczOTAzMDVcIixcIm9pZFwiOlwiYWQ2OGFkNGEtN2VkZi00NjNjLWJhMWEtOWEyNDc0MmU4MzBiXCIsXCJzY29wZVwiOlwiT3dhRG93bmxvYWRcIn0iLCJuYmYiOjE1ODM4NzU4MzAsImV4cCI6MTU4Mzg3NjQzMCwiaXNzIjoiMDAwMDAwMDItMDAwMC0wZmYxLWNlMDAtMDAwMDAwMDAwMDAwQGIwYzZjNjg3LWE3NDAtNDM1ZS05MzYyLTA5NWIwMzdkMjQ0MyIsImF1ZCI6IjAwMDAwMDAyLTAwMDAtMGZmMS1jZTAwLTAwMDAwMDAwMDAwMC9hdHRhY2htZW50cy5vZmZpY2UubmV0QGIwYzZjNjg3LWE3NDAtNDM1ZS05MzYyLTA5NWIwMzdkMjQ0MyJ9.k3qpRHrgiFsx3Pxyk9phACrMe7qUuQCtEpaTW6Zi64uO2kWkovaz-3zPd3z1d749lkQAP5oeLsByPEq7B6EH1xYidK6adAOuhDm0LdBYNyFSiO9YOhsDdKKxMryFU1cX6cbTFp5HkIBhNC101NC69XjtV6DEHwR9LBxbSfZSHhLaEWfVmVlgaAsjEvZIWWzgvruYf4l3Hldx2-GOFVpVeV7IeVZAtEdACArhzcSvdHAWE0tj3Ot03XwscKGT_Y56iOTh0z3HRHhQnxBQ8d2TBzxvoV_mGxJLVB8OxNM4CmWc-zG70VHW6Wsf5QAdQ7dd66CzeckF-ez0SzQd-HNYoQ&amp;animation=true"/>
-          <p:cNvPicPr>
-            <a:picLocks noChangeAspect="1" noChangeArrowheads="1"/>
-          </p:cNvPicPr>
-          <p:nvPr/>
-        </p:nvPicPr>
-        <p:blipFill>
-          <a:blip r:embed="rId2">
-            <a:extLst>
-              <a:ext uri="{28A0092B-C50C-407E-A947-70E740481C1C}">
-                <a14:useLocalDpi xmlns:a14="http://schemas.microsoft.com/office/drawing/2010/main" val="0"/>
-              </a:ext>
-            </a:extLst>
-          </a:blip>
-          <a:srcRect/>
-          <a:stretch>
-            <a:fillRect/>
-          </a:stretch>
-        </p:blipFill>
-        <p:spPr bwMode="auto">
-          <a:xfrm>
-            <a:off x="1451579" y="1853754"/>
-            <a:ext cx="2494779" cy="4269140"/>
-          </a:xfrm>
-          <a:prstGeom prst="rect">
-            <a:avLst/>
-          </a:prstGeom>
-          <a:noFill/>
-          <a:extLst>
-            <a:ext uri="{909E8E84-426E-40DD-AFC4-6F175D3DCCD1}">
-              <a14:hiddenFill xmlns:a14="http://schemas.microsoft.com/office/drawing/2010/main">
-                <a:solidFill>
-                  <a:srgbClr val="FFFFFF"/>
-                </a:solidFill>
-              </a14:hiddenFill>
-            </a:ext>
-          </a:extLst>
-        </p:spPr>
-      </p:pic>
-      <p:sp>
-        <p:nvSpPr>
-          <p:cNvPr id="5" name="TextBox 4"/>
-          <p:cNvSpPr txBox="1"/>
-          <p:nvPr/>
-        </p:nvSpPr>
-        <p:spPr>
-          <a:xfrm>
-            <a:off x="3946358" y="1853754"/>
-            <a:ext cx="6402643" cy="2308324"/>
-          </a:xfrm>
-          <a:prstGeom prst="rect">
-            <a:avLst/>
-          </a:prstGeom>
-          <a:noFill/>
-        </p:spPr>
-        <p:txBody>
-          <a:bodyPr wrap="square" rtlCol="0">
-            <a:spAutoFit/>
+              <a:t>Hello! My name is Maddie, and I am a second-year sophomore and well-rounded English Tutor at the Butler of El Dorado Tutoring Lab . You can also find me at your local Wichita East Menards, where I help our guests save big money as a Front-End Supervisor. </a:t>
+            </a:r>
+            <a:endParaRPr lang="en-US" b="1" dirty="0"/>
+          </a:p>
+        </p:txBody>
+      </p:sp>
+      <p:sp>
+        <p:nvSpPr>
+          <p:cNvPr id="4" name="Text Placeholder 3">
+            <a:extLst>
+              <a:ext uri="{FF2B5EF4-FFF2-40B4-BE49-F238E27FC236}">
+                <a16:creationId xmlns:a16="http://schemas.microsoft.com/office/drawing/2014/main" id="{2E9B29EC-B8A0-4B9A-9058-33B4DB76A18D}"/>
+              </a:ext>
+            </a:extLst>
+          </p:cNvPr>
+          <p:cNvSpPr>
+            <a:spLocks noGrp="1"/>
+          </p:cNvSpPr>
+          <p:nvPr>
+            <p:ph type="body" sz="quarter" idx="15"/>
+          </p:nvPr>
+        </p:nvSpPr>
+        <p:spPr/>
+        <p:txBody>
+          <a:bodyPr>
+            <a:normAutofit fontScale="92500" lnSpcReduction="20000"/>
           </a:bodyPr>
           <a:lstStyle/>
           <a:p>
             <a:r>
               <a:rPr lang="en-US" dirty="0"/>
-              <a:t>Braden Barr</a:t>
+              <a:t>Madison Jennings </a:t>
             </a:r>
           </a:p>
           <a:p>
             <a:endParaRPr lang="en-US" dirty="0"/>
-          </a:p>
-          <a:p>
-            <a:r>
-              <a:rPr lang="en-US" dirty="0"/>
-              <a:t>Hello, my name is Braden Barr. I am currently majoring in Secondary Education for Math. Baseball and Star Wars are my two true loves in life. I am more than excited to help anybody with various levels of math!</a:t>
-            </a:r>
-            <a:br>
-              <a:rPr lang="en-US" dirty="0"/>
-            </a:br>
-            <a:endParaRPr lang="en-US" dirty="0"/>
-          </a:p>
-          <a:p>
-            <a:endParaRPr lang="en-US" dirty="0"/>
-          </a:p>
-        </p:txBody>
-      </p:sp>
-      <p:sp>
-        <p:nvSpPr>
-          <p:cNvPr id="6" name="TextBox 5"/>
-          <p:cNvSpPr txBox="1"/>
-          <p:nvPr/>
-        </p:nvSpPr>
-        <p:spPr>
-          <a:xfrm>
-            <a:off x="0" y="6642556"/>
-            <a:ext cx="922711" cy="215444"/>
-          </a:xfrm>
-          <a:prstGeom prst="rect">
-            <a:avLst/>
-          </a:prstGeom>
-          <a:noFill/>
-        </p:spPr>
-        <p:txBody>
-          <a:bodyPr wrap="square" rtlCol="0">
-            <a:spAutoFit/>
-          </a:bodyPr>
-          <a:lstStyle/>
-          <a:p>
-            <a:r>
-              <a:rPr lang="en-US" sz="800" dirty="0"/>
-              <a:t>cade was here</a:t>
-            </a:r>
           </a:p>
         </p:txBody>
       </p:sp>
     </p:spTree>
     <p:extLst>
       <p:ext uri="{BB962C8B-B14F-4D97-AF65-F5344CB8AC3E}">
-        <p14:creationId xmlns:p14="http://schemas.microsoft.com/office/powerpoint/2010/main" val="8113215"/>
+        <p14:creationId xmlns:p14="http://schemas.microsoft.com/office/powerpoint/2010/main" val="471874356"/>
       </p:ext>
     </p:extLst>
   </p:cSld>
   <p:clrMapOvr>
     <a:masterClrMapping/>
   </p:clrMapOvr>
-  <p:transition spd="slow" advClick="0" advTm="1000">
+  <p:transition spd="slow" advClick="0" advTm="10000">
     <p:randomBar dir="vert"/>
   </p:transition>
 </p:sld>
 </file>
 
 <file path=ppt/slides/slide16.xml><?xml version="1.0" encoding="utf-8"?>
-<p:sld xmlns:a="http://schemas.openxmlformats.org/drawingml/2006/main" xmlns:r="http://schemas.openxmlformats.org/officeDocument/2006/relationships" xmlns:p="http://schemas.openxmlformats.org/presentationml/2006/main" show="0">
+<p:sld xmlns:a="http://schemas.openxmlformats.org/drawingml/2006/main" xmlns:r="http://schemas.openxmlformats.org/officeDocument/2006/relationships" xmlns:p="http://schemas.openxmlformats.org/presentationml/2006/main">
   <p:cSld>
     <p:spTree>
       <p:nvGrpSpPr>
@@ -6141,12 +6089,36 @@
       </p:grpSpPr>
       <p:sp>
         <p:nvSpPr>
-          <p:cNvPr id="2" name="Title 1"/>
-          <p:cNvSpPr>
-            <a:spLocks noGrp="1"/>
-          </p:cNvSpPr>
-          <p:nvPr>
-            <p:ph type="title"/>
+          <p:cNvPr id="2" name="Picture Placeholder 1">
+            <a:extLst>
+              <a:ext uri="{FF2B5EF4-FFF2-40B4-BE49-F238E27FC236}">
+                <a16:creationId xmlns:a16="http://schemas.microsoft.com/office/drawing/2014/main" id="{09312A94-138C-4A3F-8DCE-03FB918F73C5}"/>
+              </a:ext>
+            </a:extLst>
+          </p:cNvPr>
+          <p:cNvSpPr>
+            <a:spLocks noGrp="1"/>
+          </p:cNvSpPr>
+          <p:nvPr>
+            <p:ph type="pic" sz="quarter" idx="13"/>
+          </p:nvPr>
+        </p:nvSpPr>
+        <p:spPr/>
+      </p:sp>
+      <p:sp>
+        <p:nvSpPr>
+          <p:cNvPr id="3" name="Text Placeholder 2">
+            <a:extLst>
+              <a:ext uri="{FF2B5EF4-FFF2-40B4-BE49-F238E27FC236}">
+                <a16:creationId xmlns:a16="http://schemas.microsoft.com/office/drawing/2014/main" id="{CD0D62F0-D7C6-4C5C-9C5D-5BD56850453D}"/>
+              </a:ext>
+            </a:extLst>
+          </p:cNvPr>
+          <p:cNvSpPr>
+            <a:spLocks noGrp="1"/>
+          </p:cNvSpPr>
+          <p:nvPr>
+            <p:ph type="body" sz="quarter" idx="14"/>
           </p:nvPr>
         </p:nvSpPr>
         <p:spPr/>
@@ -6154,138 +6126,77 @@
           <a:bodyPr/>
           <a:lstStyle/>
           <a:p>
-            <a:r>
-              <a:rPr lang="en-US" dirty="0"/>
-              <a:t>Meet our tutors</a:t>
-            </a:r>
-          </a:p>
-        </p:txBody>
-      </p:sp>
-      <p:pic>
-        <p:nvPicPr>
-          <p:cNvPr id="5122" name="Picture 2" descr="https://attachments.office.net/owa/cmcgill1%40butlercc.edu/service.svc/s/GetAttachmentThumbnail?id=AAMkAGUxMmM3YzVkLTFlYTMtNGRiMS1iNzJjLWM5NDUwY2E1NGNjZgBGAAAAAACfS%2F7hQdtDSYcbJjpSD%2FvgBwA%2FQB3Mk8jwTprctT6VzHEZAAAAAAEMAAA%2FQB3Mk8jwTprctT6VzHEZAAHRYiEiAAABEgAQABv3lSwAhm9IpKO27NUxK1c%3D&amp;thumbnailType=2&amp;owa=outlook.office365.com&amp;scriptVer=2020030202.19&amp;X-OWA-CANARY=wU3XLFn110ap7rzI3CoURyCX6U46xdcYnk9Ip2CQssoyYqWCYshcUTtHpSex9Vg6WyybD9f0TCk.&amp;token=eyJhbGciOiJSUzI1NiIsImtpZCI6IjU2MzU4ODUyMzRCOTI1MkRERTAwNTc2NkQ5RDlGMjc2NTY1RjYzRTIiLCJ4NXQiOiJWaldJVWpTNUpTM2VBRmRtMmRueWRsWmZZLUkiLCJ0eXAiOiJKV1QifQ.eyJvcmlnaW4iOiJodHRwczovL291dGxvb2sub2ZmaWNlMzY1LmNvbSIsInZlciI6IkV4Y2hhbmdlLkNhbGxiYWNrLlYxIiwiYXBwY3R4c2VuZGVyIjoiT3dhRG93bmxvYWRAYjBjNmM2ODctYTc0MC00MzVlLTkzNjItMDk1YjAzN2QyNDQzIiwiaXNzcmluZyI6IldXIiwiYXBwY3R4Ijoie1wibXNleGNocHJvdFwiOlwib3dhXCIsXCJwcmltYXJ5c2lkXCI6XCJTLTEtNS0yMS0xNjgwNjYxMDktNDA1NjQ0NzE2LTI2MjI2MzQ1NjgtMjI4NTc0NjJcIixcInB1aWRcIjpcIjExNTM5MDY2NjEyNzczOTAzMDVcIixcIm9pZFwiOlwiYWQ2OGFkNGEtN2VkZi00NjNjLWJhMWEtOWEyNDc0MmU4MzBiXCIsXCJzY29wZVwiOlwiT3dhRG93bmxvYWRcIn0iLCJuYmYiOjE1ODM4NzU4MzAsImV4cCI6MTU4Mzg3NjQzMCwiaXNzIjoiMDAwMDAwMDItMDAwMC0wZmYxLWNlMDAtMDAwMDAwMDAwMDAwQGIwYzZjNjg3LWE3NDAtNDM1ZS05MzYyLTA5NWIwMzdkMjQ0MyIsImF1ZCI6IjAwMDAwMDAyLTAwMDAtMGZmMS1jZTAwLTAwMDAwMDAwMDAwMC9hdHRhY2htZW50cy5vZmZpY2UubmV0QGIwYzZjNjg3LWE3NDAtNDM1ZS05MzYyLTA5NWIwMzdkMjQ0MyJ9.k3qpRHrgiFsx3Pxyk9phACrMe7qUuQCtEpaTW6Zi64uO2kWkovaz-3zPd3z1d749lkQAP5oeLsByPEq7B6EH1xYidK6adAOuhDm0LdBYNyFSiO9YOhsDdKKxMryFU1cX6cbTFp5HkIBhNC101NC69XjtV6DEHwR9LBxbSfZSHhLaEWfVmVlgaAsjEvZIWWzgvruYf4l3Hldx2-GOFVpVeV7IeVZAtEdACArhzcSvdHAWE0tj3Ot03XwscKGT_Y56iOTh0z3HRHhQnxBQ8d2TBzxvoV_mGxJLVB8OxNM4CmWc-zG70VHW6Wsf5QAdQ7dd66CzeckF-ez0SzQd-HNYoQ&amp;animation=true"/>
-          <p:cNvPicPr>
-            <a:picLocks noChangeAspect="1" noChangeArrowheads="1"/>
-          </p:cNvPicPr>
-          <p:nvPr/>
-        </p:nvPicPr>
-        <p:blipFill>
-          <a:blip r:embed="rId2">
-            <a:extLst>
-              <a:ext uri="{28A0092B-C50C-407E-A947-70E740481C1C}">
-                <a14:useLocalDpi xmlns:a14="http://schemas.microsoft.com/office/drawing/2010/main" val="0"/>
-              </a:ext>
-            </a:extLst>
-          </a:blip>
-          <a:srcRect/>
-          <a:stretch>
-            <a:fillRect/>
-          </a:stretch>
-        </p:blipFill>
-        <p:spPr bwMode="auto">
-          <a:xfrm>
-            <a:off x="1451579" y="1853753"/>
-            <a:ext cx="3216674" cy="4288899"/>
-          </a:xfrm>
-          <a:prstGeom prst="rect">
-            <a:avLst/>
-          </a:prstGeom>
-          <a:noFill/>
-          <a:extLst>
-            <a:ext uri="{909E8E84-426E-40DD-AFC4-6F175D3DCCD1}">
-              <a14:hiddenFill xmlns:a14="http://schemas.microsoft.com/office/drawing/2010/main">
-                <a:solidFill>
-                  <a:srgbClr val="FFFFFF"/>
-                </a:solidFill>
-              </a14:hiddenFill>
-            </a:ext>
-          </a:extLst>
-        </p:spPr>
-      </p:pic>
-      <p:sp>
-        <p:nvSpPr>
-          <p:cNvPr id="6" name="Rectangle 5"/>
-          <p:cNvSpPr/>
-          <p:nvPr/>
-        </p:nvSpPr>
-        <p:spPr>
-          <a:xfrm>
-            <a:off x="4668253" y="1853752"/>
-            <a:ext cx="4958854" cy="1477328"/>
-          </a:xfrm>
-          <a:prstGeom prst="rect">
-            <a:avLst/>
-          </a:prstGeom>
-        </p:spPr>
-        <p:txBody>
-          <a:bodyPr wrap="square">
-            <a:spAutoFit/>
+            <a:endParaRPr lang="en-US"/>
+          </a:p>
+        </p:txBody>
+      </p:sp>
+      <p:sp>
+        <p:nvSpPr>
+          <p:cNvPr id="4" name="Text Placeholder 3">
+            <a:extLst>
+              <a:ext uri="{FF2B5EF4-FFF2-40B4-BE49-F238E27FC236}">
+                <a16:creationId xmlns:a16="http://schemas.microsoft.com/office/drawing/2014/main" id="{B7FFA481-A2E5-473E-AA9F-56A36E75F218}"/>
+              </a:ext>
+            </a:extLst>
+          </p:cNvPr>
+          <p:cNvSpPr>
+            <a:spLocks noGrp="1"/>
+          </p:cNvSpPr>
+          <p:nvPr>
+            <p:ph type="body" sz="quarter" idx="15"/>
+          </p:nvPr>
+        </p:nvSpPr>
+        <p:spPr/>
+        <p:txBody>
+          <a:bodyPr>
+            <a:normAutofit fontScale="92500" lnSpcReduction="20000"/>
           </a:bodyPr>
           <a:lstStyle/>
           <a:p>
             <a:r>
               <a:rPr lang="en-US" dirty="0"/>
-              <a:t>California Meadows</a:t>
+              <a:t>Maria Julia </a:t>
+            </a:r>
+            <a:r>
+              <a:rPr lang="en-US" dirty="0" err="1"/>
+              <a:t>Manasses</a:t>
+            </a:r>
+            <a:r>
+              <a:rPr lang="en-US" dirty="0"/>
+              <a:t> </a:t>
+            </a:r>
+            <a:r>
+              <a:rPr lang="en-US" dirty="0" err="1"/>
+              <a:t>Valaski</a:t>
+            </a:r>
+            <a:r>
+              <a:rPr lang="en-US" dirty="0"/>
+              <a:t> </a:t>
             </a:r>
           </a:p>
           <a:p>
             <a:endParaRPr lang="en-US" dirty="0"/>
-          </a:p>
-          <a:p>
-            <a:r>
-              <a:rPr lang="en-US" dirty="0"/>
-              <a:t>My name is California Meadows and I enjoy helping people succeed. In my spare time I like to read, write, and spend time with my daughter.</a:t>
-            </a:r>
-          </a:p>
-        </p:txBody>
-      </p:sp>
-      <p:sp>
-        <p:nvSpPr>
-          <p:cNvPr id="5" name="TextBox 4"/>
-          <p:cNvSpPr txBox="1"/>
-          <p:nvPr/>
-        </p:nvSpPr>
-        <p:spPr>
-          <a:xfrm>
-            <a:off x="0" y="6642556"/>
-            <a:ext cx="922711" cy="215444"/>
-          </a:xfrm>
-          <a:prstGeom prst="rect">
-            <a:avLst/>
-          </a:prstGeom>
-          <a:noFill/>
-        </p:spPr>
-        <p:txBody>
-          <a:bodyPr wrap="square" rtlCol="0">
-            <a:spAutoFit/>
-          </a:bodyPr>
-          <a:lstStyle/>
-          <a:p>
-            <a:r>
-              <a:rPr lang="en-US" sz="800" dirty="0"/>
-              <a:t>cade was here</a:t>
-            </a:r>
           </a:p>
         </p:txBody>
       </p:sp>
     </p:spTree>
     <p:extLst>
       <p:ext uri="{BB962C8B-B14F-4D97-AF65-F5344CB8AC3E}">
-        <p14:creationId xmlns:p14="http://schemas.microsoft.com/office/powerpoint/2010/main" val="4201758817"/>
+        <p14:creationId xmlns:p14="http://schemas.microsoft.com/office/powerpoint/2010/main" val="3094235776"/>
       </p:ext>
     </p:extLst>
   </p:cSld>
   <p:clrMapOvr>
     <a:masterClrMapping/>
   </p:clrMapOvr>
-  <p:transition spd="slow" advClick="0" advTm="1000">
+  <p:transition spd="slow" advClick="0" advTm="10000">
     <p:randomBar dir="vert"/>
   </p:transition>
 </p:sld>
 </file>
 
 <file path=ppt/slides/slide17.xml><?xml version="1.0" encoding="utf-8"?>
-<p:sld xmlns:a="http://schemas.openxmlformats.org/drawingml/2006/main" xmlns:r="http://schemas.openxmlformats.org/officeDocument/2006/relationships" xmlns:p="http://schemas.openxmlformats.org/presentationml/2006/main" show="0">
+<p:sld xmlns:a="http://schemas.openxmlformats.org/drawingml/2006/main" xmlns:r="http://schemas.openxmlformats.org/officeDocument/2006/relationships" xmlns:p="http://schemas.openxmlformats.org/presentationml/2006/main">
   <p:cSld>
     <p:spTree>
       <p:nvGrpSpPr>
@@ -6301,153 +6212,128 @@
           <a:chExt cx="0" cy="0"/>
         </a:xfrm>
       </p:grpSpPr>
-      <p:sp>
-        <p:nvSpPr>
-          <p:cNvPr id="2" name="Title 1"/>
-          <p:cNvSpPr>
-            <a:spLocks noGrp="1"/>
-          </p:cNvSpPr>
-          <p:nvPr>
-            <p:ph type="title"/>
-          </p:nvPr>
-        </p:nvSpPr>
-        <p:spPr/>
-        <p:txBody>
-          <a:bodyPr/>
-          <a:lstStyle/>
-          <a:p>
-            <a:r>
-              <a:rPr lang="en-US" dirty="0"/>
-              <a:t>Meet our tutors</a:t>
-            </a:r>
-          </a:p>
-        </p:txBody>
-      </p:sp>
-      <p:sp>
-        <p:nvSpPr>
-          <p:cNvPr id="4" name="Rectangle 3"/>
-          <p:cNvSpPr/>
-          <p:nvPr/>
-        </p:nvSpPr>
-        <p:spPr>
-          <a:xfrm>
-            <a:off x="3854688" y="1853754"/>
-            <a:ext cx="6096000" cy="1477328"/>
-          </a:xfrm>
-          <a:prstGeom prst="rect">
-            <a:avLst/>
-          </a:prstGeom>
-        </p:spPr>
-        <p:txBody>
-          <a:bodyPr>
-            <a:spAutoFit/>
-          </a:bodyPr>
-          <a:lstStyle/>
-          <a:p>
-            <a:r>
-              <a:rPr lang="en-US" dirty="0"/>
-              <a:t>Jenny Pham</a:t>
-            </a:r>
-          </a:p>
-          <a:p>
-            <a:endParaRPr lang="en-US" dirty="0"/>
-          </a:p>
-          <a:p>
-            <a:r>
-              <a:rPr lang="en-US" dirty="0"/>
-              <a:t>Hi, my name is Trinh Pham, but I would like to go by Jenny. I am majoring in Pre-Nursing at Butler. I love to watch movies as my hobby and sometimes, drive around when the weather is nice!</a:t>
-            </a:r>
-          </a:p>
-        </p:txBody>
-      </p:sp>
       <p:pic>
         <p:nvPicPr>
-          <p:cNvPr id="6146" name="Picture 2" descr="https://attachments.office.net/owa/cmcgill1%40butlercc.edu/service.svc/s/GetAttachmentThumbnail?id=AAMkAGUxMmM3YzVkLTFlYTMtNGRiMS1iNzJjLWM5NDUwY2E1NGNjZgBGAAAAAACfS%2F7hQdtDSYcbJjpSD%2FvgBwA%2FQB3Mk8jwTprctT6VzHEZAAAAAAEMAAA%2FQB3Mk8jwTprctT6VzHEZAAHRYiEiAAABEgAQAJarTe8mKPxHp2bQl7h8oNc%3D&amp;thumbnailType=2&amp;owa=outlook.office365.com&amp;scriptVer=2020030202.19&amp;X-OWA-CANARY=wU3XLFn110ap7rzI3CoURyCX6U46xdcYnk9Ip2CQssoyYqWCYshcUTtHpSex9Vg6WyybD9f0TCk.&amp;token=eyJhbGciOiJSUzI1NiIsImtpZCI6IjU2MzU4ODUyMzRCOTI1MkRERTAwNTc2NkQ5RDlGMjc2NTY1RjYzRTIiLCJ4NXQiOiJWaldJVWpTNUpTM2VBRmRtMmRueWRsWmZZLUkiLCJ0eXAiOiJKV1QifQ.eyJvcmlnaW4iOiJodHRwczovL291dGxvb2sub2ZmaWNlMzY1LmNvbSIsInZlciI6IkV4Y2hhbmdlLkNhbGxiYWNrLlYxIiwiYXBwY3R4c2VuZGVyIjoiT3dhRG93bmxvYWRAYjBjNmM2ODctYTc0MC00MzVlLTkzNjItMDk1YjAzN2QyNDQzIiwiaXNzcmluZyI6IldXIiwiYXBwY3R4Ijoie1wibXNleGNocHJvdFwiOlwib3dhXCIsXCJwcmltYXJ5c2lkXCI6XCJTLTEtNS0yMS0xNjgwNjYxMDktNDA1NjQ0NzE2LTI2MjI2MzQ1NjgtMjI4NTc0NjJcIixcInB1aWRcIjpcIjExNTM5MDY2NjEyNzczOTAzMDVcIixcIm9pZFwiOlwiYWQ2OGFkNGEtN2VkZi00NjNjLWJhMWEtOWEyNDc0MmU4MzBiXCIsXCJzY29wZVwiOlwiT3dhRG93bmxvYWRcIn0iLCJuYmYiOjE1ODM4NzU4MzAsImV4cCI6MTU4Mzg3NjQzMCwiaXNzIjoiMDAwMDAwMDItMDAwMC0wZmYxLWNlMDAtMDAwMDAwMDAwMDAwQGIwYzZjNjg3LWE3NDAtNDM1ZS05MzYyLTA5NWIwMzdkMjQ0MyIsImF1ZCI6IjAwMDAwMDAyLTAwMDAtMGZmMS1jZTAwLTAwMDAwMDAwMDAwMC9hdHRhY2htZW50cy5vZmZpY2UubmV0QGIwYzZjNjg3LWE3NDAtNDM1ZS05MzYyLTA5NWIwMzdkMjQ0MyJ9.k3qpRHrgiFsx3Pxyk9phACrMe7qUuQCtEpaTW6Zi64uO2kWkovaz-3zPd3z1d749lkQAP5oeLsByPEq7B6EH1xYidK6adAOuhDm0LdBYNyFSiO9YOhsDdKKxMryFU1cX6cbTFp5HkIBhNC101NC69XjtV6DEHwR9LBxbSfZSHhLaEWfVmVlgaAsjEvZIWWzgvruYf4l3Hldx2-GOFVpVeV7IeVZAtEdACArhzcSvdHAWE0tj3Ot03XwscKGT_Y56iOTh0z3HRHhQnxBQ8d2TBzxvoV_mGxJLVB8OxNM4CmWc-zG70VHW6Wsf5QAdQ7dd66CzeckF-ez0SzQd-HNYoQ&amp;animation=true"/>
+          <p:cNvPr id="6" name="Picture Placeholder 5" descr="A person standing in front of a mirror posing for the camera&#10;&#10;Description automatically generated">
+            <a:extLst>
+              <a:ext uri="{FF2B5EF4-FFF2-40B4-BE49-F238E27FC236}">
+                <a16:creationId xmlns:a16="http://schemas.microsoft.com/office/drawing/2014/main" id="{C6CDBA50-4BE2-4075-AB16-EE72376EA844}"/>
+              </a:ext>
+            </a:extLst>
+          </p:cNvPr>
           <p:cNvPicPr>
-            <a:picLocks noChangeAspect="1" noChangeArrowheads="1"/>
+            <a:picLocks noGrp="1" noChangeAspect="1"/>
           </p:cNvPicPr>
-          <p:nvPr/>
+          <p:nvPr>
+            <p:ph type="pic" sz="quarter" idx="13"/>
+          </p:nvPr>
         </p:nvPicPr>
         <p:blipFill>
-          <a:blip r:embed="rId2">
-            <a:extLst>
-              <a:ext uri="{28A0092B-C50C-407E-A947-70E740481C1C}">
-                <a14:useLocalDpi xmlns:a14="http://schemas.microsoft.com/office/drawing/2010/main" val="0"/>
-              </a:ext>
-            </a:extLst>
-          </a:blip>
-          <a:srcRect/>
+          <a:blip r:embed="rId2"/>
+          <a:srcRect t="3501" b="3501"/>
           <a:stretch>
             <a:fillRect/>
           </a:stretch>
         </p:blipFill>
-        <p:spPr bwMode="auto">
-          <a:xfrm>
-            <a:off x="1451579" y="1853755"/>
-            <a:ext cx="2403109" cy="4274330"/>
-          </a:xfrm>
-          <a:prstGeom prst="rect">
-            <a:avLst/>
-          </a:prstGeom>
-          <a:noFill/>
-          <a:extLst>
-            <a:ext uri="{909E8E84-426E-40DD-AFC4-6F175D3DCCD1}">
-              <a14:hiddenFill xmlns:a14="http://schemas.microsoft.com/office/drawing/2010/main">
-                <a:solidFill>
-                  <a:srgbClr val="FFFFFF"/>
-                </a:solidFill>
-              </a14:hiddenFill>
-            </a:ext>
-          </a:extLst>
-        </p:spPr>
+        <p:spPr/>
       </p:pic>
       <p:sp>
         <p:nvSpPr>
-          <p:cNvPr id="5" name="TextBox 4"/>
-          <p:cNvSpPr txBox="1"/>
-          <p:nvPr/>
-        </p:nvSpPr>
-        <p:spPr>
-          <a:xfrm>
-            <a:off x="0" y="6642556"/>
-            <a:ext cx="922711" cy="215444"/>
-          </a:xfrm>
-          <a:prstGeom prst="rect">
-            <a:avLst/>
-          </a:prstGeom>
-          <a:noFill/>
-        </p:spPr>
-        <p:txBody>
-          <a:bodyPr wrap="square" rtlCol="0">
-            <a:spAutoFit/>
+          <p:cNvPr id="3" name="Text Placeholder 2">
+            <a:extLst>
+              <a:ext uri="{FF2B5EF4-FFF2-40B4-BE49-F238E27FC236}">
+                <a16:creationId xmlns:a16="http://schemas.microsoft.com/office/drawing/2014/main" id="{E121B21B-C998-43ED-BFF8-5A829AE47DAB}"/>
+              </a:ext>
+            </a:extLst>
+          </p:cNvPr>
+          <p:cNvSpPr>
+            <a:spLocks noGrp="1"/>
+          </p:cNvSpPr>
+          <p:nvPr>
+            <p:ph type="body" sz="quarter" idx="14"/>
+          </p:nvPr>
+        </p:nvSpPr>
+        <p:spPr/>
+        <p:txBody>
+          <a:bodyPr/>
+          <a:lstStyle/>
+          <a:p>
+            <a:r>
+              <a:rPr lang="en-US" dirty="0"/>
+              <a:t>  </a:t>
+            </a:r>
+          </a:p>
+          <a:p>
+            <a:r>
+              <a:rPr lang="en-US" dirty="0"/>
+              <a:t>+22 years old, aspiring history teacher attending Butler for a associates in secondary education.</a:t>
+            </a:r>
+          </a:p>
+          <a:p>
+            <a:r>
+              <a:rPr lang="en-US" dirty="0"/>
+              <a:t>+Enjoys reading, running, and painting.</a:t>
+            </a:r>
+          </a:p>
+          <a:p>
+            <a:r>
+              <a:rPr lang="en-US" dirty="0"/>
+              <a:t>+Self proclaimed history buff..</a:t>
+            </a:r>
+          </a:p>
+        </p:txBody>
+      </p:sp>
+      <p:sp>
+        <p:nvSpPr>
+          <p:cNvPr id="4" name="Text Placeholder 3">
+            <a:extLst>
+              <a:ext uri="{FF2B5EF4-FFF2-40B4-BE49-F238E27FC236}">
+                <a16:creationId xmlns:a16="http://schemas.microsoft.com/office/drawing/2014/main" id="{D36D3002-EE01-4D16-B060-DE6B576B8704}"/>
+              </a:ext>
+            </a:extLst>
+          </p:cNvPr>
+          <p:cNvSpPr>
+            <a:spLocks noGrp="1"/>
+          </p:cNvSpPr>
+          <p:nvPr>
+            <p:ph type="body" sz="quarter" idx="15"/>
+          </p:nvPr>
+        </p:nvSpPr>
+        <p:spPr/>
+        <p:txBody>
+          <a:bodyPr>
+            <a:normAutofit fontScale="92500" lnSpcReduction="20000"/>
           </a:bodyPr>
           <a:lstStyle/>
           <a:p>
             <a:r>
-              <a:rPr lang="en-US" sz="800" dirty="0"/>
-              <a:t>cade was here</a:t>
-            </a:r>
+              <a:rPr lang="en-US" dirty="0"/>
+              <a:t>Alex Dyer Owens </a:t>
+            </a:r>
+          </a:p>
+          <a:p>
+            <a:endParaRPr lang="en-US" dirty="0"/>
           </a:p>
         </p:txBody>
       </p:sp>
     </p:spTree>
     <p:extLst>
       <p:ext uri="{BB962C8B-B14F-4D97-AF65-F5344CB8AC3E}">
-        <p14:creationId xmlns:p14="http://schemas.microsoft.com/office/powerpoint/2010/main" val="2293564407"/>
+        <p14:creationId xmlns:p14="http://schemas.microsoft.com/office/powerpoint/2010/main" val="3392036431"/>
       </p:ext>
     </p:extLst>
   </p:cSld>
   <p:clrMapOvr>
     <a:masterClrMapping/>
   </p:clrMapOvr>
-  <p:transition spd="slow" advClick="0" advTm="1000">
+  <p:transition spd="slow" advClick="0" advTm="10000">
     <p:randomBar dir="vert"/>
   </p:transition>
 </p:sld>
 </file>
 
 <file path=ppt/slides/slide18.xml><?xml version="1.0" encoding="utf-8"?>
-<p:sld xmlns:a="http://schemas.openxmlformats.org/drawingml/2006/main" xmlns:r="http://schemas.openxmlformats.org/officeDocument/2006/relationships" xmlns:p="http://schemas.openxmlformats.org/presentationml/2006/main" show="0">
+<p:sld xmlns:a="http://schemas.openxmlformats.org/drawingml/2006/main" xmlns:r="http://schemas.openxmlformats.org/officeDocument/2006/relationships" xmlns:p="http://schemas.openxmlformats.org/presentationml/2006/main">
   <p:cSld>
     <p:spTree>
       <p:nvGrpSpPr>
@@ -6465,156 +6351,115 @@
       </p:grpSpPr>
       <p:sp>
         <p:nvSpPr>
-          <p:cNvPr id="2" name="Title 1"/>
-          <p:cNvSpPr>
-            <a:spLocks noGrp="1"/>
-          </p:cNvSpPr>
-          <p:nvPr>
-            <p:ph type="title"/>
-          </p:nvPr>
-        </p:nvSpPr>
-        <p:spPr/>
-        <p:txBody>
-          <a:bodyPr/>
-          <a:lstStyle/>
-          <a:p>
-            <a:r>
-              <a:rPr lang="en-US" dirty="0"/>
-              <a:t>Meet our tutors</a:t>
-            </a:r>
+          <p:cNvPr id="3" name="Text Placeholder 2">
+            <a:extLst>
+              <a:ext uri="{FF2B5EF4-FFF2-40B4-BE49-F238E27FC236}">
+                <a16:creationId xmlns:a16="http://schemas.microsoft.com/office/drawing/2014/main" id="{CD70CDA2-CCFF-4ACE-A086-D25D593FFC79}"/>
+              </a:ext>
+            </a:extLst>
+          </p:cNvPr>
+          <p:cNvSpPr>
+            <a:spLocks noGrp="1"/>
+          </p:cNvSpPr>
+          <p:nvPr>
+            <p:ph type="body" sz="quarter" idx="14"/>
+          </p:nvPr>
+        </p:nvSpPr>
+        <p:spPr/>
+        <p:txBody>
+          <a:bodyPr>
+            <a:normAutofit fontScale="85000" lnSpcReduction="10000"/>
+          </a:bodyPr>
+          <a:lstStyle/>
+          <a:p>
+            <a:r>
+              <a:rPr lang="en-US" dirty="0"/>
+              <a:t>Hello! My name is Octavio Pacheco. I am 22 years old and I am currently working towards a Bachelor’s in physics. My biggest goal in life is to work for NASA, SpaceX or any space agency. If possible, I would love to get into a space program. My hobbies are exercising, eating, being outside, and studying. You can find me as a tutor in the Andover campus on Tuesday and Thursday, I will be more than glad to help you out with math, chem, and even Spanish (I am a native speaker).</a:t>
+            </a:r>
+          </a:p>
+        </p:txBody>
+      </p:sp>
+      <p:sp>
+        <p:nvSpPr>
+          <p:cNvPr id="4" name="Text Placeholder 3">
+            <a:extLst>
+              <a:ext uri="{FF2B5EF4-FFF2-40B4-BE49-F238E27FC236}">
+                <a16:creationId xmlns:a16="http://schemas.microsoft.com/office/drawing/2014/main" id="{B210CE2C-3B0A-4A3B-A3F2-BCCEB85FA740}"/>
+              </a:ext>
+            </a:extLst>
+          </p:cNvPr>
+          <p:cNvSpPr>
+            <a:spLocks noGrp="1"/>
+          </p:cNvSpPr>
+          <p:nvPr>
+            <p:ph type="body" sz="quarter" idx="15"/>
+          </p:nvPr>
+        </p:nvSpPr>
+        <p:spPr/>
+        <p:txBody>
+          <a:bodyPr>
+            <a:normAutofit fontScale="92500" lnSpcReduction="20000"/>
+          </a:bodyPr>
+          <a:lstStyle/>
+          <a:p>
+            <a:r>
+              <a:rPr lang="en-US" dirty="0"/>
+              <a:t>Octavio Pacheco Vazquez </a:t>
+            </a:r>
+          </a:p>
+          <a:p>
+            <a:endParaRPr lang="en-US" dirty="0"/>
           </a:p>
         </p:txBody>
       </p:sp>
       <p:pic>
         <p:nvPicPr>
-          <p:cNvPr id="7170" name="Picture 2" descr="https://attachments.office.net/owa/cmcgill1%40butlercc.edu/service.svc/s/GetAttachmentThumbnail?id=AAMkAGUxMmM3YzVkLTFlYTMtNGRiMS1iNzJjLWM5NDUwY2E1NGNjZgBGAAAAAACfS%2F7hQdtDSYcbJjpSD%2FvgBwA%2FQB3Mk8jwTprctT6VzHEZAAAAAAEMAAA%2FQB3Mk8jwTprctT6VzHEZAAHRYiEiAAABEgAQAPfIMA3J7QlEk7bB4M27xEs%3D&amp;thumbnailType=2&amp;owa=outlook.office365.com&amp;scriptVer=2020030202.19&amp;X-OWA-CANARY=wU3XLFn110ap7rzI3CoURyCX6U46xdcYnk9Ip2CQssoyYqWCYshcUTtHpSex9Vg6WyybD9f0TCk.&amp;token=eyJhbGciOiJSUzI1NiIsImtpZCI6IjU2MzU4ODUyMzRCOTI1MkRERTAwNTc2NkQ5RDlGMjc2NTY1RjYzRTIiLCJ4NXQiOiJWaldJVWpTNUpTM2VBRmRtMmRueWRsWmZZLUkiLCJ0eXAiOiJKV1QifQ.eyJvcmlnaW4iOiJodHRwczovL291dGxvb2sub2ZmaWNlMzY1LmNvbSIsInZlciI6IkV4Y2hhbmdlLkNhbGxiYWNrLlYxIiwiYXBwY3R4c2VuZGVyIjoiT3dhRG93bmxvYWRAYjBjNmM2ODctYTc0MC00MzVlLTkzNjItMDk1YjAzN2QyNDQzIiwiaXNzcmluZyI6IldXIiwiYXBwY3R4Ijoie1wibXNleGNocHJvdFwiOlwib3dhXCIsXCJwcmltYXJ5c2lkXCI6XCJTLTEtNS0yMS0xNjgwNjYxMDktNDA1NjQ0NzE2LTI2MjI2MzQ1NjgtMjI4NTc0NjJcIixcInB1aWRcIjpcIjExNTM5MDY2NjEyNzczOTAzMDVcIixcIm9pZFwiOlwiYWQ2OGFkNGEtN2VkZi00NjNjLWJhMWEtOWEyNDc0MmU4MzBiXCIsXCJzY29wZVwiOlwiT3dhRG93bmxvYWRcIn0iLCJuYmYiOjE1ODM4NzU4MzAsImV4cCI6MTU4Mzg3NjQzMCwiaXNzIjoiMDAwMDAwMDItMDAwMC0wZmYxLWNlMDAtMDAwMDAwMDAwMDAwQGIwYzZjNjg3LWE3NDAtNDM1ZS05MzYyLTA5NWIwMzdkMjQ0MyIsImF1ZCI6IjAwMDAwMDAyLTAwMDAtMGZmMS1jZTAwLTAwMDAwMDAwMDAwMC9hdHRhY2htZW50cy5vZmZpY2UubmV0QGIwYzZjNjg3LWE3NDAtNDM1ZS05MzYyLTA5NWIwMzdkMjQ0MyJ9.k3qpRHrgiFsx3Pxyk9phACrMe7qUuQCtEpaTW6Zi64uO2kWkovaz-3zPd3z1d749lkQAP5oeLsByPEq7B6EH1xYidK6adAOuhDm0LdBYNyFSiO9YOhsDdKKxMryFU1cX6cbTFp5HkIBhNC101NC69XjtV6DEHwR9LBxbSfZSHhLaEWfVmVlgaAsjEvZIWWzgvruYf4l3Hldx2-GOFVpVeV7IeVZAtEdACArhzcSvdHAWE0tj3Ot03XwscKGT_Y56iOTh0z3HRHhQnxBQ8d2TBzxvoV_mGxJLVB8OxNM4CmWc-zG70VHW6Wsf5QAdQ7dd66CzeckF-ez0SzQd-HNYoQ&amp;animation=true"/>
+          <p:cNvPr id="10" name="Picture Placeholder 9" descr="A picture containing person, person, young, person&#10;&#10;Description automatically generated">
+            <a:extLst>
+              <a:ext uri="{FF2B5EF4-FFF2-40B4-BE49-F238E27FC236}">
+                <a16:creationId xmlns:a16="http://schemas.microsoft.com/office/drawing/2014/main" id="{AD02A5EB-8F23-4529-8908-C993B105053B}"/>
+              </a:ext>
+            </a:extLst>
+          </p:cNvPr>
           <p:cNvPicPr>
-            <a:picLocks noChangeAspect="1" noChangeArrowheads="1"/>
+            <a:picLocks noGrp="1" noChangeAspect="1"/>
           </p:cNvPicPr>
-          <p:nvPr/>
+          <p:nvPr>
+            <p:ph type="pic" sz="quarter" idx="13"/>
+          </p:nvPr>
         </p:nvPicPr>
         <p:blipFill>
-          <a:blip r:embed="rId2">
-            <a:extLst>
-              <a:ext uri="{28A0092B-C50C-407E-A947-70E740481C1C}">
-                <a14:useLocalDpi xmlns:a14="http://schemas.microsoft.com/office/drawing/2010/main" val="0"/>
-              </a:ext>
-            </a:extLst>
-          </a:blip>
-          <a:srcRect/>
+          <a:blip r:embed="rId2"/>
+          <a:srcRect l="17944" r="17944"/>
           <a:stretch>
             <a:fillRect/>
           </a:stretch>
         </p:blipFill>
-        <p:spPr bwMode="auto">
-          <a:xfrm>
-            <a:off x="1451579" y="1853753"/>
-            <a:ext cx="3200632" cy="4267509"/>
+        <p:spPr>
+          <a:xfrm rot="5400000">
+            <a:off x="1714500" y="2254126"/>
+            <a:ext cx="3067050" cy="3594100"/>
           </a:xfrm>
-          <a:prstGeom prst="rect">
-            <a:avLst/>
-          </a:prstGeom>
-          <a:noFill/>
-          <a:extLst>
-            <a:ext uri="{909E8E84-426E-40DD-AFC4-6F175D3DCCD1}">
-              <a14:hiddenFill xmlns:a14="http://schemas.microsoft.com/office/drawing/2010/main">
-                <a:solidFill>
-                  <a:srgbClr val="FFFFFF"/>
-                </a:solidFill>
-              </a14:hiddenFill>
-            </a:ext>
-          </a:extLst>
         </p:spPr>
       </p:pic>
-      <p:sp>
-        <p:nvSpPr>
-          <p:cNvPr id="5" name="Rectangle 4"/>
-          <p:cNvSpPr/>
-          <p:nvPr/>
-        </p:nvSpPr>
-        <p:spPr>
-          <a:xfrm>
-            <a:off x="4652211" y="1853752"/>
-            <a:ext cx="6096000" cy="1200329"/>
-          </a:xfrm>
-          <a:prstGeom prst="rect">
-            <a:avLst/>
-          </a:prstGeom>
-        </p:spPr>
-        <p:txBody>
-          <a:bodyPr>
-            <a:spAutoFit/>
-          </a:bodyPr>
-          <a:lstStyle/>
-          <a:p>
-            <a:r>
-              <a:rPr lang="en-US" dirty="0"/>
-              <a:t>Raphael </a:t>
-            </a:r>
-            <a:r>
-              <a:rPr lang="en-US" dirty="0" err="1"/>
-              <a:t>Mfuko</a:t>
-            </a:r>
-            <a:endParaRPr lang="en-US" dirty="0"/>
-          </a:p>
-          <a:p>
-            <a:endParaRPr lang="en-US" dirty="0"/>
-          </a:p>
-          <a:p>
-            <a:r>
-              <a:rPr lang="en-US" dirty="0"/>
-              <a:t>I am Raphael and I’m Doing pre-med here at BCC and I enjoy watching movies in my free time.</a:t>
-            </a:r>
-          </a:p>
-        </p:txBody>
-      </p:sp>
-      <p:sp>
-        <p:nvSpPr>
-          <p:cNvPr id="6" name="TextBox 5"/>
-          <p:cNvSpPr txBox="1"/>
-          <p:nvPr/>
-        </p:nvSpPr>
-        <p:spPr>
-          <a:xfrm>
-            <a:off x="0" y="6642556"/>
-            <a:ext cx="922711" cy="215444"/>
-          </a:xfrm>
-          <a:prstGeom prst="rect">
-            <a:avLst/>
-          </a:prstGeom>
-          <a:noFill/>
-        </p:spPr>
-        <p:txBody>
-          <a:bodyPr wrap="square" rtlCol="0">
-            <a:spAutoFit/>
-          </a:bodyPr>
-          <a:lstStyle/>
-          <a:p>
-            <a:r>
-              <a:rPr lang="en-US" sz="800" dirty="0"/>
-              <a:t>cade was here</a:t>
-            </a:r>
-          </a:p>
-        </p:txBody>
-      </p:sp>
     </p:spTree>
     <p:extLst>
       <p:ext uri="{BB962C8B-B14F-4D97-AF65-F5344CB8AC3E}">
-        <p14:creationId xmlns:p14="http://schemas.microsoft.com/office/powerpoint/2010/main" val="983572159"/>
+        <p14:creationId xmlns:p14="http://schemas.microsoft.com/office/powerpoint/2010/main" val="1658560088"/>
       </p:ext>
     </p:extLst>
   </p:cSld>
   <p:clrMapOvr>
     <a:masterClrMapping/>
   </p:clrMapOvr>
-  <p:transition spd="slow" advClick="0" advTm="1000">
+  <p:transition spd="slow" advClick="0" advTm="10000">
     <p:randomBar dir="vert"/>
   </p:transition>
 </p:sld>
 </file>
 
 <file path=ppt/slides/slide19.xml><?xml version="1.0" encoding="utf-8"?>
-<p:sld xmlns:a="http://schemas.openxmlformats.org/drawingml/2006/main" xmlns:r="http://schemas.openxmlformats.org/officeDocument/2006/relationships" xmlns:p="http://schemas.openxmlformats.org/presentationml/2006/main" show="0">
+<p:sld xmlns:a="http://schemas.openxmlformats.org/drawingml/2006/main" xmlns:r="http://schemas.openxmlformats.org/officeDocument/2006/relationships" xmlns:p="http://schemas.openxmlformats.org/presentationml/2006/main">
   <p:cSld>
     <p:spTree>
       <p:nvGrpSpPr>
@@ -6630,146 +6475,118 @@
           <a:chExt cx="0" cy="0"/>
         </a:xfrm>
       </p:grpSpPr>
-      <p:sp>
-        <p:nvSpPr>
-          <p:cNvPr id="2" name="Title 1"/>
-          <p:cNvSpPr>
-            <a:spLocks noGrp="1"/>
-          </p:cNvSpPr>
-          <p:nvPr>
-            <p:ph type="title"/>
-          </p:nvPr>
-        </p:nvSpPr>
-        <p:spPr/>
-        <p:txBody>
-          <a:bodyPr/>
-          <a:lstStyle/>
-          <a:p>
-            <a:r>
-              <a:rPr lang="en-US" dirty="0"/>
-              <a:t>Meet our tutors</a:t>
-            </a:r>
-          </a:p>
-        </p:txBody>
-      </p:sp>
-      <p:sp>
-        <p:nvSpPr>
-          <p:cNvPr id="4" name="Rectangle 3"/>
-          <p:cNvSpPr/>
-          <p:nvPr/>
-        </p:nvSpPr>
+      <p:pic>
+        <p:nvPicPr>
+          <p:cNvPr id="6" name="Picture Placeholder 5" descr="A person wearing glasses&#10;&#10;Description automatically generated">
+            <a:extLst>
+              <a:ext uri="{FF2B5EF4-FFF2-40B4-BE49-F238E27FC236}">
+                <a16:creationId xmlns:a16="http://schemas.microsoft.com/office/drawing/2014/main" id="{03B73DDA-8707-4A53-80B1-56BBB508A04A}"/>
+              </a:ext>
+            </a:extLst>
+          </p:cNvPr>
+          <p:cNvPicPr preferRelativeResize="0">
+            <a:picLocks noGrp="1" noChangeAspect="1"/>
+          </p:cNvPicPr>
+          <p:nvPr>
+            <p:ph type="pic" sz="quarter" idx="13"/>
+          </p:nvPr>
+        </p:nvPicPr>
+        <p:blipFill rotWithShape="1">
+          <a:blip r:embed="rId2"/>
+          <a:srcRect l="-28113" r="-28113"/>
+          <a:stretch/>
+        </p:blipFill>
         <p:spPr>
           <a:xfrm>
-            <a:off x="4668253" y="1853754"/>
-            <a:ext cx="6096000" cy="1200329"/>
+            <a:off x="1451579" y="2517651"/>
+            <a:ext cx="3566160" cy="3043607"/>
           </a:xfrm>
-          <a:prstGeom prst="rect">
-            <a:avLst/>
-          </a:prstGeom>
-        </p:spPr>
-        <p:txBody>
-          <a:bodyPr>
-            <a:spAutoFit/>
-          </a:bodyPr>
-          <a:lstStyle/>
-          <a:p>
-            <a:r>
-              <a:rPr lang="en-US" dirty="0"/>
-              <a:t>Octavio Pacheco</a:t>
-            </a:r>
-          </a:p>
-          <a:p>
-            <a:endParaRPr lang="en-US" dirty="0"/>
-          </a:p>
-          <a:p>
-            <a:r>
-              <a:rPr lang="en-US" dirty="0"/>
-              <a:t>I am Octavio Pacheco. I am physics major. I enjoy studying and exercising. My biggest dream is working for NASA one day.</a:t>
-            </a:r>
-          </a:p>
-        </p:txBody>
-      </p:sp>
-      <p:pic>
-        <p:nvPicPr>
-          <p:cNvPr id="8194" name="Picture 2" descr="https://attachments.office.net/owa/cmcgill1%40butlercc.edu/service.svc/s/GetAttachmentThumbnail?id=AAMkAGUxMmM3YzVkLTFlYTMtNGRiMS1iNzJjLWM5NDUwY2E1NGNjZgBGAAAAAACfS%2F7hQdtDSYcbJjpSD%2FvgBwA%2FQB3Mk8jwTprctT6VzHEZAAAAAAEMAAA%2FQB3Mk8jwTprctT6VzHEZAAHRYiEiAAABEgAQAENV26jlHqpKrI2XtjpvqHQ%3D&amp;thumbnailType=2&amp;owa=outlook.office365.com&amp;scriptVer=2020030202.19&amp;X-OWA-CANARY=wU3XLFn110ap7rzI3CoURyCX6U46xdcYnk9Ip2CQssoyYqWCYshcUTtHpSex9Vg6WyybD9f0TCk.&amp;token=eyJhbGciOiJSUzI1NiIsImtpZCI6IjU2MzU4ODUyMzRCOTI1MkRERTAwNTc2NkQ5RDlGMjc2NTY1RjYzRTIiLCJ4NXQiOiJWaldJVWpTNUpTM2VBRmRtMmRueWRsWmZZLUkiLCJ0eXAiOiJKV1QifQ.eyJvcmlnaW4iOiJodHRwczovL291dGxvb2sub2ZmaWNlMzY1LmNvbSIsInZlciI6IkV4Y2hhbmdlLkNhbGxiYWNrLlYxIiwiYXBwY3R4c2VuZGVyIjoiT3dhRG93bmxvYWRAYjBjNmM2ODctYTc0MC00MzVlLTkzNjItMDk1YjAzN2QyNDQzIiwiaXNzcmluZyI6IldXIiwiYXBwY3R4Ijoie1wibXNleGNocHJvdFwiOlwib3dhXCIsXCJwcmltYXJ5c2lkXCI6XCJTLTEtNS0yMS0xNjgwNjYxMDktNDA1NjQ0NzE2LTI2MjI2MzQ1NjgtMjI4NTc0NjJcIixcInB1aWRcIjpcIjExNTM5MDY2NjEyNzczOTAzMDVcIixcIm9pZFwiOlwiYWQ2OGFkNGEtN2VkZi00NjNjLWJhMWEtOWEyNDc0MmU4MzBiXCIsXCJzY29wZVwiOlwiT3dhRG93bmxvYWRcIn0iLCJuYmYiOjE1ODM4NzU4MzAsImV4cCI6MTU4Mzg3NjQzMCwiaXNzIjoiMDAwMDAwMDItMDAwMC0wZmYxLWNlMDAtMDAwMDAwMDAwMDAwQGIwYzZjNjg3LWE3NDAtNDM1ZS05MzYyLTA5NWIwMzdkMjQ0MyIsImF1ZCI6IjAwMDAwMDAyLTAwMDAtMGZmMS1jZTAwLTAwMDAwMDAwMDAwMC9hdHRhY2htZW50cy5vZmZpY2UubmV0QGIwYzZjNjg3LWE3NDAtNDM1ZS05MzYyLTA5NWIwMzdkMjQ0MyJ9.k3qpRHrgiFsx3Pxyk9phACrMe7qUuQCtEpaTW6Zi64uO2kWkovaz-3zPd3z1d749lkQAP5oeLsByPEq7B6EH1xYidK6adAOuhDm0LdBYNyFSiO9YOhsDdKKxMryFU1cX6cbTFp5HkIBhNC101NC69XjtV6DEHwR9LBxbSfZSHhLaEWfVmVlgaAsjEvZIWWzgvruYf4l3Hldx2-GOFVpVeV7IeVZAtEdACArhzcSvdHAWE0tj3Ot03XwscKGT_Y56iOTh0z3HRHhQnxBQ8d2TBzxvoV_mGxJLVB8OxNM4CmWc-zG70VHW6Wsf5QAdQ7dd66CzeckF-ez0SzQd-HNYoQ&amp;animation=true"/>
-          <p:cNvPicPr>
-            <a:picLocks noChangeAspect="1" noChangeArrowheads="1"/>
-          </p:cNvPicPr>
-          <p:nvPr/>
-        </p:nvPicPr>
-        <p:blipFill>
-          <a:blip r:embed="rId2">
-            <a:extLst>
-              <a:ext uri="{28A0092B-C50C-407E-A947-70E740481C1C}">
-                <a14:useLocalDpi xmlns:a14="http://schemas.microsoft.com/office/drawing/2010/main" val="0"/>
-              </a:ext>
-            </a:extLst>
-          </a:blip>
-          <a:srcRect/>
-          <a:stretch>
-            <a:fillRect/>
-          </a:stretch>
-        </p:blipFill>
-        <p:spPr bwMode="auto">
-          <a:xfrm>
-            <a:off x="1451579" y="1853754"/>
-            <a:ext cx="3216674" cy="4284436"/>
-          </a:xfrm>
-          <a:prstGeom prst="rect">
-            <a:avLst/>
-          </a:prstGeom>
-          <a:noFill/>
-          <a:extLst>
-            <a:ext uri="{909E8E84-426E-40DD-AFC4-6F175D3DCCD1}">
-              <a14:hiddenFill xmlns:a14="http://schemas.microsoft.com/office/drawing/2010/main">
-                <a:solidFill>
-                  <a:srgbClr val="FFFFFF"/>
-                </a:solidFill>
-              </a14:hiddenFill>
-            </a:ext>
-          </a:extLst>
         </p:spPr>
       </p:pic>
       <p:sp>
         <p:nvSpPr>
-          <p:cNvPr id="5" name="TextBox 4"/>
-          <p:cNvSpPr txBox="1"/>
-          <p:nvPr/>
-        </p:nvSpPr>
-        <p:spPr>
-          <a:xfrm>
-            <a:off x="0" y="6642556"/>
-            <a:ext cx="922711" cy="215444"/>
-          </a:xfrm>
-          <a:prstGeom prst="rect">
-            <a:avLst/>
-          </a:prstGeom>
-          <a:noFill/>
-        </p:spPr>
-        <p:txBody>
-          <a:bodyPr wrap="square" rtlCol="0">
-            <a:spAutoFit/>
+          <p:cNvPr id="3" name="Text Placeholder 2">
+            <a:extLst>
+              <a:ext uri="{FF2B5EF4-FFF2-40B4-BE49-F238E27FC236}">
+                <a16:creationId xmlns:a16="http://schemas.microsoft.com/office/drawing/2014/main" id="{CF73F948-0F66-4222-8966-2803D6DA56EB}"/>
+              </a:ext>
+            </a:extLst>
+          </p:cNvPr>
+          <p:cNvSpPr>
+            <a:spLocks noGrp="1"/>
+          </p:cNvSpPr>
+          <p:nvPr>
+            <p:ph type="body" sz="quarter" idx="14"/>
+          </p:nvPr>
+        </p:nvSpPr>
+        <p:spPr/>
+        <p:txBody>
+          <a:bodyPr>
+            <a:normAutofit fontScale="77500" lnSpcReduction="20000"/>
           </a:bodyPr>
           <a:lstStyle/>
           <a:p>
             <a:r>
-              <a:rPr lang="en-US" sz="800" dirty="0"/>
-              <a:t>cade was here</a:t>
-            </a:r>
+              <a:rPr lang="en-US" dirty="0"/>
+              <a:t>Hi, there! My name is Sarah, and I am a non-traditional student with a minor disability. I am majoring in Psychology because I plan to become a Marriage and Family Therapist. My last name is pronounced "PEA-nick" ("pea" as in the little green vegetable), and I appreciate it when my name is said correctly!</a:t>
+            </a:r>
+            <a:br>
+              <a:rPr lang="en-US" dirty="0"/>
+            </a:br>
+            <a:br>
+              <a:rPr lang="en-US" dirty="0"/>
+            </a:br>
+            <a:r>
+              <a:rPr lang="en-US" dirty="0"/>
+              <a:t>When I'm not in class, you can find me on campus in the Tutoring Labs. We would love to help you if you get stuck -- please feel free to stop by! I am a cat mom, and I love to write, read, crochet, and draw (among other things) when I'm not working or studying. </a:t>
+            </a:r>
+          </a:p>
+        </p:txBody>
+      </p:sp>
+      <p:sp>
+        <p:nvSpPr>
+          <p:cNvPr id="4" name="Text Placeholder 3">
+            <a:extLst>
+              <a:ext uri="{FF2B5EF4-FFF2-40B4-BE49-F238E27FC236}">
+                <a16:creationId xmlns:a16="http://schemas.microsoft.com/office/drawing/2014/main" id="{25A1AB76-4F7E-4630-AF11-1445A50D37B1}"/>
+              </a:ext>
+            </a:extLst>
+          </p:cNvPr>
+          <p:cNvSpPr>
+            <a:spLocks noGrp="1"/>
+          </p:cNvSpPr>
+          <p:nvPr>
+            <p:ph type="body" sz="quarter" idx="15"/>
+          </p:nvPr>
+        </p:nvSpPr>
+        <p:spPr/>
+        <p:txBody>
+          <a:bodyPr>
+            <a:normAutofit fontScale="92500" lnSpcReduction="20000"/>
+          </a:bodyPr>
+          <a:lstStyle/>
+          <a:p>
+            <a:r>
+              <a:rPr lang="en-US" dirty="0"/>
+              <a:t>Sarah Penick </a:t>
+            </a:r>
+          </a:p>
+          <a:p>
+            <a:endParaRPr lang="en-US" dirty="0"/>
           </a:p>
         </p:txBody>
       </p:sp>
     </p:spTree>
     <p:extLst>
       <p:ext uri="{BB962C8B-B14F-4D97-AF65-F5344CB8AC3E}">
-        <p14:creationId xmlns:p14="http://schemas.microsoft.com/office/powerpoint/2010/main" val="2220926240"/>
+        <p14:creationId xmlns:p14="http://schemas.microsoft.com/office/powerpoint/2010/main" val="62202950"/>
       </p:ext>
     </p:extLst>
   </p:cSld>
   <p:clrMapOvr>
     <a:masterClrMapping/>
   </p:clrMapOvr>
-  <p:transition spd="slow" advClick="0" advTm="1000">
+  <p:transition spd="slow" advClick="0" advTm="10000">
     <p:randomBar dir="vert"/>
   </p:transition>
 </p:sld>
@@ -6809,7 +6626,7 @@
 </file>
 
 <file path=ppt/slides/slide20.xml><?xml version="1.0" encoding="utf-8"?>
-<p:sld xmlns:a="http://schemas.openxmlformats.org/drawingml/2006/main" xmlns:r="http://schemas.openxmlformats.org/officeDocument/2006/relationships" xmlns:p="http://schemas.openxmlformats.org/presentationml/2006/main" show="0">
+<p:sld xmlns:a="http://schemas.openxmlformats.org/drawingml/2006/main" xmlns:r="http://schemas.openxmlformats.org/officeDocument/2006/relationships" xmlns:p="http://schemas.openxmlformats.org/presentationml/2006/main">
   <p:cSld>
     <p:spTree>
       <p:nvGrpSpPr>
@@ -6827,164 +6644,103 @@
       </p:grpSpPr>
       <p:sp>
         <p:nvSpPr>
-          <p:cNvPr id="2" name="Title 1"/>
-          <p:cNvSpPr>
-            <a:spLocks noGrp="1"/>
-          </p:cNvSpPr>
-          <p:nvPr>
-            <p:ph type="title"/>
-          </p:nvPr>
-        </p:nvSpPr>
-        <p:spPr/>
-        <p:txBody>
-          <a:bodyPr/>
-          <a:lstStyle/>
-          <a:p>
-            <a:r>
-              <a:rPr lang="en-US" dirty="0"/>
-              <a:t>Meet our tutors</a:t>
-            </a:r>
-          </a:p>
-        </p:txBody>
-      </p:sp>
-      <p:pic>
-        <p:nvPicPr>
-          <p:cNvPr id="10242" name="Picture 2" descr="https://attachments.office.net/owa/cmcgill1%40butlercc.edu/service.svc/s/GetAttachmentThumbnail?id=AAMkAGUxMmM3YzVkLTFlYTMtNGRiMS1iNzJjLWM5NDUwY2E1NGNjZgBGAAAAAACfS%2F7hQdtDSYcbJjpSD%2FvgBwA%2FQB3Mk8jwTprctT6VzHEZAAAAAAEMAAA%2FQB3Mk8jwTprctT6VzHEZAAHRYiEiAAABEgAQAG9vR%2FXRDNpBowCMI0LsFXQ%3D&amp;thumbnailType=2&amp;owa=outlook.office365.com&amp;scriptVer=2020030202.19&amp;X-OWA-CANARY=Vv2zwxP91UWndlzKUmNzclCnj208xdcY7pihr5-OhyxJWdLh12CjXo4ENw_zwHsPscx5LgpCZog.&amp;token=eyJhbGciOiJSUzI1NiIsImtpZCI6IjU2MzU4ODUyMzRCOTI1MkRERTAwNTc2NkQ5RDlGMjc2NTY1RjYzRTIiLCJ4NXQiOiJWaldJVWpTNUpTM2VBRmRtMmRueWRsWmZZLUkiLCJ0eXAiOiJKV1QifQ.eyJvcmlnaW4iOiJodHRwczovL291dGxvb2sub2ZmaWNlMzY1LmNvbSIsInZlciI6IkV4Y2hhbmdlLkNhbGxiYWNrLlYxIiwiYXBwY3R4c2VuZGVyIjoiT3dhRG93bmxvYWRAYjBjNmM2ODctYTc0MC00MzVlLTkzNjItMDk1YjAzN2QyNDQzIiwiaXNzcmluZyI6IldXIiwiYXBwY3R4Ijoie1wibXNleGNocHJvdFwiOlwib3dhXCIsXCJwcmltYXJ5c2lkXCI6XCJTLTEtNS0yMS0xNjgwNjYxMDktNDA1NjQ0NzE2LTI2MjI2MzQ1NjgtMjI4NTc0NjJcIixcInB1aWRcIjpcIjExNTM5MDY2NjEyNzczOTAzMDVcIixcIm9pZFwiOlwiYWQ2OGFkNGEtN2VkZi00NjNjLWJhMWEtOWEyNDc0MmU4MzBiXCIsXCJzY29wZVwiOlwiT3dhRG93bmxvYWRcIn0iLCJuYmYiOjE1ODM4NzY3NDcsImV4cCI6MTU4Mzg3NzM0NywiaXNzIjoiMDAwMDAwMDItMDAwMC0wZmYxLWNlMDAtMDAwMDAwMDAwMDAwQGIwYzZjNjg3LWE3NDAtNDM1ZS05MzYyLTA5NWIwMzdkMjQ0MyIsImF1ZCI6IjAwMDAwMDAyLTAwMDAtMGZmMS1jZTAwLTAwMDAwMDAwMDAwMC9hdHRhY2htZW50cy5vZmZpY2UubmV0QGIwYzZjNjg3LWE3NDAtNDM1ZS05MzYyLTA5NWIwMzdkMjQ0MyJ9.QhTDx0eS4NLSiQR2_C_CuBjTAaUxU2YWtGueF_u3XGkLh1qxgBvZw8gej-XAnD4yuyCVOYac3v8ZNL-uBPQ4kRLvHfLi-RI3aLg_xnYFnKTeWjIJQi95kV8zFnjZMpaJ7AXI01UIXcq9Cyp7-qeqbfCUmMDq-J6-qPrqlYct9HtiFzFHcvIB5fVgRkSJl1cMy_Dpqe5JpPDLoYbjwdHaa70Ev9qYNwutpv9eq47x20gY_NK_xqhHek52IzSrxaTnMPEeBuwEokZA3lpqdqaWf6ck8A0-_S7qszNOQlY_ZQEH_rzi32KcbfxPYmWyfSfTA7gVon5nnSowAVFFY941qw&amp;animation=true"/>
-          <p:cNvPicPr>
-            <a:picLocks noChangeAspect="1" noChangeArrowheads="1"/>
-          </p:cNvPicPr>
-          <p:nvPr/>
-        </p:nvPicPr>
-        <p:blipFill>
-          <a:blip r:embed="rId2">
-            <a:extLst>
-              <a:ext uri="{28A0092B-C50C-407E-A947-70E740481C1C}">
-                <a14:useLocalDpi xmlns:a14="http://schemas.microsoft.com/office/drawing/2010/main" val="0"/>
-              </a:ext>
-            </a:extLst>
-          </a:blip>
-          <a:srcRect/>
-          <a:stretch>
-            <a:fillRect/>
-          </a:stretch>
-        </p:blipFill>
-        <p:spPr bwMode="auto">
-          <a:xfrm>
-            <a:off x="1451578" y="1853753"/>
-            <a:ext cx="4275453" cy="4275453"/>
-          </a:xfrm>
-          <a:prstGeom prst="rect">
-            <a:avLst/>
-          </a:prstGeom>
-          <a:noFill/>
-          <a:extLst>
-            <a:ext uri="{909E8E84-426E-40DD-AFC4-6F175D3DCCD1}">
-              <a14:hiddenFill xmlns:a14="http://schemas.microsoft.com/office/drawing/2010/main">
-                <a:solidFill>
-                  <a:srgbClr val="FFFFFF"/>
-                </a:solidFill>
-              </a14:hiddenFill>
-            </a:ext>
-          </a:extLst>
-        </p:spPr>
-      </p:pic>
-      <p:sp>
-        <p:nvSpPr>
-          <p:cNvPr id="5" name="Rectangle 4"/>
-          <p:cNvSpPr/>
-          <p:nvPr/>
-        </p:nvSpPr>
-        <p:spPr>
-          <a:xfrm>
-            <a:off x="5727031" y="1853752"/>
-            <a:ext cx="5327823" cy="2308324"/>
-          </a:xfrm>
-          <a:prstGeom prst="rect">
-            <a:avLst/>
-          </a:prstGeom>
-        </p:spPr>
-        <p:txBody>
-          <a:bodyPr wrap="square">
-            <a:spAutoFit/>
+          <p:cNvPr id="2" name="Picture Placeholder 1">
+            <a:extLst>
+              <a:ext uri="{FF2B5EF4-FFF2-40B4-BE49-F238E27FC236}">
+                <a16:creationId xmlns:a16="http://schemas.microsoft.com/office/drawing/2014/main" id="{60C0F58A-3940-4EFA-BDD6-02C0914CAD31}"/>
+              </a:ext>
+            </a:extLst>
+          </p:cNvPr>
+          <p:cNvSpPr>
+            <a:spLocks noGrp="1"/>
+          </p:cNvSpPr>
+          <p:nvPr>
+            <p:ph type="pic" sz="quarter" idx="13"/>
+          </p:nvPr>
+        </p:nvSpPr>
+        <p:spPr/>
+      </p:sp>
+      <p:sp>
+        <p:nvSpPr>
+          <p:cNvPr id="3" name="Text Placeholder 2">
+            <a:extLst>
+              <a:ext uri="{FF2B5EF4-FFF2-40B4-BE49-F238E27FC236}">
+                <a16:creationId xmlns:a16="http://schemas.microsoft.com/office/drawing/2014/main" id="{EA6A2BBD-DACE-49B1-9BA9-366B6204CD22}"/>
+              </a:ext>
+            </a:extLst>
+          </p:cNvPr>
+          <p:cNvSpPr>
+            <a:spLocks noGrp="1"/>
+          </p:cNvSpPr>
+          <p:nvPr>
+            <p:ph type="body" sz="quarter" idx="14"/>
+          </p:nvPr>
+        </p:nvSpPr>
+        <p:spPr/>
+        <p:txBody>
+          <a:bodyPr>
+            <a:normAutofit fontScale="85000" lnSpcReduction="10000"/>
           </a:bodyPr>
           <a:lstStyle/>
           <a:p>
             <a:r>
               <a:rPr lang="en-US" dirty="0"/>
-              <a:t>Jason </a:t>
-            </a:r>
-            <a:r>
-              <a:rPr lang="en-US" dirty="0" err="1"/>
-              <a:t>Wibowo</a:t>
-            </a:r>
+              <a:t>Hi, my name is Trinh Pham, but I would like to go by Jenny. I am currently majoring in Pre-nursing at Butler. I am also a tutor in Anatomy and Physiology, College Algebra, and general Biology, so if you need help in any of those subjects, you can find me in the lab tutor on the Andover campus. My hobby is watching movies, especially romantic &amp; comedic ones. Sometimes, I like to drive around when the weather is nice and grab some drinks to enjoy my free time. </a:t>
+            </a:r>
+          </a:p>
+        </p:txBody>
+      </p:sp>
+      <p:sp>
+        <p:nvSpPr>
+          <p:cNvPr id="4" name="Text Placeholder 3">
+            <a:extLst>
+              <a:ext uri="{FF2B5EF4-FFF2-40B4-BE49-F238E27FC236}">
+                <a16:creationId xmlns:a16="http://schemas.microsoft.com/office/drawing/2014/main" id="{F2EFC498-7927-4A83-9300-BD45A9101EBE}"/>
+              </a:ext>
+            </a:extLst>
+          </p:cNvPr>
+          <p:cNvSpPr>
+            <a:spLocks noGrp="1"/>
+          </p:cNvSpPr>
+          <p:nvPr>
+            <p:ph type="body" sz="quarter" idx="15"/>
+          </p:nvPr>
+        </p:nvSpPr>
+        <p:spPr/>
+        <p:txBody>
+          <a:bodyPr>
+            <a:normAutofit fontScale="92500" lnSpcReduction="20000"/>
+          </a:bodyPr>
+          <a:lstStyle/>
+          <a:p>
+            <a:r>
+              <a:rPr lang="en-US" dirty="0"/>
+              <a:t>Trinh Pham (Jenny)</a:t>
+            </a:r>
+          </a:p>
+          <a:p>
             <a:endParaRPr lang="en-US" dirty="0"/>
-          </a:p>
-          <a:p>
-            <a:endParaRPr lang="en-US" dirty="0"/>
-          </a:p>
-          <a:p>
-            <a:r>
-              <a:rPr lang="en-US" dirty="0"/>
-              <a:t>My name is Jason </a:t>
-            </a:r>
-            <a:r>
-              <a:rPr lang="en-US" dirty="0" err="1"/>
-              <a:t>Wibowo</a:t>
-            </a:r>
-            <a:r>
-              <a:rPr lang="en-US" dirty="0"/>
-              <a:t> and I am studying to be an Electrical engineer. I am currently taking public speaking, trigonometry, engineering graphics 2, 3D modeling and CAD and electrical circuits. I tutor College algebra and AutoCAD and am available in the math lab from 12:30 - 3:30 on Tuesday and Thursdays.</a:t>
-            </a:r>
-          </a:p>
-        </p:txBody>
-      </p:sp>
-      <p:sp>
-        <p:nvSpPr>
-          <p:cNvPr id="6" name="TextBox 5"/>
-          <p:cNvSpPr txBox="1"/>
-          <p:nvPr/>
-        </p:nvSpPr>
-        <p:spPr>
-          <a:xfrm>
-            <a:off x="0" y="6642556"/>
-            <a:ext cx="922711" cy="215444"/>
-          </a:xfrm>
-          <a:prstGeom prst="rect">
-            <a:avLst/>
-          </a:prstGeom>
-          <a:noFill/>
-        </p:spPr>
-        <p:txBody>
-          <a:bodyPr wrap="square" rtlCol="0">
-            <a:spAutoFit/>
-          </a:bodyPr>
-          <a:lstStyle/>
-          <a:p>
-            <a:r>
-              <a:rPr lang="en-US" sz="800" dirty="0"/>
-              <a:t>cade was here</a:t>
-            </a:r>
           </a:p>
         </p:txBody>
       </p:sp>
     </p:spTree>
     <p:extLst>
       <p:ext uri="{BB962C8B-B14F-4D97-AF65-F5344CB8AC3E}">
-        <p14:creationId xmlns:p14="http://schemas.microsoft.com/office/powerpoint/2010/main" val="3104452723"/>
+        <p14:creationId xmlns:p14="http://schemas.microsoft.com/office/powerpoint/2010/main" val="4162745041"/>
       </p:ext>
     </p:extLst>
   </p:cSld>
   <p:clrMapOvr>
     <a:masterClrMapping/>
   </p:clrMapOvr>
-  <p:transition spd="slow" advClick="0" advTm="1000">
+  <p:transition spd="slow" advClick="0" advTm="10000">
     <p:randomBar dir="vert"/>
   </p:transition>
 </p:sld>
 </file>
 
 <file path=ppt/slides/slide21.xml><?xml version="1.0" encoding="utf-8"?>
-<p:sld xmlns:a="http://schemas.openxmlformats.org/drawingml/2006/main" xmlns:r="http://schemas.openxmlformats.org/officeDocument/2006/relationships" xmlns:p="http://schemas.openxmlformats.org/presentationml/2006/main" show="0">
+<p:sld xmlns:a="http://schemas.openxmlformats.org/drawingml/2006/main" xmlns:r="http://schemas.openxmlformats.org/officeDocument/2006/relationships" xmlns:p="http://schemas.openxmlformats.org/presentationml/2006/main">
   <p:cSld>
     <p:spTree>
       <p:nvGrpSpPr>
@@ -7002,149 +6758,96 @@
       </p:grpSpPr>
       <p:sp>
         <p:nvSpPr>
-          <p:cNvPr id="2" name="Title 1"/>
-          <p:cNvSpPr>
-            <a:spLocks noGrp="1"/>
-          </p:cNvSpPr>
-          <p:nvPr>
-            <p:ph type="title"/>
-          </p:nvPr>
-        </p:nvSpPr>
-        <p:spPr/>
-        <p:txBody>
-          <a:bodyPr/>
-          <a:lstStyle/>
-          <a:p>
-            <a:r>
-              <a:rPr lang="en-US" dirty="0"/>
-              <a:t>Meet our tutors</a:t>
-            </a:r>
-          </a:p>
-        </p:txBody>
-      </p:sp>
-      <p:pic>
-        <p:nvPicPr>
-          <p:cNvPr id="11266" name="Picture 2" descr="https://attachments.office.net/owa/cmcgill1%40butlercc.edu/service.svc/s/GetAttachmentThumbnail?id=AAMkAGUxMmM3YzVkLTFlYTMtNGRiMS1iNzJjLWM5NDUwY2E1NGNjZgBGAAAAAACfS%2F7hQdtDSYcbJjpSD%2FvgBwA%2FQB3Mk8jwTprctT6VzHEZAAAAAAEMAAA%2FQB3Mk8jwTprctT6VzHEZAAHRYiEiAAABEgAQAE7AhYrMgdFFngVMpmUU6eI%3D&amp;thumbnailType=2&amp;owa=outlook.office365.com&amp;scriptVer=2020030202.19&amp;X-OWA-CANARY=Vv2zwxP91UWndlzKUmNzclCnj208xdcY7pihr5-OhyxJWdLh12CjXo4ENw_zwHsPscx5LgpCZog.&amp;token=eyJhbGciOiJSUzI1NiIsImtpZCI6IjU2MzU4ODUyMzRCOTI1MkRERTAwNTc2NkQ5RDlGMjc2NTY1RjYzRTIiLCJ4NXQiOiJWaldJVWpTNUpTM2VBRmRtMmRueWRsWmZZLUkiLCJ0eXAiOiJKV1QifQ.eyJvcmlnaW4iOiJodHRwczovL291dGxvb2sub2ZmaWNlMzY1LmNvbSIsInZlciI6IkV4Y2hhbmdlLkNhbGxiYWNrLlYxIiwiYXBwY3R4c2VuZGVyIjoiT3dhRG93bmxvYWRAYjBjNmM2ODctYTc0MC00MzVlLTkzNjItMDk1YjAzN2QyNDQzIiwiaXNzcmluZyI6IldXIiwiYXBwY3R4Ijoie1wibXNleGNocHJvdFwiOlwib3dhXCIsXCJwcmltYXJ5c2lkXCI6XCJTLTEtNS0yMS0xNjgwNjYxMDktNDA1NjQ0NzE2LTI2MjI2MzQ1NjgtMjI4NTc0NjJcIixcInB1aWRcIjpcIjExNTM5MDY2NjEyNzczOTAzMDVcIixcIm9pZFwiOlwiYWQ2OGFkNGEtN2VkZi00NjNjLWJhMWEtOWEyNDc0MmU4MzBiXCIsXCJzY29wZVwiOlwiT3dhRG93bmxvYWRcIn0iLCJuYmYiOjE1ODM4NzY3NDcsImV4cCI6MTU4Mzg3NzM0NywiaXNzIjoiMDAwMDAwMDItMDAwMC0wZmYxLWNlMDAtMDAwMDAwMDAwMDAwQGIwYzZjNjg3LWE3NDAtNDM1ZS05MzYyLTA5NWIwMzdkMjQ0MyIsImF1ZCI6IjAwMDAwMDAyLTAwMDAtMGZmMS1jZTAwLTAwMDAwMDAwMDAwMC9hdHRhY2htZW50cy5vZmZpY2UubmV0QGIwYzZjNjg3LWE3NDAtNDM1ZS05MzYyLTA5NWIwMzdkMjQ0MyJ9.QhTDx0eS4NLSiQR2_C_CuBjTAaUxU2YWtGueF_u3XGkLh1qxgBvZw8gej-XAnD4yuyCVOYac3v8ZNL-uBPQ4kRLvHfLi-RI3aLg_xnYFnKTeWjIJQi95kV8zFnjZMpaJ7AXI01UIXcq9Cyp7-qeqbfCUmMDq-J6-qPrqlYct9HtiFzFHcvIB5fVgRkSJl1cMy_Dpqe5JpPDLoYbjwdHaa70Ev9qYNwutpv9eq47x20gY_NK_xqhHek52IzSrxaTnMPEeBuwEokZA3lpqdqaWf6ck8A0-_S7qszNOQlY_ZQEH_rzi32KcbfxPYmWyfSfTA7gVon5nnSowAVFFY941qw&amp;animation=true"/>
-          <p:cNvPicPr>
-            <a:picLocks noChangeAspect="1" noChangeArrowheads="1"/>
-          </p:cNvPicPr>
-          <p:nvPr/>
-        </p:nvPicPr>
-        <p:blipFill>
-          <a:blip r:embed="rId2">
-            <a:extLst>
-              <a:ext uri="{28A0092B-C50C-407E-A947-70E740481C1C}">
-                <a14:useLocalDpi xmlns:a14="http://schemas.microsoft.com/office/drawing/2010/main" val="0"/>
-              </a:ext>
-            </a:extLst>
-          </a:blip>
-          <a:srcRect/>
-          <a:stretch>
-            <a:fillRect/>
-          </a:stretch>
-        </p:blipFill>
-        <p:spPr bwMode="auto">
-          <a:xfrm>
-            <a:off x="1451580" y="1853755"/>
-            <a:ext cx="3200632" cy="4267510"/>
-          </a:xfrm>
-          <a:prstGeom prst="rect">
-            <a:avLst/>
-          </a:prstGeom>
-          <a:noFill/>
-          <a:extLst>
-            <a:ext uri="{909E8E84-426E-40DD-AFC4-6F175D3DCCD1}">
-              <a14:hiddenFill xmlns:a14="http://schemas.microsoft.com/office/drawing/2010/main">
-                <a:solidFill>
-                  <a:srgbClr val="FFFFFF"/>
-                </a:solidFill>
-              </a14:hiddenFill>
-            </a:ext>
-          </a:extLst>
-        </p:spPr>
-      </p:pic>
-      <p:sp>
-        <p:nvSpPr>
-          <p:cNvPr id="5" name="Rectangle 4"/>
-          <p:cNvSpPr/>
-          <p:nvPr/>
-        </p:nvSpPr>
-        <p:spPr>
-          <a:xfrm>
-            <a:off x="4652212" y="1853754"/>
-            <a:ext cx="5327823" cy="2308324"/>
-          </a:xfrm>
-          <a:prstGeom prst="rect">
-            <a:avLst/>
-          </a:prstGeom>
-        </p:spPr>
-        <p:txBody>
-          <a:bodyPr wrap="square">
-            <a:spAutoFit/>
+          <p:cNvPr id="2" name="Picture Placeholder 1">
+            <a:extLst>
+              <a:ext uri="{FF2B5EF4-FFF2-40B4-BE49-F238E27FC236}">
+                <a16:creationId xmlns:a16="http://schemas.microsoft.com/office/drawing/2014/main" id="{8CEF7476-5DC6-44B1-84E2-09D89CF57E1F}"/>
+              </a:ext>
+            </a:extLst>
+          </p:cNvPr>
+          <p:cNvSpPr>
+            <a:spLocks noGrp="1"/>
+          </p:cNvSpPr>
+          <p:nvPr>
+            <p:ph type="pic" sz="quarter" idx="13"/>
+          </p:nvPr>
+        </p:nvSpPr>
+        <p:spPr/>
+      </p:sp>
+      <p:sp>
+        <p:nvSpPr>
+          <p:cNvPr id="3" name="Text Placeholder 2">
+            <a:extLst>
+              <a:ext uri="{FF2B5EF4-FFF2-40B4-BE49-F238E27FC236}">
+                <a16:creationId xmlns:a16="http://schemas.microsoft.com/office/drawing/2014/main" id="{37431157-D973-44E7-BA23-F455EB04E1DC}"/>
+              </a:ext>
+            </a:extLst>
+          </p:cNvPr>
+          <p:cNvSpPr>
+            <a:spLocks noGrp="1"/>
+          </p:cNvSpPr>
+          <p:nvPr>
+            <p:ph type="body" sz="quarter" idx="14"/>
+          </p:nvPr>
+        </p:nvSpPr>
+        <p:spPr/>
+        <p:txBody>
+          <a:bodyPr>
+            <a:normAutofit fontScale="85000" lnSpcReduction="10000"/>
           </a:bodyPr>
           <a:lstStyle/>
           <a:p>
             <a:r>
               <a:rPr lang="en-US" dirty="0"/>
-              <a:t>Sarah </a:t>
-            </a:r>
-            <a:r>
-              <a:rPr lang="en-US" dirty="0" err="1"/>
-              <a:t>Penick</a:t>
-            </a:r>
-            <a:endParaRPr lang="en-US" dirty="0"/>
-          </a:p>
-          <a:p>
-            <a:endParaRPr lang="en-US" dirty="0"/>
-          </a:p>
-          <a:p>
-            <a:r>
-              <a:rPr lang="en-US" dirty="0"/>
-              <a:t>My name is Sarah, and I am majoring in Psychology.  For all of my life, I have wanted to help people, and this major will help me accomplish that goal by paving the way for me to obtain a Master of Science in Marriage and Family Therapy.  My main hobbies include reading, writing, crocheting, drawing, and being sat on by cats.</a:t>
-            </a:r>
-          </a:p>
-        </p:txBody>
-      </p:sp>
-      <p:sp>
-        <p:nvSpPr>
-          <p:cNvPr id="6" name="TextBox 5"/>
-          <p:cNvSpPr txBox="1"/>
-          <p:nvPr/>
-        </p:nvSpPr>
-        <p:spPr>
-          <a:xfrm>
-            <a:off x="0" y="6642556"/>
-            <a:ext cx="922711" cy="215444"/>
-          </a:xfrm>
-          <a:prstGeom prst="rect">
-            <a:avLst/>
-          </a:prstGeom>
-          <a:noFill/>
-        </p:spPr>
-        <p:txBody>
-          <a:bodyPr wrap="square" rtlCol="0">
-            <a:spAutoFit/>
+              <a:t>Hello! My name is Jordan, but everyone knows me as Red. I am 25 years old and currently pursuing a double major in zoo science and conservation. I hope to use this education to help conserve natural and historical habitat, as well as preserve the wildlife that has become endangered through human involvement. While not in class, I can either be found bartending at Outback Steakhouse or working at Butler as an assistant to the head of the tutoring labs. Come visit! </a:t>
+            </a:r>
+          </a:p>
+        </p:txBody>
+      </p:sp>
+      <p:sp>
+        <p:nvSpPr>
+          <p:cNvPr id="4" name="Text Placeholder 3">
+            <a:extLst>
+              <a:ext uri="{FF2B5EF4-FFF2-40B4-BE49-F238E27FC236}">
+                <a16:creationId xmlns:a16="http://schemas.microsoft.com/office/drawing/2014/main" id="{E5A0AA20-37F9-4145-9244-AA0AF9F3C2E8}"/>
+              </a:ext>
+            </a:extLst>
+          </p:cNvPr>
+          <p:cNvSpPr>
+            <a:spLocks noGrp="1"/>
+          </p:cNvSpPr>
+          <p:nvPr>
+            <p:ph type="body" sz="quarter" idx="15"/>
+          </p:nvPr>
+        </p:nvSpPr>
+        <p:spPr/>
+        <p:txBody>
+          <a:bodyPr>
+            <a:normAutofit fontScale="92500" lnSpcReduction="20000"/>
           </a:bodyPr>
           <a:lstStyle/>
           <a:p>
             <a:r>
-              <a:rPr lang="en-US" sz="800" dirty="0"/>
-              <a:t>cade was here</a:t>
-            </a:r>
+              <a:rPr lang="en-US" dirty="0"/>
+              <a:t>Red Green</a:t>
+            </a:r>
+          </a:p>
+          <a:p>
+            <a:endParaRPr lang="en-US" b="1" dirty="0"/>
           </a:p>
         </p:txBody>
       </p:sp>
     </p:spTree>
     <p:extLst>
       <p:ext uri="{BB962C8B-B14F-4D97-AF65-F5344CB8AC3E}">
-        <p14:creationId xmlns:p14="http://schemas.microsoft.com/office/powerpoint/2010/main" val="1121310303"/>
+        <p14:creationId xmlns:p14="http://schemas.microsoft.com/office/powerpoint/2010/main" val="4221805827"/>
       </p:ext>
     </p:extLst>
   </p:cSld>
   <p:clrMapOvr>
     <a:masterClrMapping/>
   </p:clrMapOvr>
-  <p:transition spd="slow" advClick="0" advTm="1000">
+  <p:transition spd="slow" advClick="0" advTm="10000">
     <p:randomBar dir="vert"/>
   </p:transition>
 </p:sld>
@@ -7169,12 +6872,36 @@
       </p:grpSpPr>
       <p:sp>
         <p:nvSpPr>
-          <p:cNvPr id="2" name="Title 1"/>
-          <p:cNvSpPr>
-            <a:spLocks noGrp="1"/>
-          </p:cNvSpPr>
-          <p:nvPr>
-            <p:ph type="title"/>
+          <p:cNvPr id="2" name="Picture Placeholder 1">
+            <a:extLst>
+              <a:ext uri="{FF2B5EF4-FFF2-40B4-BE49-F238E27FC236}">
+                <a16:creationId xmlns:a16="http://schemas.microsoft.com/office/drawing/2014/main" id="{A5D86860-80DF-4E18-9FFD-DD5A048AE257}"/>
+              </a:ext>
+            </a:extLst>
+          </p:cNvPr>
+          <p:cNvSpPr>
+            <a:spLocks noGrp="1"/>
+          </p:cNvSpPr>
+          <p:nvPr>
+            <p:ph type="pic" sz="quarter" idx="13"/>
+          </p:nvPr>
+        </p:nvSpPr>
+        <p:spPr/>
+      </p:sp>
+      <p:sp>
+        <p:nvSpPr>
+          <p:cNvPr id="3" name="Text Placeholder 2">
+            <a:extLst>
+              <a:ext uri="{FF2B5EF4-FFF2-40B4-BE49-F238E27FC236}">
+                <a16:creationId xmlns:a16="http://schemas.microsoft.com/office/drawing/2014/main" id="{689D4951-F71F-4A72-8A33-3587799081AE}"/>
+              </a:ext>
+            </a:extLst>
+          </p:cNvPr>
+          <p:cNvSpPr>
+            <a:spLocks noGrp="1"/>
+          </p:cNvSpPr>
+          <p:nvPr>
+            <p:ph type="body" sz="quarter" idx="14"/>
           </p:nvPr>
         </p:nvSpPr>
         <p:spPr/>
@@ -7182,131 +6909,903 @@
           <a:bodyPr/>
           <a:lstStyle/>
           <a:p>
-            <a:r>
-              <a:rPr lang="en-US" dirty="0"/>
-              <a:t>Meet our tutors</a:t>
-            </a:r>
-          </a:p>
-        </p:txBody>
-      </p:sp>
-      <p:pic>
-        <p:nvPicPr>
-          <p:cNvPr id="12290" name="Picture 2" descr="https://attachments.office.net/owa/cmcgill1%40butlercc.edu/service.svc/s/GetAttachmentThumbnail?id=AAMkAGUxMmM3YzVkLTFlYTMtNGRiMS1iNzJjLWM5NDUwY2E1NGNjZgBGAAAAAACfS%2F7hQdtDSYcbJjpSD%2FvgBwA%2FQB3Mk8jwTprctT6VzHEZAAAAAAEMAAA%2FQB3Mk8jwTprctT6VzHEZAAHRYiEiAAABEgAQAJwanEUTE41GugMDqAad1Rw%3D&amp;thumbnailType=2&amp;owa=outlook.office365.com&amp;scriptVer=2020030202.19&amp;X-OWA-CANARY=Vv2zwxP91UWndlzKUmNzclCnj208xdcY7pihr5-OhyxJWdLh12CjXo4ENw_zwHsPscx5LgpCZog.&amp;token=eyJhbGciOiJSUzI1NiIsImtpZCI6IjU2MzU4ODUyMzRCOTI1MkRERTAwNTc2NkQ5RDlGMjc2NTY1RjYzRTIiLCJ4NXQiOiJWaldJVWpTNUpTM2VBRmRtMmRueWRsWmZZLUkiLCJ0eXAiOiJKV1QifQ.eyJvcmlnaW4iOiJodHRwczovL291dGxvb2sub2ZmaWNlMzY1LmNvbSIsInZlciI6IkV4Y2hhbmdlLkNhbGxiYWNrLlYxIiwiYXBwY3R4c2VuZGVyIjoiT3dhRG93bmxvYWRAYjBjNmM2ODctYTc0MC00MzVlLTkzNjItMDk1YjAzN2QyNDQzIiwiaXNzcmluZyI6IldXIiwiYXBwY3R4Ijoie1wibXNleGNocHJvdFwiOlwib3dhXCIsXCJwcmltYXJ5c2lkXCI6XCJTLTEtNS0yMS0xNjgwNjYxMDktNDA1NjQ0NzE2LTI2MjI2MzQ1NjgtMjI4NTc0NjJcIixcInB1aWRcIjpcIjExNTM5MDY2NjEyNzczOTAzMDVcIixcIm9pZFwiOlwiYWQ2OGFkNGEtN2VkZi00NjNjLWJhMWEtOWEyNDc0MmU4MzBiXCIsXCJzY29wZVwiOlwiT3dhRG93bmxvYWRcIn0iLCJuYmYiOjE1ODM4NzY3NDcsImV4cCI6MTU4Mzg3NzM0NywiaXNzIjoiMDAwMDAwMDItMDAwMC0wZmYxLWNlMDAtMDAwMDAwMDAwMDAwQGIwYzZjNjg3LWE3NDAtNDM1ZS05MzYyLTA5NWIwMzdkMjQ0MyIsImF1ZCI6IjAwMDAwMDAyLTAwMDAtMGZmMS1jZTAwLTAwMDAwMDAwMDAwMC9hdHRhY2htZW50cy5vZmZpY2UubmV0QGIwYzZjNjg3LWE3NDAtNDM1ZS05MzYyLTA5NWIwMzdkMjQ0MyJ9.QhTDx0eS4NLSiQR2_C_CuBjTAaUxU2YWtGueF_u3XGkLh1qxgBvZw8gej-XAnD4yuyCVOYac3v8ZNL-uBPQ4kRLvHfLi-RI3aLg_xnYFnKTeWjIJQi95kV8zFnjZMpaJ7AXI01UIXcq9Cyp7-qeqbfCUmMDq-J6-qPrqlYct9HtiFzFHcvIB5fVgRkSJl1cMy_Dpqe5JpPDLoYbjwdHaa70Ev9qYNwutpv9eq47x20gY_NK_xqhHek52IzSrxaTnMPEeBuwEokZA3lpqdqaWf6ck8A0-_S7qszNOQlY_ZQEH_rzi32KcbfxPYmWyfSfTA7gVon5nnSowAVFFY941qw&amp;animation=true"/>
-          <p:cNvPicPr>
-            <a:picLocks noChangeAspect="1" noChangeArrowheads="1"/>
-          </p:cNvPicPr>
-          <p:nvPr/>
-        </p:nvPicPr>
-        <p:blipFill>
-          <a:blip r:embed="rId2">
-            <a:extLst>
-              <a:ext uri="{28A0092B-C50C-407E-A947-70E740481C1C}">
-                <a14:useLocalDpi xmlns:a14="http://schemas.microsoft.com/office/drawing/2010/main" val="0"/>
-              </a:ext>
-            </a:extLst>
-          </a:blip>
-          <a:srcRect/>
-          <a:stretch>
-            <a:fillRect/>
-          </a:stretch>
-        </p:blipFill>
-        <p:spPr bwMode="auto">
-          <a:xfrm>
-            <a:off x="1451579" y="1853753"/>
-            <a:ext cx="3216674" cy="4284436"/>
-          </a:xfrm>
-          <a:prstGeom prst="rect">
-            <a:avLst/>
-          </a:prstGeom>
-          <a:noFill/>
-          <a:extLst>
-            <a:ext uri="{909E8E84-426E-40DD-AFC4-6F175D3DCCD1}">
-              <a14:hiddenFill xmlns:a14="http://schemas.microsoft.com/office/drawing/2010/main">
-                <a:solidFill>
-                  <a:srgbClr val="FFFFFF"/>
-                </a:solidFill>
-              </a14:hiddenFill>
-            </a:ext>
-          </a:extLst>
-        </p:spPr>
-      </p:pic>
-      <p:sp>
-        <p:nvSpPr>
-          <p:cNvPr id="5" name="Rectangle 4"/>
-          <p:cNvSpPr/>
-          <p:nvPr/>
-        </p:nvSpPr>
-        <p:spPr>
-          <a:xfrm>
-            <a:off x="4668253" y="1853752"/>
-            <a:ext cx="5327823" cy="1477328"/>
-          </a:xfrm>
-          <a:prstGeom prst="rect">
-            <a:avLst/>
-          </a:prstGeom>
-        </p:spPr>
-        <p:txBody>
-          <a:bodyPr wrap="square">
-            <a:spAutoFit/>
+            <a:endParaRPr lang="en-US"/>
+          </a:p>
+        </p:txBody>
+      </p:sp>
+      <p:sp>
+        <p:nvSpPr>
+          <p:cNvPr id="4" name="Text Placeholder 3">
+            <a:extLst>
+              <a:ext uri="{FF2B5EF4-FFF2-40B4-BE49-F238E27FC236}">
+                <a16:creationId xmlns:a16="http://schemas.microsoft.com/office/drawing/2014/main" id="{BD5C506D-2AC5-4CBB-BF14-52DCACEABD55}"/>
+              </a:ext>
+            </a:extLst>
+          </p:cNvPr>
+          <p:cNvSpPr>
+            <a:spLocks noGrp="1"/>
+          </p:cNvSpPr>
+          <p:nvPr>
+            <p:ph type="body" sz="quarter" idx="15"/>
+          </p:nvPr>
+        </p:nvSpPr>
+        <p:spPr/>
+        <p:txBody>
+          <a:bodyPr>
+            <a:normAutofit fontScale="92500" lnSpcReduction="20000"/>
           </a:bodyPr>
           <a:lstStyle/>
           <a:p>
             <a:r>
               <a:rPr lang="en-US" dirty="0"/>
-              <a:t>Kaylie Hansen</a:t>
+              <a:t>Betty Taylor </a:t>
             </a:r>
           </a:p>
           <a:p>
             <a:endParaRPr lang="en-US" dirty="0"/>
-          </a:p>
-          <a:p>
-            <a:r>
-              <a:rPr lang="en-US" dirty="0"/>
-              <a:t>Hi, I’m Kaylie and I’m a premed major! My dream is to be a physician. I love volunteering and spending time in nature.</a:t>
-            </a:r>
-          </a:p>
-        </p:txBody>
-      </p:sp>
-      <p:sp>
-        <p:nvSpPr>
-          <p:cNvPr id="6" name="TextBox 5"/>
-          <p:cNvSpPr txBox="1"/>
-          <p:nvPr/>
-        </p:nvSpPr>
-        <p:spPr>
-          <a:xfrm>
-            <a:off x="0" y="6642556"/>
-            <a:ext cx="922711" cy="215444"/>
-          </a:xfrm>
-          <a:prstGeom prst="rect">
-            <a:avLst/>
-          </a:prstGeom>
-          <a:noFill/>
-        </p:spPr>
-        <p:txBody>
-          <a:bodyPr wrap="square" rtlCol="0">
-            <a:spAutoFit/>
-          </a:bodyPr>
-          <a:lstStyle/>
-          <a:p>
-            <a:r>
-              <a:rPr lang="en-US" sz="800" dirty="0"/>
-              <a:t>cade was here</a:t>
-            </a:r>
           </a:p>
         </p:txBody>
       </p:sp>
     </p:spTree>
     <p:extLst>
       <p:ext uri="{BB962C8B-B14F-4D97-AF65-F5344CB8AC3E}">
-        <p14:creationId xmlns:p14="http://schemas.microsoft.com/office/powerpoint/2010/main" val="2679405271"/>
+        <p14:creationId xmlns:p14="http://schemas.microsoft.com/office/powerpoint/2010/main" val="354238542"/>
       </p:ext>
     </p:extLst>
   </p:cSld>
   <p:clrMapOvr>
     <a:masterClrMapping/>
   </p:clrMapOvr>
-  <p:transition spd="slow" advClick="0" advTm="1000">
+  <p:transition spd="slow" advClick="0" advTm="10000">
+    <p:randomBar dir="vert"/>
+  </p:transition>
+</p:sld>
+</file>
+
+<file path=ppt/slides/slide23.xml><?xml version="1.0" encoding="utf-8"?>
+<p:sld xmlns:a="http://schemas.openxmlformats.org/drawingml/2006/main" xmlns:r="http://schemas.openxmlformats.org/officeDocument/2006/relationships" xmlns:p="http://schemas.openxmlformats.org/presentationml/2006/main">
+  <p:cSld>
+    <p:spTree>
+      <p:nvGrpSpPr>
+        <p:cNvPr id="1" name=""/>
+        <p:cNvGrpSpPr/>
+        <p:nvPr/>
+      </p:nvGrpSpPr>
+      <p:grpSpPr>
+        <a:xfrm>
+          <a:off x="0" y="0"/>
+          <a:ext cx="0" cy="0"/>
+          <a:chOff x="0" y="0"/>
+          <a:chExt cx="0" cy="0"/>
+        </a:xfrm>
+      </p:grpSpPr>
+      <p:sp>
+        <p:nvSpPr>
+          <p:cNvPr id="2" name="Picture Placeholder 1">
+            <a:extLst>
+              <a:ext uri="{FF2B5EF4-FFF2-40B4-BE49-F238E27FC236}">
+                <a16:creationId xmlns:a16="http://schemas.microsoft.com/office/drawing/2014/main" id="{C97282F7-CB8F-4C78-9EAE-44405F88D64B}"/>
+              </a:ext>
+            </a:extLst>
+          </p:cNvPr>
+          <p:cNvSpPr>
+            <a:spLocks noGrp="1"/>
+          </p:cNvSpPr>
+          <p:nvPr>
+            <p:ph type="pic" sz="quarter" idx="13"/>
+          </p:nvPr>
+        </p:nvSpPr>
+        <p:spPr/>
+      </p:sp>
+      <p:sp>
+        <p:nvSpPr>
+          <p:cNvPr id="3" name="Text Placeholder 2">
+            <a:extLst>
+              <a:ext uri="{FF2B5EF4-FFF2-40B4-BE49-F238E27FC236}">
+                <a16:creationId xmlns:a16="http://schemas.microsoft.com/office/drawing/2014/main" id="{2138C90F-EF98-41AC-B1C7-57FE23E0326D}"/>
+              </a:ext>
+            </a:extLst>
+          </p:cNvPr>
+          <p:cNvSpPr>
+            <a:spLocks noGrp="1"/>
+          </p:cNvSpPr>
+          <p:nvPr>
+            <p:ph type="body" sz="quarter" idx="14"/>
+          </p:nvPr>
+        </p:nvSpPr>
+        <p:spPr/>
+        <p:txBody>
+          <a:bodyPr/>
+          <a:lstStyle/>
+          <a:p>
+            <a:r>
+              <a:rPr lang="en-US" dirty="0"/>
+              <a:t>I am a 17-year-old Early College Academy Engineering Technology student pursuing a degree in electrical engineering. In my spare time, I enjoy programming and learning new things.</a:t>
+            </a:r>
+          </a:p>
+        </p:txBody>
+      </p:sp>
+      <p:sp>
+        <p:nvSpPr>
+          <p:cNvPr id="4" name="Text Placeholder 3">
+            <a:extLst>
+              <a:ext uri="{FF2B5EF4-FFF2-40B4-BE49-F238E27FC236}">
+                <a16:creationId xmlns:a16="http://schemas.microsoft.com/office/drawing/2014/main" id="{C9A0ECF6-94FF-475A-8A15-769D328B476B}"/>
+              </a:ext>
+            </a:extLst>
+          </p:cNvPr>
+          <p:cNvSpPr>
+            <a:spLocks noGrp="1"/>
+          </p:cNvSpPr>
+          <p:nvPr>
+            <p:ph type="body" sz="quarter" idx="15"/>
+          </p:nvPr>
+        </p:nvSpPr>
+        <p:spPr/>
+        <p:txBody>
+          <a:bodyPr>
+            <a:normAutofit fontScale="92500" lnSpcReduction="20000"/>
+          </a:bodyPr>
+          <a:lstStyle/>
+          <a:p>
+            <a:r>
+              <a:rPr lang="en-US" dirty="0"/>
+              <a:t>Jason Wibowo </a:t>
+            </a:r>
+          </a:p>
+          <a:p>
+            <a:endParaRPr lang="en-US" dirty="0"/>
+          </a:p>
+        </p:txBody>
+      </p:sp>
+    </p:spTree>
+    <p:extLst>
+      <p:ext uri="{BB962C8B-B14F-4D97-AF65-F5344CB8AC3E}">
+        <p14:creationId xmlns:p14="http://schemas.microsoft.com/office/powerpoint/2010/main" val="3995510363"/>
+      </p:ext>
+    </p:extLst>
+  </p:cSld>
+  <p:clrMapOvr>
+    <a:masterClrMapping/>
+  </p:clrMapOvr>
+  <p:transition spd="slow" advClick="0" advTm="10000">
+    <p:randomBar dir="vert"/>
+  </p:transition>
+</p:sld>
+</file>
+
+<file path=ppt/slides/slide24.xml><?xml version="1.0" encoding="utf-8"?>
+<p:sld xmlns:a="http://schemas.openxmlformats.org/drawingml/2006/main" xmlns:r="http://schemas.openxmlformats.org/officeDocument/2006/relationships" xmlns:p="http://schemas.openxmlformats.org/presentationml/2006/main">
+  <p:cSld>
+    <p:spTree>
+      <p:nvGrpSpPr>
+        <p:cNvPr id="1" name=""/>
+        <p:cNvGrpSpPr/>
+        <p:nvPr/>
+      </p:nvGrpSpPr>
+      <p:grpSpPr>
+        <a:xfrm>
+          <a:off x="0" y="0"/>
+          <a:ext cx="0" cy="0"/>
+          <a:chOff x="0" y="0"/>
+          <a:chExt cx="0" cy="0"/>
+        </a:xfrm>
+      </p:grpSpPr>
+      <p:sp>
+        <p:nvSpPr>
+          <p:cNvPr id="2" name="Picture Placeholder 1">
+            <a:extLst>
+              <a:ext uri="{FF2B5EF4-FFF2-40B4-BE49-F238E27FC236}">
+                <a16:creationId xmlns:a16="http://schemas.microsoft.com/office/drawing/2014/main" id="{DEE62E4D-7EBD-4E77-80B7-BD6683646634}"/>
+              </a:ext>
+            </a:extLst>
+          </p:cNvPr>
+          <p:cNvSpPr>
+            <a:spLocks noGrp="1"/>
+          </p:cNvSpPr>
+          <p:nvPr>
+            <p:ph type="pic" sz="quarter" idx="13"/>
+          </p:nvPr>
+        </p:nvSpPr>
+        <p:spPr/>
+      </p:sp>
+      <p:sp>
+        <p:nvSpPr>
+          <p:cNvPr id="3" name="Text Placeholder 2">
+            <a:extLst>
+              <a:ext uri="{FF2B5EF4-FFF2-40B4-BE49-F238E27FC236}">
+                <a16:creationId xmlns:a16="http://schemas.microsoft.com/office/drawing/2014/main" id="{8F87DE94-257D-4467-A890-FF6C3A89EB76}"/>
+              </a:ext>
+            </a:extLst>
+          </p:cNvPr>
+          <p:cNvSpPr>
+            <a:spLocks noGrp="1"/>
+          </p:cNvSpPr>
+          <p:nvPr>
+            <p:ph type="body" sz="quarter" idx="14"/>
+          </p:nvPr>
+        </p:nvSpPr>
+        <p:spPr/>
+        <p:txBody>
+          <a:bodyPr>
+            <a:normAutofit fontScale="92500" lnSpcReduction="10000"/>
+          </a:bodyPr>
+          <a:lstStyle/>
+          <a:p>
+            <a:r>
+              <a:rPr lang="en-US" dirty="0"/>
+              <a:t>Hello! My name is Isabella but I usually go by Bella. I am majoring in Pre-Engineering at Butler, I'm still a little indecisive on what kind but my first choice at the moment is Product and Manufacturing Engineering. My main goal is to make an impact and hopefully improve some concepts in that career field. I am currently a Tutor Ambassador at the El Dorado math lab.</a:t>
+            </a:r>
+          </a:p>
+        </p:txBody>
+      </p:sp>
+      <p:sp>
+        <p:nvSpPr>
+          <p:cNvPr id="4" name="Text Placeholder 3">
+            <a:extLst>
+              <a:ext uri="{FF2B5EF4-FFF2-40B4-BE49-F238E27FC236}">
+                <a16:creationId xmlns:a16="http://schemas.microsoft.com/office/drawing/2014/main" id="{C6C115F8-3644-461A-A638-7BE9907C0E1C}"/>
+              </a:ext>
+            </a:extLst>
+          </p:cNvPr>
+          <p:cNvSpPr>
+            <a:spLocks noGrp="1"/>
+          </p:cNvSpPr>
+          <p:nvPr>
+            <p:ph type="body" sz="quarter" idx="15"/>
+          </p:nvPr>
+        </p:nvSpPr>
+        <p:spPr/>
+        <p:txBody>
+          <a:bodyPr>
+            <a:normAutofit fontScale="92500" lnSpcReduction="20000"/>
+          </a:bodyPr>
+          <a:lstStyle/>
+          <a:p>
+            <a:r>
+              <a:rPr lang="en-US" dirty="0"/>
+              <a:t>Isabella Winter </a:t>
+            </a:r>
+            <a:r>
+              <a:rPr lang="en-US" dirty="0" err="1"/>
+              <a:t>Cocchi</a:t>
+            </a:r>
+            <a:r>
+              <a:rPr lang="en-US" dirty="0"/>
+              <a:t> </a:t>
+            </a:r>
+          </a:p>
+          <a:p>
+            <a:endParaRPr lang="en-US" dirty="0"/>
+          </a:p>
+        </p:txBody>
+      </p:sp>
+    </p:spTree>
+    <p:extLst>
+      <p:ext uri="{BB962C8B-B14F-4D97-AF65-F5344CB8AC3E}">
+        <p14:creationId xmlns:p14="http://schemas.microsoft.com/office/powerpoint/2010/main" val="636048963"/>
+      </p:ext>
+    </p:extLst>
+  </p:cSld>
+  <p:clrMapOvr>
+    <a:masterClrMapping/>
+  </p:clrMapOvr>
+  <p:transition spd="slow" advClick="0" advTm="10000">
+    <p:randomBar dir="vert"/>
+  </p:transition>
+</p:sld>
+</file>
+
+<file path=ppt/slides/slide25.xml><?xml version="1.0" encoding="utf-8"?>
+<p:sld xmlns:a="http://schemas.openxmlformats.org/drawingml/2006/main" xmlns:r="http://schemas.openxmlformats.org/officeDocument/2006/relationships" xmlns:p="http://schemas.openxmlformats.org/presentationml/2006/main">
+  <p:cSld>
+    <p:spTree>
+      <p:nvGrpSpPr>
+        <p:cNvPr id="1" name=""/>
+        <p:cNvGrpSpPr/>
+        <p:nvPr/>
+      </p:nvGrpSpPr>
+      <p:grpSpPr>
+        <a:xfrm>
+          <a:off x="0" y="0"/>
+          <a:ext cx="0" cy="0"/>
+          <a:chOff x="0" y="0"/>
+          <a:chExt cx="0" cy="0"/>
+        </a:xfrm>
+      </p:grpSpPr>
+      <p:sp>
+        <p:nvSpPr>
+          <p:cNvPr id="2" name="Picture Placeholder 1">
+            <a:extLst>
+              <a:ext uri="{FF2B5EF4-FFF2-40B4-BE49-F238E27FC236}">
+                <a16:creationId xmlns:a16="http://schemas.microsoft.com/office/drawing/2014/main" id="{0BD21524-9588-4EB4-B1AF-A2556A39ADCD}"/>
+              </a:ext>
+            </a:extLst>
+          </p:cNvPr>
+          <p:cNvSpPr>
+            <a:spLocks noGrp="1"/>
+          </p:cNvSpPr>
+          <p:nvPr>
+            <p:ph type="pic" sz="quarter" idx="13"/>
+          </p:nvPr>
+        </p:nvSpPr>
+        <p:spPr/>
+      </p:sp>
+      <p:sp>
+        <p:nvSpPr>
+          <p:cNvPr id="3" name="Text Placeholder 2">
+            <a:extLst>
+              <a:ext uri="{FF2B5EF4-FFF2-40B4-BE49-F238E27FC236}">
+                <a16:creationId xmlns:a16="http://schemas.microsoft.com/office/drawing/2014/main" id="{93BBEF79-2F77-4084-BB45-8521BB66B470}"/>
+              </a:ext>
+            </a:extLst>
+          </p:cNvPr>
+          <p:cNvSpPr>
+            <a:spLocks noGrp="1"/>
+          </p:cNvSpPr>
+          <p:nvPr>
+            <p:ph type="body" sz="quarter" idx="14"/>
+          </p:nvPr>
+        </p:nvSpPr>
+        <p:spPr/>
+        <p:txBody>
+          <a:bodyPr/>
+          <a:lstStyle/>
+          <a:p>
+            <a:endParaRPr lang="en-US"/>
+          </a:p>
+        </p:txBody>
+      </p:sp>
+      <p:sp>
+        <p:nvSpPr>
+          <p:cNvPr id="4" name="Text Placeholder 3">
+            <a:extLst>
+              <a:ext uri="{FF2B5EF4-FFF2-40B4-BE49-F238E27FC236}">
+                <a16:creationId xmlns:a16="http://schemas.microsoft.com/office/drawing/2014/main" id="{7108314C-E883-4BF7-8867-2B8D93E8475D}"/>
+              </a:ext>
+            </a:extLst>
+          </p:cNvPr>
+          <p:cNvSpPr>
+            <a:spLocks noGrp="1"/>
+          </p:cNvSpPr>
+          <p:nvPr>
+            <p:ph type="body" sz="quarter" idx="15"/>
+          </p:nvPr>
+        </p:nvSpPr>
+        <p:spPr/>
+        <p:txBody>
+          <a:bodyPr>
+            <a:normAutofit fontScale="92500" lnSpcReduction="10000"/>
+          </a:bodyPr>
+          <a:lstStyle/>
+          <a:p>
+            <a:r>
+              <a:rPr lang="en-US" dirty="0"/>
+              <a:t>Barbra </a:t>
+            </a:r>
+            <a:r>
+              <a:rPr lang="en-US" dirty="0" err="1"/>
+              <a:t>Derstien</a:t>
+            </a:r>
+            <a:endParaRPr lang="en-US" dirty="0"/>
+          </a:p>
+        </p:txBody>
+      </p:sp>
+    </p:spTree>
+    <p:extLst>
+      <p:ext uri="{BB962C8B-B14F-4D97-AF65-F5344CB8AC3E}">
+        <p14:creationId xmlns:p14="http://schemas.microsoft.com/office/powerpoint/2010/main" val="2574900139"/>
+      </p:ext>
+    </p:extLst>
+  </p:cSld>
+  <p:clrMapOvr>
+    <a:masterClrMapping/>
+  </p:clrMapOvr>
+  <p:transition spd="slow" advClick="0" advTm="10000">
+    <p:randomBar dir="vert"/>
+  </p:transition>
+</p:sld>
+</file>
+
+<file path=ppt/slides/slide26.xml><?xml version="1.0" encoding="utf-8"?>
+<p:sld xmlns:a="http://schemas.openxmlformats.org/drawingml/2006/main" xmlns:r="http://schemas.openxmlformats.org/officeDocument/2006/relationships" xmlns:p="http://schemas.openxmlformats.org/presentationml/2006/main">
+  <p:cSld>
+    <p:spTree>
+      <p:nvGrpSpPr>
+        <p:cNvPr id="1" name=""/>
+        <p:cNvGrpSpPr/>
+        <p:nvPr/>
+      </p:nvGrpSpPr>
+      <p:grpSpPr>
+        <a:xfrm>
+          <a:off x="0" y="0"/>
+          <a:ext cx="0" cy="0"/>
+          <a:chOff x="0" y="0"/>
+          <a:chExt cx="0" cy="0"/>
+        </a:xfrm>
+      </p:grpSpPr>
+      <p:pic>
+        <p:nvPicPr>
+          <p:cNvPr id="6" name="Picture Placeholder 5" descr="A person sitting on a table&#10;&#10;Description automatically generated">
+            <a:extLst>
+              <a:ext uri="{FF2B5EF4-FFF2-40B4-BE49-F238E27FC236}">
+                <a16:creationId xmlns:a16="http://schemas.microsoft.com/office/drawing/2014/main" id="{0F7628C7-A692-4915-872C-4D35DDAB3FD0}"/>
+              </a:ext>
+            </a:extLst>
+          </p:cNvPr>
+          <p:cNvPicPr>
+            <a:picLocks noGrp="1" noChangeAspect="1"/>
+          </p:cNvPicPr>
+          <p:nvPr>
+            <p:ph type="pic" sz="quarter" idx="13"/>
+          </p:nvPr>
+        </p:nvPicPr>
+        <p:blipFill>
+          <a:blip r:embed="rId2"/>
+          <a:srcRect t="17999" b="17999"/>
+          <a:stretch>
+            <a:fillRect/>
+          </a:stretch>
+        </p:blipFill>
+        <p:spPr/>
+      </p:pic>
+      <p:sp>
+        <p:nvSpPr>
+          <p:cNvPr id="3" name="Text Placeholder 2">
+            <a:extLst>
+              <a:ext uri="{FF2B5EF4-FFF2-40B4-BE49-F238E27FC236}">
+                <a16:creationId xmlns:a16="http://schemas.microsoft.com/office/drawing/2014/main" id="{D50A48ED-9AA0-42B0-AF46-00932BDC1F57}"/>
+              </a:ext>
+            </a:extLst>
+          </p:cNvPr>
+          <p:cNvSpPr>
+            <a:spLocks noGrp="1"/>
+          </p:cNvSpPr>
+          <p:nvPr>
+            <p:ph type="body" sz="quarter" idx="14"/>
+          </p:nvPr>
+        </p:nvSpPr>
+        <p:spPr/>
+        <p:txBody>
+          <a:bodyPr>
+            <a:normAutofit fontScale="92500"/>
+          </a:bodyPr>
+          <a:lstStyle/>
+          <a:p>
+            <a:r>
+              <a:rPr lang="en-US" dirty="0"/>
+              <a:t>My name is Cindy Bond.  I have been teaching algebra classes at Butler since 1995.  I enjoy seeing my students find confidence in learning math concepts! I am married and have two grown children.  I also have a mini-poodle named Baxter!  Outside of Butler, I enjoy spending time with family, being involved at my church, and reading a good book!</a:t>
+            </a:r>
+          </a:p>
+          <a:p>
+            <a:endParaRPr lang="en-US" dirty="0"/>
+          </a:p>
+        </p:txBody>
+      </p:sp>
+      <p:sp>
+        <p:nvSpPr>
+          <p:cNvPr id="4" name="Text Placeholder 3">
+            <a:extLst>
+              <a:ext uri="{FF2B5EF4-FFF2-40B4-BE49-F238E27FC236}">
+                <a16:creationId xmlns:a16="http://schemas.microsoft.com/office/drawing/2014/main" id="{68532976-A405-4A39-8B97-48F7BC361519}"/>
+              </a:ext>
+            </a:extLst>
+          </p:cNvPr>
+          <p:cNvSpPr>
+            <a:spLocks noGrp="1"/>
+          </p:cNvSpPr>
+          <p:nvPr>
+            <p:ph type="body" sz="quarter" idx="15"/>
+          </p:nvPr>
+        </p:nvSpPr>
+        <p:spPr/>
+        <p:txBody>
+          <a:bodyPr>
+            <a:normAutofit fontScale="92500" lnSpcReduction="10000"/>
+          </a:bodyPr>
+          <a:lstStyle/>
+          <a:p>
+            <a:r>
+              <a:rPr lang="en-US" dirty="0"/>
+              <a:t>Cindy Bond</a:t>
+            </a:r>
+          </a:p>
+        </p:txBody>
+      </p:sp>
+    </p:spTree>
+    <p:extLst>
+      <p:ext uri="{BB962C8B-B14F-4D97-AF65-F5344CB8AC3E}">
+        <p14:creationId xmlns:p14="http://schemas.microsoft.com/office/powerpoint/2010/main" val="344576118"/>
+      </p:ext>
+    </p:extLst>
+  </p:cSld>
+  <p:clrMapOvr>
+    <a:masterClrMapping/>
+  </p:clrMapOvr>
+  <p:transition spd="slow" advClick="0" advTm="10000">
+    <p:randomBar dir="vert"/>
+  </p:transition>
+</p:sld>
+</file>
+
+<file path=ppt/slides/slide27.xml><?xml version="1.0" encoding="utf-8"?>
+<p:sld xmlns:a="http://schemas.openxmlformats.org/drawingml/2006/main" xmlns:r="http://schemas.openxmlformats.org/officeDocument/2006/relationships" xmlns:p="http://schemas.openxmlformats.org/presentationml/2006/main">
+  <p:cSld>
+    <p:spTree>
+      <p:nvGrpSpPr>
+        <p:cNvPr id="1" name=""/>
+        <p:cNvGrpSpPr/>
+        <p:nvPr/>
+      </p:nvGrpSpPr>
+      <p:grpSpPr>
+        <a:xfrm>
+          <a:off x="0" y="0"/>
+          <a:ext cx="0" cy="0"/>
+          <a:chOff x="0" y="0"/>
+          <a:chExt cx="0" cy="0"/>
+        </a:xfrm>
+      </p:grpSpPr>
+      <p:sp>
+        <p:nvSpPr>
+          <p:cNvPr id="3" name="Text Placeholder 2">
+            <a:extLst>
+              <a:ext uri="{FF2B5EF4-FFF2-40B4-BE49-F238E27FC236}">
+                <a16:creationId xmlns:a16="http://schemas.microsoft.com/office/drawing/2014/main" id="{715CC0B8-ED6B-4DE3-A3E7-DF37E261F055}"/>
+              </a:ext>
+            </a:extLst>
+          </p:cNvPr>
+          <p:cNvSpPr>
+            <a:spLocks noGrp="1"/>
+          </p:cNvSpPr>
+          <p:nvPr>
+            <p:ph type="body" sz="quarter" idx="14"/>
+          </p:nvPr>
+        </p:nvSpPr>
+        <p:spPr/>
+        <p:txBody>
+          <a:bodyPr/>
+          <a:lstStyle/>
+          <a:p>
+            <a:r>
+              <a:rPr lang="en-US" dirty="0"/>
+              <a:t>Hi!, my name is Raphael. I’m an international student from Tanzania and my major is pre-med. If you need help with math( all the way to calculus) then I’m your guy, but I also do chemistry 1 too. </a:t>
+            </a:r>
+          </a:p>
+        </p:txBody>
+      </p:sp>
+      <p:sp>
+        <p:nvSpPr>
+          <p:cNvPr id="4" name="Text Placeholder 3">
+            <a:extLst>
+              <a:ext uri="{FF2B5EF4-FFF2-40B4-BE49-F238E27FC236}">
+                <a16:creationId xmlns:a16="http://schemas.microsoft.com/office/drawing/2014/main" id="{03F0C7CB-3CBE-4D10-80F5-33CA93206EE8}"/>
+              </a:ext>
+            </a:extLst>
+          </p:cNvPr>
+          <p:cNvSpPr>
+            <a:spLocks noGrp="1"/>
+          </p:cNvSpPr>
+          <p:nvPr>
+            <p:ph type="body" sz="quarter" idx="15"/>
+          </p:nvPr>
+        </p:nvSpPr>
+        <p:spPr/>
+        <p:txBody>
+          <a:bodyPr>
+            <a:normAutofit fontScale="92500" lnSpcReduction="20000"/>
+          </a:bodyPr>
+          <a:lstStyle/>
+          <a:p>
+            <a:r>
+              <a:rPr lang="en-US" dirty="0"/>
+              <a:t>Raphael </a:t>
+            </a:r>
+            <a:r>
+              <a:rPr lang="en-US" dirty="0" err="1"/>
+              <a:t>Mfuko</a:t>
+            </a:r>
+            <a:r>
+              <a:rPr lang="en-US" dirty="0"/>
+              <a:t> </a:t>
+            </a:r>
+          </a:p>
+          <a:p>
+            <a:endParaRPr lang="en-US" dirty="0"/>
+          </a:p>
+        </p:txBody>
+      </p:sp>
+      <p:pic>
+        <p:nvPicPr>
+          <p:cNvPr id="10" name="Picture Placeholder 9" descr="A person posing for the camera&#10;&#10;Description automatically generated">
+            <a:extLst>
+              <a:ext uri="{FF2B5EF4-FFF2-40B4-BE49-F238E27FC236}">
+                <a16:creationId xmlns:a16="http://schemas.microsoft.com/office/drawing/2014/main" id="{CF79C4F6-A36A-4226-BA58-FB6E4138360C}"/>
+              </a:ext>
+            </a:extLst>
+          </p:cNvPr>
+          <p:cNvPicPr>
+            <a:picLocks noGrp="1" noChangeAspect="1"/>
+          </p:cNvPicPr>
+          <p:nvPr>
+            <p:ph type="pic" sz="quarter" idx="13"/>
+          </p:nvPr>
+        </p:nvPicPr>
+        <p:blipFill rotWithShape="1">
+          <a:blip r:embed="rId2"/>
+          <a:srcRect l="-24694" r="-24694"/>
+          <a:stretch/>
+        </p:blipFill>
+        <p:spPr/>
+      </p:pic>
+    </p:spTree>
+    <p:extLst>
+      <p:ext uri="{BB962C8B-B14F-4D97-AF65-F5344CB8AC3E}">
+        <p14:creationId xmlns:p14="http://schemas.microsoft.com/office/powerpoint/2010/main" val="1852563967"/>
+      </p:ext>
+    </p:extLst>
+  </p:cSld>
+  <p:clrMapOvr>
+    <a:masterClrMapping/>
+  </p:clrMapOvr>
+  <p:transition spd="slow" advClick="0" advTm="10000">
+    <p:randomBar dir="vert"/>
+  </p:transition>
+</p:sld>
+</file>
+
+<file path=ppt/slides/slide28.xml><?xml version="1.0" encoding="utf-8"?>
+<p:sld xmlns:a="http://schemas.openxmlformats.org/drawingml/2006/main" xmlns:r="http://schemas.openxmlformats.org/officeDocument/2006/relationships" xmlns:p="http://schemas.openxmlformats.org/presentationml/2006/main">
+  <p:cSld>
+    <p:spTree>
+      <p:nvGrpSpPr>
+        <p:cNvPr id="1" name=""/>
+        <p:cNvGrpSpPr/>
+        <p:nvPr/>
+      </p:nvGrpSpPr>
+      <p:grpSpPr>
+        <a:xfrm>
+          <a:off x="0" y="0"/>
+          <a:ext cx="0" cy="0"/>
+          <a:chOff x="0" y="0"/>
+          <a:chExt cx="0" cy="0"/>
+        </a:xfrm>
+      </p:grpSpPr>
+      <p:sp>
+        <p:nvSpPr>
+          <p:cNvPr id="3" name="Text Placeholder 2">
+            <a:extLst>
+              <a:ext uri="{FF2B5EF4-FFF2-40B4-BE49-F238E27FC236}">
+                <a16:creationId xmlns:a16="http://schemas.microsoft.com/office/drawing/2014/main" id="{8AEC5805-4083-4545-ACEC-60741AA17C2C}"/>
+              </a:ext>
+            </a:extLst>
+          </p:cNvPr>
+          <p:cNvSpPr>
+            <a:spLocks noGrp="1"/>
+          </p:cNvSpPr>
+          <p:nvPr>
+            <p:ph type="body" sz="quarter" idx="14"/>
+          </p:nvPr>
+        </p:nvSpPr>
+        <p:spPr/>
+        <p:txBody>
+          <a:bodyPr/>
+          <a:lstStyle/>
+          <a:p>
+            <a:r>
+              <a:rPr lang="en-US" dirty="0"/>
+              <a:t>I've been teaching since "the earth cooled". My husband also teaches, and together, we've been doing it for 80+ years! Math is my specialty, and I believe anyone can learn this dreaded subject if taught correctly.</a:t>
+            </a:r>
+          </a:p>
+          <a:p>
+            <a:endParaRPr lang="en-US" dirty="0"/>
+          </a:p>
+        </p:txBody>
+      </p:sp>
+      <p:sp>
+        <p:nvSpPr>
+          <p:cNvPr id="4" name="Text Placeholder 3">
+            <a:extLst>
+              <a:ext uri="{FF2B5EF4-FFF2-40B4-BE49-F238E27FC236}">
+                <a16:creationId xmlns:a16="http://schemas.microsoft.com/office/drawing/2014/main" id="{1288F6F9-2A59-42BB-8291-6E256A8473EC}"/>
+              </a:ext>
+            </a:extLst>
+          </p:cNvPr>
+          <p:cNvSpPr>
+            <a:spLocks noGrp="1"/>
+          </p:cNvSpPr>
+          <p:nvPr>
+            <p:ph type="body" sz="quarter" idx="15"/>
+          </p:nvPr>
+        </p:nvSpPr>
+        <p:spPr/>
+        <p:txBody>
+          <a:bodyPr>
+            <a:normAutofit fontScale="92500" lnSpcReduction="10000"/>
+          </a:bodyPr>
+          <a:lstStyle/>
+          <a:p>
+            <a:r>
+              <a:rPr lang="en-US" dirty="0"/>
+              <a:t>Vicky Raunch</a:t>
+            </a:r>
+          </a:p>
+        </p:txBody>
+      </p:sp>
+      <p:pic>
+        <p:nvPicPr>
+          <p:cNvPr id="9" name="Picture Placeholder 8" descr="A person posing for the camera&#10;&#10;Description automatically generated">
+            <a:extLst>
+              <a:ext uri="{FF2B5EF4-FFF2-40B4-BE49-F238E27FC236}">
+                <a16:creationId xmlns:a16="http://schemas.microsoft.com/office/drawing/2014/main" id="{1684919A-F30D-4DB1-B5A6-14B0E64E2656}"/>
+              </a:ext>
+            </a:extLst>
+          </p:cNvPr>
+          <p:cNvPicPr>
+            <a:picLocks noGrp="1"/>
+          </p:cNvPicPr>
+          <p:nvPr>
+            <p:ph type="pic" sz="quarter" idx="13"/>
+          </p:nvPr>
+        </p:nvPicPr>
+        <p:blipFill rotWithShape="1">
+          <a:blip r:embed="rId2">
+            <a:extLst>
+              <a:ext uri="{BEBA8EAE-BF5A-486C-A8C5-ECC9F3942E4B}">
+                <a14:imgProps xmlns:a14="http://schemas.microsoft.com/office/drawing/2010/main">
+                  <a14:imgLayer r:embed="rId3">
+                    <a14:imgEffect>
+                      <a14:brightnessContrast bright="20000"/>
+                    </a14:imgEffect>
+                  </a14:imgLayer>
+                </a14:imgProps>
+              </a:ext>
+              <a:ext uri="{28A0092B-C50C-407E-A947-70E740481C1C}">
+                <a14:useLocalDpi xmlns:a14="http://schemas.microsoft.com/office/drawing/2010/main" val="0"/>
+              </a:ext>
+            </a:extLst>
+          </a:blip>
+          <a:srcRect t="977" b="977"/>
+          <a:stretch/>
+        </p:blipFill>
+        <p:spPr>
+          <a:prstGeom prst="rect">
+            <a:avLst/>
+          </a:prstGeom>
+        </p:spPr>
+      </p:pic>
+    </p:spTree>
+    <p:extLst>
+      <p:ext uri="{BB962C8B-B14F-4D97-AF65-F5344CB8AC3E}">
+        <p14:creationId xmlns:p14="http://schemas.microsoft.com/office/powerpoint/2010/main" val="1058840127"/>
+      </p:ext>
+    </p:extLst>
+  </p:cSld>
+  <p:clrMapOvr>
+    <a:masterClrMapping/>
+  </p:clrMapOvr>
+  <p:transition spd="slow" advClick="0" advTm="10000">
+    <p:randomBar dir="vert"/>
+  </p:transition>
+</p:sld>
+</file>
+
+<file path=ppt/slides/slide29.xml><?xml version="1.0" encoding="utf-8"?>
+<p:sld xmlns:a="http://schemas.openxmlformats.org/drawingml/2006/main" xmlns:r="http://schemas.openxmlformats.org/officeDocument/2006/relationships" xmlns:p="http://schemas.openxmlformats.org/presentationml/2006/main">
+  <p:cSld>
+    <p:spTree>
+      <p:nvGrpSpPr>
+        <p:cNvPr id="1" name=""/>
+        <p:cNvGrpSpPr/>
+        <p:nvPr/>
+      </p:nvGrpSpPr>
+      <p:grpSpPr>
+        <a:xfrm>
+          <a:off x="0" y="0"/>
+          <a:ext cx="0" cy="0"/>
+          <a:chOff x="0" y="0"/>
+          <a:chExt cx="0" cy="0"/>
+        </a:xfrm>
+      </p:grpSpPr>
+      <p:sp>
+        <p:nvSpPr>
+          <p:cNvPr id="2" name="Picture Placeholder 1">
+            <a:extLst>
+              <a:ext uri="{FF2B5EF4-FFF2-40B4-BE49-F238E27FC236}">
+                <a16:creationId xmlns:a16="http://schemas.microsoft.com/office/drawing/2014/main" id="{7D315F41-1125-4B3B-BD44-C42FA06E33D7}"/>
+              </a:ext>
+            </a:extLst>
+          </p:cNvPr>
+          <p:cNvSpPr>
+            <a:spLocks noGrp="1"/>
+          </p:cNvSpPr>
+          <p:nvPr>
+            <p:ph type="pic" sz="quarter" idx="13"/>
+          </p:nvPr>
+        </p:nvSpPr>
+        <p:spPr/>
+      </p:sp>
+      <p:sp>
+        <p:nvSpPr>
+          <p:cNvPr id="3" name="Text Placeholder 2">
+            <a:extLst>
+              <a:ext uri="{FF2B5EF4-FFF2-40B4-BE49-F238E27FC236}">
+                <a16:creationId xmlns:a16="http://schemas.microsoft.com/office/drawing/2014/main" id="{6240FFC9-8433-42AC-A0F1-7CD72B79668B}"/>
+              </a:ext>
+            </a:extLst>
+          </p:cNvPr>
+          <p:cNvSpPr>
+            <a:spLocks noGrp="1"/>
+          </p:cNvSpPr>
+          <p:nvPr>
+            <p:ph type="body" sz="quarter" idx="14"/>
+          </p:nvPr>
+        </p:nvSpPr>
+        <p:spPr/>
+        <p:txBody>
+          <a:bodyPr>
+            <a:normAutofit fontScale="70000" lnSpcReduction="20000"/>
+          </a:bodyPr>
+          <a:lstStyle/>
+          <a:p>
+            <a:r>
+              <a:rPr lang="en-US" dirty="0"/>
+              <a:t>Hi, my name is Katelin but you can call me Kate or Katie, whichever works. I'm 20 years old and double majoring in Computer Science and Civil Engineering! I have a love and appreciation for math and science as well as creative thinking and technology. I hope to someday improve our structural designs and our engineering/CAD software for the future. When I am not class, you might see me on the El Dorado campus as a student worker helping both teachers and students, or you'll meet in our virtual tutoring center. Also, if you're ever struggling in a math class, drop by the virtual math and I can help among other tutors and teachers as well. Until then, see you later!</a:t>
+            </a:r>
+          </a:p>
+        </p:txBody>
+      </p:sp>
+      <p:sp>
+        <p:nvSpPr>
+          <p:cNvPr id="4" name="Text Placeholder 3">
+            <a:extLst>
+              <a:ext uri="{FF2B5EF4-FFF2-40B4-BE49-F238E27FC236}">
+                <a16:creationId xmlns:a16="http://schemas.microsoft.com/office/drawing/2014/main" id="{89A4B2C7-C032-4740-8F73-6B6CF1614969}"/>
+              </a:ext>
+            </a:extLst>
+          </p:cNvPr>
+          <p:cNvSpPr>
+            <a:spLocks noGrp="1"/>
+          </p:cNvSpPr>
+          <p:nvPr>
+            <p:ph type="body" sz="quarter" idx="15"/>
+          </p:nvPr>
+        </p:nvSpPr>
+        <p:spPr/>
+        <p:txBody>
+          <a:bodyPr>
+            <a:normAutofit fontScale="92500" lnSpcReduction="20000"/>
+          </a:bodyPr>
+          <a:lstStyle/>
+          <a:p>
+            <a:r>
+              <a:rPr lang="en-US" dirty="0"/>
+              <a:t>Katelin Miller-</a:t>
+            </a:r>
+            <a:r>
+              <a:rPr lang="en-US" dirty="0" err="1"/>
+              <a:t>Vanatta</a:t>
+            </a:r>
+            <a:r>
+              <a:rPr lang="en-US" dirty="0"/>
+              <a:t> </a:t>
+            </a:r>
+          </a:p>
+          <a:p>
+            <a:endParaRPr lang="en-US" dirty="0"/>
+          </a:p>
+        </p:txBody>
+      </p:sp>
+    </p:spTree>
+    <p:extLst>
+      <p:ext uri="{BB962C8B-B14F-4D97-AF65-F5344CB8AC3E}">
+        <p14:creationId xmlns:p14="http://schemas.microsoft.com/office/powerpoint/2010/main" val="3272911692"/>
+      </p:ext>
+    </p:extLst>
+  </p:cSld>
+  <p:clrMapOvr>
+    <a:masterClrMapping/>
+  </p:clrMapOvr>
+  <p:transition spd="slow" advClick="0" advTm="10000">
     <p:randomBar dir="vert"/>
   </p:transition>
 </p:sld>
@@ -7424,6 +7923,567 @@
 </p:sld>
 </file>
 
+<file path=ppt/slides/slide30.xml><?xml version="1.0" encoding="utf-8"?>
+<p:sld xmlns:a="http://schemas.openxmlformats.org/drawingml/2006/main" xmlns:r="http://schemas.openxmlformats.org/officeDocument/2006/relationships" xmlns:p="http://schemas.openxmlformats.org/presentationml/2006/main">
+  <p:cSld>
+    <p:spTree>
+      <p:nvGrpSpPr>
+        <p:cNvPr id="1" name=""/>
+        <p:cNvGrpSpPr/>
+        <p:nvPr/>
+      </p:nvGrpSpPr>
+      <p:grpSpPr>
+        <a:xfrm>
+          <a:off x="0" y="0"/>
+          <a:ext cx="0" cy="0"/>
+          <a:chOff x="0" y="0"/>
+          <a:chExt cx="0" cy="0"/>
+        </a:xfrm>
+      </p:grpSpPr>
+      <p:sp>
+        <p:nvSpPr>
+          <p:cNvPr id="2" name="Picture Placeholder 1">
+            <a:extLst>
+              <a:ext uri="{FF2B5EF4-FFF2-40B4-BE49-F238E27FC236}">
+                <a16:creationId xmlns:a16="http://schemas.microsoft.com/office/drawing/2014/main" id="{E7F4E17A-204A-44B7-8B0E-D76EC2C4E8F7}"/>
+              </a:ext>
+            </a:extLst>
+          </p:cNvPr>
+          <p:cNvSpPr>
+            <a:spLocks noGrp="1"/>
+          </p:cNvSpPr>
+          <p:nvPr>
+            <p:ph type="pic" sz="quarter" idx="13"/>
+          </p:nvPr>
+        </p:nvSpPr>
+        <p:spPr/>
+      </p:sp>
+      <p:sp>
+        <p:nvSpPr>
+          <p:cNvPr id="3" name="Text Placeholder 2">
+            <a:extLst>
+              <a:ext uri="{FF2B5EF4-FFF2-40B4-BE49-F238E27FC236}">
+                <a16:creationId xmlns:a16="http://schemas.microsoft.com/office/drawing/2014/main" id="{AF9CFA35-F602-4708-9BFA-7187EF76A224}"/>
+              </a:ext>
+            </a:extLst>
+          </p:cNvPr>
+          <p:cNvSpPr>
+            <a:spLocks noGrp="1"/>
+          </p:cNvSpPr>
+          <p:nvPr>
+            <p:ph type="body" sz="quarter" idx="14"/>
+          </p:nvPr>
+        </p:nvSpPr>
+        <p:spPr/>
+        <p:txBody>
+          <a:bodyPr/>
+          <a:lstStyle/>
+          <a:p>
+            <a:endParaRPr lang="en-US"/>
+          </a:p>
+        </p:txBody>
+      </p:sp>
+      <p:sp>
+        <p:nvSpPr>
+          <p:cNvPr id="4" name="Text Placeholder 3">
+            <a:extLst>
+              <a:ext uri="{FF2B5EF4-FFF2-40B4-BE49-F238E27FC236}">
+                <a16:creationId xmlns:a16="http://schemas.microsoft.com/office/drawing/2014/main" id="{9B38D860-D490-41D4-8718-C5F2B6DE09B2}"/>
+              </a:ext>
+            </a:extLst>
+          </p:cNvPr>
+          <p:cNvSpPr>
+            <a:spLocks noGrp="1"/>
+          </p:cNvSpPr>
+          <p:nvPr>
+            <p:ph type="body" sz="quarter" idx="15"/>
+          </p:nvPr>
+        </p:nvSpPr>
+        <p:spPr/>
+        <p:txBody>
+          <a:bodyPr>
+            <a:normAutofit fontScale="92500" lnSpcReduction="10000"/>
+          </a:bodyPr>
+          <a:lstStyle/>
+          <a:p>
+            <a:r>
+              <a:rPr lang="en-US"/>
+              <a:t>Debora Nelson</a:t>
+            </a:r>
+          </a:p>
+        </p:txBody>
+      </p:sp>
+    </p:spTree>
+    <p:extLst>
+      <p:ext uri="{BB962C8B-B14F-4D97-AF65-F5344CB8AC3E}">
+        <p14:creationId xmlns:p14="http://schemas.microsoft.com/office/powerpoint/2010/main" val="948706647"/>
+      </p:ext>
+    </p:extLst>
+  </p:cSld>
+  <p:clrMapOvr>
+    <a:masterClrMapping/>
+  </p:clrMapOvr>
+  <p:transition spd="slow" advClick="0" advTm="10000">
+    <p:randomBar dir="vert"/>
+  </p:transition>
+</p:sld>
+</file>
+
+<file path=ppt/slides/slide31.xml><?xml version="1.0" encoding="utf-8"?>
+<p:sld xmlns:a="http://schemas.openxmlformats.org/drawingml/2006/main" xmlns:r="http://schemas.openxmlformats.org/officeDocument/2006/relationships" xmlns:p="http://schemas.openxmlformats.org/presentationml/2006/main">
+  <p:cSld>
+    <p:spTree>
+      <p:nvGrpSpPr>
+        <p:cNvPr id="1" name=""/>
+        <p:cNvGrpSpPr/>
+        <p:nvPr/>
+      </p:nvGrpSpPr>
+      <p:grpSpPr>
+        <a:xfrm>
+          <a:off x="0" y="0"/>
+          <a:ext cx="0" cy="0"/>
+          <a:chOff x="0" y="0"/>
+          <a:chExt cx="0" cy="0"/>
+        </a:xfrm>
+      </p:grpSpPr>
+      <p:pic>
+        <p:nvPicPr>
+          <p:cNvPr id="6" name="Picture Placeholder 5" descr="A person holding a fish on a mountain&#10;&#10;Description automatically generated">
+            <a:extLst>
+              <a:ext uri="{FF2B5EF4-FFF2-40B4-BE49-F238E27FC236}">
+                <a16:creationId xmlns:a16="http://schemas.microsoft.com/office/drawing/2014/main" id="{A48550F3-2C6D-4582-A899-E96E34B50BB3}"/>
+              </a:ext>
+            </a:extLst>
+          </p:cNvPr>
+          <p:cNvPicPr>
+            <a:picLocks noGrp="1" noChangeAspect="1"/>
+          </p:cNvPicPr>
+          <p:nvPr>
+            <p:ph type="pic" sz="quarter" idx="13"/>
+          </p:nvPr>
+        </p:nvPicPr>
+        <p:blipFill>
+          <a:blip r:embed="rId2"/>
+          <a:srcRect t="11028" b="11028"/>
+          <a:stretch>
+            <a:fillRect/>
+          </a:stretch>
+        </p:blipFill>
+        <p:spPr/>
+      </p:pic>
+      <p:sp>
+        <p:nvSpPr>
+          <p:cNvPr id="3" name="Text Placeholder 2">
+            <a:extLst>
+              <a:ext uri="{FF2B5EF4-FFF2-40B4-BE49-F238E27FC236}">
+                <a16:creationId xmlns:a16="http://schemas.microsoft.com/office/drawing/2014/main" id="{1F65C714-5ED1-41CA-979A-3F3368053D10}"/>
+              </a:ext>
+            </a:extLst>
+          </p:cNvPr>
+          <p:cNvSpPr>
+            <a:spLocks noGrp="1"/>
+          </p:cNvSpPr>
+          <p:nvPr>
+            <p:ph type="body" sz="quarter" idx="14"/>
+          </p:nvPr>
+        </p:nvSpPr>
+        <p:spPr/>
+        <p:txBody>
+          <a:bodyPr>
+            <a:normAutofit fontScale="47500" lnSpcReduction="20000"/>
+          </a:bodyPr>
+          <a:lstStyle/>
+          <a:p>
+            <a:pPr marL="0" marR="0" indent="457200">
+              <a:lnSpc>
+                <a:spcPct val="107000"/>
+              </a:lnSpc>
+              <a:spcBef>
+                <a:spcPts val="0"/>
+              </a:spcBef>
+              <a:spcAft>
+                <a:spcPts val="0"/>
+              </a:spcAft>
+            </a:pPr>
+            <a:r>
+              <a:rPr lang="en-US" sz="2800" dirty="0"/>
+              <a:t>This is my eleventh-year teaching at Butler Community College as an adjunct math instructor.  I have a Bachelor of Science in Business Administration degree from the University of Kansas.</a:t>
+            </a:r>
+          </a:p>
+          <a:p>
+            <a:pPr marL="0" marR="0" indent="457200">
+              <a:lnSpc>
+                <a:spcPct val="107000"/>
+              </a:lnSpc>
+              <a:spcBef>
+                <a:spcPts val="0"/>
+              </a:spcBef>
+              <a:spcAft>
+                <a:spcPts val="0"/>
+              </a:spcAft>
+            </a:pPr>
+            <a:r>
+              <a:rPr lang="en-US" sz="2800" dirty="0"/>
+              <a:t>I have a passion for teaching, and I believe in learning by doing.  Mathematics is a challenging subject for many people.  It is important to learn and understand key concepts through practice.  Material builds upon itself as you progress through your math courses.          </a:t>
+            </a:r>
+          </a:p>
+          <a:p>
+            <a:pPr marL="0" marR="0" indent="457200">
+              <a:lnSpc>
+                <a:spcPct val="107000"/>
+              </a:lnSpc>
+              <a:spcBef>
+                <a:spcPts val="0"/>
+              </a:spcBef>
+              <a:spcAft>
+                <a:spcPts val="0"/>
+              </a:spcAft>
+            </a:pPr>
+            <a:r>
+              <a:rPr lang="en-US" sz="2800" dirty="0"/>
+              <a:t>By understanding the material and simply not "memorizing" it, you will have a better chance of retaining and using the material when you need it again.</a:t>
+            </a:r>
+          </a:p>
+          <a:p>
+            <a:pPr marL="0" marR="0" indent="457200">
+              <a:lnSpc>
+                <a:spcPct val="107000"/>
+              </a:lnSpc>
+              <a:spcBef>
+                <a:spcPts val="0"/>
+              </a:spcBef>
+              <a:spcAft>
+                <a:spcPts val="0"/>
+              </a:spcAft>
+            </a:pPr>
+            <a:r>
+              <a:rPr lang="en-US" sz="2800" dirty="0"/>
+              <a:t>I am an avid golfer.  I was an assistant golf professional for two years but found that I enjoy playing the sport much more than pursuing a career in it. I also have a passion for listening to music, watching sports especially NFL football, college basketball and golf, and playing cards.  In addition to teaching, I own a small business that I operate out of my home.  </a:t>
+            </a:r>
+          </a:p>
+          <a:p>
+            <a:endParaRPr lang="en-US" dirty="0"/>
+          </a:p>
+        </p:txBody>
+      </p:sp>
+      <p:sp>
+        <p:nvSpPr>
+          <p:cNvPr id="4" name="Text Placeholder 3">
+            <a:extLst>
+              <a:ext uri="{FF2B5EF4-FFF2-40B4-BE49-F238E27FC236}">
+                <a16:creationId xmlns:a16="http://schemas.microsoft.com/office/drawing/2014/main" id="{5E6C882A-AAD4-4BAD-8C4B-ECA230C9FDBE}"/>
+              </a:ext>
+            </a:extLst>
+          </p:cNvPr>
+          <p:cNvSpPr>
+            <a:spLocks noGrp="1"/>
+          </p:cNvSpPr>
+          <p:nvPr>
+            <p:ph type="body" sz="quarter" idx="15"/>
+          </p:nvPr>
+        </p:nvSpPr>
+        <p:spPr/>
+        <p:txBody>
+          <a:bodyPr>
+            <a:normAutofit fontScale="92500" lnSpcReduction="10000"/>
+          </a:bodyPr>
+          <a:lstStyle/>
+          <a:p>
+            <a:r>
+              <a:rPr lang="en-US" dirty="0"/>
+              <a:t>Scott Dwyer</a:t>
+            </a:r>
+          </a:p>
+        </p:txBody>
+      </p:sp>
+    </p:spTree>
+    <p:extLst>
+      <p:ext uri="{BB962C8B-B14F-4D97-AF65-F5344CB8AC3E}">
+        <p14:creationId xmlns:p14="http://schemas.microsoft.com/office/powerpoint/2010/main" val="1704151727"/>
+      </p:ext>
+    </p:extLst>
+  </p:cSld>
+  <p:clrMapOvr>
+    <a:masterClrMapping/>
+  </p:clrMapOvr>
+  <p:transition spd="slow" advClick="0" advTm="10000">
+    <p:randomBar dir="vert"/>
+  </p:transition>
+</p:sld>
+</file>
+
+<file path=ppt/slides/slide32.xml><?xml version="1.0" encoding="utf-8"?>
+<p:sld xmlns:a="http://schemas.openxmlformats.org/drawingml/2006/main" xmlns:r="http://schemas.openxmlformats.org/officeDocument/2006/relationships" xmlns:p="http://schemas.openxmlformats.org/presentationml/2006/main">
+  <p:cSld>
+    <p:spTree>
+      <p:nvGrpSpPr>
+        <p:cNvPr id="1" name=""/>
+        <p:cNvGrpSpPr/>
+        <p:nvPr/>
+      </p:nvGrpSpPr>
+      <p:grpSpPr>
+        <a:xfrm>
+          <a:off x="0" y="0"/>
+          <a:ext cx="0" cy="0"/>
+          <a:chOff x="0" y="0"/>
+          <a:chExt cx="0" cy="0"/>
+        </a:xfrm>
+      </p:grpSpPr>
+      <p:sp>
+        <p:nvSpPr>
+          <p:cNvPr id="2" name="Picture Placeholder 1">
+            <a:extLst>
+              <a:ext uri="{FF2B5EF4-FFF2-40B4-BE49-F238E27FC236}">
+                <a16:creationId xmlns:a16="http://schemas.microsoft.com/office/drawing/2014/main" id="{901BE600-6F21-4894-8849-BCDD9AE72768}"/>
+              </a:ext>
+            </a:extLst>
+          </p:cNvPr>
+          <p:cNvSpPr>
+            <a:spLocks noGrp="1"/>
+          </p:cNvSpPr>
+          <p:nvPr>
+            <p:ph type="pic" sz="quarter" idx="13"/>
+          </p:nvPr>
+        </p:nvSpPr>
+        <p:spPr/>
+      </p:sp>
+      <p:sp>
+        <p:nvSpPr>
+          <p:cNvPr id="3" name="Text Placeholder 2">
+            <a:extLst>
+              <a:ext uri="{FF2B5EF4-FFF2-40B4-BE49-F238E27FC236}">
+                <a16:creationId xmlns:a16="http://schemas.microsoft.com/office/drawing/2014/main" id="{E6315017-F188-4911-AC17-AB2868300999}"/>
+              </a:ext>
+            </a:extLst>
+          </p:cNvPr>
+          <p:cNvSpPr>
+            <a:spLocks noGrp="1"/>
+          </p:cNvSpPr>
+          <p:nvPr>
+            <p:ph type="body" sz="quarter" idx="14"/>
+          </p:nvPr>
+        </p:nvSpPr>
+        <p:spPr/>
+        <p:txBody>
+          <a:bodyPr/>
+          <a:lstStyle/>
+          <a:p>
+            <a:r>
+              <a:rPr lang="en-US" dirty="0"/>
+              <a:t>Received his Master’s degree from Emporia State University and has been teaching for Butler Community College for twenty years. Skilled in English Comp one and two, Fundamentals of English, American literature, Irish literature, African-American literature, and various research techniques.</a:t>
+            </a:r>
+          </a:p>
+        </p:txBody>
+      </p:sp>
+      <p:sp>
+        <p:nvSpPr>
+          <p:cNvPr id="4" name="Text Placeholder 3">
+            <a:extLst>
+              <a:ext uri="{FF2B5EF4-FFF2-40B4-BE49-F238E27FC236}">
+                <a16:creationId xmlns:a16="http://schemas.microsoft.com/office/drawing/2014/main" id="{AA552029-5BA1-4B17-83DA-37BE91456487}"/>
+              </a:ext>
+            </a:extLst>
+          </p:cNvPr>
+          <p:cNvSpPr>
+            <a:spLocks noGrp="1"/>
+          </p:cNvSpPr>
+          <p:nvPr>
+            <p:ph type="body" sz="quarter" idx="15"/>
+          </p:nvPr>
+        </p:nvSpPr>
+        <p:spPr/>
+        <p:txBody>
+          <a:bodyPr>
+            <a:normAutofit fontScale="92500" lnSpcReduction="10000"/>
+          </a:bodyPr>
+          <a:lstStyle/>
+          <a:p>
+            <a:r>
+              <a:rPr lang="en-US" dirty="0"/>
+              <a:t>Bradley K. Miller</a:t>
+            </a:r>
+          </a:p>
+        </p:txBody>
+      </p:sp>
+    </p:spTree>
+    <p:extLst>
+      <p:ext uri="{BB962C8B-B14F-4D97-AF65-F5344CB8AC3E}">
+        <p14:creationId xmlns:p14="http://schemas.microsoft.com/office/powerpoint/2010/main" val="121081527"/>
+      </p:ext>
+    </p:extLst>
+  </p:cSld>
+  <p:clrMapOvr>
+    <a:masterClrMapping/>
+  </p:clrMapOvr>
+  <p:transition spd="slow" advClick="0" advTm="10000">
+    <p:randomBar dir="vert"/>
+  </p:transition>
+</p:sld>
+</file>
+
+<file path=ppt/slides/slide33.xml><?xml version="1.0" encoding="utf-8"?>
+<p:sld xmlns:a="http://schemas.openxmlformats.org/drawingml/2006/main" xmlns:r="http://schemas.openxmlformats.org/officeDocument/2006/relationships" xmlns:p="http://schemas.openxmlformats.org/presentationml/2006/main">
+  <p:cSld>
+    <p:spTree>
+      <p:nvGrpSpPr>
+        <p:cNvPr id="1" name=""/>
+        <p:cNvGrpSpPr/>
+        <p:nvPr/>
+      </p:nvGrpSpPr>
+      <p:grpSpPr>
+        <a:xfrm>
+          <a:off x="0" y="0"/>
+          <a:ext cx="0" cy="0"/>
+          <a:chOff x="0" y="0"/>
+          <a:chExt cx="0" cy="0"/>
+        </a:xfrm>
+      </p:grpSpPr>
+      <p:sp>
+        <p:nvSpPr>
+          <p:cNvPr id="3" name="Text Placeholder 2">
+            <a:extLst>
+              <a:ext uri="{FF2B5EF4-FFF2-40B4-BE49-F238E27FC236}">
+                <a16:creationId xmlns:a16="http://schemas.microsoft.com/office/drawing/2014/main" id="{7E745BC9-5C4C-4E72-A661-A3FAA661D411}"/>
+              </a:ext>
+            </a:extLst>
+          </p:cNvPr>
+          <p:cNvSpPr>
+            <a:spLocks noGrp="1"/>
+          </p:cNvSpPr>
+          <p:nvPr>
+            <p:ph type="body" sz="quarter" idx="14"/>
+          </p:nvPr>
+        </p:nvSpPr>
+        <p:spPr/>
+        <p:txBody>
+          <a:bodyPr/>
+          <a:lstStyle/>
+          <a:p>
+            <a:r>
+              <a:rPr lang="en-US" dirty="0"/>
+              <a:t>Professor Ben </a:t>
+            </a:r>
+            <a:r>
+              <a:rPr lang="en-US" dirty="0" err="1"/>
+              <a:t>Bunck</a:t>
+            </a:r>
+            <a:r>
+              <a:rPr lang="en-US" dirty="0"/>
+              <a:t> has been teaching Mathematics at Butler since 2007 and is currently one of the Lead Instructors in the Mathematics Department.  He especially enjoys teaching Calculus and regularly teaches Calculus 1, 2, and 3.  In his spare time, he enjoys running, cycling, and generally spending time outdoors.</a:t>
+            </a:r>
+          </a:p>
+        </p:txBody>
+      </p:sp>
+      <p:sp>
+        <p:nvSpPr>
+          <p:cNvPr id="4" name="Text Placeholder 3">
+            <a:extLst>
+              <a:ext uri="{FF2B5EF4-FFF2-40B4-BE49-F238E27FC236}">
+                <a16:creationId xmlns:a16="http://schemas.microsoft.com/office/drawing/2014/main" id="{E78D97C3-1882-485F-9279-22026F057E72}"/>
+              </a:ext>
+            </a:extLst>
+          </p:cNvPr>
+          <p:cNvSpPr>
+            <a:spLocks noGrp="1"/>
+          </p:cNvSpPr>
+          <p:nvPr>
+            <p:ph type="body" sz="quarter" idx="15"/>
+          </p:nvPr>
+        </p:nvSpPr>
+        <p:spPr/>
+        <p:txBody>
+          <a:bodyPr>
+            <a:normAutofit fontScale="92500" lnSpcReduction="10000"/>
+          </a:bodyPr>
+          <a:lstStyle/>
+          <a:p>
+            <a:r>
+              <a:rPr lang="en-US" dirty="0"/>
+              <a:t>Benjamin F. </a:t>
+            </a:r>
+            <a:r>
+              <a:rPr lang="en-US" dirty="0" err="1"/>
+              <a:t>Bunck</a:t>
+            </a:r>
+            <a:r>
+              <a:rPr lang="en-US" dirty="0"/>
+              <a:t> </a:t>
+            </a:r>
+          </a:p>
+        </p:txBody>
+      </p:sp>
+      <p:pic>
+        <p:nvPicPr>
+          <p:cNvPr id="5" name="x_id-49E3510D-3E97-47F8-97FC-61F1DBC11054" descr="Image.jpeg">
+            <a:extLst>
+              <a:ext uri="{FF2B5EF4-FFF2-40B4-BE49-F238E27FC236}">
+                <a16:creationId xmlns:a16="http://schemas.microsoft.com/office/drawing/2014/main" id="{733C8E36-2095-4EB5-A686-7BEB0046ED2F}"/>
+              </a:ext>
+            </a:extLst>
+          </p:cNvPr>
+          <p:cNvPicPr>
+            <a:picLocks noGrp="1" noChangeAspect="1" noChangeArrowheads="1"/>
+          </p:cNvPicPr>
+          <p:nvPr>
+            <p:ph type="pic" sz="quarter" idx="13"/>
+          </p:nvPr>
+        </p:nvPicPr>
+        <p:blipFill rotWithShape="1">
+          <a:blip r:embed="rId2">
+            <a:extLst>
+              <a:ext uri="{28A0092B-C50C-407E-A947-70E740481C1C}">
+                <a14:useLocalDpi xmlns:a14="http://schemas.microsoft.com/office/drawing/2010/main" val="0"/>
+              </a:ext>
+            </a:extLst>
+          </a:blip>
+          <a:srcRect t="17944" b="17944"/>
+          <a:stretch/>
+        </p:blipFill>
+        <p:spPr bwMode="auto">
+          <a:prstGeom prst="rect">
+            <a:avLst/>
+          </a:prstGeom>
+          <a:noFill/>
+          <a:ln>
+            <a:noFill/>
+          </a:ln>
+          <a:extLst>
+            <a:ext uri="{909E8E84-426E-40DD-AFC4-6F175D3DCCD1}">
+              <a14:hiddenFill xmlns:a14="http://schemas.microsoft.com/office/drawing/2010/main">
+                <a:solidFill>
+                  <a:srgbClr val="FFFFFF"/>
+                </a:solidFill>
+              </a14:hiddenFill>
+            </a:ext>
+            <a:ext uri="{91240B29-F687-4F45-9708-019B960494DF}">
+              <a14:hiddenLine xmlns:a14="http://schemas.microsoft.com/office/drawing/2010/main" w="9525">
+                <a:solidFill>
+                  <a:srgbClr val="000000"/>
+                </a:solidFill>
+                <a:miter lim="800000"/>
+                <a:headEnd/>
+                <a:tailEnd/>
+              </a14:hiddenLine>
+            </a:ext>
+          </a:extLst>
+        </p:spPr>
+      </p:pic>
+    </p:spTree>
+    <p:extLst>
+      <p:ext uri="{BB962C8B-B14F-4D97-AF65-F5344CB8AC3E}">
+        <p14:creationId xmlns:p14="http://schemas.microsoft.com/office/powerpoint/2010/main" val="589540169"/>
+      </p:ext>
+    </p:extLst>
+  </p:cSld>
+  <p:clrMapOvr>
+    <a:masterClrMapping/>
+  </p:clrMapOvr>
+  <p:transition spd="slow" advClick="0" advTm="10000">
+    <p:randomBar dir="vert"/>
+  </p:transition>
+</p:sld>
+</file>
+
 <file path=ppt/slides/slide4.xml><?xml version="1.0" encoding="utf-8"?>
 <p:sld xmlns:a="http://schemas.openxmlformats.org/drawingml/2006/main" xmlns:r="http://schemas.openxmlformats.org/officeDocument/2006/relationships" xmlns:p="http://schemas.openxmlformats.org/presentationml/2006/main">
   <p:cSld>
@@ -7531,127 +8591,6 @@
 
 <file path=ppt/slides/slide5.xml><?xml version="1.0" encoding="utf-8"?>
 <p:sld xmlns:a="http://schemas.openxmlformats.org/drawingml/2006/main" xmlns:r="http://schemas.openxmlformats.org/officeDocument/2006/relationships" xmlns:p="http://schemas.openxmlformats.org/presentationml/2006/main">
-  <p:cSld>
-    <p:spTree>
-      <p:nvGrpSpPr>
-        <p:cNvPr id="1" name=""/>
-        <p:cNvGrpSpPr/>
-        <p:nvPr/>
-      </p:nvGrpSpPr>
-      <p:grpSpPr>
-        <a:xfrm>
-          <a:off x="0" y="0"/>
-          <a:ext cx="0" cy="0"/>
-          <a:chOff x="0" y="0"/>
-          <a:chExt cx="0" cy="0"/>
-        </a:xfrm>
-      </p:grpSpPr>
-      <p:sp>
-        <p:nvSpPr>
-          <p:cNvPr id="2" name="Title 1"/>
-          <p:cNvSpPr>
-            <a:spLocks noGrp="1"/>
-          </p:cNvSpPr>
-          <p:nvPr>
-            <p:ph type="ctrTitle" idx="4294967295"/>
-          </p:nvPr>
-        </p:nvSpPr>
-        <p:spPr>
-          <a:xfrm>
-            <a:off x="3554413" y="801688"/>
-            <a:ext cx="8637587" cy="2541587"/>
-          </a:xfrm>
-        </p:spPr>
-        <p:txBody>
-          <a:bodyPr>
-            <a:normAutofit/>
-          </a:bodyPr>
-          <a:lstStyle/>
-          <a:p>
-            <a:br>
-              <a:rPr lang="en-US" dirty="0"/>
-            </a:br>
-            <a:endParaRPr lang="en-US" dirty="0"/>
-          </a:p>
-        </p:txBody>
-      </p:sp>
-      <p:pic>
-        <p:nvPicPr>
-          <p:cNvPr id="4" name="Picture 3"/>
-          <p:cNvPicPr>
-            <a:picLocks noChangeAspect="1"/>
-          </p:cNvPicPr>
-          <p:nvPr/>
-        </p:nvPicPr>
-        <p:blipFill>
-          <a:blip r:embed="rId2">
-            <a:extLst>
-              <a:ext uri="{28A0092B-C50C-407E-A947-70E740481C1C}">
-                <a14:useLocalDpi xmlns:a14="http://schemas.microsoft.com/office/drawing/2010/main" val="0"/>
-              </a:ext>
-            </a:extLst>
-          </a:blip>
-          <a:stretch>
-            <a:fillRect/>
-          </a:stretch>
-        </p:blipFill>
-        <p:spPr>
-          <a:xfrm>
-            <a:off x="2417779" y="0"/>
-            <a:ext cx="7872153" cy="6858000"/>
-          </a:xfrm>
-          <a:prstGeom prst="rect">
-            <a:avLst/>
-          </a:prstGeom>
-        </p:spPr>
-      </p:pic>
-      <p:sp>
-        <p:nvSpPr>
-          <p:cNvPr id="5" name="TextBox 4"/>
-          <p:cNvSpPr txBox="1"/>
-          <p:nvPr/>
-        </p:nvSpPr>
-        <p:spPr>
-          <a:xfrm>
-            <a:off x="0" y="6642556"/>
-            <a:ext cx="922711" cy="215444"/>
-          </a:xfrm>
-          <a:prstGeom prst="rect">
-            <a:avLst/>
-          </a:prstGeom>
-          <a:noFill/>
-        </p:spPr>
-        <p:txBody>
-          <a:bodyPr wrap="square" rtlCol="0">
-            <a:spAutoFit/>
-          </a:bodyPr>
-          <a:lstStyle/>
-          <a:p>
-            <a:r>
-              <a:rPr lang="en-US" sz="800" dirty="0"/>
-              <a:t>cade was here</a:t>
-            </a:r>
-          </a:p>
-        </p:txBody>
-      </p:sp>
-    </p:spTree>
-    <p:extLst>
-      <p:ext uri="{BB962C8B-B14F-4D97-AF65-F5344CB8AC3E}">
-        <p14:creationId xmlns:p14="http://schemas.microsoft.com/office/powerpoint/2010/main" val="1564666214"/>
-      </p:ext>
-    </p:extLst>
-  </p:cSld>
-  <p:clrMapOvr>
-    <a:masterClrMapping/>
-  </p:clrMapOvr>
-  <p:transition spd="slow" advClick="0" advTm="1000">
-    <p:randomBar dir="vert"/>
-  </p:transition>
-</p:sld>
-</file>
-
-<file path=ppt/slides/slide6.xml><?xml version="1.0" encoding="utf-8"?>
-<p:sld xmlns:a="http://schemas.openxmlformats.org/drawingml/2006/main" xmlns:r="http://schemas.openxmlformats.org/officeDocument/2006/relationships" xmlns:p="http://schemas.openxmlformats.org/presentationml/2006/main" show="0">
   <p:cSld>
     <p:spTree>
       <p:nvGrpSpPr>
@@ -7799,35 +8738,6 @@
           </a:p>
         </p:txBody>
       </p:sp>
-      <p:sp>
-        <p:nvSpPr>
-          <p:cNvPr id="10" name="TextBox 9"/>
-          <p:cNvSpPr txBox="1"/>
-          <p:nvPr/>
-        </p:nvSpPr>
-        <p:spPr>
-          <a:xfrm>
-            <a:off x="0" y="6642556"/>
-            <a:ext cx="922711" cy="215444"/>
-          </a:xfrm>
-          <a:prstGeom prst="rect">
-            <a:avLst/>
-          </a:prstGeom>
-          <a:noFill/>
-        </p:spPr>
-        <p:txBody>
-          <a:bodyPr wrap="square" rtlCol="0">
-            <a:spAutoFit/>
-          </a:bodyPr>
-          <a:lstStyle/>
-          <a:p>
-            <a:r>
-              <a:rPr lang="en-US" sz="800" dirty="0"/>
-              <a:t>cade was here</a:t>
-            </a:r>
-          </a:p>
-        </p:txBody>
-      </p:sp>
     </p:spTree>
     <p:extLst>
       <p:ext uri="{BB962C8B-B14F-4D97-AF65-F5344CB8AC3E}">
@@ -7844,8 +8754,8 @@
 </p:sld>
 </file>
 
-<file path=ppt/slides/slide7.xml><?xml version="1.0" encoding="utf-8"?>
-<p:sld xmlns:a="http://schemas.openxmlformats.org/drawingml/2006/main" xmlns:r="http://schemas.openxmlformats.org/officeDocument/2006/relationships" xmlns:p="http://schemas.openxmlformats.org/presentationml/2006/main" show="0">
+<file path=ppt/slides/slide6.xml><?xml version="1.0" encoding="utf-8"?>
+<p:sld xmlns:a="http://schemas.openxmlformats.org/drawingml/2006/main" xmlns:r="http://schemas.openxmlformats.org/officeDocument/2006/relationships" xmlns:p="http://schemas.openxmlformats.org/presentationml/2006/main">
   <p:cSld>
     <p:spTree>
       <p:nvGrpSpPr>
@@ -7899,35 +8809,6 @@
           <a:lstStyle/>
           <a:p>
             <a:endParaRPr lang="en-US"/>
-          </a:p>
-        </p:txBody>
-      </p:sp>
-      <p:sp>
-        <p:nvSpPr>
-          <p:cNvPr id="4" name="TextBox 3"/>
-          <p:cNvSpPr txBox="1"/>
-          <p:nvPr/>
-        </p:nvSpPr>
-        <p:spPr>
-          <a:xfrm>
-            <a:off x="0" y="6642556"/>
-            <a:ext cx="922711" cy="215444"/>
-          </a:xfrm>
-          <a:prstGeom prst="rect">
-            <a:avLst/>
-          </a:prstGeom>
-          <a:noFill/>
-        </p:spPr>
-        <p:txBody>
-          <a:bodyPr wrap="square" rtlCol="0">
-            <a:spAutoFit/>
-          </a:bodyPr>
-          <a:lstStyle/>
-          <a:p>
-            <a:r>
-              <a:rPr lang="en-US" sz="800" dirty="0"/>
-              <a:t>cade was here</a:t>
-            </a:r>
           </a:p>
         </p:txBody>
       </p:sp>
@@ -7947,8 +8828,8 @@
 </p:sld>
 </file>
 
-<file path=ppt/slides/slide8.xml><?xml version="1.0" encoding="utf-8"?>
-<p:sld xmlns:a="http://schemas.openxmlformats.org/drawingml/2006/main" xmlns:r="http://schemas.openxmlformats.org/officeDocument/2006/relationships" xmlns:p="http://schemas.openxmlformats.org/presentationml/2006/main" show="0">
+<file path=ppt/slides/slide7.xml><?xml version="1.0" encoding="utf-8"?>
+<p:sld xmlns:a="http://schemas.openxmlformats.org/drawingml/2006/main" xmlns:r="http://schemas.openxmlformats.org/officeDocument/2006/relationships" xmlns:p="http://schemas.openxmlformats.org/presentationml/2006/main">
   <p:cSld>
     <p:spTree>
       <p:nvGrpSpPr>
@@ -7964,46 +8845,51 @@
           <a:chExt cx="0" cy="0"/>
         </a:xfrm>
       </p:grpSpPr>
-      <p:pic>
-        <p:nvPicPr>
-          <p:cNvPr id="2" name="Picture 1">
-            <a:extLst>
-              <a:ext uri="{FF2B5EF4-FFF2-40B4-BE49-F238E27FC236}">
-                <a16:creationId xmlns:a16="http://schemas.microsoft.com/office/drawing/2014/main" id="{898F323F-19E6-4967-BA2D-86A2316C8531}"/>
-              </a:ext>
-            </a:extLst>
-          </p:cNvPr>
-          <p:cNvPicPr>
-            <a:picLocks noChangeAspect="1"/>
-          </p:cNvPicPr>
-          <p:nvPr/>
-        </p:nvPicPr>
-        <p:blipFill>
-          <a:blip r:embed="rId2">
-            <a:extLst>
-              <a:ext uri="{28A0092B-C50C-407E-A947-70E740481C1C}">
-                <a14:useLocalDpi xmlns:a14="http://schemas.microsoft.com/office/drawing/2010/main" val="0"/>
-              </a:ext>
-            </a:extLst>
-          </a:blip>
-          <a:stretch>
-            <a:fillRect/>
-          </a:stretch>
-        </p:blipFill>
-        <p:spPr>
-          <a:xfrm>
-            <a:off x="2342803" y="0"/>
-            <a:ext cx="8164484" cy="6858000"/>
-          </a:xfrm>
-          <a:prstGeom prst="rect">
-            <a:avLst/>
-          </a:prstGeom>
-        </p:spPr>
-      </p:pic>
+      <p:sp>
+        <p:nvSpPr>
+          <p:cNvPr id="2" name="Title 1"/>
+          <p:cNvSpPr>
+            <a:spLocks noGrp="1"/>
+          </p:cNvSpPr>
+          <p:nvPr>
+            <p:ph type="ctrTitle"/>
+          </p:nvPr>
+        </p:nvSpPr>
+        <p:spPr/>
+        <p:txBody>
+          <a:bodyPr/>
+          <a:lstStyle/>
+          <a:p>
+            <a:r>
+              <a:rPr lang="en-US" dirty="0"/>
+              <a:t>WE want to help you today!!!</a:t>
+            </a:r>
+          </a:p>
+        </p:txBody>
+      </p:sp>
+      <p:sp>
+        <p:nvSpPr>
+          <p:cNvPr id="3" name="Subtitle 2"/>
+          <p:cNvSpPr>
+            <a:spLocks noGrp="1"/>
+          </p:cNvSpPr>
+          <p:nvPr>
+            <p:ph type="subTitle" idx="1"/>
+          </p:nvPr>
+        </p:nvSpPr>
+        <p:spPr/>
+        <p:txBody>
+          <a:bodyPr/>
+          <a:lstStyle/>
+          <a:p>
+            <a:endParaRPr lang="en-US"/>
+          </a:p>
+        </p:txBody>
+      </p:sp>
     </p:spTree>
     <p:extLst>
       <p:ext uri="{BB962C8B-B14F-4D97-AF65-F5344CB8AC3E}">
-        <p14:creationId xmlns:p14="http://schemas.microsoft.com/office/powerpoint/2010/main" val="282840858"/>
+        <p14:creationId xmlns:p14="http://schemas.microsoft.com/office/powerpoint/2010/main" val="1606559736"/>
       </p:ext>
     </p:extLst>
   </p:cSld>
@@ -8016,8 +8902,8 @@
 </p:sld>
 </file>
 
-<file path=ppt/slides/slide9.xml><?xml version="1.0" encoding="utf-8"?>
-<p:sld xmlns:a="http://schemas.openxmlformats.org/drawingml/2006/main" xmlns:r="http://schemas.openxmlformats.org/officeDocument/2006/relationships" xmlns:p="http://schemas.openxmlformats.org/presentationml/2006/main" show="0">
+<file path=ppt/slides/slide8.xml><?xml version="1.0" encoding="utf-8"?>
+<p:sld xmlns:a="http://schemas.openxmlformats.org/drawingml/2006/main" xmlns:r="http://schemas.openxmlformats.org/officeDocument/2006/relationships" xmlns:p="http://schemas.openxmlformats.org/presentationml/2006/main">
   <p:cSld>
     <p:spTree>
       <p:nvGrpSpPr>
@@ -8040,7 +8926,7 @@
             <a:spLocks noGrp="1"/>
           </p:cNvSpPr>
           <p:nvPr>
-            <p:ph type="ctrTitle"/>
+            <p:ph type="title"/>
           </p:nvPr>
         </p:nvSpPr>
         <p:spPr/>
@@ -8050,63 +8936,133 @@
           <a:p>
             <a:r>
               <a:rPr lang="en-US" dirty="0"/>
-              <a:t>WE want to help you today!!!</a:t>
-            </a:r>
-          </a:p>
-        </p:txBody>
-      </p:sp>
-      <p:sp>
-        <p:nvSpPr>
-          <p:cNvPr id="3" name="Subtitle 2"/>
-          <p:cNvSpPr>
-            <a:spLocks noGrp="1"/>
-          </p:cNvSpPr>
-          <p:nvPr>
-            <p:ph type="subTitle" idx="1"/>
-          </p:nvPr>
-        </p:nvSpPr>
-        <p:spPr/>
-        <p:txBody>
-          <a:bodyPr/>
-          <a:lstStyle/>
-          <a:p>
-            <a:endParaRPr lang="en-US"/>
-          </a:p>
-        </p:txBody>
-      </p:sp>
-      <p:sp>
-        <p:nvSpPr>
-          <p:cNvPr id="4" name="TextBox 3"/>
-          <p:cNvSpPr txBox="1"/>
-          <p:nvPr/>
+              <a:t>Study tips!!!</a:t>
+            </a:r>
+          </a:p>
+        </p:txBody>
+      </p:sp>
+      <p:sp>
+        <p:nvSpPr>
+          <p:cNvPr id="3" name="Content Placeholder 2"/>
+          <p:cNvSpPr>
+            <a:spLocks noGrp="1"/>
+          </p:cNvSpPr>
+          <p:nvPr>
+            <p:ph idx="1"/>
+          </p:nvPr>
         </p:nvSpPr>
         <p:spPr>
           <a:xfrm>
-            <a:off x="0" y="6642556"/>
-            <a:ext cx="922711" cy="215444"/>
+            <a:off x="1451579" y="1974457"/>
+            <a:ext cx="9603275" cy="3450613"/>
+          </a:xfrm>
+        </p:spPr>
+        <p:txBody>
+          <a:bodyPr>
+            <a:normAutofit fontScale="92500" lnSpcReduction="20000"/>
+          </a:bodyPr>
+          <a:lstStyle/>
+          <a:p>
+            <a:r>
+              <a:rPr lang="en-US" dirty="0"/>
+              <a:t>Pick a place and time. Everyone has their own idea about the best place and time to study. </a:t>
+            </a:r>
+          </a:p>
+          <a:p>
+            <a:r>
+              <a:rPr lang="en-US" dirty="0"/>
+              <a:t>Study every day.</a:t>
+            </a:r>
+          </a:p>
+          <a:p>
+            <a:r>
+              <a:rPr lang="en-US" dirty="0"/>
+              <a:t>Plan your time. </a:t>
+            </a:r>
+          </a:p>
+          <a:p>
+            <a:r>
+              <a:rPr lang="en-US" dirty="0"/>
+              <a:t>Discover your learning style. </a:t>
+            </a:r>
+          </a:p>
+          <a:p>
+            <a:r>
+              <a:rPr lang="en-US" dirty="0"/>
+              <a:t>Review and revise. </a:t>
+            </a:r>
+          </a:p>
+          <a:p>
+            <a:r>
+              <a:rPr lang="en-US" dirty="0"/>
+              <a:t>Take breaks. </a:t>
+            </a:r>
+          </a:p>
+          <a:p>
+            <a:r>
+              <a:rPr lang="en-US" dirty="0"/>
+              <a:t>Ask for help. </a:t>
+            </a:r>
+          </a:p>
+          <a:p>
+            <a:r>
+              <a:rPr lang="en-US" dirty="0"/>
+              <a:t>Stay motivated.</a:t>
+            </a:r>
+          </a:p>
+          <a:p>
+            <a:pPr marL="0" indent="0">
+              <a:buNone/>
+            </a:pPr>
+            <a:endParaRPr lang="en-US" dirty="0"/>
+          </a:p>
+        </p:txBody>
+      </p:sp>
+      <p:pic>
+        <p:nvPicPr>
+          <p:cNvPr id="14338" name="Picture 2" descr="Image result for pencil"/>
+          <p:cNvPicPr>
+            <a:picLocks noChangeAspect="1" noChangeArrowheads="1"/>
+          </p:cNvPicPr>
+          <p:nvPr/>
+        </p:nvPicPr>
+        <p:blipFill>
+          <a:blip r:embed="rId2">
+            <a:extLst>
+              <a:ext uri="{28A0092B-C50C-407E-A947-70E740481C1C}">
+                <a14:useLocalDpi xmlns:a14="http://schemas.microsoft.com/office/drawing/2010/main" val="0"/>
+              </a:ext>
+            </a:extLst>
+          </a:blip>
+          <a:srcRect/>
+          <a:stretch>
+            <a:fillRect/>
+          </a:stretch>
+        </p:blipFill>
+        <p:spPr bwMode="auto">
+          <a:xfrm rot="7571616">
+            <a:off x="5512881" y="2303922"/>
+            <a:ext cx="5081444" cy="3719619"/>
           </a:xfrm>
           <a:prstGeom prst="rect">
             <a:avLst/>
           </a:prstGeom>
           <a:noFill/>
+          <a:extLst>
+            <a:ext uri="{909E8E84-426E-40DD-AFC4-6F175D3DCCD1}">
+              <a14:hiddenFill xmlns:a14="http://schemas.microsoft.com/office/drawing/2010/main">
+                <a:solidFill>
+                  <a:srgbClr val="FFFFFF"/>
+                </a:solidFill>
+              </a14:hiddenFill>
+            </a:ext>
+          </a:extLst>
         </p:spPr>
-        <p:txBody>
-          <a:bodyPr wrap="square" rtlCol="0">
-            <a:spAutoFit/>
-          </a:bodyPr>
-          <a:lstStyle/>
-          <a:p>
-            <a:r>
-              <a:rPr lang="en-US" sz="800" dirty="0"/>
-              <a:t>cade was here</a:t>
-            </a:r>
-          </a:p>
-        </p:txBody>
-      </p:sp>
+      </p:pic>
     </p:spTree>
     <p:extLst>
       <p:ext uri="{BB962C8B-B14F-4D97-AF65-F5344CB8AC3E}">
-        <p14:creationId xmlns:p14="http://schemas.microsoft.com/office/powerpoint/2010/main" val="1606559736"/>
+        <p14:creationId xmlns:p14="http://schemas.microsoft.com/office/powerpoint/2010/main" val="1929952256"/>
       </p:ext>
     </p:extLst>
   </p:cSld>
@@ -8114,6 +9070,135 @@
     <a:masterClrMapping/>
   </p:clrMapOvr>
   <p:transition spd="slow" advClick="0" advTm="1000">
+    <p:randomBar dir="vert"/>
+  </p:transition>
+</p:sld>
+</file>
+
+<file path=ppt/slides/slide9.xml><?xml version="1.0" encoding="utf-8"?>
+<p:sld xmlns:a="http://schemas.openxmlformats.org/drawingml/2006/main" xmlns:r="http://schemas.openxmlformats.org/officeDocument/2006/relationships" xmlns:p="http://schemas.openxmlformats.org/presentationml/2006/main">
+  <p:cSld>
+    <p:spTree>
+      <p:nvGrpSpPr>
+        <p:cNvPr id="1" name=""/>
+        <p:cNvGrpSpPr/>
+        <p:nvPr/>
+      </p:nvGrpSpPr>
+      <p:grpSpPr>
+        <a:xfrm>
+          <a:off x="0" y="0"/>
+          <a:ext cx="0" cy="0"/>
+          <a:chOff x="0" y="0"/>
+          <a:chExt cx="0" cy="0"/>
+        </a:xfrm>
+      </p:grpSpPr>
+      <p:sp>
+        <p:nvSpPr>
+          <p:cNvPr id="2" name="Picture Placeholder 1">
+            <a:extLst>
+              <a:ext uri="{FF2B5EF4-FFF2-40B4-BE49-F238E27FC236}">
+                <a16:creationId xmlns:a16="http://schemas.microsoft.com/office/drawing/2014/main" id="{F449F160-A421-4535-BC5B-54E47C8F4617}"/>
+              </a:ext>
+            </a:extLst>
+          </p:cNvPr>
+          <p:cNvSpPr>
+            <a:spLocks noGrp="1"/>
+          </p:cNvSpPr>
+          <p:nvPr>
+            <p:ph type="pic" sz="quarter" idx="13"/>
+          </p:nvPr>
+        </p:nvSpPr>
+        <p:spPr/>
+      </p:sp>
+      <p:sp>
+        <p:nvSpPr>
+          <p:cNvPr id="3" name="Text Placeholder 2">
+            <a:extLst>
+              <a:ext uri="{FF2B5EF4-FFF2-40B4-BE49-F238E27FC236}">
+                <a16:creationId xmlns:a16="http://schemas.microsoft.com/office/drawing/2014/main" id="{1114362B-6E8C-4F1B-88FE-AF9FBB9AAC92}"/>
+              </a:ext>
+            </a:extLst>
+          </p:cNvPr>
+          <p:cNvSpPr>
+            <a:spLocks noGrp="1"/>
+          </p:cNvSpPr>
+          <p:nvPr>
+            <p:ph type="body" sz="quarter" idx="14"/>
+          </p:nvPr>
+        </p:nvSpPr>
+        <p:spPr/>
+        <p:txBody>
+          <a:bodyPr>
+            <a:normAutofit fontScale="85000" lnSpcReduction="10000"/>
+          </a:bodyPr>
+          <a:lstStyle/>
+          <a:p>
+            <a:pPr indent="0"/>
+            <a:r>
+              <a:rPr lang="en-US" dirty="0"/>
+              <a:t>I am a 17-year-old high school student. For 4 years, I lived in Belgium and I studied in both an international setting and a local setting. I speak 3 1/2 languages; English, Arabic, Dutch, and French (1/2). </a:t>
+            </a:r>
+            <a:br>
+              <a:rPr lang="en-US" dirty="0"/>
+            </a:br>
+            <a:r>
+              <a:rPr lang="en-US" dirty="0"/>
+              <a:t>I love writing and reading. I also enjoy learning new ways to apply my knowledge to more complex problems. </a:t>
+            </a:r>
+            <a:br>
+              <a:rPr lang="en-US" dirty="0"/>
+            </a:br>
+            <a:r>
+              <a:rPr lang="en-US" dirty="0"/>
+              <a:t>I am currently a tutor ambassador at Butler and I tutor Algebra and Anatomy and physiology online. </a:t>
+            </a:r>
+          </a:p>
+        </p:txBody>
+      </p:sp>
+      <p:sp>
+        <p:nvSpPr>
+          <p:cNvPr id="4" name="Text Placeholder 3">
+            <a:extLst>
+              <a:ext uri="{FF2B5EF4-FFF2-40B4-BE49-F238E27FC236}">
+                <a16:creationId xmlns:a16="http://schemas.microsoft.com/office/drawing/2014/main" id="{0854B637-8581-46AB-9D44-43E86760BC1E}"/>
+              </a:ext>
+            </a:extLst>
+          </p:cNvPr>
+          <p:cNvSpPr>
+            <a:spLocks noGrp="1"/>
+          </p:cNvSpPr>
+          <p:nvPr>
+            <p:ph type="body" sz="quarter" idx="15"/>
+          </p:nvPr>
+        </p:nvSpPr>
+        <p:spPr/>
+        <p:txBody>
+          <a:bodyPr>
+            <a:normAutofit fontScale="92500" lnSpcReduction="20000"/>
+          </a:bodyPr>
+          <a:lstStyle/>
+          <a:p>
+            <a:r>
+              <a:rPr lang="en-US" dirty="0"/>
+              <a:t>Mariam Alky </a:t>
+            </a:r>
+          </a:p>
+          <a:p>
+            <a:endParaRPr lang="en-US" dirty="0"/>
+          </a:p>
+        </p:txBody>
+      </p:sp>
+    </p:spTree>
+    <p:extLst>
+      <p:ext uri="{BB962C8B-B14F-4D97-AF65-F5344CB8AC3E}">
+        <p14:creationId xmlns:p14="http://schemas.microsoft.com/office/powerpoint/2010/main" val="3481489093"/>
+      </p:ext>
+    </p:extLst>
+  </p:cSld>
+  <p:clrMapOvr>
+    <a:masterClrMapping/>
+  </p:clrMapOvr>
+  <p:transition spd="slow" advClick="0" advTm="10000">
     <p:randomBar dir="vert"/>
   </p:transition>
 </p:sld>
@@ -8966,4 +10051,274 @@
     </a:ext>
   </a:extLst>
 </a:theme>
+</file>
+
+<file path=customXml/item1.xml><?xml version="1.0" encoding="utf-8"?>
+<ct:contentTypeSchema xmlns:ct="http://schemas.microsoft.com/office/2006/metadata/contentType" xmlns:ma="http://schemas.microsoft.com/office/2006/metadata/properties/metaAttributes" ct:_="" ma:_="" ma:contentTypeName="Document" ma:contentTypeID="0x0101008B6083EB2185C948826F1E75E22AD404" ma:contentTypeVersion="11" ma:contentTypeDescription="Create a new document." ma:contentTypeScope="" ma:versionID="0f57b59a74f99feba52aaea40e19d743">
+  <xsd:schema xmlns:xsd="http://www.w3.org/2001/XMLSchema" xmlns:xs="http://www.w3.org/2001/XMLSchema" xmlns:p="http://schemas.microsoft.com/office/2006/metadata/properties" xmlns:ns3="5d73ab29-3649-4225-a769-eb83518d840d" xmlns:ns4="d831696b-2864-4103-9d93-f1bc0541c4b3" targetNamespace="http://schemas.microsoft.com/office/2006/metadata/properties" ma:root="true" ma:fieldsID="cc4c70dca2607389c5b9c1bf607df79a" ns3:_="" ns4:_="">
+    <xsd:import namespace="5d73ab29-3649-4225-a769-eb83518d840d"/>
+    <xsd:import namespace="d831696b-2864-4103-9d93-f1bc0541c4b3"/>
+    <xsd:element name="properties">
+      <xsd:complexType>
+        <xsd:sequence>
+          <xsd:element name="documentManagement">
+            <xsd:complexType>
+              <xsd:all>
+                <xsd:element ref="ns3:MediaServiceMetadata" minOccurs="0"/>
+                <xsd:element ref="ns3:MediaServiceFastMetadata" minOccurs="0"/>
+                <xsd:element ref="ns3:MediaServiceAutoKeyPoints" minOccurs="0"/>
+                <xsd:element ref="ns3:MediaServiceKeyPoints" minOccurs="0"/>
+                <xsd:element ref="ns3:MediaServiceAutoTags" minOccurs="0"/>
+                <xsd:element ref="ns3:MediaServiceOCR" minOccurs="0"/>
+                <xsd:element ref="ns3:MediaServiceGenerationTime" minOccurs="0"/>
+                <xsd:element ref="ns3:MediaServiceEventHashCode" minOccurs="0"/>
+                <xsd:element ref="ns4:SharedWithUsers" minOccurs="0"/>
+                <xsd:element ref="ns4:SharedWithDetails" minOccurs="0"/>
+                <xsd:element ref="ns4:SharingHintHash" minOccurs="0"/>
+              </xsd:all>
+            </xsd:complexType>
+          </xsd:element>
+        </xsd:sequence>
+      </xsd:complexType>
+    </xsd:element>
+  </xsd:schema>
+  <xsd:schema xmlns:xsd="http://www.w3.org/2001/XMLSchema" xmlns:xs="http://www.w3.org/2001/XMLSchema" xmlns:dms="http://schemas.microsoft.com/office/2006/documentManagement/types" xmlns:pc="http://schemas.microsoft.com/office/infopath/2007/PartnerControls" targetNamespace="5d73ab29-3649-4225-a769-eb83518d840d" elementFormDefault="qualified">
+    <xsd:import namespace="http://schemas.microsoft.com/office/2006/documentManagement/types"/>
+    <xsd:import namespace="http://schemas.microsoft.com/office/infopath/2007/PartnerControls"/>
+    <xsd:element name="MediaServiceMetadata" ma:index="8" nillable="true" ma:displayName="MediaServiceMetadata" ma:hidden="true" ma:internalName="MediaServiceMetadata" ma:readOnly="true">
+      <xsd:simpleType>
+        <xsd:restriction base="dms:Note"/>
+      </xsd:simpleType>
+    </xsd:element>
+    <xsd:element name="MediaServiceFastMetadata" ma:index="9" nillable="true" ma:displayName="MediaServiceFastMetadata" ma:hidden="true" ma:internalName="MediaServiceFastMetadata" ma:readOnly="true">
+      <xsd:simpleType>
+        <xsd:restriction base="dms:Note"/>
+      </xsd:simpleType>
+    </xsd:element>
+    <xsd:element name="MediaServiceAutoKeyPoints" ma:index="10" nillable="true" ma:displayName="MediaServiceAutoKeyPoints" ma:hidden="true" ma:internalName="MediaServiceAutoKeyPoints" ma:readOnly="true">
+      <xsd:simpleType>
+        <xsd:restriction base="dms:Note"/>
+      </xsd:simpleType>
+    </xsd:element>
+    <xsd:element name="MediaServiceKeyPoints" ma:index="11" nillable="true" ma:displayName="KeyPoints" ma:internalName="MediaServiceKeyPoints" ma:readOnly="true">
+      <xsd:simpleType>
+        <xsd:restriction base="dms:Note">
+          <xsd:maxLength value="255"/>
+        </xsd:restriction>
+      </xsd:simpleType>
+    </xsd:element>
+    <xsd:element name="MediaServiceAutoTags" ma:index="12" nillable="true" ma:displayName="Tags" ma:internalName="MediaServiceAutoTags" ma:readOnly="true">
+      <xsd:simpleType>
+        <xsd:restriction base="dms:Text"/>
+      </xsd:simpleType>
+    </xsd:element>
+    <xsd:element name="MediaServiceOCR" ma:index="13" nillable="true" ma:displayName="Extracted Text" ma:internalName="MediaServiceOCR" ma:readOnly="true">
+      <xsd:simpleType>
+        <xsd:restriction base="dms:Note">
+          <xsd:maxLength value="255"/>
+        </xsd:restriction>
+      </xsd:simpleType>
+    </xsd:element>
+    <xsd:element name="MediaServiceGenerationTime" ma:index="14" nillable="true" ma:displayName="MediaServiceGenerationTime" ma:hidden="true" ma:internalName="MediaServiceGenerationTime" ma:readOnly="true">
+      <xsd:simpleType>
+        <xsd:restriction base="dms:Text"/>
+      </xsd:simpleType>
+    </xsd:element>
+    <xsd:element name="MediaServiceEventHashCode" ma:index="15" nillable="true" ma:displayName="MediaServiceEventHashCode" ma:hidden="true" ma:internalName="MediaServiceEventHashCode" ma:readOnly="true">
+      <xsd:simpleType>
+        <xsd:restriction base="dms:Text"/>
+      </xsd:simpleType>
+    </xsd:element>
+  </xsd:schema>
+  <xsd:schema xmlns:xsd="http://www.w3.org/2001/XMLSchema" xmlns:xs="http://www.w3.org/2001/XMLSchema" xmlns:dms="http://schemas.microsoft.com/office/2006/documentManagement/types" xmlns:pc="http://schemas.microsoft.com/office/infopath/2007/PartnerControls" targetNamespace="d831696b-2864-4103-9d93-f1bc0541c4b3" elementFormDefault="qualified">
+    <xsd:import namespace="http://schemas.microsoft.com/office/2006/documentManagement/types"/>
+    <xsd:import namespace="http://schemas.microsoft.com/office/infopath/2007/PartnerControls"/>
+    <xsd:element name="SharedWithUsers" ma:index="16" nillable="true" ma:displayName="Shared With" ma:internalName="SharedWithUsers" ma:readOnly="true">
+      <xsd:complexType>
+        <xsd:complexContent>
+          <xsd:extension base="dms:UserMulti">
+            <xsd:sequence>
+              <xsd:element name="UserInfo" minOccurs="0" maxOccurs="unbounded">
+                <xsd:complexType>
+                  <xsd:sequence>
+                    <xsd:element name="DisplayName" type="xsd:string" minOccurs="0"/>
+                    <xsd:element name="AccountId" type="dms:UserId" minOccurs="0" nillable="true"/>
+                    <xsd:element name="AccountType" type="xsd:string" minOccurs="0"/>
+                  </xsd:sequence>
+                </xsd:complexType>
+              </xsd:element>
+            </xsd:sequence>
+          </xsd:extension>
+        </xsd:complexContent>
+      </xsd:complexType>
+    </xsd:element>
+    <xsd:element name="SharedWithDetails" ma:index="17" nillable="true" ma:displayName="Shared With Details" ma:internalName="SharedWithDetails" ma:readOnly="true">
+      <xsd:simpleType>
+        <xsd:restriction base="dms:Note">
+          <xsd:maxLength value="255"/>
+        </xsd:restriction>
+      </xsd:simpleType>
+    </xsd:element>
+    <xsd:element name="SharingHintHash" ma:index="18" nillable="true" ma:displayName="Sharing Hint Hash" ma:hidden="true" ma:internalName="SharingHintHash" ma:readOnly="true">
+      <xsd:simpleType>
+        <xsd:restriction base="dms:Text"/>
+      </xsd:simpleType>
+    </xsd:element>
+  </xsd:schema>
+  <xsd:schema xmlns="http://schemas.openxmlformats.org/package/2006/metadata/core-properties" xmlns:xsd="http://www.w3.org/2001/XMLSchema" xmlns:xsi="http://www.w3.org/2001/XMLSchema-instance" xmlns:dc="http://purl.org/dc/elements/1.1/" xmlns:dcterms="http://purl.org/dc/terms/" xmlns:odoc="http://schemas.microsoft.com/internal/obd" targetNamespace="http://schemas.openxmlformats.org/package/2006/metadata/core-properties" elementFormDefault="qualified" attributeFormDefault="unqualified" blockDefault="#all">
+    <xsd:import namespace="http://purl.org/dc/elements/1.1/" schemaLocation="http://dublincore.org/schemas/xmls/qdc/2003/04/02/dc.xsd"/>
+    <xsd:import namespace="http://purl.org/dc/terms/" schemaLocation="http://dublincore.org/schemas/xmls/qdc/2003/04/02/dcterms.xsd"/>
+    <xsd:element name="coreProperties" type="CT_coreProperties"/>
+    <xsd:complexType name="CT_coreProperties">
+      <xsd:all>
+        <xsd:element ref="dc:creator" minOccurs="0" maxOccurs="1"/>
+        <xsd:element ref="dcterms:created" minOccurs="0" maxOccurs="1"/>
+        <xsd:element ref="dc:identifier" minOccurs="0" maxOccurs="1"/>
+        <xsd:element name="contentType" minOccurs="0" maxOccurs="1" type="xsd:string" ma:index="0" ma:displayName="Content Type"/>
+        <xsd:element ref="dc:title" minOccurs="0" maxOccurs="1" ma:index="4" ma:displayName="Title"/>
+        <xsd:element ref="dc:subject" minOccurs="0" maxOccurs="1"/>
+        <xsd:element ref="dc:description" minOccurs="0" maxOccurs="1"/>
+        <xsd:element name="keywords" minOccurs="0" maxOccurs="1" type="xsd:string"/>
+        <xsd:element ref="dc:language" minOccurs="0" maxOccurs="1"/>
+        <xsd:element name="category" minOccurs="0" maxOccurs="1" type="xsd:string"/>
+        <xsd:element name="version" minOccurs="0" maxOccurs="1" type="xsd:string"/>
+        <xsd:element name="revision" minOccurs="0" maxOccurs="1" type="xsd:string">
+          <xsd:annotation>
+            <xsd:documentation>
+                        This value indicates the number of saves or revisions. The application is responsible for updating this value after each revision.
+                    </xsd:documentation>
+          </xsd:annotation>
+        </xsd:element>
+        <xsd:element name="lastModifiedBy" minOccurs="0" maxOccurs="1" type="xsd:string"/>
+        <xsd:element ref="dcterms:modified" minOccurs="0" maxOccurs="1"/>
+        <xsd:element name="contentStatus" minOccurs="0" maxOccurs="1" type="xsd:string"/>
+      </xsd:all>
+    </xsd:complexType>
+  </xsd:schema>
+  <xs:schema xmlns:pc="http://schemas.microsoft.com/office/infopath/2007/PartnerControls" xmlns:xs="http://www.w3.org/2001/XMLSchema" targetNamespace="http://schemas.microsoft.com/office/infopath/2007/PartnerControls" elementFormDefault="qualified" attributeFormDefault="unqualified">
+    <xs:element name="Person">
+      <xs:complexType>
+        <xs:sequence>
+          <xs:element ref="pc:DisplayName" minOccurs="0"/>
+          <xs:element ref="pc:AccountId" minOccurs="0"/>
+          <xs:element ref="pc:AccountType" minOccurs="0"/>
+        </xs:sequence>
+      </xs:complexType>
+    </xs:element>
+    <xs:element name="DisplayName" type="xs:string"/>
+    <xs:element name="AccountId" type="xs:string"/>
+    <xs:element name="AccountType" type="xs:string"/>
+    <xs:element name="BDCAssociatedEntity">
+      <xs:complexType>
+        <xs:sequence>
+          <xs:element ref="pc:BDCEntity" minOccurs="0" maxOccurs="unbounded"/>
+        </xs:sequence>
+        <xs:attribute ref="pc:EntityNamespace"/>
+        <xs:attribute ref="pc:EntityName"/>
+        <xs:attribute ref="pc:SystemInstanceName"/>
+        <xs:attribute ref="pc:AssociationName"/>
+      </xs:complexType>
+    </xs:element>
+    <xs:attribute name="EntityNamespace" type="xs:string"/>
+    <xs:attribute name="EntityName" type="xs:string"/>
+    <xs:attribute name="SystemInstanceName" type="xs:string"/>
+    <xs:attribute name="AssociationName" type="xs:string"/>
+    <xs:element name="BDCEntity">
+      <xs:complexType>
+        <xs:sequence>
+          <xs:element ref="pc:EntityDisplayName" minOccurs="0"/>
+          <xs:element ref="pc:EntityInstanceReference" minOccurs="0"/>
+          <xs:element ref="pc:EntityId1" minOccurs="0"/>
+          <xs:element ref="pc:EntityId2" minOccurs="0"/>
+          <xs:element ref="pc:EntityId3" minOccurs="0"/>
+          <xs:element ref="pc:EntityId4" minOccurs="0"/>
+          <xs:element ref="pc:EntityId5" minOccurs="0"/>
+        </xs:sequence>
+      </xs:complexType>
+    </xs:element>
+    <xs:element name="EntityDisplayName" type="xs:string"/>
+    <xs:element name="EntityInstanceReference" type="xs:string"/>
+    <xs:element name="EntityId1" type="xs:string"/>
+    <xs:element name="EntityId2" type="xs:string"/>
+    <xs:element name="EntityId3" type="xs:string"/>
+    <xs:element name="EntityId4" type="xs:string"/>
+    <xs:element name="EntityId5" type="xs:string"/>
+    <xs:element name="Terms">
+      <xs:complexType>
+        <xs:sequence>
+          <xs:element ref="pc:TermInfo" minOccurs="0" maxOccurs="unbounded"/>
+        </xs:sequence>
+      </xs:complexType>
+    </xs:element>
+    <xs:element name="TermInfo">
+      <xs:complexType>
+        <xs:sequence>
+          <xs:element ref="pc:TermName" minOccurs="0"/>
+          <xs:element ref="pc:TermId" minOccurs="0"/>
+        </xs:sequence>
+      </xs:complexType>
+    </xs:element>
+    <xs:element name="TermName" type="xs:string"/>
+    <xs:element name="TermId" type="xs:string"/>
+  </xs:schema>
+</ct:contentTypeSchema>
+</file>
+
+<file path=customXml/item2.xml><?xml version="1.0" encoding="utf-8"?>
+<?mso-contentType ?>
+<FormTemplates xmlns="http://schemas.microsoft.com/sharepoint/v3/contenttype/forms">
+  <Display>DocumentLibraryForm</Display>
+  <Edit>DocumentLibraryForm</Edit>
+  <New>DocumentLibraryForm</New>
+</FormTemplates>
+</file>
+
+<file path=customXml/item3.xml><?xml version="1.0" encoding="utf-8"?>
+<p:properties xmlns:p="http://schemas.microsoft.com/office/2006/metadata/properties" xmlns:xsi="http://www.w3.org/2001/XMLSchema-instance" xmlns:pc="http://schemas.microsoft.com/office/infopath/2007/PartnerControls">
+  <documentManagement/>
+</p:properties>
+</file>
+
+<file path=customXml/itemProps1.xml><?xml version="1.0" encoding="utf-8"?>
+<ds:datastoreItem xmlns:ds="http://schemas.openxmlformats.org/officeDocument/2006/customXml" ds:itemID="{AAAE09A6-BAC2-4169-AB39-B180F66720A2}">
+  <ds:schemaRefs>
+    <ds:schemaRef ds:uri="http://schemas.microsoft.com/office/2006/metadata/contentType"/>
+    <ds:schemaRef ds:uri="http://schemas.microsoft.com/office/2006/metadata/properties/metaAttributes"/>
+    <ds:schemaRef ds:uri="http://www.w3.org/2001/XMLSchema"/>
+    <ds:schemaRef ds:uri="http://schemas.microsoft.com/office/2006/metadata/properties"/>
+    <ds:schemaRef ds:uri="5d73ab29-3649-4225-a769-eb83518d840d"/>
+    <ds:schemaRef ds:uri="d831696b-2864-4103-9d93-f1bc0541c4b3"/>
+    <ds:schemaRef ds:uri="http://schemas.microsoft.com/office/2006/documentManagement/types"/>
+    <ds:schemaRef ds:uri="http://schemas.microsoft.com/office/infopath/2007/PartnerControls"/>
+    <ds:schemaRef ds:uri="http://schemas.openxmlformats.org/package/2006/metadata/core-properties"/>
+    <ds:schemaRef ds:uri="http://purl.org/dc/elements/1.1/"/>
+    <ds:schemaRef ds:uri="http://purl.org/dc/terms/"/>
+    <ds:schemaRef ds:uri="http://schemas.microsoft.com/internal/obd"/>
+  </ds:schemaRefs>
+</ds:datastoreItem>
+</file>
+
+<file path=customXml/itemProps2.xml><?xml version="1.0" encoding="utf-8"?>
+<ds:datastoreItem xmlns:ds="http://schemas.openxmlformats.org/officeDocument/2006/customXml" ds:itemID="{2AF9334E-65F3-45AD-ADF4-6A2A39642515}">
+  <ds:schemaRefs>
+    <ds:schemaRef ds:uri="http://schemas.microsoft.com/sharepoint/v3/contenttype/forms"/>
+  </ds:schemaRefs>
+</ds:datastoreItem>
+</file>
+
+<file path=customXml/itemProps3.xml><?xml version="1.0" encoding="utf-8"?>
+<ds:datastoreItem xmlns:ds="http://schemas.openxmlformats.org/officeDocument/2006/customXml" ds:itemID="{3710373F-8D6B-4BB5-A663-F606F735B3D8}">
+  <ds:schemaRefs>
+    <ds:schemaRef ds:uri="http://purl.org/dc/elements/1.1/"/>
+    <ds:schemaRef ds:uri="http://schemas.microsoft.com/office/2006/metadata/properties"/>
+    <ds:schemaRef ds:uri="http://schemas.microsoft.com/office/2006/documentManagement/types"/>
+    <ds:schemaRef ds:uri="d831696b-2864-4103-9d93-f1bc0541c4b3"/>
+    <ds:schemaRef ds:uri="5d73ab29-3649-4225-a769-eb83518d840d"/>
+    <ds:schemaRef ds:uri="http://purl.org/dc/dcmitype/"/>
+    <ds:schemaRef ds:uri="http://schemas.microsoft.com/office/infopath/2007/PartnerControls"/>
+    <ds:schemaRef ds:uri="http://schemas.openxmlformats.org/package/2006/metadata/core-properties"/>
+    <ds:schemaRef ds:uri="http://www.w3.org/XML/1998/namespace"/>
+    <ds:schemaRef ds:uri="http://purl.org/dc/terms/"/>
+  </ds:schemaRefs>
+</ds:datastoreItem>
 </file>